--- a/Slides/1 - Introducing Knockout.pptx
+++ b/Slides/1 - Introducing Knockout.pptx
@@ -5,7 +5,7 @@
     <p:sldMasterId id="2147483660" r:id="rId1"/>
   </p:sldMasterIdLst>
   <p:notesMasterIdLst>
-    <p:notesMasterId r:id="rId20"/>
+    <p:notesMasterId r:id="rId25"/>
   </p:notesMasterIdLst>
   <p:sldIdLst>
     <p:sldId id="451" r:id="rId2"/>
@@ -15,17 +15,22 @@
     <p:sldId id="462" r:id="rId6"/>
     <p:sldId id="457" r:id="rId7"/>
     <p:sldId id="438" r:id="rId8"/>
-    <p:sldId id="257" r:id="rId9"/>
-    <p:sldId id="444" r:id="rId10"/>
-    <p:sldId id="463" r:id="rId11"/>
-    <p:sldId id="464" r:id="rId12"/>
-    <p:sldId id="465" r:id="rId13"/>
-    <p:sldId id="466" r:id="rId14"/>
-    <p:sldId id="468" r:id="rId15"/>
-    <p:sldId id="469" r:id="rId16"/>
-    <p:sldId id="470" r:id="rId17"/>
-    <p:sldId id="467" r:id="rId18"/>
-    <p:sldId id="450" r:id="rId19"/>
+    <p:sldId id="472" r:id="rId9"/>
+    <p:sldId id="257" r:id="rId10"/>
+    <p:sldId id="444" r:id="rId11"/>
+    <p:sldId id="473" r:id="rId12"/>
+    <p:sldId id="474" r:id="rId13"/>
+    <p:sldId id="475" r:id="rId14"/>
+    <p:sldId id="476" r:id="rId15"/>
+    <p:sldId id="477" r:id="rId16"/>
+    <p:sldId id="466" r:id="rId17"/>
+    <p:sldId id="468" r:id="rId18"/>
+    <p:sldId id="469" r:id="rId19"/>
+    <p:sldId id="470" r:id="rId20"/>
+    <p:sldId id="467" r:id="rId21"/>
+    <p:sldId id="478" r:id="rId22"/>
+    <p:sldId id="471" r:id="rId23"/>
+    <p:sldId id="450" r:id="rId24"/>
   </p:sldIdLst>
   <p:sldSz cx="12192000" cy="6858000"/>
   <p:notesSz cx="6858000" cy="9144000"/>
@@ -136,16 +141,21 @@
             <p14:sldId id="462"/>
             <p14:sldId id="457"/>
             <p14:sldId id="438"/>
+            <p14:sldId id="472"/>
             <p14:sldId id="257"/>
             <p14:sldId id="444"/>
-            <p14:sldId id="463"/>
-            <p14:sldId id="464"/>
-            <p14:sldId id="465"/>
+            <p14:sldId id="473"/>
+            <p14:sldId id="474"/>
+            <p14:sldId id="475"/>
+            <p14:sldId id="476"/>
+            <p14:sldId id="477"/>
             <p14:sldId id="466"/>
             <p14:sldId id="468"/>
             <p14:sldId id="469"/>
             <p14:sldId id="470"/>
             <p14:sldId id="467"/>
+            <p14:sldId id="478"/>
+            <p14:sldId id="471"/>
             <p14:sldId id="450"/>
           </p14:sldIdLst>
         </p14:section>
@@ -246,7 +256,7 @@
           <a:p>
             <a:fld id="{A9DDBD42-E139-45FA-9C16-1611187CAC3F}" type="datetimeFigureOut">
               <a:rPr lang="en-US" smtClean="0"/>
-              <a:t>9/5/2015</a:t>
+              <a:t>9/8/2015</a:t>
             </a:fld>
             <a:endParaRPr lang="en-US"/>
           </a:p>
@@ -604,6 +614,90 @@
 </p:notes>
 </file>
 
+<file path=ppt/notesSlides/notesSlide10.xml><?xml version="1.0" encoding="utf-8"?>
+<p:notes xmlns:a="http://schemas.openxmlformats.org/drawingml/2006/main" xmlns:r="http://schemas.openxmlformats.org/officeDocument/2006/relationships" xmlns:p="http://schemas.openxmlformats.org/presentationml/2006/main">
+  <p:cSld>
+    <p:spTree>
+      <p:nvGrpSpPr>
+        <p:cNvPr id="1" name=""/>
+        <p:cNvGrpSpPr/>
+        <p:nvPr/>
+      </p:nvGrpSpPr>
+      <p:grpSpPr>
+        <a:xfrm>
+          <a:off x="0" y="0"/>
+          <a:ext cx="0" cy="0"/>
+          <a:chOff x="0" y="0"/>
+          <a:chExt cx="0" cy="0"/>
+        </a:xfrm>
+      </p:grpSpPr>
+      <p:sp>
+        <p:nvSpPr>
+          <p:cNvPr id="2" name="Slide Image Placeholder 1"/>
+          <p:cNvSpPr>
+            <a:spLocks noGrp="1" noRot="1" noChangeAspect="1"/>
+          </p:cNvSpPr>
+          <p:nvPr>
+            <p:ph type="sldImg"/>
+          </p:nvPr>
+        </p:nvSpPr>
+        <p:spPr/>
+      </p:sp>
+      <p:sp>
+        <p:nvSpPr>
+          <p:cNvPr id="3" name="Notes Placeholder 2"/>
+          <p:cNvSpPr>
+            <a:spLocks noGrp="1"/>
+          </p:cNvSpPr>
+          <p:nvPr>
+            <p:ph type="body" idx="1"/>
+          </p:nvPr>
+        </p:nvSpPr>
+        <p:spPr/>
+        <p:txBody>
+          <a:bodyPr/>
+          <a:lstStyle/>
+          <a:p>
+            <a:endParaRPr lang="en-US" dirty="0"/>
+          </a:p>
+        </p:txBody>
+      </p:sp>
+      <p:sp>
+        <p:nvSpPr>
+          <p:cNvPr id="4" name="Slide Number Placeholder 3"/>
+          <p:cNvSpPr>
+            <a:spLocks noGrp="1"/>
+          </p:cNvSpPr>
+          <p:nvPr>
+            <p:ph type="sldNum" sz="quarter" idx="10"/>
+          </p:nvPr>
+        </p:nvSpPr>
+        <p:spPr/>
+        <p:txBody>
+          <a:bodyPr/>
+          <a:lstStyle/>
+          <a:p>
+            <a:fld id="{906AB01E-7BD7-442B-8A6B-D31FAFDAE830}" type="slidenum">
+              <a:rPr lang="en-US" smtClean="0"/>
+              <a:t>20</a:t>
+            </a:fld>
+            <a:endParaRPr lang="en-US"/>
+          </a:p>
+        </p:txBody>
+      </p:sp>
+    </p:spTree>
+    <p:extLst>
+      <p:ext uri="{BB962C8B-B14F-4D97-AF65-F5344CB8AC3E}">
+        <p14:creationId xmlns:p14="http://schemas.microsoft.com/office/powerpoint/2010/main" val="1149675431"/>
+      </p:ext>
+    </p:extLst>
+  </p:cSld>
+  <p:clrMapOvr>
+    <a:masterClrMapping/>
+  </p:clrMapOvr>
+</p:notes>
+</file>
+
 <file path=ppt/notesSlides/notesSlide2.xml><?xml version="1.0" encoding="utf-8"?>
 <p:notes xmlns:a="http://schemas.openxmlformats.org/drawingml/2006/main" xmlns:r="http://schemas.openxmlformats.org/officeDocument/2006/relationships" xmlns:p="http://schemas.openxmlformats.org/presentationml/2006/main">
   <p:cSld>
@@ -931,7 +1025,7 @@
           <a:p>
             <a:fld id="{906AB01E-7BD7-442B-8A6B-D31FAFDAE830}" type="slidenum">
               <a:rPr lang="en-US" smtClean="0"/>
-              <a:t>8</a:t>
+              <a:t>9</a:t>
             </a:fld>
             <a:endParaRPr lang="en-US" dirty="0"/>
           </a:p>
@@ -1015,7 +1109,7 @@
           <a:p>
             <a:fld id="{906AB01E-7BD7-442B-8A6B-D31FAFDAE830}" type="slidenum">
               <a:rPr lang="en-US" smtClean="0"/>
-              <a:t>9</a:t>
+              <a:t>10</a:t>
             </a:fld>
             <a:endParaRPr lang="en-US"/>
           </a:p>
@@ -1099,7 +1193,7 @@
           <a:p>
             <a:fld id="{906AB01E-7BD7-442B-8A6B-D31FAFDAE830}" type="slidenum">
               <a:rPr lang="en-US" smtClean="0"/>
-              <a:t>14</a:t>
+              <a:t>17</a:t>
             </a:fld>
             <a:endParaRPr lang="en-US"/>
           </a:p>
@@ -1183,7 +1277,7 @@
           <a:p>
             <a:fld id="{906AB01E-7BD7-442B-8A6B-D31FAFDAE830}" type="slidenum">
               <a:rPr lang="en-US" smtClean="0"/>
-              <a:t>15</a:t>
+              <a:t>18</a:t>
             </a:fld>
             <a:endParaRPr lang="en-US"/>
           </a:p>
@@ -1267,7 +1361,7 @@
           <a:p>
             <a:fld id="{906AB01E-7BD7-442B-8A6B-D31FAFDAE830}" type="slidenum">
               <a:rPr lang="en-US" smtClean="0"/>
-              <a:t>16</a:t>
+              <a:t>19</a:t>
             </a:fld>
             <a:endParaRPr lang="en-US"/>
           </a:p>
@@ -3903,11 +3997,7 @@
           <a:p>
             <a:r>
               <a:rPr lang="en-US" dirty="0" smtClean="0"/>
-              <a:t>Jon Galloway | </a:t>
-            </a:r>
-            <a:r>
-              <a:rPr lang="en-US" dirty="0" smtClean="0"/>
-              <a:t>Technical Evangelist</a:t>
+              <a:t>Jon Galloway | Technical Evangelist</a:t>
             </a:r>
           </a:p>
           <a:p>
@@ -3985,12 +4075,12 @@
       </p:grpSpPr>
       <p:sp>
         <p:nvSpPr>
-          <p:cNvPr id="2" name="Text Placeholder 1"/>
+          <p:cNvPr id="5" name="Title 4"/>
           <p:cNvSpPr>
             <a:spLocks noGrp="1"/>
           </p:cNvSpPr>
           <p:nvPr>
-            <p:ph type="body" sz="quarter" idx="10"/>
+            <p:ph type="title"/>
           </p:nvPr>
         </p:nvSpPr>
         <p:spPr/>
@@ -3999,36 +4089,17 @@
           <a:lstStyle/>
           <a:p>
             <a:r>
-              <a:rPr lang="en-US" dirty="0" smtClean="0"/>
-              <a:t>MVVM Concepts</a:t>
+              <a:rPr lang="en-CA" dirty="0" smtClean="0"/>
+              <a:t>What we’ll be building</a:t>
             </a:r>
             <a:endParaRPr lang="en-US" dirty="0"/>
-          </a:p>
-        </p:txBody>
-      </p:sp>
-      <p:sp>
-        <p:nvSpPr>
-          <p:cNvPr id="3" name="Subtitle 2"/>
-          <p:cNvSpPr>
-            <a:spLocks noGrp="1"/>
-          </p:cNvSpPr>
-          <p:nvPr>
-            <p:ph type="subTitle" idx="1"/>
-          </p:nvPr>
-        </p:nvSpPr>
-        <p:spPr/>
-        <p:txBody>
-          <a:bodyPr/>
-          <a:lstStyle/>
-          <a:p>
-            <a:endParaRPr lang="en-US"/>
           </a:p>
         </p:txBody>
       </p:sp>
     </p:spTree>
     <p:extLst>
       <p:ext uri="{BB962C8B-B14F-4D97-AF65-F5344CB8AC3E}">
-        <p14:creationId xmlns:p14="http://schemas.microsoft.com/office/powerpoint/2010/main" val="1327894403"/>
+        <p14:creationId xmlns:p14="http://schemas.microsoft.com/office/powerpoint/2010/main" val="757686776"/>
       </p:ext>
     </p:extLst>
   </p:cSld>
@@ -4064,7 +4135,7 @@
       </p:grpSpPr>
       <p:sp>
         <p:nvSpPr>
-          <p:cNvPr id="2" name="Text Placeholder 1"/>
+          <p:cNvPr id="4" name="Text Placeholder 3"/>
           <p:cNvSpPr>
             <a:spLocks noGrp="1"/>
           </p:cNvSpPr>
@@ -4079,7 +4150,7 @@
           <a:p>
             <a:r>
               <a:rPr lang="en-US" dirty="0" smtClean="0"/>
-              <a:t>Knockout vs. jQuery</a:t>
+              <a:t>What is Knockout?</a:t>
             </a:r>
             <a:endParaRPr lang="en-US" dirty="0"/>
           </a:p>
@@ -4100,27 +4171,20 @@
           <a:bodyPr/>
           <a:lstStyle/>
           <a:p>
-            <a:endParaRPr lang="en-US"/>
+            <a:endParaRPr lang="en-US" dirty="0"/>
           </a:p>
         </p:txBody>
       </p:sp>
     </p:spTree>
     <p:extLst>
       <p:ext uri="{BB962C8B-B14F-4D97-AF65-F5344CB8AC3E}">
-        <p14:creationId xmlns:p14="http://schemas.microsoft.com/office/powerpoint/2010/main" val="2875753425"/>
+        <p14:creationId xmlns:p14="http://schemas.microsoft.com/office/powerpoint/2010/main" val="4087148463"/>
       </p:ext>
     </p:extLst>
   </p:cSld>
   <p:clrMapOvr>
     <a:masterClrMapping/>
   </p:clrMapOvr>
-  <p:timing>
-    <p:tnLst>
-      <p:par>
-        <p:cTn id="1" dur="indefinite" restart="never" nodeType="tmRoot"/>
-      </p:par>
-    </p:tnLst>
-  </p:timing>
 </p:sld>
 </file>
 
@@ -4143,12 +4207,12 @@
       </p:grpSpPr>
       <p:sp>
         <p:nvSpPr>
-          <p:cNvPr id="2" name="Text Placeholder 1"/>
+          <p:cNvPr id="4" name="Title 3"/>
           <p:cNvSpPr>
             <a:spLocks noGrp="1"/>
           </p:cNvSpPr>
           <p:nvPr>
-            <p:ph type="body" sz="quarter" idx="10"/>
+            <p:ph type="title"/>
           </p:nvPr>
         </p:nvSpPr>
         <p:spPr/>
@@ -4158,7 +4222,7 @@
           <a:p>
             <a:r>
               <a:rPr lang="en-US" dirty="0" smtClean="0"/>
-              <a:t>Knockout vs. Other SPA Approaches</a:t>
+              <a:t>What Knockout provides</a:t>
             </a:r>
             <a:endParaRPr lang="en-US" dirty="0"/>
           </a:p>
@@ -4166,12 +4230,12 @@
       </p:sp>
       <p:sp>
         <p:nvSpPr>
-          <p:cNvPr id="3" name="Subtitle 2"/>
+          <p:cNvPr id="5" name="Content Placeholder 4"/>
           <p:cNvSpPr>
             <a:spLocks noGrp="1"/>
           </p:cNvSpPr>
           <p:nvPr>
-            <p:ph type="subTitle" idx="1"/>
+            <p:ph sz="quarter" idx="10"/>
           </p:nvPr>
         </p:nvSpPr>
         <p:spPr/>
@@ -4179,27 +4243,54 @@
           <a:bodyPr/>
           <a:lstStyle/>
           <a:p>
-            <a:endParaRPr lang="en-US"/>
+            <a:r>
+              <a:rPr lang="en-US" dirty="0" smtClean="0"/>
+              <a:t>An MVVM library</a:t>
+            </a:r>
+          </a:p>
+          <a:p>
+            <a:r>
+              <a:rPr lang="en-US" dirty="0" smtClean="0"/>
+              <a:t>Automatic UI refresh and updates</a:t>
+            </a:r>
+          </a:p>
+          <a:p>
+            <a:r>
+              <a:rPr lang="en-US" dirty="0" smtClean="0"/>
+              <a:t>Reusable templates</a:t>
+            </a:r>
+          </a:p>
+          <a:p>
+            <a:r>
+              <a:rPr lang="en-US" dirty="0" smtClean="0"/>
+              <a:t>Can be used with nearly any framework</a:t>
+            </a:r>
+          </a:p>
+          <a:p>
+            <a:r>
+              <a:rPr lang="en-US" dirty="0" smtClean="0"/>
+              <a:t>Focused on data binding</a:t>
+            </a:r>
+          </a:p>
+          <a:p>
+            <a:r>
+              <a:rPr lang="en-US" dirty="0" smtClean="0"/>
+              <a:t>Small library size</a:t>
+            </a:r>
+            <a:endParaRPr lang="en-US" dirty="0"/>
           </a:p>
         </p:txBody>
       </p:sp>
     </p:spTree>
     <p:extLst>
       <p:ext uri="{BB962C8B-B14F-4D97-AF65-F5344CB8AC3E}">
-        <p14:creationId xmlns:p14="http://schemas.microsoft.com/office/powerpoint/2010/main" val="3537461208"/>
+        <p14:creationId xmlns:p14="http://schemas.microsoft.com/office/powerpoint/2010/main" val="1703688459"/>
       </p:ext>
     </p:extLst>
   </p:cSld>
   <p:clrMapOvr>
     <a:masterClrMapping/>
   </p:clrMapOvr>
-  <p:timing>
-    <p:tnLst>
-      <p:par>
-        <p:cTn id="1" dur="indefinite" restart="never" nodeType="tmRoot"/>
-      </p:par>
-    </p:tnLst>
-  </p:timing>
 </p:sld>
 </file>
 
@@ -4222,12 +4313,12 @@
       </p:grpSpPr>
       <p:sp>
         <p:nvSpPr>
-          <p:cNvPr id="2" name="Text Placeholder 1"/>
+          <p:cNvPr id="2" name="Title 1"/>
           <p:cNvSpPr>
             <a:spLocks noGrp="1"/>
           </p:cNvSpPr>
           <p:nvPr>
-            <p:ph type="body" sz="quarter" idx="10"/>
+            <p:ph type="title"/>
           </p:nvPr>
         </p:nvSpPr>
         <p:spPr/>
@@ -4237,7 +4328,7 @@
           <a:p>
             <a:r>
               <a:rPr lang="en-US" dirty="0" smtClean="0"/>
-              <a:t>Getting Started</a:t>
+              <a:t>What Knockout isn’t</a:t>
             </a:r>
             <a:endParaRPr lang="en-US" dirty="0"/>
           </a:p>
@@ -4245,12 +4336,12 @@
       </p:sp>
       <p:sp>
         <p:nvSpPr>
-          <p:cNvPr id="3" name="Subtitle 2"/>
+          <p:cNvPr id="3" name="Content Placeholder 2"/>
           <p:cNvSpPr>
             <a:spLocks noGrp="1"/>
           </p:cNvSpPr>
           <p:nvPr>
-            <p:ph type="subTitle" idx="1"/>
+            <p:ph sz="quarter" idx="10"/>
           </p:nvPr>
         </p:nvSpPr>
         <p:spPr/>
@@ -4258,27 +4349,39 @@
           <a:bodyPr/>
           <a:lstStyle/>
           <a:p>
-            <a:endParaRPr lang="en-US"/>
+            <a:r>
+              <a:rPr lang="en-US" dirty="0" smtClean="0"/>
+              <a:t>A full framework</a:t>
+            </a:r>
+          </a:p>
+          <a:p>
+            <a:endParaRPr lang="en-US" dirty="0"/>
+          </a:p>
+          <a:p>
+            <a:r>
+              <a:rPr lang="en-US" dirty="0" smtClean="0"/>
+              <a:t>Knockout doesn’t compete with jQuery</a:t>
+            </a:r>
+          </a:p>
+          <a:p>
+            <a:pPr lvl="1"/>
+            <a:r>
+              <a:rPr lang="en-US" dirty="0" smtClean="0"/>
+              <a:t>Still use jQuery for Ajax calls and effects</a:t>
+            </a:r>
           </a:p>
         </p:txBody>
       </p:sp>
     </p:spTree>
     <p:extLst>
       <p:ext uri="{BB962C8B-B14F-4D97-AF65-F5344CB8AC3E}">
-        <p14:creationId xmlns:p14="http://schemas.microsoft.com/office/powerpoint/2010/main" val="1706519822"/>
+        <p14:creationId xmlns:p14="http://schemas.microsoft.com/office/powerpoint/2010/main" val="2928231689"/>
       </p:ext>
     </p:extLst>
   </p:cSld>
   <p:clrMapOvr>
     <a:masterClrMapping/>
   </p:clrMapOvr>
-  <p:timing>
-    <p:tnLst>
-      <p:par>
-        <p:cTn id="1" dur="indefinite" restart="never" nodeType="tmRoot"/>
-      </p:par>
-    </p:tnLst>
-  </p:timing>
 </p:sld>
 </file>
 
@@ -4301,7 +4404,7 @@
       </p:grpSpPr>
       <p:sp>
         <p:nvSpPr>
-          <p:cNvPr id="5" name="Title 4"/>
+          <p:cNvPr id="2" name="Title 1"/>
           <p:cNvSpPr>
             <a:spLocks noGrp="1"/>
           </p:cNvSpPr>
@@ -4315,8 +4418,64 @@
           <a:lstStyle/>
           <a:p>
             <a:r>
-              <a:rPr lang="en-CA" dirty="0" smtClean="0"/>
-              <a:t>Getting Knockout with NuGet</a:t>
+              <a:rPr lang="en-US" dirty="0" smtClean="0"/>
+              <a:t>What is MVVM?</a:t>
+            </a:r>
+            <a:endParaRPr lang="en-US" dirty="0"/>
+          </a:p>
+        </p:txBody>
+      </p:sp>
+      <p:sp>
+        <p:nvSpPr>
+          <p:cNvPr id="3" name="Content Placeholder 2"/>
+          <p:cNvSpPr>
+            <a:spLocks noGrp="1"/>
+          </p:cNvSpPr>
+          <p:nvPr>
+            <p:ph sz="quarter" idx="10"/>
+          </p:nvPr>
+        </p:nvSpPr>
+        <p:spPr/>
+        <p:txBody>
+          <a:bodyPr/>
+          <a:lstStyle/>
+          <a:p>
+            <a:r>
+              <a:rPr lang="en-US" dirty="0" smtClean="0"/>
+              <a:t>Model</a:t>
+            </a:r>
+          </a:p>
+          <a:p>
+            <a:pPr lvl="1"/>
+            <a:r>
+              <a:rPr lang="en-US" dirty="0" smtClean="0"/>
+              <a:t>Domain model (or data access layer)</a:t>
+            </a:r>
+          </a:p>
+          <a:p>
+            <a:r>
+              <a:rPr lang="en-US" dirty="0" smtClean="0"/>
+              <a:t>View</a:t>
+            </a:r>
+          </a:p>
+          <a:p>
+            <a:pPr lvl="1"/>
+            <a:r>
+              <a:rPr lang="en-US" dirty="0" smtClean="0"/>
+              <a:t>The display the user will see</a:t>
+            </a:r>
+          </a:p>
+          <a:p>
+            <a:r>
+              <a:rPr lang="en-US" dirty="0" smtClean="0"/>
+              <a:t>View model</a:t>
+            </a:r>
+          </a:p>
+          <a:p>
+            <a:pPr lvl="1"/>
+            <a:r>
+              <a:rPr lang="en-US" dirty="0" smtClean="0"/>
+              <a:t>The data the user will see</a:t>
             </a:r>
             <a:endParaRPr lang="en-US" dirty="0"/>
           </a:p>
@@ -4325,20 +4484,13 @@
     </p:spTree>
     <p:extLst>
       <p:ext uri="{BB962C8B-B14F-4D97-AF65-F5344CB8AC3E}">
-        <p14:creationId xmlns:p14="http://schemas.microsoft.com/office/powerpoint/2010/main" val="461796257"/>
+        <p14:creationId xmlns:p14="http://schemas.microsoft.com/office/powerpoint/2010/main" val="663136493"/>
       </p:ext>
     </p:extLst>
   </p:cSld>
   <p:clrMapOvr>
     <a:masterClrMapping/>
   </p:clrMapOvr>
-  <p:timing>
-    <p:tnLst>
-      <p:par>
-        <p:cTn id="1" dur="indefinite" restart="never" nodeType="tmRoot"/>
-      </p:par>
-    </p:tnLst>
-  </p:timing>
 </p:sld>
 </file>
 
@@ -4361,7 +4513,7 @@
       </p:grpSpPr>
       <p:sp>
         <p:nvSpPr>
-          <p:cNvPr id="5" name="Title 4"/>
+          <p:cNvPr id="2" name="Title 1"/>
           <p:cNvSpPr>
             <a:spLocks noGrp="1"/>
           </p:cNvSpPr>
@@ -4375,8 +4527,627 @@
           <a:lstStyle/>
           <a:p>
             <a:r>
-              <a:rPr lang="en-CA" dirty="0" smtClean="0"/>
-              <a:t>Getting Knockout with Bower</a:t>
+              <a:rPr lang="en-US" dirty="0" smtClean="0"/>
+              <a:t>MVVM in pictures</a:t>
+            </a:r>
+            <a:endParaRPr lang="en-US" dirty="0"/>
+          </a:p>
+        </p:txBody>
+      </p:sp>
+      <p:sp>
+        <p:nvSpPr>
+          <p:cNvPr id="4" name="Rounded Rectangle 3"/>
+          <p:cNvSpPr/>
+          <p:nvPr/>
+        </p:nvSpPr>
+        <p:spPr>
+          <a:xfrm>
+            <a:off x="379514" y="2637418"/>
+            <a:ext cx="3679115" cy="2173044"/>
+          </a:xfrm>
+          <a:prstGeom prst="roundRect">
+            <a:avLst>
+              <a:gd name="adj" fmla="val 11262"/>
+            </a:avLst>
+          </a:prstGeom>
+        </p:spPr>
+        <p:style>
+          <a:lnRef idx="1">
+            <a:schemeClr val="accent4"/>
+          </a:lnRef>
+          <a:fillRef idx="2">
+            <a:schemeClr val="accent4"/>
+          </a:fillRef>
+          <a:effectRef idx="1">
+            <a:schemeClr val="accent4"/>
+          </a:effectRef>
+          <a:fontRef idx="minor">
+            <a:schemeClr val="dk1"/>
+          </a:fontRef>
+        </p:style>
+        <p:txBody>
+          <a:bodyPr rtlCol="0" anchor="ctr"/>
+          <a:lstStyle/>
+          <a:p>
+            <a:pPr algn="ctr"/>
+            <a:r>
+              <a:rPr lang="en-US" b="1" dirty="0" smtClean="0"/>
+              <a:t>View</a:t>
+            </a:r>
+          </a:p>
+          <a:p>
+            <a:pPr algn="ctr"/>
+            <a:endParaRPr lang="en-US" dirty="0"/>
+          </a:p>
+          <a:p>
+            <a:pPr algn="ctr"/>
+            <a:endParaRPr lang="en-US" dirty="0" smtClean="0"/>
+          </a:p>
+          <a:p>
+            <a:pPr algn="ctr"/>
+            <a:endParaRPr lang="en-US" dirty="0"/>
+          </a:p>
+          <a:p>
+            <a:pPr algn="ctr"/>
+            <a:endParaRPr lang="en-US" dirty="0" smtClean="0"/>
+          </a:p>
+          <a:p>
+            <a:pPr algn="ctr"/>
+            <a:endParaRPr lang="en-US" dirty="0"/>
+          </a:p>
+          <a:p>
+            <a:pPr algn="ctr"/>
+            <a:endParaRPr lang="en-US" dirty="0"/>
+          </a:p>
+        </p:txBody>
+      </p:sp>
+      <p:sp>
+        <p:nvSpPr>
+          <p:cNvPr id="5" name="Rounded Rectangle 4"/>
+          <p:cNvSpPr/>
+          <p:nvPr/>
+        </p:nvSpPr>
+        <p:spPr>
+          <a:xfrm>
+            <a:off x="938911" y="3196816"/>
+            <a:ext cx="2689411" cy="527124"/>
+          </a:xfrm>
+          <a:prstGeom prst="roundRect">
+            <a:avLst/>
+          </a:prstGeom>
+        </p:spPr>
+        <p:style>
+          <a:lnRef idx="0">
+            <a:schemeClr val="accent4"/>
+          </a:lnRef>
+          <a:fillRef idx="3">
+            <a:schemeClr val="accent4"/>
+          </a:fillRef>
+          <a:effectRef idx="3">
+            <a:schemeClr val="accent4"/>
+          </a:effectRef>
+          <a:fontRef idx="minor">
+            <a:schemeClr val="lt1"/>
+          </a:fontRef>
+        </p:style>
+        <p:txBody>
+          <a:bodyPr rtlCol="0" anchor="ctr"/>
+          <a:lstStyle/>
+          <a:p>
+            <a:pPr algn="ctr"/>
+            <a:r>
+              <a:rPr lang="en-US" dirty="0" smtClean="0"/>
+              <a:t>Name</a:t>
+            </a:r>
+            <a:endParaRPr lang="en-US" dirty="0"/>
+          </a:p>
+        </p:txBody>
+      </p:sp>
+      <p:sp>
+        <p:nvSpPr>
+          <p:cNvPr id="6" name="Rounded Rectangle 5"/>
+          <p:cNvSpPr/>
+          <p:nvPr/>
+        </p:nvSpPr>
+        <p:spPr>
+          <a:xfrm>
+            <a:off x="938912" y="3955228"/>
+            <a:ext cx="2689411" cy="527124"/>
+          </a:xfrm>
+          <a:prstGeom prst="roundRect">
+            <a:avLst/>
+          </a:prstGeom>
+        </p:spPr>
+        <p:style>
+          <a:lnRef idx="0">
+            <a:schemeClr val="accent4"/>
+          </a:lnRef>
+          <a:fillRef idx="3">
+            <a:schemeClr val="accent4"/>
+          </a:fillRef>
+          <a:effectRef idx="3">
+            <a:schemeClr val="accent4"/>
+          </a:effectRef>
+          <a:fontRef idx="minor">
+            <a:schemeClr val="lt1"/>
+          </a:fontRef>
+        </p:style>
+        <p:txBody>
+          <a:bodyPr rtlCol="0" anchor="ctr"/>
+          <a:lstStyle/>
+          <a:p>
+            <a:pPr algn="ctr"/>
+            <a:r>
+              <a:rPr lang="en-US" dirty="0" smtClean="0"/>
+              <a:t>Email</a:t>
+            </a:r>
+            <a:endParaRPr lang="en-US" dirty="0"/>
+          </a:p>
+        </p:txBody>
+      </p:sp>
+      <p:sp>
+        <p:nvSpPr>
+          <p:cNvPr id="7" name="Rounded Rectangle 6"/>
+          <p:cNvSpPr/>
+          <p:nvPr/>
+        </p:nvSpPr>
+        <p:spPr>
+          <a:xfrm>
+            <a:off x="4393012" y="2637418"/>
+            <a:ext cx="3679115" cy="2173044"/>
+          </a:xfrm>
+          <a:prstGeom prst="roundRect">
+            <a:avLst>
+              <a:gd name="adj" fmla="val 11262"/>
+            </a:avLst>
+          </a:prstGeom>
+        </p:spPr>
+        <p:style>
+          <a:lnRef idx="1">
+            <a:schemeClr val="accent3"/>
+          </a:lnRef>
+          <a:fillRef idx="2">
+            <a:schemeClr val="accent3"/>
+          </a:fillRef>
+          <a:effectRef idx="1">
+            <a:schemeClr val="accent3"/>
+          </a:effectRef>
+          <a:fontRef idx="minor">
+            <a:schemeClr val="dk1"/>
+          </a:fontRef>
+        </p:style>
+        <p:txBody>
+          <a:bodyPr rtlCol="0" anchor="ctr"/>
+          <a:lstStyle/>
+          <a:p>
+            <a:pPr algn="ctr"/>
+            <a:r>
+              <a:rPr lang="en-US" b="1" dirty="0" smtClean="0"/>
+              <a:t>View Model</a:t>
+            </a:r>
+          </a:p>
+          <a:p>
+            <a:pPr algn="ctr"/>
+            <a:endParaRPr lang="en-US" dirty="0"/>
+          </a:p>
+          <a:p>
+            <a:pPr algn="ctr"/>
+            <a:endParaRPr lang="en-US" dirty="0" smtClean="0"/>
+          </a:p>
+          <a:p>
+            <a:pPr algn="ctr"/>
+            <a:endParaRPr lang="en-US" dirty="0"/>
+          </a:p>
+          <a:p>
+            <a:pPr algn="ctr"/>
+            <a:endParaRPr lang="en-US" dirty="0" smtClean="0"/>
+          </a:p>
+          <a:p>
+            <a:pPr algn="ctr"/>
+            <a:endParaRPr lang="en-US" dirty="0"/>
+          </a:p>
+          <a:p>
+            <a:pPr algn="ctr"/>
+            <a:endParaRPr lang="en-US" dirty="0"/>
+          </a:p>
+        </p:txBody>
+      </p:sp>
+      <p:sp>
+        <p:nvSpPr>
+          <p:cNvPr id="8" name="Rounded Rectangle 7"/>
+          <p:cNvSpPr/>
+          <p:nvPr/>
+        </p:nvSpPr>
+        <p:spPr>
+          <a:xfrm>
+            <a:off x="4920136" y="3196816"/>
+            <a:ext cx="2689411" cy="527124"/>
+          </a:xfrm>
+          <a:prstGeom prst="roundRect">
+            <a:avLst/>
+          </a:prstGeom>
+        </p:spPr>
+        <p:style>
+          <a:lnRef idx="0">
+            <a:schemeClr val="accent3"/>
+          </a:lnRef>
+          <a:fillRef idx="3">
+            <a:schemeClr val="accent3"/>
+          </a:fillRef>
+          <a:effectRef idx="3">
+            <a:schemeClr val="accent3"/>
+          </a:effectRef>
+          <a:fontRef idx="minor">
+            <a:schemeClr val="lt1"/>
+          </a:fontRef>
+        </p:style>
+        <p:txBody>
+          <a:bodyPr rtlCol="0" anchor="ctr"/>
+          <a:lstStyle/>
+          <a:p>
+            <a:pPr algn="ctr"/>
+            <a:r>
+              <a:rPr lang="en-US" dirty="0" smtClean="0"/>
+              <a:t>Name</a:t>
+            </a:r>
+            <a:endParaRPr lang="en-US" dirty="0"/>
+          </a:p>
+        </p:txBody>
+      </p:sp>
+      <p:sp>
+        <p:nvSpPr>
+          <p:cNvPr id="9" name="Rounded Rectangle 8"/>
+          <p:cNvSpPr/>
+          <p:nvPr/>
+        </p:nvSpPr>
+        <p:spPr>
+          <a:xfrm>
+            <a:off x="4920137" y="3955228"/>
+            <a:ext cx="2689411" cy="527124"/>
+          </a:xfrm>
+          <a:prstGeom prst="roundRect">
+            <a:avLst/>
+          </a:prstGeom>
+        </p:spPr>
+        <p:style>
+          <a:lnRef idx="0">
+            <a:schemeClr val="accent3"/>
+          </a:lnRef>
+          <a:fillRef idx="3">
+            <a:schemeClr val="accent3"/>
+          </a:fillRef>
+          <a:effectRef idx="3">
+            <a:schemeClr val="accent3"/>
+          </a:effectRef>
+          <a:fontRef idx="minor">
+            <a:schemeClr val="lt1"/>
+          </a:fontRef>
+        </p:style>
+        <p:txBody>
+          <a:bodyPr rtlCol="0" anchor="ctr"/>
+          <a:lstStyle/>
+          <a:p>
+            <a:pPr algn="ctr"/>
+            <a:r>
+              <a:rPr lang="en-US" dirty="0" smtClean="0"/>
+              <a:t>Email</a:t>
+            </a:r>
+            <a:endParaRPr lang="en-US" dirty="0"/>
+          </a:p>
+        </p:txBody>
+      </p:sp>
+      <p:sp>
+        <p:nvSpPr>
+          <p:cNvPr id="10" name="Rounded Rectangle 9"/>
+          <p:cNvSpPr/>
+          <p:nvPr/>
+        </p:nvSpPr>
+        <p:spPr>
+          <a:xfrm>
+            <a:off x="8406510" y="1647714"/>
+            <a:ext cx="3679115" cy="4152452"/>
+          </a:xfrm>
+          <a:prstGeom prst="roundRect">
+            <a:avLst>
+              <a:gd name="adj" fmla="val 11262"/>
+            </a:avLst>
+          </a:prstGeom>
+        </p:spPr>
+        <p:style>
+          <a:lnRef idx="1">
+            <a:schemeClr val="accent5"/>
+          </a:lnRef>
+          <a:fillRef idx="2">
+            <a:schemeClr val="accent5"/>
+          </a:fillRef>
+          <a:effectRef idx="1">
+            <a:schemeClr val="accent5"/>
+          </a:effectRef>
+          <a:fontRef idx="minor">
+            <a:schemeClr val="dk1"/>
+          </a:fontRef>
+        </p:style>
+        <p:txBody>
+          <a:bodyPr rtlCol="0" anchor="ctr"/>
+          <a:lstStyle/>
+          <a:p>
+            <a:pPr algn="ctr"/>
+            <a:r>
+              <a:rPr lang="en-US" b="1" dirty="0" smtClean="0"/>
+              <a:t>Model</a:t>
+            </a:r>
+          </a:p>
+          <a:p>
+            <a:pPr algn="ctr"/>
+            <a:endParaRPr lang="en-US" b="1" dirty="0"/>
+          </a:p>
+          <a:p>
+            <a:pPr algn="ctr"/>
+            <a:endParaRPr lang="en-US" b="1" dirty="0" smtClean="0"/>
+          </a:p>
+          <a:p>
+            <a:pPr algn="ctr"/>
+            <a:endParaRPr lang="en-US" b="1" dirty="0"/>
+          </a:p>
+          <a:p>
+            <a:pPr algn="ctr"/>
+            <a:endParaRPr lang="en-US" b="1" dirty="0" smtClean="0"/>
+          </a:p>
+          <a:p>
+            <a:pPr algn="ctr"/>
+            <a:endParaRPr lang="en-US" b="1" dirty="0"/>
+          </a:p>
+          <a:p>
+            <a:pPr algn="ctr"/>
+            <a:endParaRPr lang="en-US" b="1" dirty="0" smtClean="0"/>
+          </a:p>
+          <a:p>
+            <a:pPr algn="ctr"/>
+            <a:endParaRPr lang="en-US" b="1" dirty="0"/>
+          </a:p>
+          <a:p>
+            <a:pPr algn="ctr"/>
+            <a:endParaRPr lang="en-US" b="1" dirty="0" smtClean="0"/>
+          </a:p>
+          <a:p>
+            <a:pPr algn="ctr"/>
+            <a:endParaRPr lang="en-US" dirty="0"/>
+          </a:p>
+          <a:p>
+            <a:pPr algn="ctr"/>
+            <a:endParaRPr lang="en-US" dirty="0" smtClean="0"/>
+          </a:p>
+          <a:p>
+            <a:pPr algn="ctr"/>
+            <a:endParaRPr lang="en-US" dirty="0"/>
+          </a:p>
+          <a:p>
+            <a:pPr algn="ctr"/>
+            <a:endParaRPr lang="en-US" dirty="0" smtClean="0"/>
+          </a:p>
+          <a:p>
+            <a:pPr algn="ctr"/>
+            <a:endParaRPr lang="en-US" dirty="0"/>
+          </a:p>
+          <a:p>
+            <a:pPr algn="ctr"/>
+            <a:endParaRPr lang="en-US" dirty="0"/>
+          </a:p>
+        </p:txBody>
+      </p:sp>
+      <p:sp>
+        <p:nvSpPr>
+          <p:cNvPr id="11" name="Rounded Rectangle 10"/>
+          <p:cNvSpPr/>
+          <p:nvPr/>
+        </p:nvSpPr>
+        <p:spPr>
+          <a:xfrm>
+            <a:off x="8901361" y="2230422"/>
+            <a:ext cx="2689411" cy="527124"/>
+          </a:xfrm>
+          <a:prstGeom prst="roundRect">
+            <a:avLst/>
+          </a:prstGeom>
+        </p:spPr>
+        <p:style>
+          <a:lnRef idx="0">
+            <a:schemeClr val="accent5"/>
+          </a:lnRef>
+          <a:fillRef idx="3">
+            <a:schemeClr val="accent5"/>
+          </a:fillRef>
+          <a:effectRef idx="3">
+            <a:schemeClr val="accent5"/>
+          </a:effectRef>
+          <a:fontRef idx="minor">
+            <a:schemeClr val="lt1"/>
+          </a:fontRef>
+        </p:style>
+        <p:txBody>
+          <a:bodyPr rtlCol="0" anchor="ctr"/>
+          <a:lstStyle/>
+          <a:p>
+            <a:pPr algn="ctr"/>
+            <a:r>
+              <a:rPr lang="en-US" dirty="0" err="1" smtClean="0"/>
+              <a:t>FirstName</a:t>
+            </a:r>
+            <a:endParaRPr lang="en-US" dirty="0"/>
+          </a:p>
+        </p:txBody>
+      </p:sp>
+      <p:sp>
+        <p:nvSpPr>
+          <p:cNvPr id="12" name="Rounded Rectangle 11"/>
+          <p:cNvSpPr/>
+          <p:nvPr/>
+        </p:nvSpPr>
+        <p:spPr>
+          <a:xfrm>
+            <a:off x="8901360" y="3568851"/>
+            <a:ext cx="2689411" cy="527124"/>
+          </a:xfrm>
+          <a:prstGeom prst="roundRect">
+            <a:avLst/>
+          </a:prstGeom>
+        </p:spPr>
+        <p:style>
+          <a:lnRef idx="0">
+            <a:schemeClr val="accent5"/>
+          </a:lnRef>
+          <a:fillRef idx="3">
+            <a:schemeClr val="accent5"/>
+          </a:fillRef>
+          <a:effectRef idx="3">
+            <a:schemeClr val="accent5"/>
+          </a:effectRef>
+          <a:fontRef idx="minor">
+            <a:schemeClr val="lt1"/>
+          </a:fontRef>
+        </p:style>
+        <p:txBody>
+          <a:bodyPr rtlCol="0" anchor="ctr"/>
+          <a:lstStyle/>
+          <a:p>
+            <a:pPr algn="ctr"/>
+            <a:r>
+              <a:rPr lang="en-US" dirty="0" smtClean="0"/>
+              <a:t>Email</a:t>
+            </a:r>
+            <a:endParaRPr lang="en-US" dirty="0"/>
+          </a:p>
+        </p:txBody>
+      </p:sp>
+      <p:sp>
+        <p:nvSpPr>
+          <p:cNvPr id="13" name="Rounded Rectangle 12"/>
+          <p:cNvSpPr/>
+          <p:nvPr/>
+        </p:nvSpPr>
+        <p:spPr>
+          <a:xfrm>
+            <a:off x="8901360" y="2899636"/>
+            <a:ext cx="2689411" cy="527124"/>
+          </a:xfrm>
+          <a:prstGeom prst="roundRect">
+            <a:avLst/>
+          </a:prstGeom>
+        </p:spPr>
+        <p:style>
+          <a:lnRef idx="0">
+            <a:schemeClr val="accent5"/>
+          </a:lnRef>
+          <a:fillRef idx="3">
+            <a:schemeClr val="accent5"/>
+          </a:fillRef>
+          <a:effectRef idx="3">
+            <a:schemeClr val="accent5"/>
+          </a:effectRef>
+          <a:fontRef idx="minor">
+            <a:schemeClr val="lt1"/>
+          </a:fontRef>
+        </p:style>
+        <p:txBody>
+          <a:bodyPr rtlCol="0" anchor="ctr"/>
+          <a:lstStyle/>
+          <a:p>
+            <a:pPr algn="ctr"/>
+            <a:r>
+              <a:rPr lang="en-US" dirty="0" err="1" smtClean="0"/>
+              <a:t>LastName</a:t>
+            </a:r>
+            <a:endParaRPr lang="en-US" dirty="0"/>
+          </a:p>
+        </p:txBody>
+      </p:sp>
+      <p:sp>
+        <p:nvSpPr>
+          <p:cNvPr id="14" name="Rounded Rectangle 13"/>
+          <p:cNvSpPr/>
+          <p:nvPr/>
+        </p:nvSpPr>
+        <p:spPr>
+          <a:xfrm>
+            <a:off x="8901359" y="4234480"/>
+            <a:ext cx="2689411" cy="527124"/>
+          </a:xfrm>
+          <a:prstGeom prst="roundRect">
+            <a:avLst/>
+          </a:prstGeom>
+        </p:spPr>
+        <p:style>
+          <a:lnRef idx="0">
+            <a:schemeClr val="accent5"/>
+          </a:lnRef>
+          <a:fillRef idx="3">
+            <a:schemeClr val="accent5"/>
+          </a:fillRef>
+          <a:effectRef idx="3">
+            <a:schemeClr val="accent5"/>
+          </a:effectRef>
+          <a:fontRef idx="minor">
+            <a:schemeClr val="lt1"/>
+          </a:fontRef>
+        </p:style>
+        <p:txBody>
+          <a:bodyPr rtlCol="0" anchor="ctr"/>
+          <a:lstStyle/>
+          <a:p>
+            <a:pPr algn="ctr"/>
+            <a:r>
+              <a:rPr lang="en-US" dirty="0" err="1" smtClean="0"/>
+              <a:t>LoadUser</a:t>
+            </a:r>
+            <a:r>
+              <a:rPr lang="en-US" dirty="0" smtClean="0"/>
+              <a:t>()</a:t>
+            </a:r>
+            <a:endParaRPr lang="en-US" dirty="0"/>
+          </a:p>
+        </p:txBody>
+      </p:sp>
+      <p:sp>
+        <p:nvSpPr>
+          <p:cNvPr id="15" name="Rounded Rectangle 14"/>
+          <p:cNvSpPr/>
+          <p:nvPr/>
+        </p:nvSpPr>
+        <p:spPr>
+          <a:xfrm>
+            <a:off x="8901359" y="4900109"/>
+            <a:ext cx="2689411" cy="527124"/>
+          </a:xfrm>
+          <a:prstGeom prst="roundRect">
+            <a:avLst/>
+          </a:prstGeom>
+        </p:spPr>
+        <p:style>
+          <a:lnRef idx="0">
+            <a:schemeClr val="accent5"/>
+          </a:lnRef>
+          <a:fillRef idx="3">
+            <a:schemeClr val="accent5"/>
+          </a:fillRef>
+          <a:effectRef idx="3">
+            <a:schemeClr val="accent5"/>
+          </a:effectRef>
+          <a:fontRef idx="minor">
+            <a:schemeClr val="lt1"/>
+          </a:fontRef>
+        </p:style>
+        <p:txBody>
+          <a:bodyPr rtlCol="0" anchor="ctr"/>
+          <a:lstStyle/>
+          <a:p>
+            <a:pPr algn="ctr"/>
+            <a:r>
+              <a:rPr lang="en-US" dirty="0" err="1" smtClean="0"/>
+              <a:t>SaveUser</a:t>
+            </a:r>
+            <a:r>
+              <a:rPr lang="en-US" dirty="0" smtClean="0"/>
+              <a:t>()</a:t>
             </a:r>
             <a:endParaRPr lang="en-US" dirty="0"/>
           </a:p>
@@ -4385,20 +5156,13 @@
     </p:spTree>
     <p:extLst>
       <p:ext uri="{BB962C8B-B14F-4D97-AF65-F5344CB8AC3E}">
-        <p14:creationId xmlns:p14="http://schemas.microsoft.com/office/powerpoint/2010/main" val="1189739439"/>
+        <p14:creationId xmlns:p14="http://schemas.microsoft.com/office/powerpoint/2010/main" val="17314703"/>
       </p:ext>
     </p:extLst>
   </p:cSld>
   <p:clrMapOvr>
     <a:masterClrMapping/>
   </p:clrMapOvr>
-  <p:timing>
-    <p:tnLst>
-      <p:par>
-        <p:cTn id="1" dur="indefinite" restart="never" nodeType="tmRoot"/>
-      </p:par>
-    </p:tnLst>
-  </p:timing>
 </p:sld>
 </file>
 
@@ -4421,12 +5185,12 @@
       </p:grpSpPr>
       <p:sp>
         <p:nvSpPr>
-          <p:cNvPr id="5" name="Title 4"/>
+          <p:cNvPr id="2" name="Text Placeholder 1"/>
           <p:cNvSpPr>
             <a:spLocks noGrp="1"/>
           </p:cNvSpPr>
           <p:nvPr>
-            <p:ph type="title"/>
+            <p:ph type="body" sz="quarter" idx="10"/>
           </p:nvPr>
         </p:nvSpPr>
         <p:spPr/>
@@ -4435,17 +5199,36 @@
           <a:lstStyle/>
           <a:p>
             <a:r>
-              <a:rPr lang="en-CA" dirty="0" smtClean="0"/>
-              <a:t>Using Knockout from CDN</a:t>
+              <a:rPr lang="en-US" dirty="0" smtClean="0"/>
+              <a:t>Obtaining Knockout</a:t>
             </a:r>
             <a:endParaRPr lang="en-US" dirty="0"/>
+          </a:p>
+        </p:txBody>
+      </p:sp>
+      <p:sp>
+        <p:nvSpPr>
+          <p:cNvPr id="3" name="Subtitle 2"/>
+          <p:cNvSpPr>
+            <a:spLocks noGrp="1"/>
+          </p:cNvSpPr>
+          <p:nvPr>
+            <p:ph type="subTitle" idx="1"/>
+          </p:nvPr>
+        </p:nvSpPr>
+        <p:spPr/>
+        <p:txBody>
+          <a:bodyPr/>
+          <a:lstStyle/>
+          <a:p>
+            <a:endParaRPr lang="en-US"/>
           </a:p>
         </p:txBody>
       </p:sp>
     </p:spTree>
     <p:extLst>
       <p:ext uri="{BB962C8B-B14F-4D97-AF65-F5344CB8AC3E}">
-        <p14:creationId xmlns:p14="http://schemas.microsoft.com/office/powerpoint/2010/main" val="1622678525"/>
+        <p14:creationId xmlns:p14="http://schemas.microsoft.com/office/powerpoint/2010/main" val="1706519822"/>
       </p:ext>
     </p:extLst>
   </p:cSld>
@@ -4481,12 +5264,12 @@
       </p:grpSpPr>
       <p:sp>
         <p:nvSpPr>
-          <p:cNvPr id="2" name="Text Placeholder 1"/>
+          <p:cNvPr id="5" name="Title 4"/>
           <p:cNvSpPr>
             <a:spLocks noGrp="1"/>
           </p:cNvSpPr>
           <p:nvPr>
-            <p:ph type="body" sz="quarter" idx="10"/>
+            <p:ph type="title"/>
           </p:nvPr>
         </p:nvSpPr>
         <p:spPr/>
@@ -4495,36 +5278,17 @@
           <a:lstStyle/>
           <a:p>
             <a:r>
-              <a:rPr lang="en-US" dirty="0" smtClean="0"/>
-              <a:t>Working With Knockout in Visual Studio</a:t>
+              <a:rPr lang="en-CA" dirty="0" smtClean="0"/>
+              <a:t>Getting Knockout with NuGet</a:t>
             </a:r>
             <a:endParaRPr lang="en-US" dirty="0"/>
-          </a:p>
-        </p:txBody>
-      </p:sp>
-      <p:sp>
-        <p:nvSpPr>
-          <p:cNvPr id="3" name="Subtitle 2"/>
-          <p:cNvSpPr>
-            <a:spLocks noGrp="1"/>
-          </p:cNvSpPr>
-          <p:nvPr>
-            <p:ph type="subTitle" idx="1"/>
-          </p:nvPr>
-        </p:nvSpPr>
-        <p:spPr/>
-        <p:txBody>
-          <a:bodyPr/>
-          <a:lstStyle/>
-          <a:p>
-            <a:endParaRPr lang="en-US"/>
           </a:p>
         </p:txBody>
       </p:sp>
     </p:spTree>
     <p:extLst>
       <p:ext uri="{BB962C8B-B14F-4D97-AF65-F5344CB8AC3E}">
-        <p14:creationId xmlns:p14="http://schemas.microsoft.com/office/powerpoint/2010/main" val="1806396838"/>
+        <p14:creationId xmlns:p14="http://schemas.microsoft.com/office/powerpoint/2010/main" val="461796257"/>
       </p:ext>
     </p:extLst>
   </p:cSld>
@@ -4558,24 +5322,99 @@
           <a:chExt cx="0" cy="0"/>
         </a:xfrm>
       </p:grpSpPr>
+      <p:sp>
+        <p:nvSpPr>
+          <p:cNvPr id="5" name="Title 4"/>
+          <p:cNvSpPr>
+            <a:spLocks noGrp="1"/>
+          </p:cNvSpPr>
+          <p:nvPr>
+            <p:ph type="title"/>
+          </p:nvPr>
+        </p:nvSpPr>
+        <p:spPr/>
+        <p:txBody>
+          <a:bodyPr/>
+          <a:lstStyle/>
+          <a:p>
+            <a:r>
+              <a:rPr lang="en-CA" dirty="0" smtClean="0"/>
+              <a:t>Getting Knockout with Bower</a:t>
+            </a:r>
+            <a:endParaRPr lang="en-US" dirty="0"/>
+          </a:p>
+        </p:txBody>
+      </p:sp>
     </p:spTree>
     <p:extLst>
       <p:ext uri="{BB962C8B-B14F-4D97-AF65-F5344CB8AC3E}">
-        <p14:creationId xmlns:p14="http://schemas.microsoft.com/office/powerpoint/2010/main" val="3634250045"/>
+        <p14:creationId xmlns:p14="http://schemas.microsoft.com/office/powerpoint/2010/main" val="1189739439"/>
       </p:ext>
     </p:extLst>
   </p:cSld>
   <p:clrMapOvr>
     <a:masterClrMapping/>
   </p:clrMapOvr>
-  <mc:AlternateContent xmlns:mc="http://schemas.openxmlformats.org/markup-compatibility/2006" xmlns:p14="http://schemas.microsoft.com/office/powerpoint/2010/main">
-    <mc:Choice Requires="p14">
-      <p:transition spd="slow" p14:dur="2000"/>
-    </mc:Choice>
-    <mc:Fallback xmlns="">
-      <p:transition spd="slow"/>
-    </mc:Fallback>
-  </mc:AlternateContent>
+  <p:timing>
+    <p:tnLst>
+      <p:par>
+        <p:cTn id="1" dur="indefinite" restart="never" nodeType="tmRoot"/>
+      </p:par>
+    </p:tnLst>
+  </p:timing>
+</p:sld>
+</file>
+
+<file path=ppt/slides/slide19.xml><?xml version="1.0" encoding="utf-8"?>
+<p:sld xmlns:a="http://schemas.openxmlformats.org/drawingml/2006/main" xmlns:r="http://schemas.openxmlformats.org/officeDocument/2006/relationships" xmlns:p="http://schemas.openxmlformats.org/presentationml/2006/main">
+  <p:cSld>
+    <p:spTree>
+      <p:nvGrpSpPr>
+        <p:cNvPr id="1" name=""/>
+        <p:cNvGrpSpPr/>
+        <p:nvPr/>
+      </p:nvGrpSpPr>
+      <p:grpSpPr>
+        <a:xfrm>
+          <a:off x="0" y="0"/>
+          <a:ext cx="0" cy="0"/>
+          <a:chOff x="0" y="0"/>
+          <a:chExt cx="0" cy="0"/>
+        </a:xfrm>
+      </p:grpSpPr>
+      <p:sp>
+        <p:nvSpPr>
+          <p:cNvPr id="5" name="Title 4"/>
+          <p:cNvSpPr>
+            <a:spLocks noGrp="1"/>
+          </p:cNvSpPr>
+          <p:nvPr>
+            <p:ph type="title"/>
+          </p:nvPr>
+        </p:nvSpPr>
+        <p:spPr/>
+        <p:txBody>
+          <a:bodyPr/>
+          <a:lstStyle/>
+          <a:p>
+            <a:r>
+              <a:rPr lang="en-CA" dirty="0" smtClean="0"/>
+              <a:t>Using Knockout from CDN</a:t>
+            </a:r>
+            <a:endParaRPr lang="en-US" dirty="0"/>
+          </a:p>
+        </p:txBody>
+      </p:sp>
+    </p:spTree>
+    <p:extLst>
+      <p:ext uri="{BB962C8B-B14F-4D97-AF65-F5344CB8AC3E}">
+        <p14:creationId xmlns:p14="http://schemas.microsoft.com/office/powerpoint/2010/main" val="1622678525"/>
+      </p:ext>
+    </p:extLst>
+  </p:cSld>
+  <p:clrMapOvr>
+    <a:masterClrMapping/>
+  </p:clrMapOvr>
   <p:timing>
     <p:tnLst>
       <p:par>
@@ -4765,6 +5604,313 @@
     <p:extLst>
       <p:ext uri="{BB962C8B-B14F-4D97-AF65-F5344CB8AC3E}">
         <p14:creationId xmlns:p14="http://schemas.microsoft.com/office/powerpoint/2010/main" val="2573921148"/>
+      </p:ext>
+    </p:extLst>
+  </p:cSld>
+  <p:clrMapOvr>
+    <a:masterClrMapping/>
+  </p:clrMapOvr>
+  <mc:AlternateContent xmlns:mc="http://schemas.openxmlformats.org/markup-compatibility/2006" xmlns:p14="http://schemas.microsoft.com/office/powerpoint/2010/main">
+    <mc:Choice Requires="p14">
+      <p:transition spd="slow" p14:dur="2000"/>
+    </mc:Choice>
+    <mc:Fallback xmlns="">
+      <p:transition spd="slow"/>
+    </mc:Fallback>
+  </mc:AlternateContent>
+  <p:timing>
+    <p:tnLst>
+      <p:par>
+        <p:cTn id="1" dur="indefinite" restart="never" nodeType="tmRoot"/>
+      </p:par>
+    </p:tnLst>
+  </p:timing>
+</p:sld>
+</file>
+
+<file path=ppt/slides/slide20.xml><?xml version="1.0" encoding="utf-8"?>
+<p:sld xmlns:a="http://schemas.openxmlformats.org/drawingml/2006/main" xmlns:r="http://schemas.openxmlformats.org/officeDocument/2006/relationships" xmlns:p="http://schemas.openxmlformats.org/presentationml/2006/main">
+  <p:cSld>
+    <p:spTree>
+      <p:nvGrpSpPr>
+        <p:cNvPr id="1" name=""/>
+        <p:cNvGrpSpPr/>
+        <p:nvPr/>
+      </p:nvGrpSpPr>
+      <p:grpSpPr>
+        <a:xfrm>
+          <a:off x="0" y="0"/>
+          <a:ext cx="0" cy="0"/>
+          <a:chOff x="0" y="0"/>
+          <a:chExt cx="0" cy="0"/>
+        </a:xfrm>
+      </p:grpSpPr>
+      <p:sp>
+        <p:nvSpPr>
+          <p:cNvPr id="2" name="Text Placeholder 1"/>
+          <p:cNvSpPr>
+            <a:spLocks noGrp="1"/>
+          </p:cNvSpPr>
+          <p:nvPr>
+            <p:ph type="body" sz="quarter" idx="10"/>
+          </p:nvPr>
+        </p:nvSpPr>
+        <p:spPr/>
+        <p:txBody>
+          <a:bodyPr/>
+          <a:lstStyle/>
+          <a:p>
+            <a:r>
+              <a:rPr lang="en-US" dirty="0" smtClean="0"/>
+              <a:t>Hello, Knockout</a:t>
+            </a:r>
+            <a:endParaRPr lang="en-US" dirty="0"/>
+          </a:p>
+        </p:txBody>
+      </p:sp>
+      <p:sp>
+        <p:nvSpPr>
+          <p:cNvPr id="3" name="Subtitle 2"/>
+          <p:cNvSpPr>
+            <a:spLocks noGrp="1"/>
+          </p:cNvSpPr>
+          <p:nvPr>
+            <p:ph type="subTitle" idx="1"/>
+          </p:nvPr>
+        </p:nvSpPr>
+        <p:spPr/>
+        <p:txBody>
+          <a:bodyPr/>
+          <a:lstStyle/>
+          <a:p>
+            <a:endParaRPr lang="en-US" dirty="0"/>
+          </a:p>
+        </p:txBody>
+      </p:sp>
+    </p:spTree>
+    <p:extLst>
+      <p:ext uri="{BB962C8B-B14F-4D97-AF65-F5344CB8AC3E}">
+        <p14:creationId xmlns:p14="http://schemas.microsoft.com/office/powerpoint/2010/main" val="1806396838"/>
+      </p:ext>
+    </p:extLst>
+  </p:cSld>
+  <p:clrMapOvr>
+    <a:masterClrMapping/>
+  </p:clrMapOvr>
+  <p:timing>
+    <p:tnLst>
+      <p:par>
+        <p:cTn id="1" dur="indefinite" restart="never" nodeType="tmRoot"/>
+      </p:par>
+    </p:tnLst>
+  </p:timing>
+</p:sld>
+</file>
+
+<file path=ppt/slides/slide21.xml><?xml version="1.0" encoding="utf-8"?>
+<p:sld xmlns:a="http://schemas.openxmlformats.org/drawingml/2006/main" xmlns:r="http://schemas.openxmlformats.org/officeDocument/2006/relationships" xmlns:p="http://schemas.openxmlformats.org/presentationml/2006/main">
+  <p:cSld>
+    <p:spTree>
+      <p:nvGrpSpPr>
+        <p:cNvPr id="1" name=""/>
+        <p:cNvGrpSpPr/>
+        <p:nvPr/>
+      </p:nvGrpSpPr>
+      <p:grpSpPr>
+        <a:xfrm>
+          <a:off x="0" y="0"/>
+          <a:ext cx="0" cy="0"/>
+          <a:chOff x="0" y="0"/>
+          <a:chExt cx="0" cy="0"/>
+        </a:xfrm>
+      </p:grpSpPr>
+      <p:sp>
+        <p:nvSpPr>
+          <p:cNvPr id="4" name="Title 3"/>
+          <p:cNvSpPr>
+            <a:spLocks noGrp="1"/>
+          </p:cNvSpPr>
+          <p:nvPr>
+            <p:ph type="title"/>
+          </p:nvPr>
+        </p:nvSpPr>
+        <p:spPr/>
+        <p:txBody>
+          <a:bodyPr/>
+          <a:lstStyle/>
+          <a:p>
+            <a:r>
+              <a:rPr lang="en-US" dirty="0" smtClean="0"/>
+              <a:t>Knockout concepts</a:t>
+            </a:r>
+            <a:endParaRPr lang="en-US" dirty="0"/>
+          </a:p>
+        </p:txBody>
+      </p:sp>
+      <p:sp>
+        <p:nvSpPr>
+          <p:cNvPr id="5" name="Content Placeholder 4"/>
+          <p:cNvSpPr>
+            <a:spLocks noGrp="1"/>
+          </p:cNvSpPr>
+          <p:nvPr>
+            <p:ph sz="quarter" idx="10"/>
+          </p:nvPr>
+        </p:nvSpPr>
+        <p:spPr/>
+        <p:txBody>
+          <a:bodyPr/>
+          <a:lstStyle/>
+          <a:p>
+            <a:r>
+              <a:rPr lang="en-US" dirty="0" smtClean="0"/>
+              <a:t>Observables</a:t>
+            </a:r>
+            <a:endParaRPr lang="en-US" dirty="0"/>
+          </a:p>
+          <a:p>
+            <a:pPr lvl="1"/>
+            <a:r>
+              <a:rPr lang="en-US" dirty="0" smtClean="0"/>
+              <a:t>Things we want to keep an eye on</a:t>
+            </a:r>
+          </a:p>
+          <a:p>
+            <a:pPr lvl="1"/>
+            <a:r>
+              <a:rPr lang="en-US" dirty="0" smtClean="0"/>
+              <a:t>Values may change</a:t>
+            </a:r>
+          </a:p>
+          <a:p>
+            <a:pPr lvl="2"/>
+            <a:r>
+              <a:rPr lang="en-US" dirty="0" smtClean="0"/>
+              <a:t>When they do, everyone that’s interested is alerted</a:t>
+            </a:r>
+          </a:p>
+          <a:p>
+            <a:r>
+              <a:rPr lang="en-US" dirty="0" smtClean="0"/>
+              <a:t>Arrays</a:t>
+            </a:r>
+          </a:p>
+          <a:p>
+            <a:pPr lvl="1"/>
+            <a:r>
+              <a:rPr lang="en-US" dirty="0" smtClean="0"/>
+              <a:t>Collections of objects</a:t>
+            </a:r>
+          </a:p>
+          <a:p>
+            <a:pPr lvl="1"/>
+            <a:r>
+              <a:rPr lang="en-US" dirty="0" smtClean="0"/>
+              <a:t>Can also be observable</a:t>
+            </a:r>
+          </a:p>
+          <a:p>
+            <a:r>
+              <a:rPr lang="en-US" dirty="0" smtClean="0"/>
+              <a:t>Computed observables</a:t>
+            </a:r>
+          </a:p>
+          <a:p>
+            <a:pPr lvl="1"/>
+            <a:r>
+              <a:rPr lang="en-US" dirty="0" smtClean="0"/>
+              <a:t>Values that are the result of code execution</a:t>
+            </a:r>
+          </a:p>
+        </p:txBody>
+      </p:sp>
+    </p:spTree>
+    <p:extLst>
+      <p:ext uri="{BB962C8B-B14F-4D97-AF65-F5344CB8AC3E}">
+        <p14:creationId xmlns:p14="http://schemas.microsoft.com/office/powerpoint/2010/main" val="2676919704"/>
+      </p:ext>
+    </p:extLst>
+  </p:cSld>
+  <p:clrMapOvr>
+    <a:masterClrMapping/>
+  </p:clrMapOvr>
+</p:sld>
+</file>
+
+<file path=ppt/slides/slide22.xml><?xml version="1.0" encoding="utf-8"?>
+<p:sld xmlns:a="http://schemas.openxmlformats.org/drawingml/2006/main" xmlns:r="http://schemas.openxmlformats.org/officeDocument/2006/relationships" xmlns:p="http://schemas.openxmlformats.org/presentationml/2006/main">
+  <p:cSld>
+    <p:spTree>
+      <p:nvGrpSpPr>
+        <p:cNvPr id="1" name=""/>
+        <p:cNvGrpSpPr/>
+        <p:nvPr/>
+      </p:nvGrpSpPr>
+      <p:grpSpPr>
+        <a:xfrm>
+          <a:off x="0" y="0"/>
+          <a:ext cx="0" cy="0"/>
+          <a:chOff x="0" y="0"/>
+          <a:chExt cx="0" cy="0"/>
+        </a:xfrm>
+      </p:grpSpPr>
+      <p:sp>
+        <p:nvSpPr>
+          <p:cNvPr id="4" name="Title 3"/>
+          <p:cNvSpPr>
+            <a:spLocks noGrp="1"/>
+          </p:cNvSpPr>
+          <p:nvPr>
+            <p:ph type="title"/>
+          </p:nvPr>
+        </p:nvSpPr>
+        <p:spPr/>
+        <p:txBody>
+          <a:bodyPr/>
+          <a:lstStyle/>
+          <a:p>
+            <a:r>
+              <a:rPr lang="en-US" dirty="0" smtClean="0"/>
+              <a:t>Hello, Knockout</a:t>
+            </a:r>
+            <a:endParaRPr lang="en-US" dirty="0"/>
+          </a:p>
+        </p:txBody>
+      </p:sp>
+    </p:spTree>
+    <p:extLst>
+      <p:ext uri="{BB962C8B-B14F-4D97-AF65-F5344CB8AC3E}">
+        <p14:creationId xmlns:p14="http://schemas.microsoft.com/office/powerpoint/2010/main" val="1875209163"/>
+      </p:ext>
+    </p:extLst>
+  </p:cSld>
+  <p:clrMapOvr>
+    <a:masterClrMapping/>
+  </p:clrMapOvr>
+</p:sld>
+</file>
+
+<file path=ppt/slides/slide23.xml><?xml version="1.0" encoding="utf-8"?>
+<p:sld xmlns:a="http://schemas.openxmlformats.org/drawingml/2006/main" xmlns:r="http://schemas.openxmlformats.org/officeDocument/2006/relationships" xmlns:p="http://schemas.openxmlformats.org/presentationml/2006/main">
+  <p:cSld>
+    <p:spTree>
+      <p:nvGrpSpPr>
+        <p:cNvPr id="1" name=""/>
+        <p:cNvGrpSpPr/>
+        <p:nvPr/>
+      </p:nvGrpSpPr>
+      <p:grpSpPr>
+        <a:xfrm>
+          <a:off x="0" y="0"/>
+          <a:ext cx="0" cy="0"/>
+          <a:chOff x="0" y="0"/>
+          <a:chExt cx="0" cy="0"/>
+        </a:xfrm>
+      </p:grpSpPr>
+    </p:spTree>
+    <p:extLst>
+      <p:ext uri="{BB962C8B-B14F-4D97-AF65-F5344CB8AC3E}">
+        <p14:creationId xmlns:p14="http://schemas.microsoft.com/office/powerpoint/2010/main" val="3634250045"/>
       </p:ext>
     </p:extLst>
   </p:cSld>
@@ -5335,14 +6481,7 @@
                           <a:latin typeface="Segoe UI Light" panose="020B0502040204020203" pitchFamily="34" charset="0"/>
                           <a:cs typeface="Segoe UI Light" panose="020B0502040204020203" pitchFamily="34" charset="0"/>
                         </a:rPr>
-                        <a:t>01 | </a:t>
-                      </a:r>
-                      <a:r>
-                        <a:rPr lang="en-US" sz="2400" dirty="0" smtClean="0">
-                          <a:latin typeface="Segoe UI Light" panose="020B0502040204020203" pitchFamily="34" charset="0"/>
-                          <a:cs typeface="Segoe UI Light" panose="020B0502040204020203" pitchFamily="34" charset="0"/>
-                        </a:rPr>
-                        <a:t>Introducing</a:t>
+                        <a:t>01 | Introducing</a:t>
                       </a:r>
                       <a:r>
                         <a:rPr lang="en-US" sz="2400" baseline="0" dirty="0" smtClean="0">
@@ -5369,21 +6508,7 @@
                           <a:latin typeface="Segoe UI Light" panose="020B0502040204020203" pitchFamily="34" charset="0"/>
                           <a:cs typeface="Segoe UI Light" panose="020B0502040204020203" pitchFamily="34" charset="0"/>
                         </a:rPr>
-                        <a:t>04 </a:t>
-                      </a:r>
-                      <a:r>
-                        <a:rPr lang="en-US" sz="2400" dirty="0" smtClean="0">
-                          <a:latin typeface="Segoe UI Light" panose="020B0502040204020203" pitchFamily="34" charset="0"/>
-                          <a:cs typeface="Segoe UI Light" panose="020B0502040204020203" pitchFamily="34" charset="0"/>
-                        </a:rPr>
-                        <a:t>| </a:t>
-                      </a:r>
-                      <a:r>
-                        <a:rPr lang="en-US" sz="2400" dirty="0" smtClean="0">
-                          <a:latin typeface="Segoe UI Light" panose="020B0502040204020203" pitchFamily="34" charset="0"/>
-                          <a:cs typeface="Segoe UI Light" panose="020B0502040204020203" pitchFamily="34" charset="0"/>
-                        </a:rPr>
-                        <a:t>Making</a:t>
+                        <a:t>04 | Making</a:t>
                       </a:r>
                       <a:r>
                         <a:rPr lang="en-US" sz="2400" baseline="0" dirty="0" smtClean="0">
@@ -5417,14 +6542,7 @@
                           <a:latin typeface="Segoe UI Light" panose="020B0502040204020203" pitchFamily="34" charset="0"/>
                           <a:cs typeface="Segoe UI Light" panose="020B0502040204020203" pitchFamily="34" charset="0"/>
                         </a:rPr>
-                        <a:t>02 | </a:t>
-                      </a:r>
-                      <a:r>
-                        <a:rPr lang="en-US" sz="2400" dirty="0" smtClean="0">
-                          <a:latin typeface="Segoe UI Light" panose="020B0502040204020203" pitchFamily="34" charset="0"/>
-                          <a:cs typeface="Segoe UI Light" panose="020B0502040204020203" pitchFamily="34" charset="0"/>
-                        </a:rPr>
-                        <a:t>Binding and Models</a:t>
+                        <a:t>02 | Binding and Models</a:t>
                       </a:r>
                       <a:endParaRPr lang="en-US" sz="2400" dirty="0">
                         <a:latin typeface="Segoe UI Light" panose="020B0502040204020203" pitchFamily="34" charset="0"/>
@@ -5444,21 +6562,7 @@
                           <a:latin typeface="Segoe UI Light" panose="020B0502040204020203" pitchFamily="34" charset="0"/>
                           <a:cs typeface="Segoe UI Light" panose="020B0502040204020203" pitchFamily="34" charset="0"/>
                         </a:rPr>
-                        <a:t>05 </a:t>
-                      </a:r>
-                      <a:r>
-                        <a:rPr lang="en-US" sz="2400" dirty="0" smtClean="0">
-                          <a:latin typeface="Segoe UI Light" panose="020B0502040204020203" pitchFamily="34" charset="0"/>
-                          <a:cs typeface="Segoe UI Light" panose="020B0502040204020203" pitchFamily="34" charset="0"/>
-                        </a:rPr>
-                        <a:t>| </a:t>
-                      </a:r>
-                      <a:r>
-                        <a:rPr lang="en-US" sz="2400" dirty="0" smtClean="0">
-                          <a:latin typeface="Segoe UI Light" panose="020B0502040204020203" pitchFamily="34" charset="0"/>
-                          <a:cs typeface="Segoe UI Light" panose="020B0502040204020203" pitchFamily="34" charset="0"/>
-                        </a:rPr>
-                        <a:t>Bringing It All Together</a:t>
+                        <a:t>05 | Bringing It All Together</a:t>
                       </a:r>
                       <a:endParaRPr lang="en-US" sz="2400" dirty="0">
                         <a:latin typeface="Segoe UI Light" panose="020B0502040204020203" pitchFamily="34" charset="0"/>
@@ -5509,14 +6613,7 @@
                           <a:latin typeface="Segoe UI Light" panose="020B0502040204020203" pitchFamily="34" charset="0"/>
                           <a:cs typeface="Segoe UI Light" panose="020B0502040204020203" pitchFamily="34" charset="0"/>
                         </a:rPr>
-                        <a:t> | </a:t>
-                      </a:r>
-                      <a:r>
-                        <a:rPr lang="en-US" sz="2400" baseline="0" dirty="0" smtClean="0">
-                          <a:latin typeface="Segoe UI Light" panose="020B0502040204020203" pitchFamily="34" charset="0"/>
-                          <a:cs typeface="Segoe UI Light" panose="020B0502040204020203" pitchFamily="34" charset="0"/>
-                        </a:rPr>
-                        <a:t>Loops, Logic and Templates</a:t>
+                        <a:t> | Loops, Logic and Templates</a:t>
                       </a:r>
                       <a:endParaRPr lang="en-US" sz="2400" dirty="0" smtClean="0">
                         <a:latin typeface="Segoe UI Light" panose="020B0502040204020203" pitchFamily="34" charset="0"/>
@@ -5649,11 +6746,7 @@
             <a:pPr lvl="1"/>
             <a:r>
               <a:rPr lang="en-US" dirty="0" smtClean="0"/>
-              <a:t>New to </a:t>
-            </a:r>
-            <a:r>
-              <a:rPr lang="en-US" dirty="0" smtClean="0"/>
-              <a:t>Knockout</a:t>
+              <a:t>New to Knockout</a:t>
             </a:r>
           </a:p>
           <a:p>
@@ -5662,7 +6755,6 @@
               <a:rPr lang="en-US" dirty="0" smtClean="0"/>
               <a:t>Possibly XAML developer wanting to move to web</a:t>
             </a:r>
-            <a:endParaRPr lang="en-US" dirty="0" smtClean="0"/>
           </a:p>
           <a:p>
             <a:pPr lvl="1"/>
@@ -5681,13 +6773,8 @@
             <a:pPr lvl="1"/>
             <a:r>
               <a:rPr lang="en-US" dirty="0" smtClean="0"/>
-              <a:t>Visual Studio </a:t>
-            </a:r>
-            <a:r>
-              <a:rPr lang="en-US" dirty="0" smtClean="0"/>
-              <a:t>2015 Community</a:t>
-            </a:r>
-            <a:endParaRPr lang="en-US" dirty="0" smtClean="0"/>
+              <a:t>Visual Studio 2015 Community</a:t>
+            </a:r>
           </a:p>
         </p:txBody>
       </p:sp>
@@ -5812,15 +6899,7 @@
             <a:pPr lvl="1"/>
             <a:r>
               <a:rPr lang="en-US" dirty="0" smtClean="0"/>
-              <a:t>Enter this code: </a:t>
-            </a:r>
-            <a:r>
-              <a:rPr lang="en-US" dirty="0" smtClean="0"/>
-              <a:t>[???] </a:t>
-            </a:r>
-            <a:r>
-              <a:rPr lang="en-US" dirty="0" smtClean="0"/>
-              <a:t>(expires 27 Oct 14)</a:t>
+              <a:t>Enter this code: [???] (expires 27 Oct 14)</a:t>
             </a:r>
             <a:endParaRPr lang="en-US" dirty="0"/>
           </a:p>
@@ -5922,7 +7001,6 @@
               <a:rPr lang="en-CA" dirty="0" smtClean="0"/>
               <a:t>Introducing Knockout</a:t>
             </a:r>
-            <a:endParaRPr lang="en-CA" dirty="0" smtClean="0"/>
           </a:p>
         </p:txBody>
       </p:sp>
@@ -5943,11 +7021,7 @@
           <a:p>
             <a:r>
               <a:rPr lang="en-CA" dirty="0" smtClean="0"/>
-              <a:t>Jon Galloway | </a:t>
-            </a:r>
-            <a:r>
-              <a:rPr lang="en-CA" dirty="0" smtClean="0"/>
-              <a:t>Technical Evangelist</a:t>
+              <a:t>Jon Galloway | Technical Evangelist</a:t>
             </a:r>
           </a:p>
           <a:p>
@@ -5998,7 +7072,7 @@
       </p:grpSpPr>
       <p:sp>
         <p:nvSpPr>
-          <p:cNvPr id="2" name="Title 1"/>
+          <p:cNvPr id="4" name="Title 3"/>
           <p:cNvSpPr>
             <a:spLocks noGrp="1"/>
           </p:cNvSpPr>
@@ -6012,6 +7086,94 @@
           <a:lstStyle/>
           <a:p>
             <a:r>
+              <a:rPr lang="en-US" dirty="0" smtClean="0"/>
+              <a:t>Introducing Knockout</a:t>
+            </a:r>
+            <a:endParaRPr lang="en-US" dirty="0"/>
+          </a:p>
+        </p:txBody>
+      </p:sp>
+      <p:sp>
+        <p:nvSpPr>
+          <p:cNvPr id="5" name="Content Placeholder 4"/>
+          <p:cNvSpPr>
+            <a:spLocks noGrp="1"/>
+          </p:cNvSpPr>
+          <p:nvPr>
+            <p:ph sz="quarter" idx="10"/>
+          </p:nvPr>
+        </p:nvSpPr>
+        <p:spPr/>
+        <p:txBody>
+          <a:bodyPr/>
+          <a:lstStyle/>
+          <a:p>
+            <a:r>
+              <a:rPr lang="en-US" dirty="0" smtClean="0"/>
+              <a:t>What is Knockout?</a:t>
+            </a:r>
+          </a:p>
+          <a:p>
+            <a:r>
+              <a:rPr lang="en-US" dirty="0" smtClean="0"/>
+              <a:t>Obtaining Knockout</a:t>
+            </a:r>
+          </a:p>
+          <a:p>
+            <a:r>
+              <a:rPr lang="en-US" dirty="0" smtClean="0"/>
+              <a:t>Hello, Knockout</a:t>
+            </a:r>
+            <a:endParaRPr lang="en-US" dirty="0"/>
+          </a:p>
+        </p:txBody>
+      </p:sp>
+    </p:spTree>
+    <p:extLst>
+      <p:ext uri="{BB962C8B-B14F-4D97-AF65-F5344CB8AC3E}">
+        <p14:creationId xmlns:p14="http://schemas.microsoft.com/office/powerpoint/2010/main" val="115102961"/>
+      </p:ext>
+    </p:extLst>
+  </p:cSld>
+  <p:clrMapOvr>
+    <a:masterClrMapping/>
+  </p:clrMapOvr>
+</p:sld>
+</file>
+
+<file path=ppt/slides/slide9.xml><?xml version="1.0" encoding="utf-8"?>
+<p:sld xmlns:a="http://schemas.openxmlformats.org/drawingml/2006/main" xmlns:r="http://schemas.openxmlformats.org/officeDocument/2006/relationships" xmlns:p="http://schemas.openxmlformats.org/presentationml/2006/main" show="0">
+  <p:cSld>
+    <p:spTree>
+      <p:nvGrpSpPr>
+        <p:cNvPr id="1" name=""/>
+        <p:cNvGrpSpPr/>
+        <p:nvPr/>
+      </p:nvGrpSpPr>
+      <p:grpSpPr>
+        <a:xfrm>
+          <a:off x="0" y="0"/>
+          <a:ext cx="0" cy="0"/>
+          <a:chOff x="0" y="0"/>
+          <a:chExt cx="0" cy="0"/>
+        </a:xfrm>
+      </p:grpSpPr>
+      <p:sp>
+        <p:nvSpPr>
+          <p:cNvPr id="2" name="Title 1"/>
+          <p:cNvSpPr>
+            <a:spLocks noGrp="1"/>
+          </p:cNvSpPr>
+          <p:nvPr>
+            <p:ph type="title"/>
+          </p:nvPr>
+        </p:nvSpPr>
+        <p:spPr/>
+        <p:txBody>
+          <a:bodyPr/>
+          <a:lstStyle/>
+          <a:p>
+            <a:r>
               <a:rPr lang="en-CA" dirty="0" smtClean="0"/>
               <a:t>What is Knockout?</a:t>
             </a:r>
@@ -6099,7 +7261,6 @@
               <a:rPr lang="en-CA" dirty="0" smtClean="0"/>
               <a:t>Templating</a:t>
             </a:r>
-            <a:endParaRPr lang="en-CA" dirty="0" smtClean="0"/>
           </a:p>
         </p:txBody>
       </p:sp>
@@ -6143,6 +7304,14 @@
   <p:clrMapOvr>
     <a:masterClrMapping/>
   </p:clrMapOvr>
+  <mc:AlternateContent xmlns:mc="http://schemas.openxmlformats.org/markup-compatibility/2006">
+    <mc:Choice xmlns:p14="http://schemas.microsoft.com/office/powerpoint/2010/main" Requires="p14">
+      <p:transition spd="slow" p14:dur="2000"/>
+    </mc:Choice>
+    <mc:Fallback>
+      <p:transition spd="slow"/>
+    </mc:Fallback>
+  </mc:AlternateContent>
   <p:timing>
     <p:tnLst>
       <p:par>
@@ -6545,66 +7714,6 @@
     <p:bldLst>
       <p:bldP spid="3" grpId="0" uiExpand="1" build="p"/>
     </p:bldLst>
-  </p:timing>
-</p:sld>
-</file>
-
-<file path=ppt/slides/slide9.xml><?xml version="1.0" encoding="utf-8"?>
-<p:sld xmlns:a="http://schemas.openxmlformats.org/drawingml/2006/main" xmlns:r="http://schemas.openxmlformats.org/officeDocument/2006/relationships" xmlns:p="http://schemas.openxmlformats.org/presentationml/2006/main">
-  <p:cSld>
-    <p:spTree>
-      <p:nvGrpSpPr>
-        <p:cNvPr id="1" name=""/>
-        <p:cNvGrpSpPr/>
-        <p:nvPr/>
-      </p:nvGrpSpPr>
-      <p:grpSpPr>
-        <a:xfrm>
-          <a:off x="0" y="0"/>
-          <a:ext cx="0" cy="0"/>
-          <a:chOff x="0" y="0"/>
-          <a:chExt cx="0" cy="0"/>
-        </a:xfrm>
-      </p:grpSpPr>
-      <p:sp>
-        <p:nvSpPr>
-          <p:cNvPr id="5" name="Title 4"/>
-          <p:cNvSpPr>
-            <a:spLocks noGrp="1"/>
-          </p:cNvSpPr>
-          <p:nvPr>
-            <p:ph type="title"/>
-          </p:nvPr>
-        </p:nvSpPr>
-        <p:spPr/>
-        <p:txBody>
-          <a:bodyPr/>
-          <a:lstStyle/>
-          <a:p>
-            <a:r>
-              <a:rPr lang="en-CA" dirty="0" smtClean="0"/>
-              <a:t>What we’ll be building</a:t>
-            </a:r>
-            <a:endParaRPr lang="en-US" dirty="0"/>
-          </a:p>
-        </p:txBody>
-      </p:sp>
-    </p:spTree>
-    <p:extLst>
-      <p:ext uri="{BB962C8B-B14F-4D97-AF65-F5344CB8AC3E}">
-        <p14:creationId xmlns:p14="http://schemas.microsoft.com/office/powerpoint/2010/main" val="757686776"/>
-      </p:ext>
-    </p:extLst>
-  </p:cSld>
-  <p:clrMapOvr>
-    <a:masterClrMapping/>
-  </p:clrMapOvr>
-  <p:timing>
-    <p:tnLst>
-      <p:par>
-        <p:cTn id="1" dur="indefinite" restart="never" nodeType="tmRoot"/>
-      </p:par>
-    </p:tnLst>
   </p:timing>
 </p:sld>
 </file>

--- a/Slides/1 - Introducing Knockout.pptx
+++ b/Slides/1 - Introducing Knockout.pptx
@@ -16,13 +16,13 @@
     <p:sldId id="457" r:id="rId7"/>
     <p:sldId id="438" r:id="rId8"/>
     <p:sldId id="472" r:id="rId9"/>
-    <p:sldId id="257" r:id="rId10"/>
-    <p:sldId id="444" r:id="rId11"/>
-    <p:sldId id="473" r:id="rId12"/>
-    <p:sldId id="474" r:id="rId13"/>
-    <p:sldId id="475" r:id="rId14"/>
-    <p:sldId id="476" r:id="rId15"/>
-    <p:sldId id="477" r:id="rId16"/>
+    <p:sldId id="444" r:id="rId10"/>
+    <p:sldId id="473" r:id="rId11"/>
+    <p:sldId id="474" r:id="rId12"/>
+    <p:sldId id="475" r:id="rId13"/>
+    <p:sldId id="476" r:id="rId14"/>
+    <p:sldId id="477" r:id="rId15"/>
+    <p:sldId id="479" r:id="rId16"/>
     <p:sldId id="466" r:id="rId17"/>
     <p:sldId id="468" r:id="rId18"/>
     <p:sldId id="469" r:id="rId19"/>
@@ -142,13 +142,13 @@
             <p14:sldId id="457"/>
             <p14:sldId id="438"/>
             <p14:sldId id="472"/>
-            <p14:sldId id="257"/>
             <p14:sldId id="444"/>
             <p14:sldId id="473"/>
             <p14:sldId id="474"/>
             <p14:sldId id="475"/>
             <p14:sldId id="476"/>
             <p14:sldId id="477"/>
+            <p14:sldId id="479"/>
             <p14:sldId id="466"/>
             <p14:sldId id="468"/>
             <p14:sldId id="469"/>
@@ -658,6 +658,24 @@
           <a:bodyPr/>
           <a:lstStyle/>
           <a:p>
+            <a:r>
+              <a:rPr lang="en-US" dirty="0" smtClean="0"/>
+              <a:t>Textbox</a:t>
+            </a:r>
+            <a:r>
+              <a:rPr lang="en-US" baseline="0" dirty="0" smtClean="0"/>
+              <a:t> and heading bound to same observable</a:t>
+            </a:r>
+          </a:p>
+          <a:p>
+            <a:r>
+              <a:rPr lang="en-US" baseline="0" dirty="0" smtClean="0"/>
+              <a:t>Update textbox, see </a:t>
+            </a:r>
+            <a:r>
+              <a:rPr lang="en-US" baseline="0" smtClean="0"/>
+              <a:t>heading update</a:t>
+            </a:r>
             <a:endParaRPr lang="en-US" dirty="0"/>
           </a:p>
         </p:txBody>
@@ -679,7 +697,7 @@
           <a:p>
             <a:fld id="{906AB01E-7BD7-442B-8A6B-D31FAFDAE830}" type="slidenum">
               <a:rPr lang="en-US" smtClean="0"/>
-              <a:t>20</a:t>
+              <a:t>22</a:t>
             </a:fld>
             <a:endParaRPr lang="en-US"/>
           </a:p>
@@ -688,7 +706,7 @@
     </p:spTree>
     <p:extLst>
       <p:ext uri="{BB962C8B-B14F-4D97-AF65-F5344CB8AC3E}">
-        <p14:creationId xmlns:p14="http://schemas.microsoft.com/office/powerpoint/2010/main" val="1149675431"/>
+        <p14:creationId xmlns:p14="http://schemas.microsoft.com/office/powerpoint/2010/main" val="2952098258"/>
       </p:ext>
     </p:extLst>
   </p:cSld>
@@ -1027,14 +1045,14 @@
               <a:rPr lang="en-US" smtClean="0"/>
               <a:t>9</a:t>
             </a:fld>
-            <a:endParaRPr lang="en-US" dirty="0"/>
+            <a:endParaRPr lang="en-US"/>
           </a:p>
         </p:txBody>
       </p:sp>
     </p:spTree>
     <p:extLst>
       <p:ext uri="{BB962C8B-B14F-4D97-AF65-F5344CB8AC3E}">
-        <p14:creationId xmlns:p14="http://schemas.microsoft.com/office/powerpoint/2010/main" val="3461503664"/>
+        <p14:creationId xmlns:p14="http://schemas.microsoft.com/office/powerpoint/2010/main" val="1724137595"/>
       </p:ext>
     </p:extLst>
   </p:cSld>
@@ -1109,7 +1127,7 @@
           <a:p>
             <a:fld id="{906AB01E-7BD7-442B-8A6B-D31FAFDAE830}" type="slidenum">
               <a:rPr lang="en-US" smtClean="0"/>
-              <a:t>10</a:t>
+              <a:t>17</a:t>
             </a:fld>
             <a:endParaRPr lang="en-US"/>
           </a:p>
@@ -1118,7 +1136,7 @@
     </p:spTree>
     <p:extLst>
       <p:ext uri="{BB962C8B-B14F-4D97-AF65-F5344CB8AC3E}">
-        <p14:creationId xmlns:p14="http://schemas.microsoft.com/office/powerpoint/2010/main" val="1724137595"/>
+        <p14:creationId xmlns:p14="http://schemas.microsoft.com/office/powerpoint/2010/main" val="3414845990"/>
       </p:ext>
     </p:extLst>
   </p:cSld>
@@ -1193,7 +1211,7 @@
           <a:p>
             <a:fld id="{906AB01E-7BD7-442B-8A6B-D31FAFDAE830}" type="slidenum">
               <a:rPr lang="en-US" smtClean="0"/>
-              <a:t>17</a:t>
+              <a:t>18</a:t>
             </a:fld>
             <a:endParaRPr lang="en-US"/>
           </a:p>
@@ -1202,7 +1220,7 @@
     </p:spTree>
     <p:extLst>
       <p:ext uri="{BB962C8B-B14F-4D97-AF65-F5344CB8AC3E}">
-        <p14:creationId xmlns:p14="http://schemas.microsoft.com/office/powerpoint/2010/main" val="3414845990"/>
+        <p14:creationId xmlns:p14="http://schemas.microsoft.com/office/powerpoint/2010/main" val="144092768"/>
       </p:ext>
     </p:extLst>
   </p:cSld>
@@ -1277,7 +1295,7 @@
           <a:p>
             <a:fld id="{906AB01E-7BD7-442B-8A6B-D31FAFDAE830}" type="slidenum">
               <a:rPr lang="en-US" smtClean="0"/>
-              <a:t>18</a:t>
+              <a:t>19</a:t>
             </a:fld>
             <a:endParaRPr lang="en-US"/>
           </a:p>
@@ -1286,7 +1304,7 @@
     </p:spTree>
     <p:extLst>
       <p:ext uri="{BB962C8B-B14F-4D97-AF65-F5344CB8AC3E}">
-        <p14:creationId xmlns:p14="http://schemas.microsoft.com/office/powerpoint/2010/main" val="144092768"/>
+        <p14:creationId xmlns:p14="http://schemas.microsoft.com/office/powerpoint/2010/main" val="3018024338"/>
       </p:ext>
     </p:extLst>
   </p:cSld>
@@ -1361,7 +1379,7 @@
           <a:p>
             <a:fld id="{906AB01E-7BD7-442B-8A6B-D31FAFDAE830}" type="slidenum">
               <a:rPr lang="en-US" smtClean="0"/>
-              <a:t>19</a:t>
+              <a:t>20</a:t>
             </a:fld>
             <a:endParaRPr lang="en-US"/>
           </a:p>
@@ -1370,7 +1388,7 @@
     </p:spTree>
     <p:extLst>
       <p:ext uri="{BB962C8B-B14F-4D97-AF65-F5344CB8AC3E}">
-        <p14:creationId xmlns:p14="http://schemas.microsoft.com/office/powerpoint/2010/main" val="3018024338"/>
+        <p14:creationId xmlns:p14="http://schemas.microsoft.com/office/powerpoint/2010/main" val="1149675431"/>
       </p:ext>
     </p:extLst>
   </p:cSld>
@@ -4075,12 +4093,12 @@
       </p:grpSpPr>
       <p:sp>
         <p:nvSpPr>
-          <p:cNvPr id="5" name="Title 4"/>
+          <p:cNvPr id="4" name="Text Placeholder 3"/>
           <p:cNvSpPr>
             <a:spLocks noGrp="1"/>
           </p:cNvSpPr>
           <p:nvPr>
-            <p:ph type="title"/>
+            <p:ph type="body" sz="quarter" idx="10"/>
           </p:nvPr>
         </p:nvSpPr>
         <p:spPr/>
@@ -4089,9 +4107,28 @@
           <a:lstStyle/>
           <a:p>
             <a:r>
-              <a:rPr lang="en-CA" dirty="0" smtClean="0"/>
-              <a:t>What we’ll be building</a:t>
-            </a:r>
+              <a:rPr lang="en-US" dirty="0" smtClean="0"/>
+              <a:t>What is Knockout?</a:t>
+            </a:r>
+            <a:endParaRPr lang="en-US" dirty="0"/>
+          </a:p>
+        </p:txBody>
+      </p:sp>
+      <p:sp>
+        <p:nvSpPr>
+          <p:cNvPr id="3" name="Subtitle 2"/>
+          <p:cNvSpPr>
+            <a:spLocks noGrp="1"/>
+          </p:cNvSpPr>
+          <p:nvPr>
+            <p:ph type="subTitle" idx="1"/>
+          </p:nvPr>
+        </p:nvSpPr>
+        <p:spPr/>
+        <p:txBody>
+          <a:bodyPr/>
+          <a:lstStyle/>
+          <a:p>
             <a:endParaRPr lang="en-US" dirty="0"/>
           </a:p>
         </p:txBody>
@@ -4099,20 +4136,13 @@
     </p:spTree>
     <p:extLst>
       <p:ext uri="{BB962C8B-B14F-4D97-AF65-F5344CB8AC3E}">
-        <p14:creationId xmlns:p14="http://schemas.microsoft.com/office/powerpoint/2010/main" val="757686776"/>
+        <p14:creationId xmlns:p14="http://schemas.microsoft.com/office/powerpoint/2010/main" val="4087148463"/>
       </p:ext>
     </p:extLst>
   </p:cSld>
   <p:clrMapOvr>
     <a:masterClrMapping/>
   </p:clrMapOvr>
-  <p:timing>
-    <p:tnLst>
-      <p:par>
-        <p:cTn id="1" dur="indefinite" restart="never" nodeType="tmRoot"/>
-      </p:par>
-    </p:tnLst>
-  </p:timing>
 </p:sld>
 </file>
 
@@ -4135,12 +4165,12 @@
       </p:grpSpPr>
       <p:sp>
         <p:nvSpPr>
-          <p:cNvPr id="4" name="Text Placeholder 3"/>
+          <p:cNvPr id="4" name="Title 3"/>
           <p:cNvSpPr>
             <a:spLocks noGrp="1"/>
           </p:cNvSpPr>
           <p:nvPr>
-            <p:ph type="body" sz="quarter" idx="10"/>
+            <p:ph type="title"/>
           </p:nvPr>
         </p:nvSpPr>
         <p:spPr/>
@@ -4150,20 +4180,20 @@
           <a:p>
             <a:r>
               <a:rPr lang="en-US" dirty="0" smtClean="0"/>
-              <a:t>What is Knockout?</a:t>
-            </a:r>
-            <a:endParaRPr lang="en-US" dirty="0"/>
-          </a:p>
-        </p:txBody>
-      </p:sp>
-      <p:sp>
-        <p:nvSpPr>
-          <p:cNvPr id="3" name="Subtitle 2"/>
+              <a:t>What Knockout provides</a:t>
+            </a:r>
+            <a:endParaRPr lang="en-US" dirty="0"/>
+          </a:p>
+        </p:txBody>
+      </p:sp>
+      <p:sp>
+        <p:nvSpPr>
+          <p:cNvPr id="5" name="Content Placeholder 4"/>
           <p:cNvSpPr>
             <a:spLocks noGrp="1"/>
           </p:cNvSpPr>
           <p:nvPr>
-            <p:ph type="subTitle" idx="1"/>
+            <p:ph sz="quarter" idx="10"/>
           </p:nvPr>
         </p:nvSpPr>
         <p:spPr/>
@@ -4171,6 +4201,40 @@
           <a:bodyPr/>
           <a:lstStyle/>
           <a:p>
+            <a:r>
+              <a:rPr lang="en-US" dirty="0" smtClean="0"/>
+              <a:t>An MVVM library</a:t>
+            </a:r>
+          </a:p>
+          <a:p>
+            <a:r>
+              <a:rPr lang="en-US" dirty="0" smtClean="0"/>
+              <a:t>Automatic UI refresh and updates</a:t>
+            </a:r>
+          </a:p>
+          <a:p>
+            <a:r>
+              <a:rPr lang="en-US" dirty="0" smtClean="0"/>
+              <a:t>Reusable templates</a:t>
+            </a:r>
+          </a:p>
+          <a:p>
+            <a:r>
+              <a:rPr lang="en-US" dirty="0" smtClean="0"/>
+              <a:t>Can be used with nearly any framework</a:t>
+            </a:r>
+          </a:p>
+          <a:p>
+            <a:r>
+              <a:rPr lang="en-US" dirty="0" smtClean="0"/>
+              <a:t>Focused on data binding</a:t>
+            </a:r>
+          </a:p>
+          <a:p>
+            <a:r>
+              <a:rPr lang="en-US" dirty="0" smtClean="0"/>
+              <a:t>Small library size</a:t>
+            </a:r>
             <a:endParaRPr lang="en-US" dirty="0"/>
           </a:p>
         </p:txBody>
@@ -4178,7 +4242,7 @@
     </p:spTree>
     <p:extLst>
       <p:ext uri="{BB962C8B-B14F-4D97-AF65-F5344CB8AC3E}">
-        <p14:creationId xmlns:p14="http://schemas.microsoft.com/office/powerpoint/2010/main" val="4087148463"/>
+        <p14:creationId xmlns:p14="http://schemas.microsoft.com/office/powerpoint/2010/main" val="1703688459"/>
       </p:ext>
     </p:extLst>
   </p:cSld>
@@ -4207,7 +4271,7 @@
       </p:grpSpPr>
       <p:sp>
         <p:nvSpPr>
-          <p:cNvPr id="4" name="Title 3"/>
+          <p:cNvPr id="2" name="Title 1"/>
           <p:cNvSpPr>
             <a:spLocks noGrp="1"/>
           </p:cNvSpPr>
@@ -4222,15 +4286,15 @@
           <a:p>
             <a:r>
               <a:rPr lang="en-US" dirty="0" smtClean="0"/>
-              <a:t>What Knockout provides</a:t>
-            </a:r>
-            <a:endParaRPr lang="en-US" dirty="0"/>
-          </a:p>
-        </p:txBody>
-      </p:sp>
-      <p:sp>
-        <p:nvSpPr>
-          <p:cNvPr id="5" name="Content Placeholder 4"/>
+              <a:t>What Knockout isn’t</a:t>
+            </a:r>
+            <a:endParaRPr lang="en-US" dirty="0"/>
+          </a:p>
+        </p:txBody>
+      </p:sp>
+      <p:sp>
+        <p:nvSpPr>
+          <p:cNvPr id="3" name="Content Placeholder 2"/>
           <p:cNvSpPr>
             <a:spLocks noGrp="1"/>
           </p:cNvSpPr>
@@ -4245,46 +4309,31 @@
           <a:p>
             <a:r>
               <a:rPr lang="en-US" dirty="0" smtClean="0"/>
-              <a:t>An MVVM library</a:t>
-            </a:r>
-          </a:p>
-          <a:p>
-            <a:r>
-              <a:rPr lang="en-US" dirty="0" smtClean="0"/>
-              <a:t>Automatic UI refresh and updates</a:t>
-            </a:r>
-          </a:p>
-          <a:p>
-            <a:r>
-              <a:rPr lang="en-US" dirty="0" smtClean="0"/>
-              <a:t>Reusable templates</a:t>
-            </a:r>
-          </a:p>
-          <a:p>
-            <a:r>
-              <a:rPr lang="en-US" dirty="0" smtClean="0"/>
-              <a:t>Can be used with nearly any framework</a:t>
-            </a:r>
-          </a:p>
-          <a:p>
-            <a:r>
-              <a:rPr lang="en-US" dirty="0" smtClean="0"/>
-              <a:t>Focused on data binding</a:t>
-            </a:r>
-          </a:p>
-          <a:p>
-            <a:r>
-              <a:rPr lang="en-US" dirty="0" smtClean="0"/>
-              <a:t>Small library size</a:t>
-            </a:r>
-            <a:endParaRPr lang="en-US" dirty="0"/>
+              <a:t>A full framework</a:t>
+            </a:r>
+          </a:p>
+          <a:p>
+            <a:endParaRPr lang="en-US" dirty="0"/>
+          </a:p>
+          <a:p>
+            <a:r>
+              <a:rPr lang="en-US" dirty="0" smtClean="0"/>
+              <a:t>Knockout doesn’t compete with jQuery</a:t>
+            </a:r>
+          </a:p>
+          <a:p>
+            <a:pPr lvl="1"/>
+            <a:r>
+              <a:rPr lang="en-US" dirty="0" smtClean="0"/>
+              <a:t>Still use jQuery for Ajax calls and effects</a:t>
+            </a:r>
           </a:p>
         </p:txBody>
       </p:sp>
     </p:spTree>
     <p:extLst>
       <p:ext uri="{BB962C8B-B14F-4D97-AF65-F5344CB8AC3E}">
-        <p14:creationId xmlns:p14="http://schemas.microsoft.com/office/powerpoint/2010/main" val="1703688459"/>
+        <p14:creationId xmlns:p14="http://schemas.microsoft.com/office/powerpoint/2010/main" val="2928231689"/>
       </p:ext>
     </p:extLst>
   </p:cSld>
@@ -4328,7 +4377,7 @@
           <a:p>
             <a:r>
               <a:rPr lang="en-US" dirty="0" smtClean="0"/>
-              <a:t>What Knockout isn’t</a:t>
+              <a:t>What is MVVM?</a:t>
             </a:r>
             <a:endParaRPr lang="en-US" dirty="0"/>
           </a:p>
@@ -4351,31 +4400,68 @@
           <a:p>
             <a:r>
               <a:rPr lang="en-US" dirty="0" smtClean="0"/>
-              <a:t>A full framework</a:t>
-            </a:r>
-          </a:p>
-          <a:p>
-            <a:endParaRPr lang="en-US" dirty="0"/>
-          </a:p>
-          <a:p>
-            <a:r>
-              <a:rPr lang="en-US" dirty="0" smtClean="0"/>
-              <a:t>Knockout doesn’t compete with jQuery</a:t>
+              <a:t>Model</a:t>
             </a:r>
           </a:p>
           <a:p>
             <a:pPr lvl="1"/>
             <a:r>
               <a:rPr lang="en-US" dirty="0" smtClean="0"/>
-              <a:t>Still use jQuery for Ajax calls and effects</a:t>
-            </a:r>
+              <a:t>Domain model (or data access layer)</a:t>
+            </a:r>
+          </a:p>
+          <a:p>
+            <a:r>
+              <a:rPr lang="en-US" dirty="0" smtClean="0"/>
+              <a:t>View</a:t>
+            </a:r>
+          </a:p>
+          <a:p>
+            <a:pPr lvl="1"/>
+            <a:r>
+              <a:rPr lang="en-US" dirty="0" smtClean="0"/>
+              <a:t>The display the user will see</a:t>
+            </a:r>
+          </a:p>
+          <a:p>
+            <a:r>
+              <a:rPr lang="en-US" dirty="0" smtClean="0"/>
+              <a:t>View model</a:t>
+            </a:r>
+          </a:p>
+          <a:p>
+            <a:pPr lvl="1"/>
+            <a:r>
+              <a:rPr lang="en-US" dirty="0" smtClean="0"/>
+              <a:t>The data the user will </a:t>
+            </a:r>
+            <a:r>
+              <a:rPr lang="en-US" dirty="0" smtClean="0"/>
+              <a:t>see</a:t>
+            </a:r>
+          </a:p>
+          <a:p>
+            <a:pPr lvl="1"/>
+            <a:r>
+              <a:rPr lang="en-US" dirty="0" smtClean="0"/>
+              <a:t>A “pure-code </a:t>
+            </a:r>
+            <a:r>
+              <a:rPr lang="en-US" dirty="0"/>
+              <a:t>representation of the data and operations on a </a:t>
+            </a:r>
+            <a:r>
+              <a:rPr lang="en-US" dirty="0" smtClean="0"/>
+              <a:t>UI”</a:t>
+            </a:r>
+            <a:endParaRPr lang="en-US" dirty="0"/>
           </a:p>
         </p:txBody>
       </p:sp>
     </p:spTree>
     <p:extLst>
       <p:ext uri="{BB962C8B-B14F-4D97-AF65-F5344CB8AC3E}">
-        <p14:creationId xmlns:p14="http://schemas.microsoft.com/office/powerpoint/2010/main" val="2928231689"/>
+        <p14:creationId xmlns:p14="http://schemas.microsoft.com/office/powerpoint/2010/main" val="663136493"/>
       </p:ext>
     </p:extLst>
   </p:cSld>
@@ -4419,63 +4505,626 @@
           <a:p>
             <a:r>
               <a:rPr lang="en-US" dirty="0" smtClean="0"/>
-              <a:t>What is MVVM?</a:t>
-            </a:r>
-            <a:endParaRPr lang="en-US" dirty="0"/>
-          </a:p>
-        </p:txBody>
-      </p:sp>
-      <p:sp>
-        <p:nvSpPr>
-          <p:cNvPr id="3" name="Content Placeholder 2"/>
-          <p:cNvSpPr>
-            <a:spLocks noGrp="1"/>
-          </p:cNvSpPr>
-          <p:nvPr>
-            <p:ph sz="quarter" idx="10"/>
-          </p:nvPr>
-        </p:nvSpPr>
-        <p:spPr/>
-        <p:txBody>
-          <a:bodyPr/>
+              <a:t>MVVM in pictures</a:t>
+            </a:r>
+            <a:endParaRPr lang="en-US" dirty="0"/>
+          </a:p>
+        </p:txBody>
+      </p:sp>
+      <p:sp>
+        <p:nvSpPr>
+          <p:cNvPr id="4" name="Rounded Rectangle 3"/>
+          <p:cNvSpPr/>
+          <p:nvPr/>
+        </p:nvSpPr>
+        <p:spPr>
+          <a:xfrm>
+            <a:off x="379514" y="2637418"/>
+            <a:ext cx="3679115" cy="2173044"/>
+          </a:xfrm>
+          <a:prstGeom prst="roundRect">
+            <a:avLst>
+              <a:gd name="adj" fmla="val 11262"/>
+            </a:avLst>
+          </a:prstGeom>
+        </p:spPr>
+        <p:style>
+          <a:lnRef idx="1">
+            <a:schemeClr val="accent4"/>
+          </a:lnRef>
+          <a:fillRef idx="2">
+            <a:schemeClr val="accent4"/>
+          </a:fillRef>
+          <a:effectRef idx="1">
+            <a:schemeClr val="accent4"/>
+          </a:effectRef>
+          <a:fontRef idx="minor">
+            <a:schemeClr val="dk1"/>
+          </a:fontRef>
+        </p:style>
+        <p:txBody>
+          <a:bodyPr rtlCol="0" anchor="ctr"/>
           <a:lstStyle/>
           <a:p>
-            <a:r>
-              <a:rPr lang="en-US" dirty="0" smtClean="0"/>
+            <a:pPr algn="ctr"/>
+            <a:r>
+              <a:rPr lang="en-US" b="1" dirty="0" smtClean="0"/>
+              <a:t>View</a:t>
+            </a:r>
+          </a:p>
+          <a:p>
+            <a:pPr algn="ctr"/>
+            <a:endParaRPr lang="en-US" dirty="0"/>
+          </a:p>
+          <a:p>
+            <a:pPr algn="ctr"/>
+            <a:endParaRPr lang="en-US" dirty="0" smtClean="0"/>
+          </a:p>
+          <a:p>
+            <a:pPr algn="ctr"/>
+            <a:endParaRPr lang="en-US" dirty="0"/>
+          </a:p>
+          <a:p>
+            <a:pPr algn="ctr"/>
+            <a:endParaRPr lang="en-US" dirty="0" smtClean="0"/>
+          </a:p>
+          <a:p>
+            <a:pPr algn="ctr"/>
+            <a:endParaRPr lang="en-US" dirty="0"/>
+          </a:p>
+          <a:p>
+            <a:pPr algn="ctr"/>
+            <a:endParaRPr lang="en-US" dirty="0"/>
+          </a:p>
+        </p:txBody>
+      </p:sp>
+      <p:sp>
+        <p:nvSpPr>
+          <p:cNvPr id="5" name="Rounded Rectangle 4"/>
+          <p:cNvSpPr/>
+          <p:nvPr/>
+        </p:nvSpPr>
+        <p:spPr>
+          <a:xfrm>
+            <a:off x="938911" y="3196816"/>
+            <a:ext cx="2689411" cy="527124"/>
+          </a:xfrm>
+          <a:prstGeom prst="roundRect">
+            <a:avLst/>
+          </a:prstGeom>
+        </p:spPr>
+        <p:style>
+          <a:lnRef idx="0">
+            <a:schemeClr val="accent4"/>
+          </a:lnRef>
+          <a:fillRef idx="3">
+            <a:schemeClr val="accent4"/>
+          </a:fillRef>
+          <a:effectRef idx="3">
+            <a:schemeClr val="accent4"/>
+          </a:effectRef>
+          <a:fontRef idx="minor">
+            <a:schemeClr val="lt1"/>
+          </a:fontRef>
+        </p:style>
+        <p:txBody>
+          <a:bodyPr rtlCol="0" anchor="ctr"/>
+          <a:lstStyle/>
+          <a:p>
+            <a:pPr algn="ctr"/>
+            <a:r>
+              <a:rPr lang="en-US" dirty="0" smtClean="0"/>
+              <a:t>Name</a:t>
+            </a:r>
+            <a:endParaRPr lang="en-US" dirty="0"/>
+          </a:p>
+        </p:txBody>
+      </p:sp>
+      <p:sp>
+        <p:nvSpPr>
+          <p:cNvPr id="6" name="Rounded Rectangle 5"/>
+          <p:cNvSpPr/>
+          <p:nvPr/>
+        </p:nvSpPr>
+        <p:spPr>
+          <a:xfrm>
+            <a:off x="938912" y="3955228"/>
+            <a:ext cx="2689411" cy="527124"/>
+          </a:xfrm>
+          <a:prstGeom prst="roundRect">
+            <a:avLst/>
+          </a:prstGeom>
+        </p:spPr>
+        <p:style>
+          <a:lnRef idx="0">
+            <a:schemeClr val="accent4"/>
+          </a:lnRef>
+          <a:fillRef idx="3">
+            <a:schemeClr val="accent4"/>
+          </a:fillRef>
+          <a:effectRef idx="3">
+            <a:schemeClr val="accent4"/>
+          </a:effectRef>
+          <a:fontRef idx="minor">
+            <a:schemeClr val="lt1"/>
+          </a:fontRef>
+        </p:style>
+        <p:txBody>
+          <a:bodyPr rtlCol="0" anchor="ctr"/>
+          <a:lstStyle/>
+          <a:p>
+            <a:pPr algn="ctr"/>
+            <a:r>
+              <a:rPr lang="en-US" dirty="0" smtClean="0"/>
+              <a:t>Email</a:t>
+            </a:r>
+            <a:endParaRPr lang="en-US" dirty="0"/>
+          </a:p>
+        </p:txBody>
+      </p:sp>
+      <p:sp>
+        <p:nvSpPr>
+          <p:cNvPr id="7" name="Rounded Rectangle 6"/>
+          <p:cNvSpPr/>
+          <p:nvPr/>
+        </p:nvSpPr>
+        <p:spPr>
+          <a:xfrm>
+            <a:off x="4393012" y="2637418"/>
+            <a:ext cx="3679115" cy="2173044"/>
+          </a:xfrm>
+          <a:prstGeom prst="roundRect">
+            <a:avLst>
+              <a:gd name="adj" fmla="val 11262"/>
+            </a:avLst>
+          </a:prstGeom>
+        </p:spPr>
+        <p:style>
+          <a:lnRef idx="1">
+            <a:schemeClr val="accent3"/>
+          </a:lnRef>
+          <a:fillRef idx="2">
+            <a:schemeClr val="accent3"/>
+          </a:fillRef>
+          <a:effectRef idx="1">
+            <a:schemeClr val="accent3"/>
+          </a:effectRef>
+          <a:fontRef idx="minor">
+            <a:schemeClr val="dk1"/>
+          </a:fontRef>
+        </p:style>
+        <p:txBody>
+          <a:bodyPr rtlCol="0" anchor="ctr"/>
+          <a:lstStyle/>
+          <a:p>
+            <a:pPr algn="ctr"/>
+            <a:r>
+              <a:rPr lang="en-US" b="1" dirty="0" smtClean="0"/>
+              <a:t>View Model</a:t>
+            </a:r>
+          </a:p>
+          <a:p>
+            <a:pPr algn="ctr"/>
+            <a:endParaRPr lang="en-US" dirty="0"/>
+          </a:p>
+          <a:p>
+            <a:pPr algn="ctr"/>
+            <a:endParaRPr lang="en-US" dirty="0" smtClean="0"/>
+          </a:p>
+          <a:p>
+            <a:pPr algn="ctr"/>
+            <a:endParaRPr lang="en-US" dirty="0"/>
+          </a:p>
+          <a:p>
+            <a:pPr algn="ctr"/>
+            <a:endParaRPr lang="en-US" dirty="0" smtClean="0"/>
+          </a:p>
+          <a:p>
+            <a:pPr algn="ctr"/>
+            <a:endParaRPr lang="en-US" dirty="0"/>
+          </a:p>
+          <a:p>
+            <a:pPr algn="ctr"/>
+            <a:endParaRPr lang="en-US" dirty="0"/>
+          </a:p>
+        </p:txBody>
+      </p:sp>
+      <p:sp>
+        <p:nvSpPr>
+          <p:cNvPr id="8" name="Rounded Rectangle 7"/>
+          <p:cNvSpPr/>
+          <p:nvPr/>
+        </p:nvSpPr>
+        <p:spPr>
+          <a:xfrm>
+            <a:off x="4920136" y="3196816"/>
+            <a:ext cx="2689411" cy="527124"/>
+          </a:xfrm>
+          <a:prstGeom prst="roundRect">
+            <a:avLst/>
+          </a:prstGeom>
+        </p:spPr>
+        <p:style>
+          <a:lnRef idx="0">
+            <a:schemeClr val="accent3"/>
+          </a:lnRef>
+          <a:fillRef idx="3">
+            <a:schemeClr val="accent3"/>
+          </a:fillRef>
+          <a:effectRef idx="3">
+            <a:schemeClr val="accent3"/>
+          </a:effectRef>
+          <a:fontRef idx="minor">
+            <a:schemeClr val="lt1"/>
+          </a:fontRef>
+        </p:style>
+        <p:txBody>
+          <a:bodyPr rtlCol="0" anchor="ctr"/>
+          <a:lstStyle/>
+          <a:p>
+            <a:pPr algn="ctr"/>
+            <a:r>
+              <a:rPr lang="en-US" dirty="0" smtClean="0"/>
+              <a:t>Name</a:t>
+            </a:r>
+            <a:endParaRPr lang="en-US" dirty="0"/>
+          </a:p>
+        </p:txBody>
+      </p:sp>
+      <p:sp>
+        <p:nvSpPr>
+          <p:cNvPr id="9" name="Rounded Rectangle 8"/>
+          <p:cNvSpPr/>
+          <p:nvPr/>
+        </p:nvSpPr>
+        <p:spPr>
+          <a:xfrm>
+            <a:off x="4920137" y="3955228"/>
+            <a:ext cx="2689411" cy="527124"/>
+          </a:xfrm>
+          <a:prstGeom prst="roundRect">
+            <a:avLst/>
+          </a:prstGeom>
+        </p:spPr>
+        <p:style>
+          <a:lnRef idx="0">
+            <a:schemeClr val="accent3"/>
+          </a:lnRef>
+          <a:fillRef idx="3">
+            <a:schemeClr val="accent3"/>
+          </a:fillRef>
+          <a:effectRef idx="3">
+            <a:schemeClr val="accent3"/>
+          </a:effectRef>
+          <a:fontRef idx="minor">
+            <a:schemeClr val="lt1"/>
+          </a:fontRef>
+        </p:style>
+        <p:txBody>
+          <a:bodyPr rtlCol="0" anchor="ctr"/>
+          <a:lstStyle/>
+          <a:p>
+            <a:pPr algn="ctr"/>
+            <a:r>
+              <a:rPr lang="en-US" dirty="0" smtClean="0"/>
+              <a:t>Email</a:t>
+            </a:r>
+            <a:endParaRPr lang="en-US" dirty="0"/>
+          </a:p>
+        </p:txBody>
+      </p:sp>
+      <p:sp>
+        <p:nvSpPr>
+          <p:cNvPr id="10" name="Rounded Rectangle 9"/>
+          <p:cNvSpPr/>
+          <p:nvPr/>
+        </p:nvSpPr>
+        <p:spPr>
+          <a:xfrm>
+            <a:off x="8406510" y="1647714"/>
+            <a:ext cx="3679115" cy="4152452"/>
+          </a:xfrm>
+          <a:prstGeom prst="roundRect">
+            <a:avLst>
+              <a:gd name="adj" fmla="val 11262"/>
+            </a:avLst>
+          </a:prstGeom>
+        </p:spPr>
+        <p:style>
+          <a:lnRef idx="1">
+            <a:schemeClr val="accent5"/>
+          </a:lnRef>
+          <a:fillRef idx="2">
+            <a:schemeClr val="accent5"/>
+          </a:fillRef>
+          <a:effectRef idx="1">
+            <a:schemeClr val="accent5"/>
+          </a:effectRef>
+          <a:fontRef idx="minor">
+            <a:schemeClr val="dk1"/>
+          </a:fontRef>
+        </p:style>
+        <p:txBody>
+          <a:bodyPr rtlCol="0" anchor="ctr"/>
+          <a:lstStyle/>
+          <a:p>
+            <a:pPr algn="ctr"/>
+            <a:r>
+              <a:rPr lang="en-US" b="1" dirty="0" smtClean="0"/>
               <a:t>Model</a:t>
             </a:r>
           </a:p>
           <a:p>
-            <a:pPr lvl="1"/>
-            <a:r>
-              <a:rPr lang="en-US" dirty="0" smtClean="0"/>
-              <a:t>Domain model (or data access layer)</a:t>
-            </a:r>
-          </a:p>
-          <a:p>
-            <a:r>
-              <a:rPr lang="en-US" dirty="0" smtClean="0"/>
-              <a:t>View</a:t>
-            </a:r>
-          </a:p>
-          <a:p>
-            <a:pPr lvl="1"/>
-            <a:r>
-              <a:rPr lang="en-US" dirty="0" smtClean="0"/>
-              <a:t>The display the user will see</a:t>
-            </a:r>
-          </a:p>
-          <a:p>
-            <a:r>
-              <a:rPr lang="en-US" dirty="0" smtClean="0"/>
-              <a:t>View model</a:t>
-            </a:r>
-          </a:p>
-          <a:p>
-            <a:pPr lvl="1"/>
-            <a:r>
-              <a:rPr lang="en-US" dirty="0" smtClean="0"/>
-              <a:t>The data the user will see</a:t>
+            <a:pPr algn="ctr"/>
+            <a:endParaRPr lang="en-US" b="1" dirty="0"/>
+          </a:p>
+          <a:p>
+            <a:pPr algn="ctr"/>
+            <a:endParaRPr lang="en-US" b="1" dirty="0" smtClean="0"/>
+          </a:p>
+          <a:p>
+            <a:pPr algn="ctr"/>
+            <a:endParaRPr lang="en-US" b="1" dirty="0"/>
+          </a:p>
+          <a:p>
+            <a:pPr algn="ctr"/>
+            <a:endParaRPr lang="en-US" b="1" dirty="0" smtClean="0"/>
+          </a:p>
+          <a:p>
+            <a:pPr algn="ctr"/>
+            <a:endParaRPr lang="en-US" b="1" dirty="0"/>
+          </a:p>
+          <a:p>
+            <a:pPr algn="ctr"/>
+            <a:endParaRPr lang="en-US" b="1" dirty="0" smtClean="0"/>
+          </a:p>
+          <a:p>
+            <a:pPr algn="ctr"/>
+            <a:endParaRPr lang="en-US" b="1" dirty="0"/>
+          </a:p>
+          <a:p>
+            <a:pPr algn="ctr"/>
+            <a:endParaRPr lang="en-US" b="1" dirty="0" smtClean="0"/>
+          </a:p>
+          <a:p>
+            <a:pPr algn="ctr"/>
+            <a:endParaRPr lang="en-US" dirty="0"/>
+          </a:p>
+          <a:p>
+            <a:pPr algn="ctr"/>
+            <a:endParaRPr lang="en-US" dirty="0" smtClean="0"/>
+          </a:p>
+          <a:p>
+            <a:pPr algn="ctr"/>
+            <a:endParaRPr lang="en-US" dirty="0"/>
+          </a:p>
+          <a:p>
+            <a:pPr algn="ctr"/>
+            <a:endParaRPr lang="en-US" dirty="0" smtClean="0"/>
+          </a:p>
+          <a:p>
+            <a:pPr algn="ctr"/>
+            <a:endParaRPr lang="en-US" dirty="0"/>
+          </a:p>
+          <a:p>
+            <a:pPr algn="ctr"/>
+            <a:endParaRPr lang="en-US" dirty="0"/>
+          </a:p>
+        </p:txBody>
+      </p:sp>
+      <p:sp>
+        <p:nvSpPr>
+          <p:cNvPr id="11" name="Rounded Rectangle 10"/>
+          <p:cNvSpPr/>
+          <p:nvPr/>
+        </p:nvSpPr>
+        <p:spPr>
+          <a:xfrm>
+            <a:off x="8901361" y="2230422"/>
+            <a:ext cx="2689411" cy="527124"/>
+          </a:xfrm>
+          <a:prstGeom prst="roundRect">
+            <a:avLst/>
+          </a:prstGeom>
+        </p:spPr>
+        <p:style>
+          <a:lnRef idx="0">
+            <a:schemeClr val="accent5"/>
+          </a:lnRef>
+          <a:fillRef idx="3">
+            <a:schemeClr val="accent5"/>
+          </a:fillRef>
+          <a:effectRef idx="3">
+            <a:schemeClr val="accent5"/>
+          </a:effectRef>
+          <a:fontRef idx="minor">
+            <a:schemeClr val="lt1"/>
+          </a:fontRef>
+        </p:style>
+        <p:txBody>
+          <a:bodyPr rtlCol="0" anchor="ctr"/>
+          <a:lstStyle/>
+          <a:p>
+            <a:pPr algn="ctr"/>
+            <a:r>
+              <a:rPr lang="en-US" dirty="0" err="1" smtClean="0"/>
+              <a:t>FirstName</a:t>
+            </a:r>
+            <a:endParaRPr lang="en-US" dirty="0"/>
+          </a:p>
+        </p:txBody>
+      </p:sp>
+      <p:sp>
+        <p:nvSpPr>
+          <p:cNvPr id="12" name="Rounded Rectangle 11"/>
+          <p:cNvSpPr/>
+          <p:nvPr/>
+        </p:nvSpPr>
+        <p:spPr>
+          <a:xfrm>
+            <a:off x="8901360" y="3568851"/>
+            <a:ext cx="2689411" cy="527124"/>
+          </a:xfrm>
+          <a:prstGeom prst="roundRect">
+            <a:avLst/>
+          </a:prstGeom>
+        </p:spPr>
+        <p:style>
+          <a:lnRef idx="0">
+            <a:schemeClr val="accent5"/>
+          </a:lnRef>
+          <a:fillRef idx="3">
+            <a:schemeClr val="accent5"/>
+          </a:fillRef>
+          <a:effectRef idx="3">
+            <a:schemeClr val="accent5"/>
+          </a:effectRef>
+          <a:fontRef idx="minor">
+            <a:schemeClr val="lt1"/>
+          </a:fontRef>
+        </p:style>
+        <p:txBody>
+          <a:bodyPr rtlCol="0" anchor="ctr"/>
+          <a:lstStyle/>
+          <a:p>
+            <a:pPr algn="ctr"/>
+            <a:r>
+              <a:rPr lang="en-US" dirty="0" smtClean="0"/>
+              <a:t>Email</a:t>
+            </a:r>
+            <a:endParaRPr lang="en-US" dirty="0"/>
+          </a:p>
+        </p:txBody>
+      </p:sp>
+      <p:sp>
+        <p:nvSpPr>
+          <p:cNvPr id="13" name="Rounded Rectangle 12"/>
+          <p:cNvSpPr/>
+          <p:nvPr/>
+        </p:nvSpPr>
+        <p:spPr>
+          <a:xfrm>
+            <a:off x="8901360" y="2899636"/>
+            <a:ext cx="2689411" cy="527124"/>
+          </a:xfrm>
+          <a:prstGeom prst="roundRect">
+            <a:avLst/>
+          </a:prstGeom>
+        </p:spPr>
+        <p:style>
+          <a:lnRef idx="0">
+            <a:schemeClr val="accent5"/>
+          </a:lnRef>
+          <a:fillRef idx="3">
+            <a:schemeClr val="accent5"/>
+          </a:fillRef>
+          <a:effectRef idx="3">
+            <a:schemeClr val="accent5"/>
+          </a:effectRef>
+          <a:fontRef idx="minor">
+            <a:schemeClr val="lt1"/>
+          </a:fontRef>
+        </p:style>
+        <p:txBody>
+          <a:bodyPr rtlCol="0" anchor="ctr"/>
+          <a:lstStyle/>
+          <a:p>
+            <a:pPr algn="ctr"/>
+            <a:r>
+              <a:rPr lang="en-US" dirty="0" err="1" smtClean="0"/>
+              <a:t>LastName</a:t>
+            </a:r>
+            <a:endParaRPr lang="en-US" dirty="0"/>
+          </a:p>
+        </p:txBody>
+      </p:sp>
+      <p:sp>
+        <p:nvSpPr>
+          <p:cNvPr id="14" name="Rounded Rectangle 13"/>
+          <p:cNvSpPr/>
+          <p:nvPr/>
+        </p:nvSpPr>
+        <p:spPr>
+          <a:xfrm>
+            <a:off x="8901359" y="4234480"/>
+            <a:ext cx="2689411" cy="527124"/>
+          </a:xfrm>
+          <a:prstGeom prst="roundRect">
+            <a:avLst/>
+          </a:prstGeom>
+        </p:spPr>
+        <p:style>
+          <a:lnRef idx="0">
+            <a:schemeClr val="accent5"/>
+          </a:lnRef>
+          <a:fillRef idx="3">
+            <a:schemeClr val="accent5"/>
+          </a:fillRef>
+          <a:effectRef idx="3">
+            <a:schemeClr val="accent5"/>
+          </a:effectRef>
+          <a:fontRef idx="minor">
+            <a:schemeClr val="lt1"/>
+          </a:fontRef>
+        </p:style>
+        <p:txBody>
+          <a:bodyPr rtlCol="0" anchor="ctr"/>
+          <a:lstStyle/>
+          <a:p>
+            <a:pPr algn="ctr"/>
+            <a:r>
+              <a:rPr lang="en-US" dirty="0" err="1" smtClean="0"/>
+              <a:t>LoadUser</a:t>
+            </a:r>
+            <a:r>
+              <a:rPr lang="en-US" dirty="0" smtClean="0"/>
+              <a:t>()</a:t>
+            </a:r>
+            <a:endParaRPr lang="en-US" dirty="0"/>
+          </a:p>
+        </p:txBody>
+      </p:sp>
+      <p:sp>
+        <p:nvSpPr>
+          <p:cNvPr id="15" name="Rounded Rectangle 14"/>
+          <p:cNvSpPr/>
+          <p:nvPr/>
+        </p:nvSpPr>
+        <p:spPr>
+          <a:xfrm>
+            <a:off x="8901359" y="4900109"/>
+            <a:ext cx="2689411" cy="527124"/>
+          </a:xfrm>
+          <a:prstGeom prst="roundRect">
+            <a:avLst/>
+          </a:prstGeom>
+        </p:spPr>
+        <p:style>
+          <a:lnRef idx="0">
+            <a:schemeClr val="accent5"/>
+          </a:lnRef>
+          <a:fillRef idx="3">
+            <a:schemeClr val="accent5"/>
+          </a:fillRef>
+          <a:effectRef idx="3">
+            <a:schemeClr val="accent5"/>
+          </a:effectRef>
+          <a:fontRef idx="minor">
+            <a:schemeClr val="lt1"/>
+          </a:fontRef>
+        </p:style>
+        <p:txBody>
+          <a:bodyPr rtlCol="0" anchor="ctr"/>
+          <a:lstStyle/>
+          <a:p>
+            <a:pPr algn="ctr"/>
+            <a:r>
+              <a:rPr lang="en-US" dirty="0" err="1" smtClean="0"/>
+              <a:t>SaveUser</a:t>
+            </a:r>
+            <a:r>
+              <a:rPr lang="en-US" dirty="0" smtClean="0"/>
+              <a:t>()</a:t>
             </a:r>
             <a:endParaRPr lang="en-US" dirty="0"/>
           </a:p>
@@ -4484,7 +5133,7 @@
     </p:spTree>
     <p:extLst>
       <p:ext uri="{BB962C8B-B14F-4D97-AF65-F5344CB8AC3E}">
-        <p14:creationId xmlns:p14="http://schemas.microsoft.com/office/powerpoint/2010/main" val="663136493"/>
+        <p14:creationId xmlns:p14="http://schemas.microsoft.com/office/powerpoint/2010/main" val="17314703"/>
       </p:ext>
     </p:extLst>
   </p:cSld>
@@ -4637,7 +5286,7 @@
             <a:pPr algn="ctr"/>
             <a:r>
               <a:rPr lang="en-US" dirty="0" smtClean="0"/>
-              <a:t>Name</a:t>
+              <a:t>Developer</a:t>
             </a:r>
             <a:endParaRPr lang="en-US" dirty="0"/>
           </a:p>
@@ -4679,7 +5328,7 @@
             <a:pPr algn="ctr"/>
             <a:r>
               <a:rPr lang="en-US" dirty="0" smtClean="0"/>
-              <a:t>Email</a:t>
+              <a:t>Bugs</a:t>
             </a:r>
             <a:endParaRPr lang="en-US" dirty="0"/>
           </a:p>
@@ -4788,7 +5437,7 @@
             <a:pPr algn="ctr"/>
             <a:r>
               <a:rPr lang="en-US" dirty="0" smtClean="0"/>
-              <a:t>Name</a:t>
+              <a:t>Developer</a:t>
             </a:r>
             <a:endParaRPr lang="en-US" dirty="0"/>
           </a:p>
@@ -4830,333 +5479,552 @@
             <a:pPr algn="ctr"/>
             <a:r>
               <a:rPr lang="en-US" dirty="0" smtClean="0"/>
-              <a:t>Email</a:t>
-            </a:r>
-            <a:endParaRPr lang="en-US" dirty="0"/>
-          </a:p>
-        </p:txBody>
-      </p:sp>
-      <p:sp>
-        <p:nvSpPr>
-          <p:cNvPr id="10" name="Rounded Rectangle 9"/>
-          <p:cNvSpPr/>
+              <a:t>Bugs[]</a:t>
+            </a:r>
+            <a:endParaRPr lang="en-US" dirty="0"/>
+          </a:p>
+        </p:txBody>
+      </p:sp>
+      <p:grpSp>
+        <p:nvGrpSpPr>
+          <p:cNvPr id="38" name="Group 37"/>
+          <p:cNvGrpSpPr/>
           <p:nvPr/>
-        </p:nvSpPr>
-        <p:spPr>
+        </p:nvGrpSpPr>
+        <p:grpSpPr>
           <a:xfrm>
-            <a:off x="8406510" y="1647714"/>
-            <a:ext cx="3679115" cy="4152452"/>
+            <a:off x="8512885" y="3506254"/>
+            <a:ext cx="3391061" cy="3194348"/>
+            <a:chOff x="6297113" y="561192"/>
+            <a:chExt cx="3679115" cy="3481086"/>
           </a:xfrm>
-          <a:prstGeom prst="roundRect">
-            <a:avLst>
-              <a:gd name="adj" fmla="val 11262"/>
-            </a:avLst>
-          </a:prstGeom>
-        </p:spPr>
-        <p:style>
-          <a:lnRef idx="1">
-            <a:schemeClr val="accent5"/>
-          </a:lnRef>
-          <a:fillRef idx="2">
-            <a:schemeClr val="accent5"/>
-          </a:fillRef>
-          <a:effectRef idx="1">
-            <a:schemeClr val="accent5"/>
-          </a:effectRef>
-          <a:fontRef idx="minor">
-            <a:schemeClr val="dk1"/>
-          </a:fontRef>
-        </p:style>
-        <p:txBody>
-          <a:bodyPr rtlCol="0" anchor="ctr"/>
-          <a:lstStyle/>
-          <a:p>
-            <a:pPr algn="ctr"/>
-            <a:r>
-              <a:rPr lang="en-US" b="1" dirty="0" smtClean="0"/>
-              <a:t>Model</a:t>
-            </a:r>
-          </a:p>
-          <a:p>
-            <a:pPr algn="ctr"/>
-            <a:endParaRPr lang="en-US" b="1" dirty="0"/>
-          </a:p>
-          <a:p>
-            <a:pPr algn="ctr"/>
-            <a:endParaRPr lang="en-US" b="1" dirty="0" smtClean="0"/>
-          </a:p>
-          <a:p>
-            <a:pPr algn="ctr"/>
-            <a:endParaRPr lang="en-US" b="1" dirty="0"/>
-          </a:p>
-          <a:p>
-            <a:pPr algn="ctr"/>
-            <a:endParaRPr lang="en-US" b="1" dirty="0" smtClean="0"/>
-          </a:p>
-          <a:p>
-            <a:pPr algn="ctr"/>
-            <a:endParaRPr lang="en-US" b="1" dirty="0"/>
-          </a:p>
-          <a:p>
-            <a:pPr algn="ctr"/>
-            <a:endParaRPr lang="en-US" b="1" dirty="0" smtClean="0"/>
-          </a:p>
-          <a:p>
-            <a:pPr algn="ctr"/>
-            <a:endParaRPr lang="en-US" b="1" dirty="0"/>
-          </a:p>
-          <a:p>
-            <a:pPr algn="ctr"/>
-            <a:endParaRPr lang="en-US" b="1" dirty="0" smtClean="0"/>
-          </a:p>
-          <a:p>
-            <a:pPr algn="ctr"/>
-            <a:endParaRPr lang="en-US" dirty="0"/>
-          </a:p>
-          <a:p>
-            <a:pPr algn="ctr"/>
-            <a:endParaRPr lang="en-US" dirty="0" smtClean="0"/>
-          </a:p>
-          <a:p>
-            <a:pPr algn="ctr"/>
-            <a:endParaRPr lang="en-US" dirty="0"/>
-          </a:p>
-          <a:p>
-            <a:pPr algn="ctr"/>
-            <a:endParaRPr lang="en-US" dirty="0" smtClean="0"/>
-          </a:p>
-          <a:p>
-            <a:pPr algn="ctr"/>
-            <a:endParaRPr lang="en-US" dirty="0"/>
-          </a:p>
-          <a:p>
-            <a:pPr algn="ctr"/>
-            <a:endParaRPr lang="en-US" dirty="0"/>
-          </a:p>
-        </p:txBody>
-      </p:sp>
-      <p:sp>
-        <p:nvSpPr>
-          <p:cNvPr id="11" name="Rounded Rectangle 10"/>
-          <p:cNvSpPr/>
+        </p:grpSpPr>
+        <p:sp>
+          <p:nvSpPr>
+            <p:cNvPr id="10" name="Rounded Rectangle 9"/>
+            <p:cNvSpPr/>
+            <p:nvPr/>
+          </p:nvSpPr>
+          <p:spPr>
+            <a:xfrm>
+              <a:off x="6297113" y="561192"/>
+              <a:ext cx="3679115" cy="3481086"/>
+            </a:xfrm>
+            <a:prstGeom prst="roundRect">
+              <a:avLst>
+                <a:gd name="adj" fmla="val 11262"/>
+              </a:avLst>
+            </a:prstGeom>
+          </p:spPr>
+          <p:style>
+            <a:lnRef idx="1">
+              <a:schemeClr val="accent5"/>
+            </a:lnRef>
+            <a:fillRef idx="2">
+              <a:schemeClr val="accent5"/>
+            </a:fillRef>
+            <a:effectRef idx="1">
+              <a:schemeClr val="accent5"/>
+            </a:effectRef>
+            <a:fontRef idx="minor">
+              <a:schemeClr val="dk1"/>
+            </a:fontRef>
+          </p:style>
+          <p:txBody>
+            <a:bodyPr rtlCol="0" anchor="ctr"/>
+            <a:lstStyle/>
+            <a:p>
+              <a:pPr algn="ctr"/>
+              <a:r>
+                <a:rPr lang="en-US" b="1" dirty="0" smtClean="0"/>
+                <a:t>Bug Model</a:t>
+              </a:r>
+            </a:p>
+            <a:p>
+              <a:pPr algn="ctr"/>
+              <a:endParaRPr lang="en-US" b="1" dirty="0"/>
+            </a:p>
+            <a:p>
+              <a:pPr algn="ctr"/>
+              <a:endParaRPr lang="en-US" b="1" dirty="0" smtClean="0"/>
+            </a:p>
+            <a:p>
+              <a:pPr algn="ctr"/>
+              <a:endParaRPr lang="en-US" b="1" dirty="0"/>
+            </a:p>
+            <a:p>
+              <a:pPr algn="ctr"/>
+              <a:endParaRPr lang="en-US" b="1" dirty="0" smtClean="0"/>
+            </a:p>
+            <a:p>
+              <a:pPr algn="ctr"/>
+              <a:endParaRPr lang="en-US" dirty="0"/>
+            </a:p>
+            <a:p>
+              <a:pPr algn="ctr"/>
+              <a:endParaRPr lang="en-US" dirty="0" smtClean="0"/>
+            </a:p>
+            <a:p>
+              <a:pPr algn="ctr"/>
+              <a:endParaRPr lang="en-US" dirty="0"/>
+            </a:p>
+            <a:p>
+              <a:pPr algn="ctr"/>
+              <a:endParaRPr lang="en-US" dirty="0" smtClean="0"/>
+            </a:p>
+            <a:p>
+              <a:pPr algn="ctr"/>
+              <a:endParaRPr lang="en-US" dirty="0"/>
+            </a:p>
+            <a:p>
+              <a:pPr algn="ctr"/>
+              <a:endParaRPr lang="en-US" dirty="0"/>
+            </a:p>
+          </p:txBody>
+        </p:sp>
+        <p:sp>
+          <p:nvSpPr>
+            <p:cNvPr id="11" name="Rounded Rectangle 10"/>
+            <p:cNvSpPr/>
+            <p:nvPr/>
+          </p:nvSpPr>
+          <p:spPr>
+            <a:xfrm>
+              <a:off x="6791964" y="1143900"/>
+              <a:ext cx="2689411" cy="527124"/>
+            </a:xfrm>
+            <a:prstGeom prst="roundRect">
+              <a:avLst/>
+            </a:prstGeom>
+          </p:spPr>
+          <p:style>
+            <a:lnRef idx="0">
+              <a:schemeClr val="accent5"/>
+            </a:lnRef>
+            <a:fillRef idx="3">
+              <a:schemeClr val="accent5"/>
+            </a:fillRef>
+            <a:effectRef idx="3">
+              <a:schemeClr val="accent5"/>
+            </a:effectRef>
+            <a:fontRef idx="minor">
+              <a:schemeClr val="lt1"/>
+            </a:fontRef>
+          </p:style>
+          <p:txBody>
+            <a:bodyPr rtlCol="0" anchor="ctr"/>
+            <a:lstStyle/>
+            <a:p>
+              <a:pPr algn="ctr"/>
+              <a:r>
+                <a:rPr lang="en-US" dirty="0" smtClean="0"/>
+                <a:t>Title</a:t>
+              </a:r>
+              <a:endParaRPr lang="en-US" dirty="0"/>
+            </a:p>
+          </p:txBody>
+        </p:sp>
+        <p:sp>
+          <p:nvSpPr>
+            <p:cNvPr id="12" name="Rounded Rectangle 11"/>
+            <p:cNvSpPr/>
+            <p:nvPr/>
+          </p:nvSpPr>
+          <p:spPr>
+            <a:xfrm>
+              <a:off x="6791963" y="2482329"/>
+              <a:ext cx="2689411" cy="527124"/>
+            </a:xfrm>
+            <a:prstGeom prst="roundRect">
+              <a:avLst/>
+            </a:prstGeom>
+          </p:spPr>
+          <p:style>
+            <a:lnRef idx="0">
+              <a:schemeClr val="accent5"/>
+            </a:lnRef>
+            <a:fillRef idx="3">
+              <a:schemeClr val="accent5"/>
+            </a:fillRef>
+            <a:effectRef idx="3">
+              <a:schemeClr val="accent5"/>
+            </a:effectRef>
+            <a:fontRef idx="minor">
+              <a:schemeClr val="lt1"/>
+            </a:fontRef>
+          </p:style>
+          <p:txBody>
+            <a:bodyPr rtlCol="0" anchor="ctr"/>
+            <a:lstStyle/>
+            <a:p>
+              <a:pPr algn="ctr"/>
+              <a:r>
+                <a:rPr lang="en-US" dirty="0" smtClean="0"/>
+                <a:t>Developer</a:t>
+              </a:r>
+              <a:endParaRPr lang="en-US" dirty="0"/>
+            </a:p>
+          </p:txBody>
+        </p:sp>
+        <p:sp>
+          <p:nvSpPr>
+            <p:cNvPr id="13" name="Rounded Rectangle 12"/>
+            <p:cNvSpPr/>
+            <p:nvPr/>
+          </p:nvSpPr>
+          <p:spPr>
+            <a:xfrm>
+              <a:off x="6791963" y="1813114"/>
+              <a:ext cx="2689411" cy="527124"/>
+            </a:xfrm>
+            <a:prstGeom prst="roundRect">
+              <a:avLst/>
+            </a:prstGeom>
+          </p:spPr>
+          <p:style>
+            <a:lnRef idx="0">
+              <a:schemeClr val="accent5"/>
+            </a:lnRef>
+            <a:fillRef idx="3">
+              <a:schemeClr val="accent5"/>
+            </a:fillRef>
+            <a:effectRef idx="3">
+              <a:schemeClr val="accent5"/>
+            </a:effectRef>
+            <a:fontRef idx="minor">
+              <a:schemeClr val="lt1"/>
+            </a:fontRef>
+          </p:style>
+          <p:txBody>
+            <a:bodyPr rtlCol="0" anchor="ctr"/>
+            <a:lstStyle/>
+            <a:p>
+              <a:pPr algn="ctr"/>
+              <a:r>
+                <a:rPr lang="en-US" dirty="0" smtClean="0"/>
+                <a:t>Description</a:t>
+              </a:r>
+              <a:endParaRPr lang="en-US" dirty="0"/>
+            </a:p>
+          </p:txBody>
+        </p:sp>
+        <p:sp>
+          <p:nvSpPr>
+            <p:cNvPr id="14" name="Rounded Rectangle 13"/>
+            <p:cNvSpPr/>
+            <p:nvPr/>
+          </p:nvSpPr>
+          <p:spPr>
+            <a:xfrm>
+              <a:off x="6791962" y="3147958"/>
+              <a:ext cx="2689411" cy="527124"/>
+            </a:xfrm>
+            <a:prstGeom prst="roundRect">
+              <a:avLst/>
+            </a:prstGeom>
+          </p:spPr>
+          <p:style>
+            <a:lnRef idx="0">
+              <a:schemeClr val="accent5"/>
+            </a:lnRef>
+            <a:fillRef idx="3">
+              <a:schemeClr val="accent5"/>
+            </a:fillRef>
+            <a:effectRef idx="3">
+              <a:schemeClr val="accent5"/>
+            </a:effectRef>
+            <a:fontRef idx="minor">
+              <a:schemeClr val="lt1"/>
+            </a:fontRef>
+          </p:style>
+          <p:txBody>
+            <a:bodyPr rtlCol="0" anchor="ctr"/>
+            <a:lstStyle/>
+            <a:p>
+              <a:pPr algn="ctr"/>
+              <a:r>
+                <a:rPr lang="en-US" dirty="0" smtClean="0"/>
+                <a:t>Load() / Save()</a:t>
+              </a:r>
+              <a:endParaRPr lang="en-US" dirty="0"/>
+            </a:p>
+          </p:txBody>
+        </p:sp>
+      </p:grpSp>
+      <p:grpSp>
+        <p:nvGrpSpPr>
+          <p:cNvPr id="37" name="Group 36"/>
+          <p:cNvGrpSpPr/>
           <p:nvPr/>
-        </p:nvSpPr>
-        <p:spPr>
+        </p:nvGrpSpPr>
+        <p:grpSpPr>
           <a:xfrm>
-            <a:off x="8901361" y="2230422"/>
-            <a:ext cx="2689411" cy="527124"/>
+            <a:off x="8512884" y="45068"/>
+            <a:ext cx="3391061" cy="3341266"/>
+            <a:chOff x="9545921" y="2790356"/>
+            <a:chExt cx="3679115" cy="3475533"/>
           </a:xfrm>
-          <a:prstGeom prst="roundRect">
-            <a:avLst/>
-          </a:prstGeom>
-        </p:spPr>
-        <p:style>
-          <a:lnRef idx="0">
-            <a:schemeClr val="accent5"/>
-          </a:lnRef>
-          <a:fillRef idx="3">
-            <a:schemeClr val="accent5"/>
-          </a:fillRef>
-          <a:effectRef idx="3">
-            <a:schemeClr val="accent5"/>
-          </a:effectRef>
-          <a:fontRef idx="minor">
-            <a:schemeClr val="lt1"/>
-          </a:fontRef>
-        </p:style>
-        <p:txBody>
-          <a:bodyPr rtlCol="0" anchor="ctr"/>
-          <a:lstStyle/>
-          <a:p>
-            <a:pPr algn="ctr"/>
-            <a:r>
-              <a:rPr lang="en-US" dirty="0" err="1" smtClean="0"/>
-              <a:t>FirstName</a:t>
-            </a:r>
-            <a:endParaRPr lang="en-US" dirty="0"/>
-          </a:p>
-        </p:txBody>
-      </p:sp>
-      <p:sp>
-        <p:nvSpPr>
-          <p:cNvPr id="12" name="Rounded Rectangle 11"/>
-          <p:cNvSpPr/>
-          <p:nvPr/>
-        </p:nvSpPr>
-        <p:spPr>
-          <a:xfrm>
-            <a:off x="8901360" y="3568851"/>
-            <a:ext cx="2689411" cy="527124"/>
-          </a:xfrm>
-          <a:prstGeom prst="roundRect">
-            <a:avLst/>
-          </a:prstGeom>
-        </p:spPr>
-        <p:style>
-          <a:lnRef idx="0">
-            <a:schemeClr val="accent5"/>
-          </a:lnRef>
-          <a:fillRef idx="3">
-            <a:schemeClr val="accent5"/>
-          </a:fillRef>
-          <a:effectRef idx="3">
-            <a:schemeClr val="accent5"/>
-          </a:effectRef>
-          <a:fontRef idx="minor">
-            <a:schemeClr val="lt1"/>
-          </a:fontRef>
-        </p:style>
-        <p:txBody>
-          <a:bodyPr rtlCol="0" anchor="ctr"/>
-          <a:lstStyle/>
-          <a:p>
-            <a:pPr algn="ctr"/>
-            <a:r>
-              <a:rPr lang="en-US" dirty="0" smtClean="0"/>
-              <a:t>Email</a:t>
-            </a:r>
-            <a:endParaRPr lang="en-US" dirty="0"/>
-          </a:p>
-        </p:txBody>
-      </p:sp>
-      <p:sp>
-        <p:nvSpPr>
-          <p:cNvPr id="13" name="Rounded Rectangle 12"/>
-          <p:cNvSpPr/>
-          <p:nvPr/>
-        </p:nvSpPr>
-        <p:spPr>
-          <a:xfrm>
-            <a:off x="8901360" y="2899636"/>
-            <a:ext cx="2689411" cy="527124"/>
-          </a:xfrm>
-          <a:prstGeom prst="roundRect">
-            <a:avLst/>
-          </a:prstGeom>
-        </p:spPr>
-        <p:style>
-          <a:lnRef idx="0">
-            <a:schemeClr val="accent5"/>
-          </a:lnRef>
-          <a:fillRef idx="3">
-            <a:schemeClr val="accent5"/>
-          </a:fillRef>
-          <a:effectRef idx="3">
-            <a:schemeClr val="accent5"/>
-          </a:effectRef>
-          <a:fontRef idx="minor">
-            <a:schemeClr val="lt1"/>
-          </a:fontRef>
-        </p:style>
-        <p:txBody>
-          <a:bodyPr rtlCol="0" anchor="ctr"/>
-          <a:lstStyle/>
-          <a:p>
-            <a:pPr algn="ctr"/>
-            <a:r>
-              <a:rPr lang="en-US" dirty="0" err="1" smtClean="0"/>
-              <a:t>LastName</a:t>
-            </a:r>
-            <a:endParaRPr lang="en-US" dirty="0"/>
-          </a:p>
-        </p:txBody>
-      </p:sp>
-      <p:sp>
-        <p:nvSpPr>
-          <p:cNvPr id="14" name="Rounded Rectangle 13"/>
-          <p:cNvSpPr/>
-          <p:nvPr/>
-        </p:nvSpPr>
-        <p:spPr>
-          <a:xfrm>
-            <a:off x="8901359" y="4234480"/>
-            <a:ext cx="2689411" cy="527124"/>
-          </a:xfrm>
-          <a:prstGeom prst="roundRect">
-            <a:avLst/>
-          </a:prstGeom>
-        </p:spPr>
-        <p:style>
-          <a:lnRef idx="0">
-            <a:schemeClr val="accent5"/>
-          </a:lnRef>
-          <a:fillRef idx="3">
-            <a:schemeClr val="accent5"/>
-          </a:fillRef>
-          <a:effectRef idx="3">
-            <a:schemeClr val="accent5"/>
-          </a:effectRef>
-          <a:fontRef idx="minor">
-            <a:schemeClr val="lt1"/>
-          </a:fontRef>
-        </p:style>
-        <p:txBody>
-          <a:bodyPr rtlCol="0" anchor="ctr"/>
-          <a:lstStyle/>
-          <a:p>
-            <a:pPr algn="ctr"/>
-            <a:r>
-              <a:rPr lang="en-US" dirty="0" err="1" smtClean="0"/>
-              <a:t>LoadUser</a:t>
-            </a:r>
-            <a:r>
-              <a:rPr lang="en-US" dirty="0" smtClean="0"/>
-              <a:t>()</a:t>
-            </a:r>
-            <a:endParaRPr lang="en-US" dirty="0"/>
-          </a:p>
-        </p:txBody>
-      </p:sp>
-      <p:sp>
-        <p:nvSpPr>
-          <p:cNvPr id="15" name="Rounded Rectangle 14"/>
-          <p:cNvSpPr/>
-          <p:nvPr/>
-        </p:nvSpPr>
-        <p:spPr>
-          <a:xfrm>
-            <a:off x="8901359" y="4900109"/>
-            <a:ext cx="2689411" cy="527124"/>
-          </a:xfrm>
-          <a:prstGeom prst="roundRect">
-            <a:avLst/>
-          </a:prstGeom>
-        </p:spPr>
-        <p:style>
-          <a:lnRef idx="0">
-            <a:schemeClr val="accent5"/>
-          </a:lnRef>
-          <a:fillRef idx="3">
-            <a:schemeClr val="accent5"/>
-          </a:fillRef>
-          <a:effectRef idx="3">
-            <a:schemeClr val="accent5"/>
-          </a:effectRef>
-          <a:fontRef idx="minor">
-            <a:schemeClr val="lt1"/>
-          </a:fontRef>
-        </p:style>
-        <p:txBody>
-          <a:bodyPr rtlCol="0" anchor="ctr"/>
-          <a:lstStyle/>
-          <a:p>
-            <a:pPr algn="ctr"/>
-            <a:r>
-              <a:rPr lang="en-US" dirty="0" err="1" smtClean="0"/>
-              <a:t>SaveUser</a:t>
-            </a:r>
-            <a:r>
-              <a:rPr lang="en-US" dirty="0" smtClean="0"/>
-              <a:t>()</a:t>
-            </a:r>
-            <a:endParaRPr lang="en-US" dirty="0"/>
-          </a:p>
-        </p:txBody>
-      </p:sp>
+        </p:grpSpPr>
+        <p:sp>
+          <p:nvSpPr>
+            <p:cNvPr id="31" name="Rounded Rectangle 30"/>
+            <p:cNvSpPr/>
+            <p:nvPr/>
+          </p:nvSpPr>
+          <p:spPr>
+            <a:xfrm>
+              <a:off x="9545921" y="2790356"/>
+              <a:ext cx="3679115" cy="3475533"/>
+            </a:xfrm>
+            <a:prstGeom prst="roundRect">
+              <a:avLst>
+                <a:gd name="adj" fmla="val 11262"/>
+              </a:avLst>
+            </a:prstGeom>
+          </p:spPr>
+          <p:style>
+            <a:lnRef idx="1">
+              <a:schemeClr val="accent5"/>
+            </a:lnRef>
+            <a:fillRef idx="2">
+              <a:schemeClr val="accent5"/>
+            </a:fillRef>
+            <a:effectRef idx="1">
+              <a:schemeClr val="accent5"/>
+            </a:effectRef>
+            <a:fontRef idx="minor">
+              <a:schemeClr val="dk1"/>
+            </a:fontRef>
+          </p:style>
+          <p:txBody>
+            <a:bodyPr rtlCol="0" anchor="ctr"/>
+            <a:lstStyle/>
+            <a:p>
+              <a:pPr algn="ctr"/>
+              <a:r>
+                <a:rPr lang="en-US" b="1" dirty="0" smtClean="0"/>
+                <a:t>Person Model</a:t>
+              </a:r>
+            </a:p>
+            <a:p>
+              <a:pPr algn="ctr"/>
+              <a:endParaRPr lang="en-US" b="1" dirty="0" smtClean="0"/>
+            </a:p>
+            <a:p>
+              <a:pPr algn="ctr"/>
+              <a:endParaRPr lang="en-US" b="1" dirty="0"/>
+            </a:p>
+            <a:p>
+              <a:pPr algn="ctr"/>
+              <a:endParaRPr lang="en-US" b="1" dirty="0" smtClean="0"/>
+            </a:p>
+            <a:p>
+              <a:pPr algn="ctr"/>
+              <a:endParaRPr lang="en-US" b="1" dirty="0"/>
+            </a:p>
+            <a:p>
+              <a:pPr algn="ctr"/>
+              <a:endParaRPr lang="en-US" b="1" dirty="0" smtClean="0"/>
+            </a:p>
+            <a:p>
+              <a:pPr algn="ctr"/>
+              <a:endParaRPr lang="en-US" dirty="0"/>
+            </a:p>
+            <a:p>
+              <a:pPr algn="ctr"/>
+              <a:endParaRPr lang="en-US" dirty="0" smtClean="0"/>
+            </a:p>
+            <a:p>
+              <a:pPr algn="ctr"/>
+              <a:endParaRPr lang="en-US" dirty="0"/>
+            </a:p>
+            <a:p>
+              <a:pPr algn="ctr"/>
+              <a:endParaRPr lang="en-US" dirty="0" smtClean="0"/>
+            </a:p>
+            <a:p>
+              <a:pPr algn="ctr"/>
+              <a:endParaRPr lang="en-US" dirty="0"/>
+            </a:p>
+            <a:p>
+              <a:pPr algn="ctr"/>
+              <a:endParaRPr lang="en-US" dirty="0"/>
+            </a:p>
+          </p:txBody>
+        </p:sp>
+        <p:sp>
+          <p:nvSpPr>
+            <p:cNvPr id="32" name="Rounded Rectangle 31"/>
+            <p:cNvSpPr/>
+            <p:nvPr/>
+          </p:nvSpPr>
+          <p:spPr>
+            <a:xfrm>
+              <a:off x="10040772" y="3373064"/>
+              <a:ext cx="2689411" cy="527124"/>
+            </a:xfrm>
+            <a:prstGeom prst="roundRect">
+              <a:avLst/>
+            </a:prstGeom>
+          </p:spPr>
+          <p:style>
+            <a:lnRef idx="0">
+              <a:schemeClr val="accent5"/>
+            </a:lnRef>
+            <a:fillRef idx="3">
+              <a:schemeClr val="accent5"/>
+            </a:fillRef>
+            <a:effectRef idx="3">
+              <a:schemeClr val="accent5"/>
+            </a:effectRef>
+            <a:fontRef idx="minor">
+              <a:schemeClr val="lt1"/>
+            </a:fontRef>
+          </p:style>
+          <p:txBody>
+            <a:bodyPr rtlCol="0" anchor="ctr"/>
+            <a:lstStyle/>
+            <a:p>
+              <a:pPr algn="ctr"/>
+              <a:r>
+                <a:rPr lang="en-US" dirty="0" err="1" smtClean="0"/>
+                <a:t>FirstName</a:t>
+              </a:r>
+              <a:endParaRPr lang="en-US" dirty="0"/>
+            </a:p>
+          </p:txBody>
+        </p:sp>
+        <p:sp>
+          <p:nvSpPr>
+            <p:cNvPr id="33" name="Rounded Rectangle 32"/>
+            <p:cNvSpPr/>
+            <p:nvPr/>
+          </p:nvSpPr>
+          <p:spPr>
+            <a:xfrm>
+              <a:off x="10040771" y="4711493"/>
+              <a:ext cx="2689411" cy="527124"/>
+            </a:xfrm>
+            <a:prstGeom prst="roundRect">
+              <a:avLst/>
+            </a:prstGeom>
+          </p:spPr>
+          <p:style>
+            <a:lnRef idx="0">
+              <a:schemeClr val="accent5"/>
+            </a:lnRef>
+            <a:fillRef idx="3">
+              <a:schemeClr val="accent5"/>
+            </a:fillRef>
+            <a:effectRef idx="3">
+              <a:schemeClr val="accent5"/>
+            </a:effectRef>
+            <a:fontRef idx="minor">
+              <a:schemeClr val="lt1"/>
+            </a:fontRef>
+          </p:style>
+          <p:txBody>
+            <a:bodyPr rtlCol="0" anchor="ctr"/>
+            <a:lstStyle/>
+            <a:p>
+              <a:pPr algn="ctr"/>
+              <a:r>
+                <a:rPr lang="en-US" dirty="0" smtClean="0"/>
+                <a:t>Email</a:t>
+              </a:r>
+              <a:endParaRPr lang="en-US" dirty="0"/>
+            </a:p>
+          </p:txBody>
+        </p:sp>
+        <p:sp>
+          <p:nvSpPr>
+            <p:cNvPr id="34" name="Rounded Rectangle 33"/>
+            <p:cNvSpPr/>
+            <p:nvPr/>
+          </p:nvSpPr>
+          <p:spPr>
+            <a:xfrm>
+              <a:off x="10040771" y="4042278"/>
+              <a:ext cx="2689411" cy="527124"/>
+            </a:xfrm>
+            <a:prstGeom prst="roundRect">
+              <a:avLst/>
+            </a:prstGeom>
+          </p:spPr>
+          <p:style>
+            <a:lnRef idx="0">
+              <a:schemeClr val="accent5"/>
+            </a:lnRef>
+            <a:fillRef idx="3">
+              <a:schemeClr val="accent5"/>
+            </a:fillRef>
+            <a:effectRef idx="3">
+              <a:schemeClr val="accent5"/>
+            </a:effectRef>
+            <a:fontRef idx="minor">
+              <a:schemeClr val="lt1"/>
+            </a:fontRef>
+          </p:style>
+          <p:txBody>
+            <a:bodyPr rtlCol="0" anchor="ctr"/>
+            <a:lstStyle/>
+            <a:p>
+              <a:pPr algn="ctr"/>
+              <a:r>
+                <a:rPr lang="en-US" dirty="0" err="1" smtClean="0"/>
+                <a:t>LastName</a:t>
+              </a:r>
+              <a:endParaRPr lang="en-US" dirty="0"/>
+            </a:p>
+          </p:txBody>
+        </p:sp>
+        <p:sp>
+          <p:nvSpPr>
+            <p:cNvPr id="35" name="Rounded Rectangle 34"/>
+            <p:cNvSpPr/>
+            <p:nvPr/>
+          </p:nvSpPr>
+          <p:spPr>
+            <a:xfrm>
+              <a:off x="10040770" y="5377122"/>
+              <a:ext cx="2689411" cy="527124"/>
+            </a:xfrm>
+            <a:prstGeom prst="roundRect">
+              <a:avLst/>
+            </a:prstGeom>
+          </p:spPr>
+          <p:style>
+            <a:lnRef idx="0">
+              <a:schemeClr val="accent5"/>
+            </a:lnRef>
+            <a:fillRef idx="3">
+              <a:schemeClr val="accent5"/>
+            </a:fillRef>
+            <a:effectRef idx="3">
+              <a:schemeClr val="accent5"/>
+            </a:effectRef>
+            <a:fontRef idx="minor">
+              <a:schemeClr val="lt1"/>
+            </a:fontRef>
+          </p:style>
+          <p:txBody>
+            <a:bodyPr rtlCol="0" anchor="ctr"/>
+            <a:lstStyle/>
+            <a:p>
+              <a:pPr algn="ctr"/>
+              <a:r>
+                <a:rPr lang="en-US" dirty="0" smtClean="0"/>
+                <a:t>Load() / Save()</a:t>
+              </a:r>
+              <a:endParaRPr lang="en-US" dirty="0"/>
+            </a:p>
+          </p:txBody>
+        </p:sp>
+      </p:grpSp>
     </p:spTree>
     <p:extLst>
       <p:ext uri="{BB962C8B-B14F-4D97-AF65-F5344CB8AC3E}">
-        <p14:creationId xmlns:p14="http://schemas.microsoft.com/office/powerpoint/2010/main" val="17314703"/>
+        <p14:creationId xmlns:p14="http://schemas.microsoft.com/office/powerpoint/2010/main" val="2456147679"/>
       </p:ext>
     </p:extLst>
   </p:cSld>
@@ -6402,7 +7270,7 @@
             <p:ph sz="quarter" idx="10"/>
             <p:extLst>
               <p:ext uri="{D42A27DB-BD31-4B8C-83A1-F6EECF244321}">
-                <p14:modId xmlns:p14="http://schemas.microsoft.com/office/powerpoint/2010/main" val="1190803272"/>
+                <p14:modId xmlns:p14="http://schemas.microsoft.com/office/powerpoint/2010/main" val="1978256986"/>
               </p:ext>
             </p:extLst>
           </p:nvPr>
@@ -6562,7 +7430,7 @@
                           <a:latin typeface="Segoe UI Light" panose="020B0502040204020203" pitchFamily="34" charset="0"/>
                           <a:cs typeface="Segoe UI Light" panose="020B0502040204020203" pitchFamily="34" charset="0"/>
                         </a:rPr>
-                        <a:t>05 | Bringing It All Together</a:t>
+                        <a:t>05 | Single Page Applications</a:t>
                       </a:r>
                       <a:endParaRPr lang="en-US" sz="2400" dirty="0">
                         <a:latin typeface="Segoe UI Light" panose="020B0502040204020203" pitchFamily="34" charset="0"/>
@@ -6613,7 +7481,7 @@
                           <a:latin typeface="Segoe UI Light" panose="020B0502040204020203" pitchFamily="34" charset="0"/>
                           <a:cs typeface="Segoe UI Light" panose="020B0502040204020203" pitchFamily="34" charset="0"/>
                         </a:rPr>
-                        <a:t> | Loops, Logic and Templates</a:t>
+                        <a:t> | Components</a:t>
                       </a:r>
                       <a:endParaRPr lang="en-US" sz="2400" dirty="0" smtClean="0">
                         <a:latin typeface="Segoe UI Light" panose="020B0502040204020203" pitchFamily="34" charset="0"/>
@@ -7142,7 +8010,7 @@
 </file>
 
 <file path=ppt/slides/slide9.xml><?xml version="1.0" encoding="utf-8"?>
-<p:sld xmlns:a="http://schemas.openxmlformats.org/drawingml/2006/main" xmlns:r="http://schemas.openxmlformats.org/officeDocument/2006/relationships" xmlns:p="http://schemas.openxmlformats.org/presentationml/2006/main" show="0">
+<p:sld xmlns:a="http://schemas.openxmlformats.org/drawingml/2006/main" xmlns:r="http://schemas.openxmlformats.org/officeDocument/2006/relationships" xmlns:p="http://schemas.openxmlformats.org/presentationml/2006/main">
   <p:cSld>
     <p:spTree>
       <p:nvGrpSpPr>
@@ -7160,7 +8028,7 @@
       </p:grpSpPr>
       <p:sp>
         <p:nvSpPr>
-          <p:cNvPr id="2" name="Title 1"/>
+          <p:cNvPr id="5" name="Title 4"/>
           <p:cNvSpPr>
             <a:spLocks noGrp="1"/>
           </p:cNvSpPr>
@@ -7175,545 +8043,28 @@
           <a:p>
             <a:r>
               <a:rPr lang="en-CA" dirty="0" smtClean="0"/>
-              <a:t>What is Knockout?</a:t>
-            </a:r>
-            <a:endParaRPr lang="en-US" dirty="0"/>
-          </a:p>
-        </p:txBody>
-      </p:sp>
-      <p:sp>
-        <p:nvSpPr>
-          <p:cNvPr id="3" name="Content Placeholder 2"/>
-          <p:cNvSpPr>
-            <a:spLocks noGrp="1"/>
-          </p:cNvSpPr>
-          <p:nvPr>
-            <p:ph sz="quarter" idx="10"/>
-          </p:nvPr>
-        </p:nvSpPr>
-        <p:spPr/>
-        <p:txBody>
-          <a:bodyPr/>
-          <a:lstStyle/>
-          <a:p>
-            <a:r>
-              <a:rPr lang="en-CA" dirty="0" smtClean="0"/>
-              <a:t>A JavaScript Library (not framework)</a:t>
-            </a:r>
-          </a:p>
-          <a:p>
-            <a:r>
-              <a:rPr lang="en-CA" dirty="0" smtClean="0"/>
-              <a:t>Made to simplify dynamic JavaScript </a:t>
-            </a:r>
-            <a:r>
-              <a:rPr lang="en-CA" dirty="0" err="1" smtClean="0"/>
-              <a:t>Uis</a:t>
-            </a:r>
-            <a:r>
-              <a:rPr lang="en-CA" dirty="0" smtClean="0"/>
-              <a:t> with the Model-View-</a:t>
-            </a:r>
-            <a:r>
-              <a:rPr lang="en-CA" dirty="0" err="1" smtClean="0"/>
-              <a:t>ViewModel</a:t>
-            </a:r>
-            <a:r>
-              <a:rPr lang="en-CA" dirty="0" smtClean="0"/>
-              <a:t> </a:t>
-            </a:r>
-            <a:r>
-              <a:rPr lang="en-CA" dirty="0" err="1" smtClean="0"/>
-              <a:t>Patern</a:t>
-            </a:r>
-            <a:endParaRPr lang="en-CA" dirty="0" smtClean="0"/>
-          </a:p>
-          <a:p>
-            <a:r>
-              <a:rPr lang="en-CA" dirty="0" smtClean="0"/>
-              <a:t>Key concepts</a:t>
-            </a:r>
-          </a:p>
-          <a:p>
-            <a:pPr lvl="1"/>
-            <a:r>
-              <a:rPr lang="en-CA" dirty="0" smtClean="0"/>
-              <a:t>Declarative Bindings</a:t>
-            </a:r>
-          </a:p>
-          <a:p>
-            <a:pPr lvl="1"/>
-            <a:r>
-              <a:rPr lang="en-CA" dirty="0" smtClean="0"/>
-              <a:t>Automatic UI Refresh</a:t>
-            </a:r>
-          </a:p>
-          <a:p>
-            <a:pPr lvl="1"/>
-            <a:r>
-              <a:rPr lang="en-CA" dirty="0" smtClean="0"/>
-              <a:t>Dependency Tracking</a:t>
-            </a:r>
-          </a:p>
-          <a:p>
-            <a:pPr lvl="1"/>
-            <a:r>
-              <a:rPr lang="en-CA" dirty="0" smtClean="0"/>
-              <a:t>Templating</a:t>
-            </a:r>
-          </a:p>
-        </p:txBody>
-      </p:sp>
-      <p:pic>
-        <p:nvPicPr>
-          <p:cNvPr id="7" name="Picture 6" descr="Screen Clipping"/>
-          <p:cNvPicPr>
-            <a:picLocks noChangeAspect="1"/>
-          </p:cNvPicPr>
-          <p:nvPr/>
-        </p:nvPicPr>
-        <p:blipFill>
-          <a:blip r:embed="rId3">
-            <a:extLst>
-              <a:ext uri="{28A0092B-C50C-407E-A947-70E740481C1C}">
-                <a14:useLocalDpi xmlns:a14="http://schemas.microsoft.com/office/drawing/2010/main" val="0"/>
-              </a:ext>
-            </a:extLst>
-          </a:blip>
-          <a:stretch>
-            <a:fillRect/>
-          </a:stretch>
-        </p:blipFill>
-        <p:spPr>
-          <a:xfrm>
-            <a:off x="-609600" y="0"/>
-            <a:ext cx="13577982" cy="7721600"/>
-          </a:xfrm>
-          <a:prstGeom prst="rect">
-            <a:avLst/>
-          </a:prstGeom>
-        </p:spPr>
-      </p:pic>
+              <a:t>What we’ll be building</a:t>
+            </a:r>
+            <a:endParaRPr lang="en-US" dirty="0"/>
+          </a:p>
+        </p:txBody>
+      </p:sp>
     </p:spTree>
     <p:extLst>
       <p:ext uri="{BB962C8B-B14F-4D97-AF65-F5344CB8AC3E}">
-        <p14:creationId xmlns:p14="http://schemas.microsoft.com/office/powerpoint/2010/main" val="1269858289"/>
+        <p14:creationId xmlns:p14="http://schemas.microsoft.com/office/powerpoint/2010/main" val="757686776"/>
       </p:ext>
     </p:extLst>
   </p:cSld>
   <p:clrMapOvr>
     <a:masterClrMapping/>
   </p:clrMapOvr>
-  <mc:AlternateContent xmlns:mc="http://schemas.openxmlformats.org/markup-compatibility/2006">
-    <mc:Choice xmlns:p14="http://schemas.microsoft.com/office/powerpoint/2010/main" Requires="p14">
-      <p:transition spd="slow" p14:dur="2000"/>
-    </mc:Choice>
-    <mc:Fallback>
-      <p:transition spd="slow"/>
-    </mc:Fallback>
-  </mc:AlternateContent>
   <p:timing>
     <p:tnLst>
       <p:par>
-        <p:cTn id="1" dur="indefinite" restart="never" nodeType="tmRoot">
-          <p:childTnLst>
-            <p:seq concurrent="1" nextAc="seek">
-              <p:cTn id="2" dur="indefinite" nodeType="mainSeq">
-                <p:childTnLst>
-                  <p:par>
-                    <p:cTn id="3" fill="hold">
-                      <p:stCondLst>
-                        <p:cond delay="indefinite"/>
-                      </p:stCondLst>
-                      <p:childTnLst>
-                        <p:par>
-                          <p:cTn id="4" fill="hold">
-                            <p:stCondLst>
-                              <p:cond delay="0"/>
-                            </p:stCondLst>
-                            <p:childTnLst>
-                              <p:par>
-                                <p:cTn id="5" presetID="1" presetClass="entr" presetSubtype="0" fill="hold" grpId="0" nodeType="clickEffect">
-                                  <p:stCondLst>
-                                    <p:cond delay="0"/>
-                                  </p:stCondLst>
-                                  <p:childTnLst>
-                                    <p:set>
-                                      <p:cBhvr>
-                                        <p:cTn id="6" dur="1" fill="hold">
-                                          <p:stCondLst>
-                                            <p:cond delay="0"/>
-                                          </p:stCondLst>
-                                        </p:cTn>
-                                        <p:tgtEl>
-                                          <p:spTgt spid="3">
-                                            <p:txEl>
-                                              <p:pRg st="0" end="0"/>
-                                            </p:txEl>
-                                          </p:spTgt>
-                                        </p:tgtEl>
-                                        <p:attrNameLst>
-                                          <p:attrName>style.visibility</p:attrName>
-                                        </p:attrNameLst>
-                                      </p:cBhvr>
-                                      <p:to>
-                                        <p:strVal val="visible"/>
-                                      </p:to>
-                                    </p:set>
-                                  </p:childTnLst>
-                                </p:cTn>
-                              </p:par>
-                            </p:childTnLst>
-                          </p:cTn>
-                        </p:par>
-                      </p:childTnLst>
-                    </p:cTn>
-                  </p:par>
-                  <p:par>
-                    <p:cTn id="7" fill="hold">
-                      <p:stCondLst>
-                        <p:cond delay="indefinite"/>
-                      </p:stCondLst>
-                      <p:childTnLst>
-                        <p:par>
-                          <p:cTn id="8" fill="hold">
-                            <p:stCondLst>
-                              <p:cond delay="0"/>
-                            </p:stCondLst>
-                            <p:childTnLst>
-                              <p:par>
-                                <p:cTn id="9" presetID="1" presetClass="entr" presetSubtype="0" fill="hold" grpId="0" nodeType="clickEffect">
-                                  <p:stCondLst>
-                                    <p:cond delay="0"/>
-                                  </p:stCondLst>
-                                  <p:childTnLst>
-                                    <p:set>
-                                      <p:cBhvr>
-                                        <p:cTn id="10" dur="1" fill="hold">
-                                          <p:stCondLst>
-                                            <p:cond delay="0"/>
-                                          </p:stCondLst>
-                                        </p:cTn>
-                                        <p:tgtEl>
-                                          <p:spTgt spid="3">
-                                            <p:txEl>
-                                              <p:pRg st="1" end="1"/>
-                                            </p:txEl>
-                                          </p:spTgt>
-                                        </p:tgtEl>
-                                        <p:attrNameLst>
-                                          <p:attrName>style.visibility</p:attrName>
-                                        </p:attrNameLst>
-                                      </p:cBhvr>
-                                      <p:to>
-                                        <p:strVal val="visible"/>
-                                      </p:to>
-                                    </p:set>
-                                  </p:childTnLst>
-                                </p:cTn>
-                              </p:par>
-                            </p:childTnLst>
-                          </p:cTn>
-                        </p:par>
-                      </p:childTnLst>
-                    </p:cTn>
-                  </p:par>
-                  <p:par>
-                    <p:cTn id="11" fill="hold">
-                      <p:stCondLst>
-                        <p:cond delay="indefinite"/>
-                      </p:stCondLst>
-                      <p:childTnLst>
-                        <p:par>
-                          <p:cTn id="12" fill="hold">
-                            <p:stCondLst>
-                              <p:cond delay="0"/>
-                            </p:stCondLst>
-                            <p:childTnLst>
-                              <p:par>
-                                <p:cTn id="13" presetID="1" presetClass="entr" presetSubtype="0" fill="hold" grpId="0" nodeType="clickEffect">
-                                  <p:stCondLst>
-                                    <p:cond delay="0"/>
-                                  </p:stCondLst>
-                                  <p:childTnLst>
-                                    <p:set>
-                                      <p:cBhvr>
-                                        <p:cTn id="14" dur="1" fill="hold">
-                                          <p:stCondLst>
-                                            <p:cond delay="0"/>
-                                          </p:stCondLst>
-                                        </p:cTn>
-                                        <p:tgtEl>
-                                          <p:spTgt spid="3">
-                                            <p:txEl>
-                                              <p:pRg st="2" end="2"/>
-                                            </p:txEl>
-                                          </p:spTgt>
-                                        </p:tgtEl>
-                                        <p:attrNameLst>
-                                          <p:attrName>style.visibility</p:attrName>
-                                        </p:attrNameLst>
-                                      </p:cBhvr>
-                                      <p:to>
-                                        <p:strVal val="visible"/>
-                                      </p:to>
-                                    </p:set>
-                                  </p:childTnLst>
-                                </p:cTn>
-                              </p:par>
-                              <p:par>
-                                <p:cTn id="15" presetID="1" presetClass="entr" presetSubtype="0" fill="hold" grpId="0" nodeType="withEffect">
-                                  <p:stCondLst>
-                                    <p:cond delay="0"/>
-                                  </p:stCondLst>
-                                  <p:childTnLst>
-                                    <p:set>
-                                      <p:cBhvr>
-                                        <p:cTn id="16" dur="1" fill="hold">
-                                          <p:stCondLst>
-                                            <p:cond delay="0"/>
-                                          </p:stCondLst>
-                                        </p:cTn>
-                                        <p:tgtEl>
-                                          <p:spTgt spid="3">
-                                            <p:txEl>
-                                              <p:pRg st="3" end="3"/>
-                                            </p:txEl>
-                                          </p:spTgt>
-                                        </p:tgtEl>
-                                        <p:attrNameLst>
-                                          <p:attrName>style.visibility</p:attrName>
-                                        </p:attrNameLst>
-                                      </p:cBhvr>
-                                      <p:to>
-                                        <p:strVal val="visible"/>
-                                      </p:to>
-                                    </p:set>
-                                  </p:childTnLst>
-                                </p:cTn>
-                              </p:par>
-                              <p:par>
-                                <p:cTn id="17" presetID="1" presetClass="entr" presetSubtype="0" fill="hold" grpId="0" nodeType="withEffect">
-                                  <p:stCondLst>
-                                    <p:cond delay="0"/>
-                                  </p:stCondLst>
-                                  <p:childTnLst>
-                                    <p:set>
-                                      <p:cBhvr>
-                                        <p:cTn id="18" dur="1" fill="hold">
-                                          <p:stCondLst>
-                                            <p:cond delay="0"/>
-                                          </p:stCondLst>
-                                        </p:cTn>
-                                        <p:tgtEl>
-                                          <p:spTgt spid="3">
-                                            <p:txEl>
-                                              <p:pRg st="4" end="4"/>
-                                            </p:txEl>
-                                          </p:spTgt>
-                                        </p:tgtEl>
-                                        <p:attrNameLst>
-                                          <p:attrName>style.visibility</p:attrName>
-                                        </p:attrNameLst>
-                                      </p:cBhvr>
-                                      <p:to>
-                                        <p:strVal val="visible"/>
-                                      </p:to>
-                                    </p:set>
-                                  </p:childTnLst>
-                                </p:cTn>
-                              </p:par>
-                              <p:par>
-                                <p:cTn id="19" presetID="1" presetClass="entr" presetSubtype="0" fill="hold" grpId="0" nodeType="withEffect">
-                                  <p:stCondLst>
-                                    <p:cond delay="0"/>
-                                  </p:stCondLst>
-                                  <p:childTnLst>
-                                    <p:set>
-                                      <p:cBhvr>
-                                        <p:cTn id="20" dur="1" fill="hold">
-                                          <p:stCondLst>
-                                            <p:cond delay="0"/>
-                                          </p:stCondLst>
-                                        </p:cTn>
-                                        <p:tgtEl>
-                                          <p:spTgt spid="3">
-                                            <p:txEl>
-                                              <p:pRg st="5" end="5"/>
-                                            </p:txEl>
-                                          </p:spTgt>
-                                        </p:tgtEl>
-                                        <p:attrNameLst>
-                                          <p:attrName>style.visibility</p:attrName>
-                                        </p:attrNameLst>
-                                      </p:cBhvr>
-                                      <p:to>
-                                        <p:strVal val="visible"/>
-                                      </p:to>
-                                    </p:set>
-                                  </p:childTnLst>
-                                </p:cTn>
-                              </p:par>
-                              <p:par>
-                                <p:cTn id="21" presetID="1" presetClass="entr" presetSubtype="0" fill="hold" grpId="0" nodeType="withEffect">
-                                  <p:stCondLst>
-                                    <p:cond delay="0"/>
-                                  </p:stCondLst>
-                                  <p:childTnLst>
-                                    <p:set>
-                                      <p:cBhvr>
-                                        <p:cTn id="22" dur="1" fill="hold">
-                                          <p:stCondLst>
-                                            <p:cond delay="0"/>
-                                          </p:stCondLst>
-                                        </p:cTn>
-                                        <p:tgtEl>
-                                          <p:spTgt spid="3">
-                                            <p:txEl>
-                                              <p:pRg st="6" end="6"/>
-                                            </p:txEl>
-                                          </p:spTgt>
-                                        </p:tgtEl>
-                                        <p:attrNameLst>
-                                          <p:attrName>style.visibility</p:attrName>
-                                        </p:attrNameLst>
-                                      </p:cBhvr>
-                                      <p:to>
-                                        <p:strVal val="visible"/>
-                                      </p:to>
-                                    </p:set>
-                                  </p:childTnLst>
-                                </p:cTn>
-                              </p:par>
-                            </p:childTnLst>
-                          </p:cTn>
-                        </p:par>
-                      </p:childTnLst>
-                    </p:cTn>
-                  </p:par>
-                  <p:par>
-                    <p:cTn id="23" fill="hold">
-                      <p:stCondLst>
-                        <p:cond delay="indefinite"/>
-                      </p:stCondLst>
-                      <p:childTnLst>
-                        <p:par>
-                          <p:cTn id="24" fill="hold">
-                            <p:stCondLst>
-                              <p:cond delay="0"/>
-                            </p:stCondLst>
-                            <p:childTnLst>
-                              <p:par>
-                                <p:cTn id="25" presetID="42" presetClass="entr" presetSubtype="0" fill="hold" nodeType="clickEffect">
-                                  <p:stCondLst>
-                                    <p:cond delay="0"/>
-                                  </p:stCondLst>
-                                  <p:childTnLst>
-                                    <p:set>
-                                      <p:cBhvr>
-                                        <p:cTn id="26" dur="1" fill="hold">
-                                          <p:stCondLst>
-                                            <p:cond delay="0"/>
-                                          </p:stCondLst>
-                                        </p:cTn>
-                                        <p:tgtEl>
-                                          <p:spTgt spid="7"/>
-                                        </p:tgtEl>
-                                        <p:attrNameLst>
-                                          <p:attrName>style.visibility</p:attrName>
-                                        </p:attrNameLst>
-                                      </p:cBhvr>
-                                      <p:to>
-                                        <p:strVal val="visible"/>
-                                      </p:to>
-                                    </p:set>
-                                    <p:animEffect transition="in" filter="fade">
-                                      <p:cBhvr>
-                                        <p:cTn id="27" dur="1000"/>
-                                        <p:tgtEl>
-                                          <p:spTgt spid="7"/>
-                                        </p:tgtEl>
-                                      </p:cBhvr>
-                                    </p:animEffect>
-                                    <p:anim calcmode="lin" valueType="num">
-                                      <p:cBhvr>
-                                        <p:cTn id="28" dur="1000" fill="hold"/>
-                                        <p:tgtEl>
-                                          <p:spTgt spid="7"/>
-                                        </p:tgtEl>
-                                        <p:attrNameLst>
-                                          <p:attrName>ppt_x</p:attrName>
-                                        </p:attrNameLst>
-                                      </p:cBhvr>
-                                      <p:tavLst>
-                                        <p:tav tm="0">
-                                          <p:val>
-                                            <p:strVal val="#ppt_x"/>
-                                          </p:val>
-                                        </p:tav>
-                                        <p:tav tm="100000">
-                                          <p:val>
-                                            <p:strVal val="#ppt_x"/>
-                                          </p:val>
-                                        </p:tav>
-                                      </p:tavLst>
-                                    </p:anim>
-                                    <p:anim calcmode="lin" valueType="num">
-                                      <p:cBhvr>
-                                        <p:cTn id="29" dur="1000" fill="hold"/>
-                                        <p:tgtEl>
-                                          <p:spTgt spid="7"/>
-                                        </p:tgtEl>
-                                        <p:attrNameLst>
-                                          <p:attrName>ppt_y</p:attrName>
-                                        </p:attrNameLst>
-                                      </p:cBhvr>
-                                      <p:tavLst>
-                                        <p:tav tm="0">
-                                          <p:val>
-                                            <p:strVal val="#ppt_y+.1"/>
-                                          </p:val>
-                                        </p:tav>
-                                        <p:tav tm="100000">
-                                          <p:val>
-                                            <p:strVal val="#ppt_y"/>
-                                          </p:val>
-                                        </p:tav>
-                                      </p:tavLst>
-                                    </p:anim>
-                                  </p:childTnLst>
-                                </p:cTn>
-                              </p:par>
-                            </p:childTnLst>
-                          </p:cTn>
-                        </p:par>
-                      </p:childTnLst>
-                    </p:cTn>
-                  </p:par>
-                </p:childTnLst>
-              </p:cTn>
-              <p:prevCondLst>
-                <p:cond evt="onPrev" delay="0">
-                  <p:tgtEl>
-                    <p:sldTgt/>
-                  </p:tgtEl>
-                </p:cond>
-              </p:prevCondLst>
-              <p:nextCondLst>
-                <p:cond evt="onNext" delay="0">
-                  <p:tgtEl>
-                    <p:sldTgt/>
-                  </p:tgtEl>
-                </p:cond>
-              </p:nextCondLst>
-            </p:seq>
-          </p:childTnLst>
-        </p:cTn>
+        <p:cTn id="1" dur="indefinite" restart="never" nodeType="tmRoot"/>
       </p:par>
     </p:tnLst>
-    <p:bldLst>
-      <p:bldP spid="3" grpId="0" uiExpand="1" build="p"/>
-    </p:bldLst>
   </p:timing>
 </p:sld>
 </file>

--- a/Slides/1 - Introducing Knockout.pptx
+++ b/Slides/1 - Introducing Knockout.pptx
@@ -5,7 +5,7 @@
     <p:sldMasterId id="2147483660" r:id="rId1"/>
   </p:sldMasterIdLst>
   <p:notesMasterIdLst>
-    <p:notesMasterId r:id="rId25"/>
+    <p:notesMasterId r:id="rId26"/>
   </p:notesMasterIdLst>
   <p:sldIdLst>
     <p:sldId id="451" r:id="rId2"/>
@@ -20,17 +20,18 @@
     <p:sldId id="473" r:id="rId11"/>
     <p:sldId id="474" r:id="rId12"/>
     <p:sldId id="475" r:id="rId13"/>
-    <p:sldId id="476" r:id="rId14"/>
-    <p:sldId id="477" r:id="rId15"/>
-    <p:sldId id="479" r:id="rId16"/>
-    <p:sldId id="466" r:id="rId17"/>
-    <p:sldId id="468" r:id="rId18"/>
-    <p:sldId id="469" r:id="rId19"/>
-    <p:sldId id="470" r:id="rId20"/>
-    <p:sldId id="467" r:id="rId21"/>
-    <p:sldId id="478" r:id="rId22"/>
-    <p:sldId id="471" r:id="rId23"/>
-    <p:sldId id="450" r:id="rId24"/>
+    <p:sldId id="480" r:id="rId14"/>
+    <p:sldId id="476" r:id="rId15"/>
+    <p:sldId id="477" r:id="rId16"/>
+    <p:sldId id="479" r:id="rId17"/>
+    <p:sldId id="466" r:id="rId18"/>
+    <p:sldId id="468" r:id="rId19"/>
+    <p:sldId id="469" r:id="rId20"/>
+    <p:sldId id="470" r:id="rId21"/>
+    <p:sldId id="467" r:id="rId22"/>
+    <p:sldId id="478" r:id="rId23"/>
+    <p:sldId id="471" r:id="rId24"/>
+    <p:sldId id="450" r:id="rId25"/>
   </p:sldIdLst>
   <p:sldSz cx="12192000" cy="6858000"/>
   <p:notesSz cx="6858000" cy="9144000"/>
@@ -146,6 +147,7 @@
             <p14:sldId id="473"/>
             <p14:sldId id="474"/>
             <p14:sldId id="475"/>
+            <p14:sldId id="480"/>
             <p14:sldId id="476"/>
             <p14:sldId id="477"/>
             <p14:sldId id="479"/>
@@ -172,6 +174,4264 @@
     </p:ext>
   </p:extLst>
 </p:presentation>
+</file>
+
+<file path=ppt/diagrams/colors1.xml><?xml version="1.0" encoding="utf-8"?>
+<dgm:colorsDef xmlns:dgm="http://schemas.openxmlformats.org/drawingml/2006/diagram" xmlns:a="http://schemas.openxmlformats.org/drawingml/2006/main" uniqueId="urn:microsoft.com/office/officeart/2005/8/colors/accent2_1">
+  <dgm:title val=""/>
+  <dgm:desc val=""/>
+  <dgm:catLst>
+    <dgm:cat type="accent2" pri="11100"/>
+  </dgm:catLst>
+  <dgm:styleLbl name="node0">
+    <dgm:fillClrLst meth="repeat">
+      <a:schemeClr val="lt1"/>
+    </dgm:fillClrLst>
+    <dgm:linClrLst meth="repeat">
+      <a:schemeClr val="accent2">
+        <a:shade val="80000"/>
+      </a:schemeClr>
+    </dgm:linClrLst>
+    <dgm:effectClrLst/>
+    <dgm:txLinClrLst/>
+    <dgm:txFillClrLst meth="repeat">
+      <a:schemeClr val="dk1"/>
+    </dgm:txFillClrLst>
+    <dgm:txEffectClrLst/>
+  </dgm:styleLbl>
+  <dgm:styleLbl name="node1">
+    <dgm:fillClrLst meth="repeat">
+      <a:schemeClr val="lt1"/>
+    </dgm:fillClrLst>
+    <dgm:linClrLst meth="repeat">
+      <a:schemeClr val="accent2">
+        <a:shade val="80000"/>
+      </a:schemeClr>
+    </dgm:linClrLst>
+    <dgm:effectClrLst/>
+    <dgm:txLinClrLst/>
+    <dgm:txFillClrLst meth="repeat">
+      <a:schemeClr val="dk1"/>
+    </dgm:txFillClrLst>
+    <dgm:txEffectClrLst/>
+  </dgm:styleLbl>
+  <dgm:styleLbl name="alignNode1">
+    <dgm:fillClrLst meth="repeat">
+      <a:schemeClr val="lt1"/>
+    </dgm:fillClrLst>
+    <dgm:linClrLst meth="repeat">
+      <a:schemeClr val="accent2">
+        <a:shade val="80000"/>
+      </a:schemeClr>
+    </dgm:linClrLst>
+    <dgm:effectClrLst/>
+    <dgm:txLinClrLst/>
+    <dgm:txFillClrLst meth="repeat">
+      <a:schemeClr val="dk1"/>
+    </dgm:txFillClrLst>
+    <dgm:txEffectClrLst/>
+  </dgm:styleLbl>
+  <dgm:styleLbl name="lnNode1">
+    <dgm:fillClrLst meth="repeat">
+      <a:schemeClr val="lt1"/>
+    </dgm:fillClrLst>
+    <dgm:linClrLst meth="repeat">
+      <a:schemeClr val="accent2">
+        <a:shade val="80000"/>
+      </a:schemeClr>
+    </dgm:linClrLst>
+    <dgm:effectClrLst/>
+    <dgm:txLinClrLst/>
+    <dgm:txFillClrLst meth="repeat">
+      <a:schemeClr val="dk1"/>
+    </dgm:txFillClrLst>
+    <dgm:txEffectClrLst/>
+  </dgm:styleLbl>
+  <dgm:styleLbl name="vennNode1">
+    <dgm:fillClrLst meth="repeat">
+      <a:schemeClr val="lt1">
+        <a:alpha val="50000"/>
+      </a:schemeClr>
+    </dgm:fillClrLst>
+    <dgm:linClrLst meth="repeat">
+      <a:schemeClr val="accent2">
+        <a:shade val="80000"/>
+      </a:schemeClr>
+    </dgm:linClrLst>
+    <dgm:effectClrLst/>
+    <dgm:txLinClrLst/>
+    <dgm:txFillClrLst/>
+    <dgm:txEffectClrLst/>
+  </dgm:styleLbl>
+  <dgm:styleLbl name="node2">
+    <dgm:fillClrLst meth="repeat">
+      <a:schemeClr val="lt1"/>
+    </dgm:fillClrLst>
+    <dgm:linClrLst meth="repeat">
+      <a:schemeClr val="accent2">
+        <a:shade val="80000"/>
+      </a:schemeClr>
+    </dgm:linClrLst>
+    <dgm:effectClrLst/>
+    <dgm:txLinClrLst/>
+    <dgm:txFillClrLst meth="repeat">
+      <a:schemeClr val="dk1"/>
+    </dgm:txFillClrLst>
+    <dgm:txEffectClrLst/>
+  </dgm:styleLbl>
+  <dgm:styleLbl name="node3">
+    <dgm:fillClrLst meth="repeat">
+      <a:schemeClr val="lt1"/>
+    </dgm:fillClrLst>
+    <dgm:linClrLst meth="repeat">
+      <a:schemeClr val="accent2">
+        <a:shade val="80000"/>
+      </a:schemeClr>
+    </dgm:linClrLst>
+    <dgm:effectClrLst/>
+    <dgm:txLinClrLst/>
+    <dgm:txFillClrLst meth="repeat">
+      <a:schemeClr val="dk1"/>
+    </dgm:txFillClrLst>
+    <dgm:txEffectClrLst/>
+  </dgm:styleLbl>
+  <dgm:styleLbl name="node4">
+    <dgm:fillClrLst meth="repeat">
+      <a:schemeClr val="lt1"/>
+    </dgm:fillClrLst>
+    <dgm:linClrLst meth="repeat">
+      <a:schemeClr val="accent2">
+        <a:shade val="80000"/>
+      </a:schemeClr>
+    </dgm:linClrLst>
+    <dgm:effectClrLst/>
+    <dgm:txLinClrLst/>
+    <dgm:txFillClrLst meth="repeat">
+      <a:schemeClr val="dk1"/>
+    </dgm:txFillClrLst>
+    <dgm:txEffectClrLst/>
+  </dgm:styleLbl>
+  <dgm:styleLbl name="fgImgPlace1">
+    <dgm:fillClrLst meth="repeat">
+      <a:schemeClr val="accent2">
+        <a:tint val="40000"/>
+      </a:schemeClr>
+    </dgm:fillClrLst>
+    <dgm:linClrLst meth="repeat">
+      <a:schemeClr val="accent2">
+        <a:shade val="80000"/>
+      </a:schemeClr>
+    </dgm:linClrLst>
+    <dgm:effectClrLst/>
+    <dgm:txLinClrLst/>
+    <dgm:txFillClrLst meth="repeat">
+      <a:schemeClr val="lt1"/>
+    </dgm:txFillClrLst>
+    <dgm:txEffectClrLst/>
+  </dgm:styleLbl>
+  <dgm:styleLbl name="alignImgPlace1">
+    <dgm:fillClrLst meth="repeat">
+      <a:schemeClr val="accent2">
+        <a:tint val="40000"/>
+      </a:schemeClr>
+    </dgm:fillClrLst>
+    <dgm:linClrLst meth="repeat">
+      <a:schemeClr val="accent2">
+        <a:shade val="80000"/>
+      </a:schemeClr>
+    </dgm:linClrLst>
+    <dgm:effectClrLst/>
+    <dgm:txLinClrLst/>
+    <dgm:txFillClrLst meth="repeat">
+      <a:schemeClr val="lt1"/>
+    </dgm:txFillClrLst>
+    <dgm:txEffectClrLst/>
+  </dgm:styleLbl>
+  <dgm:styleLbl name="bgImgPlace1">
+    <dgm:fillClrLst meth="repeat">
+      <a:schemeClr val="accent2">
+        <a:tint val="40000"/>
+      </a:schemeClr>
+    </dgm:fillClrLst>
+    <dgm:linClrLst meth="repeat">
+      <a:schemeClr val="accent2">
+        <a:shade val="80000"/>
+      </a:schemeClr>
+    </dgm:linClrLst>
+    <dgm:effectClrLst/>
+    <dgm:txLinClrLst/>
+    <dgm:txFillClrLst meth="repeat">
+      <a:schemeClr val="lt1"/>
+    </dgm:txFillClrLst>
+    <dgm:txEffectClrLst/>
+  </dgm:styleLbl>
+  <dgm:styleLbl name="sibTrans2D1">
+    <dgm:fillClrLst meth="repeat">
+      <a:schemeClr val="accent2">
+        <a:tint val="60000"/>
+      </a:schemeClr>
+    </dgm:fillClrLst>
+    <dgm:linClrLst meth="repeat">
+      <a:schemeClr val="accent2">
+        <a:tint val="60000"/>
+      </a:schemeClr>
+    </dgm:linClrLst>
+    <dgm:effectClrLst/>
+    <dgm:txLinClrLst/>
+    <dgm:txFillClrLst meth="repeat">
+      <a:schemeClr val="dk1"/>
+    </dgm:txFillClrLst>
+    <dgm:txEffectClrLst/>
+  </dgm:styleLbl>
+  <dgm:styleLbl name="fgSibTrans2D1">
+    <dgm:fillClrLst meth="repeat">
+      <a:schemeClr val="accent2">
+        <a:tint val="60000"/>
+      </a:schemeClr>
+    </dgm:fillClrLst>
+    <dgm:linClrLst meth="repeat">
+      <a:schemeClr val="accent2">
+        <a:tint val="60000"/>
+      </a:schemeClr>
+    </dgm:linClrLst>
+    <dgm:effectClrLst/>
+    <dgm:txLinClrLst/>
+    <dgm:txFillClrLst meth="repeat">
+      <a:schemeClr val="dk1"/>
+    </dgm:txFillClrLst>
+    <dgm:txEffectClrLst/>
+  </dgm:styleLbl>
+  <dgm:styleLbl name="bgSibTrans2D1">
+    <dgm:fillClrLst meth="repeat">
+      <a:schemeClr val="accent2">
+        <a:tint val="60000"/>
+      </a:schemeClr>
+    </dgm:fillClrLst>
+    <dgm:linClrLst meth="repeat">
+      <a:schemeClr val="accent2">
+        <a:tint val="60000"/>
+      </a:schemeClr>
+    </dgm:linClrLst>
+    <dgm:effectClrLst/>
+    <dgm:txLinClrLst/>
+    <dgm:txFillClrLst meth="repeat">
+      <a:schemeClr val="dk1"/>
+    </dgm:txFillClrLst>
+    <dgm:txEffectClrLst/>
+  </dgm:styleLbl>
+  <dgm:styleLbl name="sibTrans1D1">
+    <dgm:fillClrLst meth="repeat">
+      <a:schemeClr val="accent2"/>
+    </dgm:fillClrLst>
+    <dgm:linClrLst meth="repeat">
+      <a:schemeClr val="accent2"/>
+    </dgm:linClrLst>
+    <dgm:effectClrLst/>
+    <dgm:txLinClrLst/>
+    <dgm:txFillClrLst meth="repeat">
+      <a:schemeClr val="tx1"/>
+    </dgm:txFillClrLst>
+    <dgm:txEffectClrLst/>
+  </dgm:styleLbl>
+  <dgm:styleLbl name="callout">
+    <dgm:fillClrLst meth="repeat">
+      <a:schemeClr val="accent2"/>
+    </dgm:fillClrLst>
+    <dgm:linClrLst meth="repeat">
+      <a:schemeClr val="accent2"/>
+    </dgm:linClrLst>
+    <dgm:effectClrLst/>
+    <dgm:txLinClrLst/>
+    <dgm:txFillClrLst meth="repeat">
+      <a:schemeClr val="tx1"/>
+    </dgm:txFillClrLst>
+    <dgm:txEffectClrLst/>
+  </dgm:styleLbl>
+  <dgm:styleLbl name="asst0">
+    <dgm:fillClrLst meth="repeat">
+      <a:schemeClr val="lt1"/>
+    </dgm:fillClrLst>
+    <dgm:linClrLst meth="repeat">
+      <a:schemeClr val="accent2">
+        <a:shade val="80000"/>
+      </a:schemeClr>
+    </dgm:linClrLst>
+    <dgm:effectClrLst/>
+    <dgm:txLinClrLst/>
+    <dgm:txFillClrLst meth="repeat">
+      <a:schemeClr val="dk1"/>
+    </dgm:txFillClrLst>
+    <dgm:txEffectClrLst/>
+  </dgm:styleLbl>
+  <dgm:styleLbl name="asst1">
+    <dgm:fillClrLst meth="repeat">
+      <a:schemeClr val="lt1"/>
+    </dgm:fillClrLst>
+    <dgm:linClrLst meth="repeat">
+      <a:schemeClr val="accent2">
+        <a:shade val="80000"/>
+      </a:schemeClr>
+    </dgm:linClrLst>
+    <dgm:effectClrLst/>
+    <dgm:txLinClrLst/>
+    <dgm:txFillClrLst meth="repeat">
+      <a:schemeClr val="dk1"/>
+    </dgm:txFillClrLst>
+    <dgm:txEffectClrLst/>
+  </dgm:styleLbl>
+  <dgm:styleLbl name="asst2">
+    <dgm:fillClrLst meth="repeat">
+      <a:schemeClr val="lt1"/>
+    </dgm:fillClrLst>
+    <dgm:linClrLst meth="repeat">
+      <a:schemeClr val="accent2">
+        <a:shade val="80000"/>
+      </a:schemeClr>
+    </dgm:linClrLst>
+    <dgm:effectClrLst/>
+    <dgm:txLinClrLst/>
+    <dgm:txFillClrLst meth="repeat">
+      <a:schemeClr val="dk1"/>
+    </dgm:txFillClrLst>
+    <dgm:txEffectClrLst/>
+  </dgm:styleLbl>
+  <dgm:styleLbl name="asst3">
+    <dgm:fillClrLst meth="repeat">
+      <a:schemeClr val="lt1"/>
+    </dgm:fillClrLst>
+    <dgm:linClrLst meth="repeat">
+      <a:schemeClr val="accent2">
+        <a:shade val="80000"/>
+      </a:schemeClr>
+    </dgm:linClrLst>
+    <dgm:effectClrLst/>
+    <dgm:txLinClrLst/>
+    <dgm:txFillClrLst meth="repeat">
+      <a:schemeClr val="dk1"/>
+    </dgm:txFillClrLst>
+    <dgm:txEffectClrLst/>
+  </dgm:styleLbl>
+  <dgm:styleLbl name="asst4">
+    <dgm:fillClrLst meth="repeat">
+      <a:schemeClr val="lt1"/>
+    </dgm:fillClrLst>
+    <dgm:linClrLst meth="repeat">
+      <a:schemeClr val="accent2">
+        <a:shade val="80000"/>
+      </a:schemeClr>
+    </dgm:linClrLst>
+    <dgm:effectClrLst/>
+    <dgm:txLinClrLst/>
+    <dgm:txFillClrLst meth="repeat">
+      <a:schemeClr val="dk1"/>
+    </dgm:txFillClrLst>
+    <dgm:txEffectClrLst/>
+  </dgm:styleLbl>
+  <dgm:styleLbl name="parChTrans2D1">
+    <dgm:fillClrLst meth="repeat">
+      <a:schemeClr val="accent2">
+        <a:tint val="60000"/>
+      </a:schemeClr>
+    </dgm:fillClrLst>
+    <dgm:linClrLst meth="repeat">
+      <a:schemeClr val="accent2">
+        <a:tint val="60000"/>
+      </a:schemeClr>
+    </dgm:linClrLst>
+    <dgm:effectClrLst/>
+    <dgm:txLinClrLst/>
+    <dgm:txFillClrLst/>
+    <dgm:txEffectClrLst/>
+  </dgm:styleLbl>
+  <dgm:styleLbl name="parChTrans2D2">
+    <dgm:fillClrLst meth="repeat">
+      <a:schemeClr val="accent2"/>
+    </dgm:fillClrLst>
+    <dgm:linClrLst meth="repeat">
+      <a:schemeClr val="accent2"/>
+    </dgm:linClrLst>
+    <dgm:effectClrLst/>
+    <dgm:txLinClrLst/>
+    <dgm:txFillClrLst/>
+    <dgm:txEffectClrLst/>
+  </dgm:styleLbl>
+  <dgm:styleLbl name="parChTrans2D3">
+    <dgm:fillClrLst meth="repeat">
+      <a:schemeClr val="accent2"/>
+    </dgm:fillClrLst>
+    <dgm:linClrLst meth="repeat">
+      <a:schemeClr val="accent2"/>
+    </dgm:linClrLst>
+    <dgm:effectClrLst/>
+    <dgm:txLinClrLst/>
+    <dgm:txFillClrLst/>
+    <dgm:txEffectClrLst/>
+  </dgm:styleLbl>
+  <dgm:styleLbl name="parChTrans2D4">
+    <dgm:fillClrLst meth="repeat">
+      <a:schemeClr val="accent2"/>
+    </dgm:fillClrLst>
+    <dgm:linClrLst meth="repeat">
+      <a:schemeClr val="accent2"/>
+    </dgm:linClrLst>
+    <dgm:effectClrLst/>
+    <dgm:txLinClrLst/>
+    <dgm:txFillClrLst meth="repeat">
+      <a:schemeClr val="lt1"/>
+    </dgm:txFillClrLst>
+    <dgm:txEffectClrLst/>
+  </dgm:styleLbl>
+  <dgm:styleLbl name="parChTrans1D1">
+    <dgm:fillClrLst meth="repeat">
+      <a:schemeClr val="accent2"/>
+    </dgm:fillClrLst>
+    <dgm:linClrLst meth="repeat">
+      <a:schemeClr val="accent2">
+        <a:shade val="60000"/>
+      </a:schemeClr>
+    </dgm:linClrLst>
+    <dgm:effectClrLst/>
+    <dgm:txLinClrLst/>
+    <dgm:txFillClrLst meth="repeat">
+      <a:schemeClr val="tx1"/>
+    </dgm:txFillClrLst>
+    <dgm:txEffectClrLst/>
+  </dgm:styleLbl>
+  <dgm:styleLbl name="parChTrans1D2">
+    <dgm:fillClrLst meth="repeat">
+      <a:schemeClr val="accent2"/>
+    </dgm:fillClrLst>
+    <dgm:linClrLst meth="repeat">
+      <a:schemeClr val="accent2">
+        <a:shade val="60000"/>
+      </a:schemeClr>
+    </dgm:linClrLst>
+    <dgm:effectClrLst/>
+    <dgm:txLinClrLst/>
+    <dgm:txFillClrLst meth="repeat">
+      <a:schemeClr val="tx1"/>
+    </dgm:txFillClrLst>
+    <dgm:txEffectClrLst/>
+  </dgm:styleLbl>
+  <dgm:styleLbl name="parChTrans1D3">
+    <dgm:fillClrLst meth="repeat">
+      <a:schemeClr val="accent2"/>
+    </dgm:fillClrLst>
+    <dgm:linClrLst meth="repeat">
+      <a:schemeClr val="accent2">
+        <a:shade val="80000"/>
+      </a:schemeClr>
+    </dgm:linClrLst>
+    <dgm:effectClrLst/>
+    <dgm:txLinClrLst/>
+    <dgm:txFillClrLst meth="repeat">
+      <a:schemeClr val="tx1"/>
+    </dgm:txFillClrLst>
+    <dgm:txEffectClrLst/>
+  </dgm:styleLbl>
+  <dgm:styleLbl name="parChTrans1D4">
+    <dgm:fillClrLst meth="repeat">
+      <a:schemeClr val="accent2"/>
+    </dgm:fillClrLst>
+    <dgm:linClrLst meth="repeat">
+      <a:schemeClr val="accent2">
+        <a:shade val="80000"/>
+      </a:schemeClr>
+    </dgm:linClrLst>
+    <dgm:effectClrLst/>
+    <dgm:txLinClrLst/>
+    <dgm:txFillClrLst meth="repeat">
+      <a:schemeClr val="tx1"/>
+    </dgm:txFillClrLst>
+    <dgm:txEffectClrLst/>
+  </dgm:styleLbl>
+  <dgm:styleLbl name="fgAcc1">
+    <dgm:fillClrLst meth="repeat">
+      <a:schemeClr val="accent2">
+        <a:alpha val="90000"/>
+        <a:tint val="40000"/>
+      </a:schemeClr>
+    </dgm:fillClrLst>
+    <dgm:linClrLst meth="repeat">
+      <a:schemeClr val="accent2"/>
+    </dgm:linClrLst>
+    <dgm:effectClrLst/>
+    <dgm:txLinClrLst/>
+    <dgm:txFillClrLst meth="repeat">
+      <a:schemeClr val="dk1"/>
+    </dgm:txFillClrLst>
+    <dgm:txEffectClrLst/>
+  </dgm:styleLbl>
+  <dgm:styleLbl name="conFgAcc1">
+    <dgm:fillClrLst meth="repeat">
+      <a:schemeClr val="accent2">
+        <a:alpha val="90000"/>
+        <a:tint val="40000"/>
+      </a:schemeClr>
+    </dgm:fillClrLst>
+    <dgm:linClrLst meth="repeat">
+      <a:schemeClr val="accent2"/>
+    </dgm:linClrLst>
+    <dgm:effectClrLst/>
+    <dgm:txLinClrLst/>
+    <dgm:txFillClrLst meth="repeat">
+      <a:schemeClr val="dk1"/>
+    </dgm:txFillClrLst>
+    <dgm:txEffectClrLst/>
+  </dgm:styleLbl>
+  <dgm:styleLbl name="alignAcc1">
+    <dgm:fillClrLst meth="repeat">
+      <a:schemeClr val="accent2">
+        <a:alpha val="90000"/>
+        <a:tint val="40000"/>
+      </a:schemeClr>
+    </dgm:fillClrLst>
+    <dgm:linClrLst meth="repeat">
+      <a:schemeClr val="accent2"/>
+    </dgm:linClrLst>
+    <dgm:effectClrLst/>
+    <dgm:txLinClrLst/>
+    <dgm:txFillClrLst meth="repeat">
+      <a:schemeClr val="dk1"/>
+    </dgm:txFillClrLst>
+    <dgm:txEffectClrLst/>
+  </dgm:styleLbl>
+  <dgm:styleLbl name="trAlignAcc1">
+    <dgm:fillClrLst meth="repeat">
+      <a:schemeClr val="accent2">
+        <a:alpha val="40000"/>
+        <a:tint val="40000"/>
+      </a:schemeClr>
+    </dgm:fillClrLst>
+    <dgm:linClrLst meth="repeat">
+      <a:schemeClr val="accent2"/>
+    </dgm:linClrLst>
+    <dgm:effectClrLst/>
+    <dgm:txLinClrLst/>
+    <dgm:txFillClrLst meth="repeat">
+      <a:schemeClr val="dk1"/>
+    </dgm:txFillClrLst>
+    <dgm:txEffectClrLst/>
+  </dgm:styleLbl>
+  <dgm:styleLbl name="bgAcc1">
+    <dgm:fillClrLst meth="repeat">
+      <a:schemeClr val="accent2">
+        <a:alpha val="90000"/>
+        <a:tint val="40000"/>
+      </a:schemeClr>
+    </dgm:fillClrLst>
+    <dgm:linClrLst meth="repeat">
+      <a:schemeClr val="accent2"/>
+    </dgm:linClrLst>
+    <dgm:effectClrLst/>
+    <dgm:txLinClrLst/>
+    <dgm:txFillClrLst meth="repeat">
+      <a:schemeClr val="dk1"/>
+    </dgm:txFillClrLst>
+    <dgm:txEffectClrLst/>
+  </dgm:styleLbl>
+  <dgm:styleLbl name="solidFgAcc1">
+    <dgm:fillClrLst meth="repeat">
+      <a:schemeClr val="lt1"/>
+    </dgm:fillClrLst>
+    <dgm:linClrLst meth="repeat">
+      <a:schemeClr val="accent2"/>
+    </dgm:linClrLst>
+    <dgm:effectClrLst/>
+    <dgm:txLinClrLst/>
+    <dgm:txFillClrLst meth="repeat">
+      <a:schemeClr val="dk1"/>
+    </dgm:txFillClrLst>
+    <dgm:txEffectClrLst/>
+  </dgm:styleLbl>
+  <dgm:styleLbl name="solidAlignAcc1">
+    <dgm:fillClrLst meth="repeat">
+      <a:schemeClr val="lt1"/>
+    </dgm:fillClrLst>
+    <dgm:linClrLst meth="repeat">
+      <a:schemeClr val="accent2"/>
+    </dgm:linClrLst>
+    <dgm:effectClrLst/>
+    <dgm:txLinClrLst/>
+    <dgm:txFillClrLst meth="repeat">
+      <a:schemeClr val="dk1"/>
+    </dgm:txFillClrLst>
+    <dgm:txEffectClrLst/>
+  </dgm:styleLbl>
+  <dgm:styleLbl name="solidBgAcc1">
+    <dgm:fillClrLst meth="repeat">
+      <a:schemeClr val="lt1"/>
+    </dgm:fillClrLst>
+    <dgm:linClrLst meth="repeat">
+      <a:schemeClr val="accent2"/>
+    </dgm:linClrLst>
+    <dgm:effectClrLst/>
+    <dgm:txLinClrLst/>
+    <dgm:txFillClrLst meth="repeat">
+      <a:schemeClr val="dk1"/>
+    </dgm:txFillClrLst>
+    <dgm:txEffectClrLst/>
+  </dgm:styleLbl>
+  <dgm:styleLbl name="fgAccFollowNode1">
+    <dgm:fillClrLst meth="repeat">
+      <a:schemeClr val="lt1">
+        <a:alpha val="90000"/>
+        <a:tint val="40000"/>
+      </a:schemeClr>
+    </dgm:fillClrLst>
+    <dgm:linClrLst meth="repeat">
+      <a:schemeClr val="accent2">
+        <a:alpha val="90000"/>
+      </a:schemeClr>
+    </dgm:linClrLst>
+    <dgm:effectClrLst/>
+    <dgm:txLinClrLst/>
+    <dgm:txFillClrLst meth="repeat">
+      <a:schemeClr val="dk1"/>
+    </dgm:txFillClrLst>
+    <dgm:txEffectClrLst/>
+  </dgm:styleLbl>
+  <dgm:styleLbl name="alignAccFollowNode1">
+    <dgm:fillClrLst meth="repeat">
+      <a:schemeClr val="lt1">
+        <a:alpha val="90000"/>
+        <a:tint val="40000"/>
+      </a:schemeClr>
+    </dgm:fillClrLst>
+    <dgm:linClrLst meth="repeat">
+      <a:schemeClr val="accent2">
+        <a:alpha val="90000"/>
+      </a:schemeClr>
+    </dgm:linClrLst>
+    <dgm:effectClrLst/>
+    <dgm:txLinClrLst/>
+    <dgm:txFillClrLst meth="repeat">
+      <a:schemeClr val="dk1"/>
+    </dgm:txFillClrLst>
+    <dgm:txEffectClrLst/>
+  </dgm:styleLbl>
+  <dgm:styleLbl name="bgAccFollowNode1">
+    <dgm:fillClrLst meth="repeat">
+      <a:schemeClr val="lt1">
+        <a:alpha val="90000"/>
+        <a:tint val="40000"/>
+      </a:schemeClr>
+    </dgm:fillClrLst>
+    <dgm:linClrLst meth="repeat">
+      <a:schemeClr val="accent2">
+        <a:alpha val="90000"/>
+      </a:schemeClr>
+    </dgm:linClrLst>
+    <dgm:effectClrLst/>
+    <dgm:txLinClrLst/>
+    <dgm:txFillClrLst meth="repeat">
+      <a:schemeClr val="dk1"/>
+    </dgm:txFillClrLst>
+    <dgm:txEffectClrLst/>
+  </dgm:styleLbl>
+  <dgm:styleLbl name="fgAcc0">
+    <dgm:fillClrLst meth="repeat">
+      <a:schemeClr val="accent2">
+        <a:alpha val="90000"/>
+        <a:tint val="40000"/>
+      </a:schemeClr>
+    </dgm:fillClrLst>
+    <dgm:linClrLst meth="repeat">
+      <a:schemeClr val="accent2"/>
+    </dgm:linClrLst>
+    <dgm:effectClrLst/>
+    <dgm:txLinClrLst/>
+    <dgm:txFillClrLst meth="repeat">
+      <a:schemeClr val="dk1"/>
+    </dgm:txFillClrLst>
+    <dgm:txEffectClrLst/>
+  </dgm:styleLbl>
+  <dgm:styleLbl name="fgAcc2">
+    <dgm:fillClrLst meth="repeat">
+      <a:schemeClr val="accent2">
+        <a:alpha val="90000"/>
+        <a:tint val="40000"/>
+      </a:schemeClr>
+    </dgm:fillClrLst>
+    <dgm:linClrLst meth="repeat">
+      <a:schemeClr val="accent2"/>
+    </dgm:linClrLst>
+    <dgm:effectClrLst/>
+    <dgm:txLinClrLst/>
+    <dgm:txFillClrLst meth="repeat">
+      <a:schemeClr val="dk1"/>
+    </dgm:txFillClrLst>
+    <dgm:txEffectClrLst/>
+  </dgm:styleLbl>
+  <dgm:styleLbl name="fgAcc3">
+    <dgm:fillClrLst meth="repeat">
+      <a:schemeClr val="accent2">
+        <a:alpha val="90000"/>
+        <a:tint val="40000"/>
+      </a:schemeClr>
+    </dgm:fillClrLst>
+    <dgm:linClrLst meth="repeat">
+      <a:schemeClr val="accent2"/>
+    </dgm:linClrLst>
+    <dgm:effectClrLst/>
+    <dgm:txLinClrLst/>
+    <dgm:txFillClrLst meth="repeat">
+      <a:schemeClr val="dk1"/>
+    </dgm:txFillClrLst>
+    <dgm:txEffectClrLst/>
+  </dgm:styleLbl>
+  <dgm:styleLbl name="fgAcc4">
+    <dgm:fillClrLst meth="repeat">
+      <a:schemeClr val="accent2">
+        <a:alpha val="90000"/>
+        <a:tint val="40000"/>
+      </a:schemeClr>
+    </dgm:fillClrLst>
+    <dgm:linClrLst meth="repeat">
+      <a:schemeClr val="accent2"/>
+    </dgm:linClrLst>
+    <dgm:effectClrLst/>
+    <dgm:txLinClrLst/>
+    <dgm:txFillClrLst meth="repeat">
+      <a:schemeClr val="dk1"/>
+    </dgm:txFillClrLst>
+    <dgm:txEffectClrLst/>
+  </dgm:styleLbl>
+  <dgm:styleLbl name="bgShp">
+    <dgm:fillClrLst meth="repeat">
+      <a:schemeClr val="accent2">
+        <a:tint val="40000"/>
+      </a:schemeClr>
+    </dgm:fillClrLst>
+    <dgm:linClrLst meth="repeat">
+      <a:schemeClr val="accent2"/>
+    </dgm:linClrLst>
+    <dgm:effectClrLst/>
+    <dgm:txLinClrLst/>
+    <dgm:txFillClrLst meth="repeat">
+      <a:schemeClr val="dk1"/>
+    </dgm:txFillClrLst>
+    <dgm:txEffectClrLst/>
+  </dgm:styleLbl>
+  <dgm:styleLbl name="dkBgShp">
+    <dgm:fillClrLst meth="repeat">
+      <a:schemeClr val="accent2">
+        <a:shade val="80000"/>
+      </a:schemeClr>
+    </dgm:fillClrLst>
+    <dgm:linClrLst meth="repeat">
+      <a:schemeClr val="accent2"/>
+    </dgm:linClrLst>
+    <dgm:effectClrLst/>
+    <dgm:txLinClrLst/>
+    <dgm:txFillClrLst meth="repeat">
+      <a:schemeClr val="lt1"/>
+    </dgm:txFillClrLst>
+    <dgm:txEffectClrLst/>
+  </dgm:styleLbl>
+  <dgm:styleLbl name="trBgShp">
+    <dgm:fillClrLst meth="repeat">
+      <a:schemeClr val="accent2">
+        <a:tint val="50000"/>
+        <a:alpha val="40000"/>
+      </a:schemeClr>
+    </dgm:fillClrLst>
+    <dgm:linClrLst meth="repeat">
+      <a:schemeClr val="accent2"/>
+    </dgm:linClrLst>
+    <dgm:effectClrLst/>
+    <dgm:txLinClrLst/>
+    <dgm:txFillClrLst meth="repeat">
+      <a:schemeClr val="lt1"/>
+    </dgm:txFillClrLst>
+    <dgm:txEffectClrLst/>
+  </dgm:styleLbl>
+  <dgm:styleLbl name="fgShp">
+    <dgm:fillClrLst meth="repeat">
+      <a:schemeClr val="accent2">
+        <a:tint val="60000"/>
+      </a:schemeClr>
+    </dgm:fillClrLst>
+    <dgm:linClrLst meth="repeat">
+      <a:schemeClr val="lt1"/>
+    </dgm:linClrLst>
+    <dgm:effectClrLst/>
+    <dgm:txLinClrLst/>
+    <dgm:txFillClrLst meth="repeat">
+      <a:schemeClr val="dk1"/>
+    </dgm:txFillClrLst>
+    <dgm:txEffectClrLst/>
+  </dgm:styleLbl>
+  <dgm:styleLbl name="revTx">
+    <dgm:fillClrLst meth="repeat">
+      <a:schemeClr val="lt1">
+        <a:alpha val="0"/>
+      </a:schemeClr>
+    </dgm:fillClrLst>
+    <dgm:linClrLst meth="repeat">
+      <a:schemeClr val="dk1">
+        <a:alpha val="0"/>
+      </a:schemeClr>
+    </dgm:linClrLst>
+    <dgm:effectClrLst/>
+    <dgm:txLinClrLst/>
+    <dgm:txFillClrLst meth="repeat">
+      <a:schemeClr val="tx1"/>
+    </dgm:txFillClrLst>
+    <dgm:txEffectClrLst/>
+  </dgm:styleLbl>
+</dgm:colorsDef>
+</file>
+
+<file path=ppt/diagrams/data1.xml><?xml version="1.0" encoding="utf-8"?>
+<dgm:dataModel xmlns:dgm="http://schemas.openxmlformats.org/drawingml/2006/diagram" xmlns:a="http://schemas.openxmlformats.org/drawingml/2006/main">
+  <dgm:ptLst>
+    <dgm:pt modelId="{59606DBD-3D0B-411F-8482-7E618843941F}" type="doc">
+      <dgm:prSet loTypeId="urn:microsoft.com/office/officeart/2005/8/layout/arrow2" loCatId="process" qsTypeId="urn:microsoft.com/office/officeart/2005/8/quickstyle/simple2" qsCatId="simple" csTypeId="urn:microsoft.com/office/officeart/2005/8/colors/accent2_1" csCatId="accent2" phldr="1"/>
+      <dgm:spPr/>
+    </dgm:pt>
+    <dgm:pt modelId="{9D7CA6F3-A0EF-45A2-BC68-E02C6E0A897D}">
+      <dgm:prSet phldrT="[Text]"/>
+      <dgm:spPr/>
+      <dgm:t>
+        <a:bodyPr/>
+        <a:lstStyle/>
+        <a:p>
+          <a:r>
+            <a:rPr lang="en-US" dirty="0" smtClean="0"/>
+            <a:t>jQuery</a:t>
+          </a:r>
+          <a:endParaRPr lang="en-US" dirty="0"/>
+        </a:p>
+      </dgm:t>
+    </dgm:pt>
+    <dgm:pt modelId="{1C5E870F-E672-4329-A8AC-7EA462C69E24}" type="parTrans" cxnId="{7ACE2438-CB3A-416C-AA5A-6445C6D3A7A1}">
+      <dgm:prSet/>
+      <dgm:spPr/>
+      <dgm:t>
+        <a:bodyPr/>
+        <a:lstStyle/>
+        <a:p>
+          <a:endParaRPr lang="en-US"/>
+        </a:p>
+      </dgm:t>
+    </dgm:pt>
+    <dgm:pt modelId="{2E3F8D2D-CE41-4167-B419-F18022452F8D}" type="sibTrans" cxnId="{7ACE2438-CB3A-416C-AA5A-6445C6D3A7A1}">
+      <dgm:prSet/>
+      <dgm:spPr/>
+      <dgm:t>
+        <a:bodyPr/>
+        <a:lstStyle/>
+        <a:p>
+          <a:endParaRPr lang="en-US"/>
+        </a:p>
+      </dgm:t>
+    </dgm:pt>
+    <dgm:pt modelId="{69814B6E-35A6-4E4D-B40F-8BF4AE8EFD69}">
+      <dgm:prSet phldrT="[Text]"/>
+      <dgm:spPr/>
+      <dgm:t>
+        <a:bodyPr/>
+        <a:lstStyle/>
+        <a:p>
+          <a:r>
+            <a:rPr lang="en-US" dirty="0" smtClean="0"/>
+            <a:t>Angular</a:t>
+          </a:r>
+          <a:endParaRPr lang="en-US" dirty="0"/>
+        </a:p>
+      </dgm:t>
+    </dgm:pt>
+    <dgm:pt modelId="{0A597D6C-0014-48AE-B5DB-1EDD421CFF8B}" type="parTrans" cxnId="{7E0929D7-899F-4608-A207-64700137A60D}">
+      <dgm:prSet/>
+      <dgm:spPr/>
+      <dgm:t>
+        <a:bodyPr/>
+        <a:lstStyle/>
+        <a:p>
+          <a:endParaRPr lang="en-US"/>
+        </a:p>
+      </dgm:t>
+    </dgm:pt>
+    <dgm:pt modelId="{3C74D518-4183-48E6-B0B1-765C603E5440}" type="sibTrans" cxnId="{7E0929D7-899F-4608-A207-64700137A60D}">
+      <dgm:prSet/>
+      <dgm:spPr/>
+      <dgm:t>
+        <a:bodyPr/>
+        <a:lstStyle/>
+        <a:p>
+          <a:endParaRPr lang="en-US"/>
+        </a:p>
+      </dgm:t>
+    </dgm:pt>
+    <dgm:pt modelId="{79114AEF-0CFD-414D-8EA9-02C9A5CB60B7}">
+      <dgm:prSet phldrT="[Text]"/>
+      <dgm:spPr/>
+      <dgm:t>
+        <a:bodyPr/>
+        <a:lstStyle/>
+        <a:p>
+          <a:r>
+            <a:rPr lang="en-US" dirty="0" smtClean="0"/>
+            <a:t>Knockout</a:t>
+          </a:r>
+          <a:endParaRPr lang="en-US" dirty="0"/>
+        </a:p>
+      </dgm:t>
+    </dgm:pt>
+    <dgm:pt modelId="{CB454C5D-A836-48A4-AD23-6897D54A68B8}" type="parTrans" cxnId="{82ADAA40-4052-490B-A21D-1334CCBA52A4}">
+      <dgm:prSet/>
+      <dgm:spPr/>
+      <dgm:t>
+        <a:bodyPr/>
+        <a:lstStyle/>
+        <a:p>
+          <a:endParaRPr lang="en-US"/>
+        </a:p>
+      </dgm:t>
+    </dgm:pt>
+    <dgm:pt modelId="{873EAF95-36BB-43D1-A51F-9AC1A8D10480}" type="sibTrans" cxnId="{82ADAA40-4052-490B-A21D-1334CCBA52A4}">
+      <dgm:prSet/>
+      <dgm:spPr/>
+      <dgm:t>
+        <a:bodyPr/>
+        <a:lstStyle/>
+        <a:p>
+          <a:endParaRPr lang="en-US"/>
+        </a:p>
+      </dgm:t>
+    </dgm:pt>
+    <dgm:pt modelId="{A83637F0-5681-4374-8ECE-2D29943F8621}">
+      <dgm:prSet phldrT="[Text]"/>
+      <dgm:spPr/>
+      <dgm:t>
+        <a:bodyPr/>
+        <a:lstStyle/>
+        <a:p>
+          <a:r>
+            <a:rPr lang="en-US" dirty="0" smtClean="0"/>
+            <a:t>Ember</a:t>
+          </a:r>
+          <a:endParaRPr lang="en-US" dirty="0"/>
+        </a:p>
+      </dgm:t>
+    </dgm:pt>
+    <dgm:pt modelId="{86654439-FDC6-4CD1-B01E-A24EFBA7D247}" type="parTrans" cxnId="{051B6502-591E-46F7-8F98-180881047333}">
+      <dgm:prSet/>
+      <dgm:spPr/>
+      <dgm:t>
+        <a:bodyPr/>
+        <a:lstStyle/>
+        <a:p>
+          <a:endParaRPr lang="en-US"/>
+        </a:p>
+      </dgm:t>
+    </dgm:pt>
+    <dgm:pt modelId="{BFA7A3B8-7F49-46CF-8917-8736BDD5E613}" type="sibTrans" cxnId="{051B6502-591E-46F7-8F98-180881047333}">
+      <dgm:prSet/>
+      <dgm:spPr/>
+      <dgm:t>
+        <a:bodyPr/>
+        <a:lstStyle/>
+        <a:p>
+          <a:endParaRPr lang="en-US"/>
+        </a:p>
+      </dgm:t>
+    </dgm:pt>
+    <dgm:pt modelId="{474B8229-B642-4BA5-990D-122E5987711B}" type="pres">
+      <dgm:prSet presAssocID="{59606DBD-3D0B-411F-8482-7E618843941F}" presName="arrowDiagram" presStyleCnt="0">
+        <dgm:presLayoutVars>
+          <dgm:chMax val="5"/>
+          <dgm:dir/>
+          <dgm:resizeHandles val="exact"/>
+        </dgm:presLayoutVars>
+      </dgm:prSet>
+      <dgm:spPr/>
+    </dgm:pt>
+    <dgm:pt modelId="{0BA82D91-A9CE-4EB3-B9C5-919667D573D7}" type="pres">
+      <dgm:prSet presAssocID="{59606DBD-3D0B-411F-8482-7E618843941F}" presName="arrow" presStyleLbl="bgShp" presStyleIdx="0" presStyleCnt="1"/>
+      <dgm:spPr/>
+    </dgm:pt>
+    <dgm:pt modelId="{05674C17-A080-4F47-ACF7-FC3AA6573C28}" type="pres">
+      <dgm:prSet presAssocID="{59606DBD-3D0B-411F-8482-7E618843941F}" presName="arrowDiagram4" presStyleCnt="0"/>
+      <dgm:spPr/>
+    </dgm:pt>
+    <dgm:pt modelId="{3967C264-7665-4DB6-A915-732145222F38}" type="pres">
+      <dgm:prSet presAssocID="{9D7CA6F3-A0EF-45A2-BC68-E02C6E0A897D}" presName="bullet4a" presStyleLbl="node1" presStyleIdx="0" presStyleCnt="4"/>
+      <dgm:spPr/>
+    </dgm:pt>
+    <dgm:pt modelId="{E3772D35-DCC8-4778-A320-6AC874C23511}" type="pres">
+      <dgm:prSet presAssocID="{9D7CA6F3-A0EF-45A2-BC68-E02C6E0A897D}" presName="textBox4a" presStyleLbl="revTx" presStyleIdx="0" presStyleCnt="4">
+        <dgm:presLayoutVars>
+          <dgm:bulletEnabled val="1"/>
+        </dgm:presLayoutVars>
+      </dgm:prSet>
+      <dgm:spPr/>
+    </dgm:pt>
+    <dgm:pt modelId="{E1405A96-1CAE-4382-B6EC-1C1AFBED2F4B}" type="pres">
+      <dgm:prSet presAssocID="{79114AEF-0CFD-414D-8EA9-02C9A5CB60B7}" presName="bullet4b" presStyleLbl="node1" presStyleIdx="1" presStyleCnt="4"/>
+      <dgm:spPr/>
+    </dgm:pt>
+    <dgm:pt modelId="{539C2354-1789-440D-AD53-1DB1CC4F854A}" type="pres">
+      <dgm:prSet presAssocID="{79114AEF-0CFD-414D-8EA9-02C9A5CB60B7}" presName="textBox4b" presStyleLbl="revTx" presStyleIdx="1" presStyleCnt="4">
+        <dgm:presLayoutVars>
+          <dgm:bulletEnabled val="1"/>
+        </dgm:presLayoutVars>
+      </dgm:prSet>
+      <dgm:spPr/>
+    </dgm:pt>
+    <dgm:pt modelId="{4D9A6DD5-054F-48AC-A0A3-A61605CE5057}" type="pres">
+      <dgm:prSet presAssocID="{A83637F0-5681-4374-8ECE-2D29943F8621}" presName="bullet4c" presStyleLbl="node1" presStyleIdx="2" presStyleCnt="4"/>
+      <dgm:spPr/>
+    </dgm:pt>
+    <dgm:pt modelId="{6EE098BA-30F8-467E-9173-41D8A999FA07}" type="pres">
+      <dgm:prSet presAssocID="{A83637F0-5681-4374-8ECE-2D29943F8621}" presName="textBox4c" presStyleLbl="revTx" presStyleIdx="2" presStyleCnt="4">
+        <dgm:presLayoutVars>
+          <dgm:bulletEnabled val="1"/>
+        </dgm:presLayoutVars>
+      </dgm:prSet>
+      <dgm:spPr/>
+    </dgm:pt>
+    <dgm:pt modelId="{F7077EAC-AEE5-4FEE-871D-FA9D7D79F9FA}" type="pres">
+      <dgm:prSet presAssocID="{69814B6E-35A6-4E4D-B40F-8BF4AE8EFD69}" presName="bullet4d" presStyleLbl="node1" presStyleIdx="3" presStyleCnt="4"/>
+      <dgm:spPr/>
+    </dgm:pt>
+    <dgm:pt modelId="{EFACE698-9D94-4DE0-961F-033EB8384F47}" type="pres">
+      <dgm:prSet presAssocID="{69814B6E-35A6-4E4D-B40F-8BF4AE8EFD69}" presName="textBox4d" presStyleLbl="revTx" presStyleIdx="3" presStyleCnt="4">
+        <dgm:presLayoutVars>
+          <dgm:bulletEnabled val="1"/>
+        </dgm:presLayoutVars>
+      </dgm:prSet>
+      <dgm:spPr/>
+    </dgm:pt>
+  </dgm:ptLst>
+  <dgm:cxnLst>
+    <dgm:cxn modelId="{7ACE2438-CB3A-416C-AA5A-6445C6D3A7A1}" srcId="{59606DBD-3D0B-411F-8482-7E618843941F}" destId="{9D7CA6F3-A0EF-45A2-BC68-E02C6E0A897D}" srcOrd="0" destOrd="0" parTransId="{1C5E870F-E672-4329-A8AC-7EA462C69E24}" sibTransId="{2E3F8D2D-CE41-4167-B419-F18022452F8D}"/>
+    <dgm:cxn modelId="{1C07E96C-6349-4E11-B2FD-CE4206AFDD20}" type="presOf" srcId="{A83637F0-5681-4374-8ECE-2D29943F8621}" destId="{6EE098BA-30F8-467E-9173-41D8A999FA07}" srcOrd="0" destOrd="0" presId="urn:microsoft.com/office/officeart/2005/8/layout/arrow2"/>
+    <dgm:cxn modelId="{D1835730-ADD1-4337-9D7F-B63FA5030B66}" type="presOf" srcId="{59606DBD-3D0B-411F-8482-7E618843941F}" destId="{474B8229-B642-4BA5-990D-122E5987711B}" srcOrd="0" destOrd="0" presId="urn:microsoft.com/office/officeart/2005/8/layout/arrow2"/>
+    <dgm:cxn modelId="{52151298-5A24-43AE-BB4B-15AEC8A87DA9}" type="presOf" srcId="{69814B6E-35A6-4E4D-B40F-8BF4AE8EFD69}" destId="{EFACE698-9D94-4DE0-961F-033EB8384F47}" srcOrd="0" destOrd="0" presId="urn:microsoft.com/office/officeart/2005/8/layout/arrow2"/>
+    <dgm:cxn modelId="{7E0929D7-899F-4608-A207-64700137A60D}" srcId="{59606DBD-3D0B-411F-8482-7E618843941F}" destId="{69814B6E-35A6-4E4D-B40F-8BF4AE8EFD69}" srcOrd="3" destOrd="0" parTransId="{0A597D6C-0014-48AE-B5DB-1EDD421CFF8B}" sibTransId="{3C74D518-4183-48E6-B0B1-765C603E5440}"/>
+    <dgm:cxn modelId="{82ADAA40-4052-490B-A21D-1334CCBA52A4}" srcId="{59606DBD-3D0B-411F-8482-7E618843941F}" destId="{79114AEF-0CFD-414D-8EA9-02C9A5CB60B7}" srcOrd="1" destOrd="0" parTransId="{CB454C5D-A836-48A4-AD23-6897D54A68B8}" sibTransId="{873EAF95-36BB-43D1-A51F-9AC1A8D10480}"/>
+    <dgm:cxn modelId="{598F0A71-4DFC-41FB-8518-D1C7C60260AD}" type="presOf" srcId="{9D7CA6F3-A0EF-45A2-BC68-E02C6E0A897D}" destId="{E3772D35-DCC8-4778-A320-6AC874C23511}" srcOrd="0" destOrd="0" presId="urn:microsoft.com/office/officeart/2005/8/layout/arrow2"/>
+    <dgm:cxn modelId="{051B6502-591E-46F7-8F98-180881047333}" srcId="{59606DBD-3D0B-411F-8482-7E618843941F}" destId="{A83637F0-5681-4374-8ECE-2D29943F8621}" srcOrd="2" destOrd="0" parTransId="{86654439-FDC6-4CD1-B01E-A24EFBA7D247}" sibTransId="{BFA7A3B8-7F49-46CF-8917-8736BDD5E613}"/>
+    <dgm:cxn modelId="{F249364A-2BEB-4C60-ACE5-B676FFB7E85A}" type="presOf" srcId="{79114AEF-0CFD-414D-8EA9-02C9A5CB60B7}" destId="{539C2354-1789-440D-AD53-1DB1CC4F854A}" srcOrd="0" destOrd="0" presId="urn:microsoft.com/office/officeart/2005/8/layout/arrow2"/>
+    <dgm:cxn modelId="{AB3885C2-F01F-4D85-80D5-4839D2581541}" type="presParOf" srcId="{474B8229-B642-4BA5-990D-122E5987711B}" destId="{0BA82D91-A9CE-4EB3-B9C5-919667D573D7}" srcOrd="0" destOrd="0" presId="urn:microsoft.com/office/officeart/2005/8/layout/arrow2"/>
+    <dgm:cxn modelId="{0A18ED9B-CC07-4F5F-829A-A1DC01BCF54B}" type="presParOf" srcId="{474B8229-B642-4BA5-990D-122E5987711B}" destId="{05674C17-A080-4F47-ACF7-FC3AA6573C28}" srcOrd="1" destOrd="0" presId="urn:microsoft.com/office/officeart/2005/8/layout/arrow2"/>
+    <dgm:cxn modelId="{3ABBBF6E-E2D1-4DC8-8D2C-1D12EF90C359}" type="presParOf" srcId="{05674C17-A080-4F47-ACF7-FC3AA6573C28}" destId="{3967C264-7665-4DB6-A915-732145222F38}" srcOrd="0" destOrd="0" presId="urn:microsoft.com/office/officeart/2005/8/layout/arrow2"/>
+    <dgm:cxn modelId="{15A51D24-6CFD-49F0-9ED7-9DBBDACE71F2}" type="presParOf" srcId="{05674C17-A080-4F47-ACF7-FC3AA6573C28}" destId="{E3772D35-DCC8-4778-A320-6AC874C23511}" srcOrd="1" destOrd="0" presId="urn:microsoft.com/office/officeart/2005/8/layout/arrow2"/>
+    <dgm:cxn modelId="{932298DB-8225-470C-9009-120A19AD7EDF}" type="presParOf" srcId="{05674C17-A080-4F47-ACF7-FC3AA6573C28}" destId="{E1405A96-1CAE-4382-B6EC-1C1AFBED2F4B}" srcOrd="2" destOrd="0" presId="urn:microsoft.com/office/officeart/2005/8/layout/arrow2"/>
+    <dgm:cxn modelId="{86B4138E-6CC5-4EA7-943C-F02DF9DBFE23}" type="presParOf" srcId="{05674C17-A080-4F47-ACF7-FC3AA6573C28}" destId="{539C2354-1789-440D-AD53-1DB1CC4F854A}" srcOrd="3" destOrd="0" presId="urn:microsoft.com/office/officeart/2005/8/layout/arrow2"/>
+    <dgm:cxn modelId="{9827B8C4-9B45-4618-92E1-F126FB22C2FE}" type="presParOf" srcId="{05674C17-A080-4F47-ACF7-FC3AA6573C28}" destId="{4D9A6DD5-054F-48AC-A0A3-A61605CE5057}" srcOrd="4" destOrd="0" presId="urn:microsoft.com/office/officeart/2005/8/layout/arrow2"/>
+    <dgm:cxn modelId="{1C8FAC67-A0B6-4F42-B0DA-A062B654F920}" type="presParOf" srcId="{05674C17-A080-4F47-ACF7-FC3AA6573C28}" destId="{6EE098BA-30F8-467E-9173-41D8A999FA07}" srcOrd="5" destOrd="0" presId="urn:microsoft.com/office/officeart/2005/8/layout/arrow2"/>
+    <dgm:cxn modelId="{C8486DDC-327F-46F0-9142-AF9B5BFCB810}" type="presParOf" srcId="{05674C17-A080-4F47-ACF7-FC3AA6573C28}" destId="{F7077EAC-AEE5-4FEE-871D-FA9D7D79F9FA}" srcOrd="6" destOrd="0" presId="urn:microsoft.com/office/officeart/2005/8/layout/arrow2"/>
+    <dgm:cxn modelId="{4C9B8D05-B99A-4798-BDC0-A947647662F7}" type="presParOf" srcId="{05674C17-A080-4F47-ACF7-FC3AA6573C28}" destId="{EFACE698-9D94-4DE0-961F-033EB8384F47}" srcOrd="7" destOrd="0" presId="urn:microsoft.com/office/officeart/2005/8/layout/arrow2"/>
+  </dgm:cxnLst>
+  <dgm:bg/>
+  <dgm:whole/>
+  <dgm:extLst>
+    <a:ext uri="http://schemas.microsoft.com/office/drawing/2008/diagram">
+      <dsp:dataModelExt xmlns:dsp="http://schemas.microsoft.com/office/drawing/2008/diagram" relId="rId6" minVer="http://schemas.openxmlformats.org/drawingml/2006/diagram"/>
+    </a:ext>
+  </dgm:extLst>
+</dgm:dataModel>
+</file>
+
+<file path=ppt/diagrams/drawing1.xml><?xml version="1.0" encoding="utf-8"?>
+<dsp:drawing xmlns:dgm="http://schemas.openxmlformats.org/drawingml/2006/diagram" xmlns:dsp="http://schemas.microsoft.com/office/drawing/2008/diagram" xmlns:a="http://schemas.openxmlformats.org/drawingml/2006/main">
+  <dsp:spTree>
+    <dsp:nvGrpSpPr>
+      <dsp:cNvPr id="0" name=""/>
+      <dsp:cNvGrpSpPr/>
+    </dsp:nvGrpSpPr>
+    <dsp:grpSpPr/>
+    <dsp:sp modelId="{0BA82D91-A9CE-4EB3-B9C5-919667D573D7}">
+      <dsp:nvSpPr>
+        <dsp:cNvPr id="0" name=""/>
+        <dsp:cNvSpPr/>
+      </dsp:nvSpPr>
+      <dsp:spPr>
+        <a:xfrm>
+          <a:off x="1529714" y="0"/>
+          <a:ext cx="8465820" cy="5291138"/>
+        </a:xfrm>
+        <a:prstGeom prst="swooshArrow">
+          <a:avLst>
+            <a:gd name="adj1" fmla="val 25000"/>
+            <a:gd name="adj2" fmla="val 25000"/>
+          </a:avLst>
+        </a:prstGeom>
+        <a:solidFill>
+          <a:schemeClr val="accent2">
+            <a:tint val="40000"/>
+            <a:hueOff val="0"/>
+            <a:satOff val="0"/>
+            <a:lumOff val="0"/>
+            <a:alphaOff val="0"/>
+          </a:schemeClr>
+        </a:solidFill>
+        <a:ln>
+          <a:noFill/>
+        </a:ln>
+        <a:effectLst/>
+      </dsp:spPr>
+      <dsp:style>
+        <a:lnRef idx="0">
+          <a:scrgbClr r="0" g="0" b="0"/>
+        </a:lnRef>
+        <a:fillRef idx="1">
+          <a:scrgbClr r="0" g="0" b="0"/>
+        </a:fillRef>
+        <a:effectRef idx="0">
+          <a:scrgbClr r="0" g="0" b="0"/>
+        </a:effectRef>
+        <a:fontRef idx="minor"/>
+      </dsp:style>
+    </dsp:sp>
+    <dsp:sp modelId="{3967C264-7665-4DB6-A915-732145222F38}">
+      <dsp:nvSpPr>
+        <dsp:cNvPr id="0" name=""/>
+        <dsp:cNvSpPr/>
+      </dsp:nvSpPr>
+      <dsp:spPr>
+        <a:xfrm>
+          <a:off x="2363597" y="3934490"/>
+          <a:ext cx="194713" cy="194713"/>
+        </a:xfrm>
+        <a:prstGeom prst="ellipse">
+          <a:avLst/>
+        </a:prstGeom>
+        <a:solidFill>
+          <a:schemeClr val="lt1">
+            <a:hueOff val="0"/>
+            <a:satOff val="0"/>
+            <a:lumOff val="0"/>
+            <a:alphaOff val="0"/>
+          </a:schemeClr>
+        </a:solidFill>
+        <a:ln w="38100" cap="flat" cmpd="sng" algn="ctr">
+          <a:solidFill>
+            <a:schemeClr val="accent2">
+              <a:shade val="80000"/>
+              <a:hueOff val="0"/>
+              <a:satOff val="0"/>
+              <a:lumOff val="0"/>
+              <a:alphaOff val="0"/>
+            </a:schemeClr>
+          </a:solidFill>
+          <a:prstDash val="solid"/>
+        </a:ln>
+        <a:effectLst>
+          <a:outerShdw blurRad="40000" dist="20000" dir="5400000" rotWithShape="0">
+            <a:srgbClr val="000000">
+              <a:alpha val="38000"/>
+            </a:srgbClr>
+          </a:outerShdw>
+        </a:effectLst>
+      </dsp:spPr>
+      <dsp:style>
+        <a:lnRef idx="3">
+          <a:scrgbClr r="0" g="0" b="0"/>
+        </a:lnRef>
+        <a:fillRef idx="1">
+          <a:scrgbClr r="0" g="0" b="0"/>
+        </a:fillRef>
+        <a:effectRef idx="1">
+          <a:scrgbClr r="0" g="0" b="0"/>
+        </a:effectRef>
+        <a:fontRef idx="minor">
+          <a:schemeClr val="lt1"/>
+        </a:fontRef>
+      </dsp:style>
+    </dsp:sp>
+    <dsp:sp modelId="{E3772D35-DCC8-4778-A320-6AC874C23511}">
+      <dsp:nvSpPr>
+        <dsp:cNvPr id="0" name=""/>
+        <dsp:cNvSpPr/>
+      </dsp:nvSpPr>
+      <dsp:spPr>
+        <a:xfrm>
+          <a:off x="2460954" y="4031847"/>
+          <a:ext cx="1447655" cy="1259290"/>
+        </a:xfrm>
+        <a:prstGeom prst="rect">
+          <a:avLst/>
+        </a:prstGeom>
+        <a:noFill/>
+        <a:ln>
+          <a:noFill/>
+        </a:ln>
+        <a:effectLst/>
+      </dsp:spPr>
+      <dsp:style>
+        <a:lnRef idx="0">
+          <a:scrgbClr r="0" g="0" b="0"/>
+        </a:lnRef>
+        <a:fillRef idx="0">
+          <a:scrgbClr r="0" g="0" b="0"/>
+        </a:fillRef>
+        <a:effectRef idx="0">
+          <a:scrgbClr r="0" g="0" b="0"/>
+        </a:effectRef>
+        <a:fontRef idx="minor"/>
+      </dsp:style>
+      <dsp:txBody>
+        <a:bodyPr spcFirstLastPara="0" vert="horz" wrap="square" lIns="103175" tIns="0" rIns="0" bIns="0" numCol="1" spcCol="1270" anchor="t" anchorCtr="0">
+          <a:noAutofit/>
+        </a:bodyPr>
+        <a:lstStyle/>
+        <a:p>
+          <a:pPr lvl="0" algn="l" defTabSz="1466850">
+            <a:lnSpc>
+              <a:spcPct val="90000"/>
+            </a:lnSpc>
+            <a:spcBef>
+              <a:spcPct val="0"/>
+            </a:spcBef>
+            <a:spcAft>
+              <a:spcPct val="35000"/>
+            </a:spcAft>
+          </a:pPr>
+          <a:r>
+            <a:rPr lang="en-US" sz="3300" kern="1200" dirty="0" smtClean="0"/>
+            <a:t>jQuery</a:t>
+          </a:r>
+          <a:endParaRPr lang="en-US" sz="3300" kern="1200" dirty="0"/>
+        </a:p>
+      </dsp:txBody>
+      <dsp:txXfrm>
+        <a:off x="2460954" y="4031847"/>
+        <a:ext cx="1447655" cy="1259290"/>
+      </dsp:txXfrm>
+    </dsp:sp>
+    <dsp:sp modelId="{E1405A96-1CAE-4382-B6EC-1C1AFBED2F4B}">
+      <dsp:nvSpPr>
+        <dsp:cNvPr id="0" name=""/>
+        <dsp:cNvSpPr/>
+      </dsp:nvSpPr>
+      <dsp:spPr>
+        <a:xfrm>
+          <a:off x="3739293" y="2703771"/>
+          <a:ext cx="338632" cy="338632"/>
+        </a:xfrm>
+        <a:prstGeom prst="ellipse">
+          <a:avLst/>
+        </a:prstGeom>
+        <a:solidFill>
+          <a:schemeClr val="lt1">
+            <a:hueOff val="0"/>
+            <a:satOff val="0"/>
+            <a:lumOff val="0"/>
+            <a:alphaOff val="0"/>
+          </a:schemeClr>
+        </a:solidFill>
+        <a:ln w="38100" cap="flat" cmpd="sng" algn="ctr">
+          <a:solidFill>
+            <a:schemeClr val="accent2">
+              <a:shade val="80000"/>
+              <a:hueOff val="0"/>
+              <a:satOff val="0"/>
+              <a:lumOff val="0"/>
+              <a:alphaOff val="0"/>
+            </a:schemeClr>
+          </a:solidFill>
+          <a:prstDash val="solid"/>
+        </a:ln>
+        <a:effectLst>
+          <a:outerShdw blurRad="40000" dist="20000" dir="5400000" rotWithShape="0">
+            <a:srgbClr val="000000">
+              <a:alpha val="38000"/>
+            </a:srgbClr>
+          </a:outerShdw>
+        </a:effectLst>
+      </dsp:spPr>
+      <dsp:style>
+        <a:lnRef idx="3">
+          <a:scrgbClr r="0" g="0" b="0"/>
+        </a:lnRef>
+        <a:fillRef idx="1">
+          <a:scrgbClr r="0" g="0" b="0"/>
+        </a:fillRef>
+        <a:effectRef idx="1">
+          <a:scrgbClr r="0" g="0" b="0"/>
+        </a:effectRef>
+        <a:fontRef idx="minor">
+          <a:schemeClr val="lt1"/>
+        </a:fontRef>
+      </dsp:style>
+    </dsp:sp>
+    <dsp:sp modelId="{539C2354-1789-440D-AD53-1DB1CC4F854A}">
+      <dsp:nvSpPr>
+        <dsp:cNvPr id="0" name=""/>
+        <dsp:cNvSpPr/>
+      </dsp:nvSpPr>
+      <dsp:spPr>
+        <a:xfrm>
+          <a:off x="3908610" y="2873087"/>
+          <a:ext cx="1777822" cy="2418050"/>
+        </a:xfrm>
+        <a:prstGeom prst="rect">
+          <a:avLst/>
+        </a:prstGeom>
+        <a:noFill/>
+        <a:ln>
+          <a:noFill/>
+        </a:ln>
+        <a:effectLst/>
+      </dsp:spPr>
+      <dsp:style>
+        <a:lnRef idx="0">
+          <a:scrgbClr r="0" g="0" b="0"/>
+        </a:lnRef>
+        <a:fillRef idx="0">
+          <a:scrgbClr r="0" g="0" b="0"/>
+        </a:fillRef>
+        <a:effectRef idx="0">
+          <a:scrgbClr r="0" g="0" b="0"/>
+        </a:effectRef>
+        <a:fontRef idx="minor"/>
+      </dsp:style>
+      <dsp:txBody>
+        <a:bodyPr spcFirstLastPara="0" vert="horz" wrap="square" lIns="179435" tIns="0" rIns="0" bIns="0" numCol="1" spcCol="1270" anchor="t" anchorCtr="0">
+          <a:noAutofit/>
+        </a:bodyPr>
+        <a:lstStyle/>
+        <a:p>
+          <a:pPr lvl="0" algn="l" defTabSz="1466850">
+            <a:lnSpc>
+              <a:spcPct val="90000"/>
+            </a:lnSpc>
+            <a:spcBef>
+              <a:spcPct val="0"/>
+            </a:spcBef>
+            <a:spcAft>
+              <a:spcPct val="35000"/>
+            </a:spcAft>
+          </a:pPr>
+          <a:r>
+            <a:rPr lang="en-US" sz="3300" kern="1200" dirty="0" smtClean="0"/>
+            <a:t>Knockout</a:t>
+          </a:r>
+          <a:endParaRPr lang="en-US" sz="3300" kern="1200" dirty="0"/>
+        </a:p>
+      </dsp:txBody>
+      <dsp:txXfrm>
+        <a:off x="3908610" y="2873087"/>
+        <a:ext cx="1777822" cy="2418050"/>
+      </dsp:txXfrm>
+    </dsp:sp>
+    <dsp:sp modelId="{4D9A6DD5-054F-48AC-A0A3-A61605CE5057}">
+      <dsp:nvSpPr>
+        <dsp:cNvPr id="0" name=""/>
+        <dsp:cNvSpPr/>
+      </dsp:nvSpPr>
+      <dsp:spPr>
+        <a:xfrm>
+          <a:off x="5495951" y="1796870"/>
+          <a:ext cx="448688" cy="448688"/>
+        </a:xfrm>
+        <a:prstGeom prst="ellipse">
+          <a:avLst/>
+        </a:prstGeom>
+        <a:solidFill>
+          <a:schemeClr val="lt1">
+            <a:hueOff val="0"/>
+            <a:satOff val="0"/>
+            <a:lumOff val="0"/>
+            <a:alphaOff val="0"/>
+          </a:schemeClr>
+        </a:solidFill>
+        <a:ln w="38100" cap="flat" cmpd="sng" algn="ctr">
+          <a:solidFill>
+            <a:schemeClr val="accent2">
+              <a:shade val="80000"/>
+              <a:hueOff val="0"/>
+              <a:satOff val="0"/>
+              <a:lumOff val="0"/>
+              <a:alphaOff val="0"/>
+            </a:schemeClr>
+          </a:solidFill>
+          <a:prstDash val="solid"/>
+        </a:ln>
+        <a:effectLst>
+          <a:outerShdw blurRad="40000" dist="20000" dir="5400000" rotWithShape="0">
+            <a:srgbClr val="000000">
+              <a:alpha val="38000"/>
+            </a:srgbClr>
+          </a:outerShdw>
+        </a:effectLst>
+      </dsp:spPr>
+      <dsp:style>
+        <a:lnRef idx="3">
+          <a:scrgbClr r="0" g="0" b="0"/>
+        </a:lnRef>
+        <a:fillRef idx="1">
+          <a:scrgbClr r="0" g="0" b="0"/>
+        </a:fillRef>
+        <a:effectRef idx="1">
+          <a:scrgbClr r="0" g="0" b="0"/>
+        </a:effectRef>
+        <a:fontRef idx="minor">
+          <a:schemeClr val="lt1"/>
+        </a:fontRef>
+      </dsp:style>
+    </dsp:sp>
+    <dsp:sp modelId="{6EE098BA-30F8-467E-9173-41D8A999FA07}">
+      <dsp:nvSpPr>
+        <dsp:cNvPr id="0" name=""/>
+        <dsp:cNvSpPr/>
+      </dsp:nvSpPr>
+      <dsp:spPr>
+        <a:xfrm>
+          <a:off x="5720295" y="2021214"/>
+          <a:ext cx="1777822" cy="3269923"/>
+        </a:xfrm>
+        <a:prstGeom prst="rect">
+          <a:avLst/>
+        </a:prstGeom>
+        <a:noFill/>
+        <a:ln>
+          <a:noFill/>
+        </a:ln>
+        <a:effectLst/>
+      </dsp:spPr>
+      <dsp:style>
+        <a:lnRef idx="0">
+          <a:scrgbClr r="0" g="0" b="0"/>
+        </a:lnRef>
+        <a:fillRef idx="0">
+          <a:scrgbClr r="0" g="0" b="0"/>
+        </a:fillRef>
+        <a:effectRef idx="0">
+          <a:scrgbClr r="0" g="0" b="0"/>
+        </a:effectRef>
+        <a:fontRef idx="minor"/>
+      </dsp:style>
+      <dsp:txBody>
+        <a:bodyPr spcFirstLastPara="0" vert="horz" wrap="square" lIns="237751" tIns="0" rIns="0" bIns="0" numCol="1" spcCol="1270" anchor="t" anchorCtr="0">
+          <a:noAutofit/>
+        </a:bodyPr>
+        <a:lstStyle/>
+        <a:p>
+          <a:pPr lvl="0" algn="l" defTabSz="1466850">
+            <a:lnSpc>
+              <a:spcPct val="90000"/>
+            </a:lnSpc>
+            <a:spcBef>
+              <a:spcPct val="0"/>
+            </a:spcBef>
+            <a:spcAft>
+              <a:spcPct val="35000"/>
+            </a:spcAft>
+          </a:pPr>
+          <a:r>
+            <a:rPr lang="en-US" sz="3300" kern="1200" dirty="0" smtClean="0"/>
+            <a:t>Ember</a:t>
+          </a:r>
+          <a:endParaRPr lang="en-US" sz="3300" kern="1200" dirty="0"/>
+        </a:p>
+      </dsp:txBody>
+      <dsp:txXfrm>
+        <a:off x="5720295" y="2021214"/>
+        <a:ext cx="1777822" cy="3269923"/>
+      </dsp:txXfrm>
+    </dsp:sp>
+    <dsp:sp modelId="{F7077EAC-AEE5-4FEE-871D-FA9D7D79F9FA}">
+      <dsp:nvSpPr>
+        <dsp:cNvPr id="0" name=""/>
+        <dsp:cNvSpPr/>
+      </dsp:nvSpPr>
+      <dsp:spPr>
+        <a:xfrm>
+          <a:off x="7409227" y="1196855"/>
+          <a:ext cx="601073" cy="601073"/>
+        </a:xfrm>
+        <a:prstGeom prst="ellipse">
+          <a:avLst/>
+        </a:prstGeom>
+        <a:solidFill>
+          <a:schemeClr val="lt1">
+            <a:hueOff val="0"/>
+            <a:satOff val="0"/>
+            <a:lumOff val="0"/>
+            <a:alphaOff val="0"/>
+          </a:schemeClr>
+        </a:solidFill>
+        <a:ln w="38100" cap="flat" cmpd="sng" algn="ctr">
+          <a:solidFill>
+            <a:schemeClr val="accent2">
+              <a:shade val="80000"/>
+              <a:hueOff val="0"/>
+              <a:satOff val="0"/>
+              <a:lumOff val="0"/>
+              <a:alphaOff val="0"/>
+            </a:schemeClr>
+          </a:solidFill>
+          <a:prstDash val="solid"/>
+        </a:ln>
+        <a:effectLst>
+          <a:outerShdw blurRad="40000" dist="20000" dir="5400000" rotWithShape="0">
+            <a:srgbClr val="000000">
+              <a:alpha val="38000"/>
+            </a:srgbClr>
+          </a:outerShdw>
+        </a:effectLst>
+      </dsp:spPr>
+      <dsp:style>
+        <a:lnRef idx="3">
+          <a:scrgbClr r="0" g="0" b="0"/>
+        </a:lnRef>
+        <a:fillRef idx="1">
+          <a:scrgbClr r="0" g="0" b="0"/>
+        </a:fillRef>
+        <a:effectRef idx="1">
+          <a:scrgbClr r="0" g="0" b="0"/>
+        </a:effectRef>
+        <a:fontRef idx="minor">
+          <a:schemeClr val="lt1"/>
+        </a:fontRef>
+      </dsp:style>
+    </dsp:sp>
+    <dsp:sp modelId="{EFACE698-9D94-4DE0-961F-033EB8384F47}">
+      <dsp:nvSpPr>
+        <dsp:cNvPr id="0" name=""/>
+        <dsp:cNvSpPr/>
+      </dsp:nvSpPr>
+      <dsp:spPr>
+        <a:xfrm>
+          <a:off x="7709763" y="1497392"/>
+          <a:ext cx="1777822" cy="3793745"/>
+        </a:xfrm>
+        <a:prstGeom prst="rect">
+          <a:avLst/>
+        </a:prstGeom>
+        <a:noFill/>
+        <a:ln>
+          <a:noFill/>
+        </a:ln>
+        <a:effectLst/>
+      </dsp:spPr>
+      <dsp:style>
+        <a:lnRef idx="0">
+          <a:scrgbClr r="0" g="0" b="0"/>
+        </a:lnRef>
+        <a:fillRef idx="0">
+          <a:scrgbClr r="0" g="0" b="0"/>
+        </a:fillRef>
+        <a:effectRef idx="0">
+          <a:scrgbClr r="0" g="0" b="0"/>
+        </a:effectRef>
+        <a:fontRef idx="minor"/>
+      </dsp:style>
+      <dsp:txBody>
+        <a:bodyPr spcFirstLastPara="0" vert="horz" wrap="square" lIns="318496" tIns="0" rIns="0" bIns="0" numCol="1" spcCol="1270" anchor="t" anchorCtr="0">
+          <a:noAutofit/>
+        </a:bodyPr>
+        <a:lstStyle/>
+        <a:p>
+          <a:pPr lvl="0" algn="l" defTabSz="1466850">
+            <a:lnSpc>
+              <a:spcPct val="90000"/>
+            </a:lnSpc>
+            <a:spcBef>
+              <a:spcPct val="0"/>
+            </a:spcBef>
+            <a:spcAft>
+              <a:spcPct val="35000"/>
+            </a:spcAft>
+          </a:pPr>
+          <a:r>
+            <a:rPr lang="en-US" sz="3300" kern="1200" dirty="0" smtClean="0"/>
+            <a:t>Angular</a:t>
+          </a:r>
+          <a:endParaRPr lang="en-US" sz="3300" kern="1200" dirty="0"/>
+        </a:p>
+      </dsp:txBody>
+      <dsp:txXfrm>
+        <a:off x="7709763" y="1497392"/>
+        <a:ext cx="1777822" cy="3793745"/>
+      </dsp:txXfrm>
+    </dsp:sp>
+  </dsp:spTree>
+</dsp:drawing>
+</file>
+
+<file path=ppt/diagrams/layout1.xml><?xml version="1.0" encoding="utf-8"?>
+<dgm:layoutDef xmlns:dgm="http://schemas.openxmlformats.org/drawingml/2006/diagram" xmlns:a="http://schemas.openxmlformats.org/drawingml/2006/main" uniqueId="urn:microsoft.com/office/officeart/2005/8/layout/arrow2">
+  <dgm:title val=""/>
+  <dgm:desc val=""/>
+  <dgm:catLst>
+    <dgm:cat type="process" pri="23000"/>
+  </dgm:catLst>
+  <dgm:sampData useDef="1">
+    <dgm:dataModel>
+      <dgm:ptLst/>
+      <dgm:bg/>
+      <dgm:whole/>
+    </dgm:dataModel>
+  </dgm:sampData>
+  <dgm:styleData>
+    <dgm:dataModel>
+      <dgm:ptLst>
+        <dgm:pt modelId="0" type="doc"/>
+        <dgm:pt modelId="1"/>
+        <dgm:pt modelId="2"/>
+      </dgm:ptLst>
+      <dgm:cxnLst>
+        <dgm:cxn modelId="3" srcId="0" destId="1" srcOrd="0" destOrd="0"/>
+        <dgm:cxn modelId="4" srcId="0" destId="2" srcOrd="1" destOrd="0"/>
+      </dgm:cxnLst>
+      <dgm:bg/>
+      <dgm:whole/>
+    </dgm:dataModel>
+  </dgm:styleData>
+  <dgm:clrData>
+    <dgm:dataModel>
+      <dgm:ptLst>
+        <dgm:pt modelId="0" type="doc"/>
+        <dgm:pt modelId="1"/>
+        <dgm:pt modelId="2"/>
+        <dgm:pt modelId="3"/>
+        <dgm:pt modelId="4"/>
+      </dgm:ptLst>
+      <dgm:cxnLst>
+        <dgm:cxn modelId="5" srcId="0" destId="1" srcOrd="0" destOrd="0"/>
+        <dgm:cxn modelId="6" srcId="0" destId="2" srcOrd="1" destOrd="0"/>
+        <dgm:cxn modelId="7" srcId="0" destId="3" srcOrd="2" destOrd="0"/>
+        <dgm:cxn modelId="8" srcId="0" destId="4" srcOrd="3" destOrd="0"/>
+      </dgm:cxnLst>
+      <dgm:bg/>
+      <dgm:whole/>
+    </dgm:dataModel>
+  </dgm:clrData>
+  <dgm:layoutNode name="arrowDiagram">
+    <dgm:varLst>
+      <dgm:chMax val="5"/>
+      <dgm:dir/>
+      <dgm:resizeHandles val="exact"/>
+    </dgm:varLst>
+    <dgm:alg type="composite">
+      <dgm:param type="ar" val="1.6"/>
+    </dgm:alg>
+    <dgm:shape xmlns:r="http://schemas.openxmlformats.org/officeDocument/2006/relationships" r:blip="">
+      <dgm:adjLst/>
+    </dgm:shape>
+    <dgm:presOf/>
+    <dgm:constrLst>
+      <dgm:constr type="l" for="ch" forName="arrow"/>
+      <dgm:constr type="t" for="ch" forName="arrow"/>
+      <dgm:constr type="w" for="ch" forName="arrow" refType="w"/>
+      <dgm:constr type="h" for="ch" forName="arrow" refType="h"/>
+      <dgm:constr type="ctrX" for="ch" forName="arrowDiagram1" refType="w" fact="0.5"/>
+      <dgm:constr type="ctrY" for="ch" forName="arrowDiagram1" refType="h" fact="0.5"/>
+      <dgm:constr type="w" for="ch" forName="arrowDiagram1" refType="w"/>
+      <dgm:constr type="h" for="ch" forName="arrowDiagram1" refType="h"/>
+      <dgm:constr type="ctrX" for="ch" forName="arrowDiagram2" refType="w" fact="0.5"/>
+      <dgm:constr type="ctrY" for="ch" forName="arrowDiagram2" refType="h" fact="0.5"/>
+      <dgm:constr type="w" for="ch" forName="arrowDiagram2" refType="w"/>
+      <dgm:constr type="h" for="ch" forName="arrowDiagram2" refType="h"/>
+      <dgm:constr type="ctrX" for="ch" forName="arrowDiagram3" refType="w" fact="0.5"/>
+      <dgm:constr type="ctrY" for="ch" forName="arrowDiagram3" refType="h" fact="0.5"/>
+      <dgm:constr type="w" for="ch" forName="arrowDiagram3" refType="w"/>
+      <dgm:constr type="h" for="ch" forName="arrowDiagram3" refType="h"/>
+      <dgm:constr type="ctrX" for="ch" forName="arrowDiagram4" refType="w" fact="0.5"/>
+      <dgm:constr type="ctrY" for="ch" forName="arrowDiagram4" refType="h" fact="0.5"/>
+      <dgm:constr type="w" for="ch" forName="arrowDiagram4" refType="w"/>
+      <dgm:constr type="h" for="ch" forName="arrowDiagram4" refType="h"/>
+      <dgm:constr type="ctrX" for="ch" forName="arrowDiagram5" refType="w" fact="0.5"/>
+      <dgm:constr type="ctrY" for="ch" forName="arrowDiagram5" refType="h" fact="0.5"/>
+      <dgm:constr type="w" for="ch" forName="arrowDiagram5" refType="w"/>
+      <dgm:constr type="h" for="ch" forName="arrowDiagram5" refType="h"/>
+    </dgm:constrLst>
+    <dgm:ruleLst/>
+    <dgm:choose name="Name0">
+      <dgm:if name="Name1" axis="ch" ptType="node" func="cnt" op="gte" val="1">
+        <dgm:layoutNode name="arrow" styleLbl="bgShp">
+          <dgm:alg type="sp"/>
+          <dgm:shape xmlns:r="http://schemas.openxmlformats.org/officeDocument/2006/relationships" type="swooshArrow" r:blip="">
+            <dgm:adjLst>
+              <dgm:adj idx="2" val="0.25"/>
+            </dgm:adjLst>
+          </dgm:shape>
+          <dgm:presOf/>
+          <dgm:constrLst/>
+          <dgm:ruleLst/>
+        </dgm:layoutNode>
+        <dgm:choose name="Name2">
+          <dgm:if name="Name3" axis="ch" ptType="node" func="cnt" op="lt" val="1"/>
+          <dgm:if name="Name4" axis="ch" ptType="node" func="cnt" op="equ" val="1">
+            <dgm:layoutNode name="arrowDiagram1">
+              <dgm:varLst>
+                <dgm:bulletEnabled val="1"/>
+              </dgm:varLst>
+              <dgm:alg type="composite">
+                <dgm:param type="vertAlign" val="none"/>
+                <dgm:param type="horzAlign" val="none"/>
+              </dgm:alg>
+              <dgm:shape xmlns:r="http://schemas.openxmlformats.org/officeDocument/2006/relationships" r:blip="">
+                <dgm:adjLst/>
+              </dgm:shape>
+              <dgm:presOf/>
+              <dgm:constrLst>
+                <dgm:constr type="ctrX" for="ch" forName="bullet1" refType="w" fact="0.8"/>
+                <dgm:constr type="ctrY" for="ch" forName="bullet1" refType="h" fact="0.262"/>
+                <dgm:constr type="w" for="ch" forName="bullet1" refType="w" fact="0.074"/>
+                <dgm:constr type="h" for="ch" forName="bullet1" refType="w" refFor="ch" refForName="bullet1"/>
+                <dgm:constr type="r" for="ch" forName="textBox1" refType="ctrX" refFor="ch" refForName="bullet1"/>
+                <dgm:constr type="t" for="ch" forName="textBox1" refType="ctrY" refFor="ch" refForName="bullet1"/>
+                <dgm:constr type="w" for="ch" forName="textBox1" refType="w" fact="0.4"/>
+                <dgm:constr type="h" for="ch" forName="textBox1" refType="h" fact="0.738"/>
+                <dgm:constr type="userA" refType="h" refFor="ch" refForName="bullet1" fact="0.53"/>
+                <dgm:constr type="rMarg" for="ch" forName="textBox1" refType="userA" fact="2.834"/>
+                <dgm:constr type="primFontSz" for="ch" ptType="node" op="equ" val="65"/>
+              </dgm:constrLst>
+              <dgm:ruleLst/>
+              <dgm:forEach name="Name5" axis="ch" ptType="node" cnt="1">
+                <dgm:layoutNode name="bullet1" styleLbl="node1">
+                  <dgm:alg type="sp"/>
+                  <dgm:shape xmlns:r="http://schemas.openxmlformats.org/officeDocument/2006/relationships" type="ellipse" r:blip="">
+                    <dgm:adjLst/>
+                  </dgm:shape>
+                  <dgm:presOf/>
+                  <dgm:constrLst/>
+                  <dgm:ruleLst/>
+                </dgm:layoutNode>
+                <dgm:layoutNode name="textBox1" styleLbl="revTx">
+                  <dgm:varLst>
+                    <dgm:bulletEnabled val="1"/>
+                  </dgm:varLst>
+                  <dgm:alg type="tx">
+                    <dgm:param type="txAnchorVert" val="t"/>
+                    <dgm:param type="parTxLTRAlign" val="r"/>
+                    <dgm:param type="parTxRTLAlign" val="r"/>
+                  </dgm:alg>
+                  <dgm:shape xmlns:r="http://schemas.openxmlformats.org/officeDocument/2006/relationships" type="round2DiagRect" r:blip="">
+                    <dgm:adjLst/>
+                  </dgm:shape>
+                  <dgm:presOf axis="desOrSelf" ptType="node"/>
+                  <dgm:constrLst>
+                    <dgm:constr type="lMarg"/>
+                    <dgm:constr type="tMarg"/>
+                    <dgm:constr type="bMarg"/>
+                  </dgm:constrLst>
+                  <dgm:ruleLst>
+                    <dgm:rule type="primFontSz" val="5" fact="NaN" max="NaN"/>
+                  </dgm:ruleLst>
+                </dgm:layoutNode>
+              </dgm:forEach>
+            </dgm:layoutNode>
+          </dgm:if>
+          <dgm:if name="Name6" axis="ch" ptType="node" func="cnt" op="equ" val="2">
+            <dgm:layoutNode name="arrowDiagram2">
+              <dgm:alg type="composite">
+                <dgm:param type="vertAlign" val="none"/>
+                <dgm:param type="horzAlign" val="none"/>
+              </dgm:alg>
+              <dgm:shape xmlns:r="http://schemas.openxmlformats.org/officeDocument/2006/relationships" r:blip="">
+                <dgm:adjLst/>
+              </dgm:shape>
+              <dgm:presOf/>
+              <dgm:choose name="Name7">
+                <dgm:if name="Name8" func="var" arg="dir" op="equ" val="norm">
+                  <dgm:constrLst>
+                    <dgm:constr type="ctrX" for="ch" forName="bullet2a" refType="w" fact="0.25"/>
+                    <dgm:constr type="ctrY" for="ch" forName="bullet2a" refType="h" fact="0.573"/>
+                    <dgm:constr type="w" for="ch" forName="bullet2a" refType="w" fact="0.035"/>
+                    <dgm:constr type="h" for="ch" forName="bullet2a" refType="w" refFor="ch" refForName="bullet2a"/>
+                    <dgm:constr type="l" for="ch" forName="textBox2a" refType="ctrX" refFor="ch" refForName="bullet2a"/>
+                    <dgm:constr type="t" for="ch" forName="textBox2a" refType="ctrY" refFor="ch" refForName="bullet2a"/>
+                    <dgm:constr type="w" for="ch" forName="textBox2a" refType="w" fact="0.325"/>
+                    <dgm:constr type="h" for="ch" forName="textBox2a" refType="h" fact="0.427"/>
+                    <dgm:constr type="userA" refType="h" refFor="ch" refForName="bullet2a" fact="0.53"/>
+                    <dgm:constr type="lMarg" for="ch" forName="textBox2a" refType="userA" fact="2.834"/>
+                    <dgm:constr type="ctrX" for="ch" forName="bullet2b" refType="w" fact="0.585"/>
+                    <dgm:constr type="ctrY" for="ch" forName="bullet2b" refType="h" fact="0.338"/>
+                    <dgm:constr type="w" for="ch" forName="bullet2b" refType="w" fact="0.06"/>
+                    <dgm:constr type="h" for="ch" forName="bullet2b" refType="w" refFor="ch" refForName="bullet2b"/>
+                    <dgm:constr type="l" for="ch" forName="textBox2b" refType="ctrX" refFor="ch" refForName="bullet2b"/>
+                    <dgm:constr type="t" for="ch" forName="textBox2b" refType="ctrY" refFor="ch" refForName="bullet2b"/>
+                    <dgm:constr type="w" for="ch" forName="textBox2b" refType="w" fact="0.325"/>
+                    <dgm:constr type="h" for="ch" forName="textBox2b" refType="h" fact="0.662"/>
+                    <dgm:constr type="userB" refType="h" refFor="ch" refForName="bullet2b" fact="0.53"/>
+                    <dgm:constr type="lMarg" for="ch" forName="textBox2b" refType="userB" fact="2.834"/>
+                    <dgm:constr type="primFontSz" for="ch" ptType="node" op="equ" val="65"/>
+                  </dgm:constrLst>
+                </dgm:if>
+                <dgm:else name="Name9">
+                  <dgm:constrLst>
+                    <dgm:constr type="ctrX" for="ch" forName="bullet2a" refType="w" fact="0.25"/>
+                    <dgm:constr type="ctrY" for="ch" forName="bullet2a" refType="h" fact="0.573"/>
+                    <dgm:constr type="w" for="ch" forName="bullet2a" refType="w" fact="0.035"/>
+                    <dgm:constr type="h" for="ch" forName="bullet2a" refType="w" refFor="ch" refForName="bullet2a"/>
+                    <dgm:constr type="r" for="ch" forName="textBox2a" refType="ctrX" refFor="ch" refForName="bullet2a"/>
+                    <dgm:constr type="b" for="ch" forName="textBox2a" refType="ctrY" refFor="ch" refForName="bullet2a"/>
+                    <dgm:constr type="w" for="ch" forName="textBox2a" refType="w" fact="0.25"/>
+                    <dgm:constr type="h" for="ch" forName="textBox2a" refType="h" fact="0.573"/>
+                    <dgm:constr type="userA" refType="h" refFor="ch" refForName="bullet2a" fact="0.53"/>
+                    <dgm:constr type="rMarg" for="ch" forName="textBox2a" refType="userA" fact="2.834"/>
+                    <dgm:constr type="ctrX" for="ch" forName="bullet2b" refType="w" fact="0.585"/>
+                    <dgm:constr type="ctrY" for="ch" forName="bullet2b" refType="h" fact="0.338"/>
+                    <dgm:constr type="w" for="ch" forName="bullet2b" refType="w" fact="0.06"/>
+                    <dgm:constr type="h" for="ch" forName="bullet2b" refType="w" refFor="ch" refForName="bullet2b"/>
+                    <dgm:constr type="r" for="ch" forName="textBox2b" refType="ctrX" refFor="ch" refForName="bullet2b"/>
+                    <dgm:constr type="b" for="ch" forName="textBox2b" refType="ctrY" refFor="ch" refForName="bullet2b"/>
+                    <dgm:constr type="w" for="ch" forName="textBox2b" refType="w" fact="0.28"/>
+                    <dgm:constr type="h" for="ch" forName="textBox2b" refType="h" fact="0.338"/>
+                    <dgm:constr type="userB" refType="h" refFor="ch" refForName="bullet2b" fact="0.53"/>
+                    <dgm:constr type="rMarg" for="ch" forName="textBox2b" refType="userB" fact="2.834"/>
+                    <dgm:constr type="primFontSz" for="ch" ptType="node" op="equ" val="65"/>
+                  </dgm:constrLst>
+                </dgm:else>
+              </dgm:choose>
+              <dgm:ruleLst/>
+              <dgm:forEach name="Name10" axis="ch" ptType="node" cnt="1">
+                <dgm:layoutNode name="bullet2a" styleLbl="node1">
+                  <dgm:alg type="sp"/>
+                  <dgm:shape xmlns:r="http://schemas.openxmlformats.org/officeDocument/2006/relationships" type="ellipse" r:blip="">
+                    <dgm:adjLst/>
+                  </dgm:shape>
+                  <dgm:presOf/>
+                  <dgm:constrLst/>
+                  <dgm:ruleLst/>
+                </dgm:layoutNode>
+                <dgm:layoutNode name="textBox2a" styleLbl="revTx">
+                  <dgm:varLst>
+                    <dgm:bulletEnabled val="1"/>
+                  </dgm:varLst>
+                  <dgm:choose name="Name11">
+                    <dgm:if name="Name12" func="var" arg="dir" op="equ" val="norm">
+                      <dgm:choose name="Name13">
+                        <dgm:if name="Name14" axis="root des" ptType="all node" func="maxDepth" op="gt" val="1">
+                          <dgm:alg type="tx">
+                            <dgm:param type="txAnchorVert" val="t"/>
+                            <dgm:param type="parTxLTRAlign" val="l"/>
+                            <dgm:param type="parTxRTLAlign" val="r"/>
+                          </dgm:alg>
+                        </dgm:if>
+                        <dgm:else name="Name15">
+                          <dgm:alg type="tx">
+                            <dgm:param type="txAnchorVert" val="t"/>
+                            <dgm:param type="parTxLTRAlign" val="l"/>
+                            <dgm:param type="parTxRTLAlign" val="l"/>
+                          </dgm:alg>
+                        </dgm:else>
+                      </dgm:choose>
+                    </dgm:if>
+                    <dgm:else name="Name16">
+                      <dgm:choose name="Name17">
+                        <dgm:if name="Name18" axis="root des" ptType="all node" func="maxDepth" op="gt" val="1">
+                          <dgm:alg type="tx">
+                            <dgm:param type="txAnchorVert" val="b"/>
+                            <dgm:param type="txAnchorVertCh" val="b"/>
+                            <dgm:param type="parTxLTRAlign" val="l"/>
+                            <dgm:param type="parTxRTLAlign" val="r"/>
+                          </dgm:alg>
+                        </dgm:if>
+                        <dgm:else name="Name19">
+                          <dgm:alg type="tx">
+                            <dgm:param type="txAnchorVert" val="b"/>
+                            <dgm:param type="parTxLTRAlign" val="r"/>
+                            <dgm:param type="parTxRTLAlign" val="r"/>
+                          </dgm:alg>
+                        </dgm:else>
+                      </dgm:choose>
+                    </dgm:else>
+                  </dgm:choose>
+                  <dgm:shape xmlns:r="http://schemas.openxmlformats.org/officeDocument/2006/relationships" type="rect" r:blip="">
+                    <dgm:adjLst/>
+                  </dgm:shape>
+                  <dgm:presOf axis="desOrSelf" ptType="node"/>
+                  <dgm:choose name="Name20">
+                    <dgm:if name="Name21" func="var" arg="dir" op="equ" val="norm">
+                      <dgm:constrLst>
+                        <dgm:constr type="rMarg"/>
+                        <dgm:constr type="tMarg"/>
+                        <dgm:constr type="bMarg"/>
+                      </dgm:constrLst>
+                    </dgm:if>
+                    <dgm:else name="Name22">
+                      <dgm:constrLst>
+                        <dgm:constr type="lMarg"/>
+                        <dgm:constr type="tMarg"/>
+                        <dgm:constr type="bMarg"/>
+                      </dgm:constrLst>
+                    </dgm:else>
+                  </dgm:choose>
+                  <dgm:ruleLst>
+                    <dgm:rule type="primFontSz" val="5" fact="NaN" max="NaN"/>
+                  </dgm:ruleLst>
+                </dgm:layoutNode>
+              </dgm:forEach>
+              <dgm:forEach name="Name23" axis="ch" ptType="node" st="2" cnt="1">
+                <dgm:layoutNode name="bullet2b" styleLbl="node1">
+                  <dgm:alg type="sp"/>
+                  <dgm:shape xmlns:r="http://schemas.openxmlformats.org/officeDocument/2006/relationships" type="ellipse" r:blip="">
+                    <dgm:adjLst/>
+                  </dgm:shape>
+                  <dgm:presOf/>
+                  <dgm:constrLst/>
+                  <dgm:ruleLst/>
+                </dgm:layoutNode>
+                <dgm:layoutNode name="textBox2b" styleLbl="revTx">
+                  <dgm:varLst>
+                    <dgm:bulletEnabled val="1"/>
+                  </dgm:varLst>
+                  <dgm:choose name="Name24">
+                    <dgm:if name="Name25" func="var" arg="dir" op="equ" val="norm">
+                      <dgm:choose name="Name26">
+                        <dgm:if name="Name27" axis="root des" ptType="all node" func="maxDepth" op="gt" val="1">
+                          <dgm:alg type="tx">
+                            <dgm:param type="txAnchorVert" val="t"/>
+                            <dgm:param type="parTxLTRAlign" val="l"/>
+                            <dgm:param type="parTxRTLAlign" val="r"/>
+                          </dgm:alg>
+                        </dgm:if>
+                        <dgm:else name="Name28">
+                          <dgm:alg type="tx">
+                            <dgm:param type="txAnchorVert" val="t"/>
+                            <dgm:param type="parTxLTRAlign" val="l"/>
+                            <dgm:param type="parTxRTLAlign" val="l"/>
+                          </dgm:alg>
+                        </dgm:else>
+                      </dgm:choose>
+                    </dgm:if>
+                    <dgm:else name="Name29">
+                      <dgm:choose name="Name30">
+                        <dgm:if name="Name31" axis="root des" ptType="all node" func="maxDepth" op="gt" val="1">
+                          <dgm:alg type="tx">
+                            <dgm:param type="txAnchorVert" val="b"/>
+                            <dgm:param type="txAnchorVertCh" val="b"/>
+                            <dgm:param type="parTxLTRAlign" val="l"/>
+                            <dgm:param type="parTxRTLAlign" val="r"/>
+                          </dgm:alg>
+                        </dgm:if>
+                        <dgm:else name="Name32">
+                          <dgm:alg type="tx">
+                            <dgm:param type="txAnchorVert" val="b"/>
+                            <dgm:param type="parTxLTRAlign" val="r"/>
+                            <dgm:param type="parTxRTLAlign" val="r"/>
+                          </dgm:alg>
+                        </dgm:else>
+                      </dgm:choose>
+                    </dgm:else>
+                  </dgm:choose>
+                  <dgm:shape xmlns:r="http://schemas.openxmlformats.org/officeDocument/2006/relationships" type="rect" r:blip="">
+                    <dgm:adjLst/>
+                  </dgm:shape>
+                  <dgm:presOf axis="desOrSelf" ptType="node"/>
+                  <dgm:choose name="Name33">
+                    <dgm:if name="Name34" func="var" arg="dir" op="equ" val="norm">
+                      <dgm:constrLst>
+                        <dgm:constr type="rMarg"/>
+                        <dgm:constr type="tMarg"/>
+                        <dgm:constr type="bMarg"/>
+                      </dgm:constrLst>
+                    </dgm:if>
+                    <dgm:else name="Name35">
+                      <dgm:constrLst>
+                        <dgm:constr type="lMarg"/>
+                        <dgm:constr type="tMarg"/>
+                        <dgm:constr type="bMarg"/>
+                      </dgm:constrLst>
+                    </dgm:else>
+                  </dgm:choose>
+                  <dgm:ruleLst>
+                    <dgm:rule type="primFontSz" val="5" fact="NaN" max="NaN"/>
+                  </dgm:ruleLst>
+                </dgm:layoutNode>
+              </dgm:forEach>
+            </dgm:layoutNode>
+          </dgm:if>
+          <dgm:if name="Name36" axis="ch" ptType="node" func="cnt" op="equ" val="3">
+            <dgm:layoutNode name="arrowDiagram3">
+              <dgm:alg type="composite">
+                <dgm:param type="vertAlign" val="none"/>
+                <dgm:param type="horzAlign" val="none"/>
+              </dgm:alg>
+              <dgm:shape xmlns:r="http://schemas.openxmlformats.org/officeDocument/2006/relationships" r:blip="">
+                <dgm:adjLst/>
+              </dgm:shape>
+              <dgm:presOf/>
+              <dgm:choose name="Name37">
+                <dgm:if name="Name38" func="var" arg="dir" op="equ" val="norm">
+                  <dgm:constrLst>
+                    <dgm:constr type="ctrX" for="ch" forName="bullet3a" refType="w" fact="0.14"/>
+                    <dgm:constr type="ctrY" for="ch" forName="bullet3a" refType="h" fact="0.711"/>
+                    <dgm:constr type="w" for="ch" forName="bullet3a" refType="w" fact="0.026"/>
+                    <dgm:constr type="h" for="ch" forName="bullet3a" refType="w" refFor="ch" refForName="bullet3a"/>
+                    <dgm:constr type="l" for="ch" forName="textBox3a" refType="ctrX" refFor="ch" refForName="bullet3a"/>
+                    <dgm:constr type="t" for="ch" forName="textBox3a" refType="ctrY" refFor="ch" refForName="bullet3a"/>
+                    <dgm:constr type="w" for="ch" forName="textBox3a" refType="w" fact="0.233"/>
+                    <dgm:constr type="h" for="ch" forName="textBox3a" refType="h" fact="0.289"/>
+                    <dgm:constr type="userA" refType="h" refFor="ch" refForName="bullet3a" fact="0.53"/>
+                    <dgm:constr type="lMarg" for="ch" forName="textBox3a" refType="userA" fact="2.834"/>
+                    <dgm:constr type="ctrX" for="ch" forName="bullet3b" refType="w" fact="0.38"/>
+                    <dgm:constr type="ctrY" for="ch" forName="bullet3b" refType="h" fact="0.456"/>
+                    <dgm:constr type="w" for="ch" forName="bullet3b" refType="w" fact="0.047"/>
+                    <dgm:constr type="h" for="ch" forName="bullet3b" refType="w" refFor="ch" refForName="bullet3b"/>
+                    <dgm:constr type="l" for="ch" forName="textBox3b" refType="ctrX" refFor="ch" refForName="bullet3b"/>
+                    <dgm:constr type="t" for="ch" forName="textBox3b" refType="ctrY" refFor="ch" refForName="bullet3b"/>
+                    <dgm:constr type="w" for="ch" forName="textBox3b" refType="w" fact="0.24"/>
+                    <dgm:constr type="h" for="ch" forName="textBox3b" refType="h" fact="0.544"/>
+                    <dgm:constr type="userB" refType="h" refFor="ch" refForName="bullet3b" fact="0.53"/>
+                    <dgm:constr type="lMarg" for="ch" forName="textBox3b" refType="userB" fact="2.834"/>
+                    <dgm:constr type="ctrX" for="ch" forName="bullet3c" refType="w" fact="0.665"/>
+                    <dgm:constr type="ctrY" for="ch" forName="bullet3c" refType="h" fact="0.305"/>
+                    <dgm:constr type="w" for="ch" forName="bullet3c" refType="w" fact="0.065"/>
+                    <dgm:constr type="h" for="ch" forName="bullet3c" refType="w" refFor="ch" refForName="bullet3c"/>
+                    <dgm:constr type="l" for="ch" forName="textBox3c" refType="ctrX" refFor="ch" refForName="bullet3c"/>
+                    <dgm:constr type="t" for="ch" forName="textBox3c" refType="ctrY" refFor="ch" refForName="bullet3c"/>
+                    <dgm:constr type="w" for="ch" forName="textBox3c" refType="w" fact="0.24"/>
+                    <dgm:constr type="h" for="ch" forName="textBox3c" refType="h" fact="0.695"/>
+                    <dgm:constr type="userC" refType="h" refFor="ch" refForName="bullet3c" fact="0.53"/>
+                    <dgm:constr type="lMarg" for="ch" forName="textBox3c" refType="userC" fact="2.834"/>
+                    <dgm:constr type="primFontSz" for="ch" ptType="node" op="equ" val="65"/>
+                  </dgm:constrLst>
+                </dgm:if>
+                <dgm:else name="Name39">
+                  <dgm:constrLst>
+                    <dgm:constr type="ctrX" for="ch" forName="bullet3a" refType="w" fact="0.14"/>
+                    <dgm:constr type="ctrY" for="ch" forName="bullet3a" refType="h" fact="0.711"/>
+                    <dgm:constr type="w" for="ch" forName="bullet3a" refType="w" fact="0.026"/>
+                    <dgm:constr type="h" for="ch" forName="bullet3a" refType="w" refFor="ch" refForName="bullet3a"/>
+                    <dgm:constr type="r" for="ch" forName="textBox3a" refType="ctrX" refFor="ch" refForName="bullet3a"/>
+                    <dgm:constr type="b" for="ch" forName="textBox3a" refType="ctrY" refFor="ch" refForName="bullet3a"/>
+                    <dgm:constr type="w" for="ch" forName="textBox3a" refType="w" fact="0.14"/>
+                    <dgm:constr type="h" for="ch" forName="textBox3a" refType="h" fact="0.711"/>
+                    <dgm:constr type="userA" refType="h" refFor="ch" refForName="bullet3a" fact="0.53"/>
+                    <dgm:constr type="rMarg" for="ch" forName="textBox3a" refType="userA" fact="2.834"/>
+                    <dgm:constr type="ctrX" for="ch" forName="bullet3b" refType="w" fact="0.38"/>
+                    <dgm:constr type="ctrY" for="ch" forName="bullet3b" refType="h" fact="0.456"/>
+                    <dgm:constr type="w" for="ch" forName="bullet3b" refType="w" fact="0.047"/>
+                    <dgm:constr type="h" for="ch" forName="bullet3b" refType="w" refFor="ch" refForName="bullet3b"/>
+                    <dgm:constr type="r" for="ch" forName="textBox3b" refType="ctrX" refFor="ch" refForName="bullet3b"/>
+                    <dgm:constr type="b" for="ch" forName="textBox3b" refType="ctrY" refFor="ch" refForName="bullet3b"/>
+                    <dgm:constr type="w" for="ch" forName="textBox3b" refType="w" fact="0.24"/>
+                    <dgm:constr type="h" for="ch" forName="textBox3b" refType="h" fact="0.456"/>
+                    <dgm:constr type="userB" refType="h" refFor="ch" refForName="bullet3b" fact="0.53"/>
+                    <dgm:constr type="rMarg" for="ch" forName="textBox3b" refType="userB" fact="2.834"/>
+                    <dgm:constr type="ctrX" for="ch" forName="bullet3c" refType="w" fact="0.665"/>
+                    <dgm:constr type="ctrY" for="ch" forName="bullet3c" refType="h" fact="0.305"/>
+                    <dgm:constr type="w" for="ch" forName="bullet3c" refType="w" fact="0.065"/>
+                    <dgm:constr type="h" for="ch" forName="bullet3c" refType="w" refFor="ch" refForName="bullet3c"/>
+                    <dgm:constr type="r" for="ch" forName="textBox3c" refType="ctrX" refFor="ch" refForName="bullet3c"/>
+                    <dgm:constr type="b" for="ch" forName="textBox3c" refType="ctrY" refFor="ch" refForName="bullet3c"/>
+                    <dgm:constr type="w" for="ch" forName="textBox3c" refType="w" fact="0.24"/>
+                    <dgm:constr type="h" for="ch" forName="textBox3c" refType="h" fact="0.305"/>
+                    <dgm:constr type="userC" refType="h" refFor="ch" refForName="bullet3c" fact="0.53"/>
+                    <dgm:constr type="rMarg" for="ch" forName="textBox3c" refType="userC" fact="2.834"/>
+                    <dgm:constr type="primFontSz" for="ch" ptType="node" op="equ" val="65"/>
+                  </dgm:constrLst>
+                </dgm:else>
+              </dgm:choose>
+              <dgm:ruleLst/>
+              <dgm:forEach name="Name40" axis="ch" ptType="node" cnt="1">
+                <dgm:layoutNode name="bullet3a" styleLbl="node1">
+                  <dgm:alg type="sp"/>
+                  <dgm:shape xmlns:r="http://schemas.openxmlformats.org/officeDocument/2006/relationships" type="ellipse" r:blip="">
+                    <dgm:adjLst/>
+                  </dgm:shape>
+                  <dgm:presOf/>
+                  <dgm:constrLst/>
+                  <dgm:ruleLst/>
+                </dgm:layoutNode>
+                <dgm:layoutNode name="textBox3a" styleLbl="revTx">
+                  <dgm:varLst>
+                    <dgm:bulletEnabled val="1"/>
+                  </dgm:varLst>
+                  <dgm:choose name="Name41">
+                    <dgm:if name="Name42" func="var" arg="dir" op="equ" val="norm">
+                      <dgm:choose name="Name43">
+                        <dgm:if name="Name44" axis="root des" ptType="all node" func="maxDepth" op="gt" val="1">
+                          <dgm:alg type="tx">
+                            <dgm:param type="txAnchorVert" val="t"/>
+                            <dgm:param type="parTxLTRAlign" val="l"/>
+                            <dgm:param type="parTxRTLAlign" val="r"/>
+                          </dgm:alg>
+                        </dgm:if>
+                        <dgm:else name="Name45">
+                          <dgm:alg type="tx">
+                            <dgm:param type="txAnchorVert" val="t"/>
+                            <dgm:param type="parTxLTRAlign" val="l"/>
+                            <dgm:param type="parTxRTLAlign" val="l"/>
+                          </dgm:alg>
+                        </dgm:else>
+                      </dgm:choose>
+                    </dgm:if>
+                    <dgm:else name="Name46">
+                      <dgm:choose name="Name47">
+                        <dgm:if name="Name48" axis="root des" ptType="all node" func="maxDepth" op="gt" val="1">
+                          <dgm:alg type="tx">
+                            <dgm:param type="txAnchorVert" val="b"/>
+                            <dgm:param type="txAnchorVertCh" val="b"/>
+                            <dgm:param type="parTxLTRAlign" val="l"/>
+                            <dgm:param type="parTxRTLAlign" val="r"/>
+                          </dgm:alg>
+                        </dgm:if>
+                        <dgm:else name="Name49">
+                          <dgm:alg type="tx">
+                            <dgm:param type="txAnchorVert" val="b"/>
+                            <dgm:param type="parTxLTRAlign" val="r"/>
+                            <dgm:param type="parTxRTLAlign" val="r"/>
+                          </dgm:alg>
+                        </dgm:else>
+                      </dgm:choose>
+                    </dgm:else>
+                  </dgm:choose>
+                  <dgm:shape xmlns:r="http://schemas.openxmlformats.org/officeDocument/2006/relationships" type="rect" r:blip="">
+                    <dgm:adjLst/>
+                  </dgm:shape>
+                  <dgm:presOf axis="desOrSelf" ptType="node"/>
+                  <dgm:choose name="Name50">
+                    <dgm:if name="Name51" func="var" arg="dir" op="equ" val="norm">
+                      <dgm:constrLst>
+                        <dgm:constr type="rMarg"/>
+                        <dgm:constr type="tMarg"/>
+                        <dgm:constr type="bMarg"/>
+                      </dgm:constrLst>
+                    </dgm:if>
+                    <dgm:else name="Name52">
+                      <dgm:constrLst>
+                        <dgm:constr type="lMarg"/>
+                        <dgm:constr type="tMarg"/>
+                        <dgm:constr type="bMarg"/>
+                      </dgm:constrLst>
+                    </dgm:else>
+                  </dgm:choose>
+                  <dgm:ruleLst>
+                    <dgm:rule type="primFontSz" val="5" fact="NaN" max="NaN"/>
+                  </dgm:ruleLst>
+                </dgm:layoutNode>
+              </dgm:forEach>
+              <dgm:forEach name="Name53" axis="ch" ptType="node" st="2" cnt="1">
+                <dgm:layoutNode name="bullet3b" styleLbl="node1">
+                  <dgm:alg type="sp"/>
+                  <dgm:shape xmlns:r="http://schemas.openxmlformats.org/officeDocument/2006/relationships" type="ellipse" r:blip="">
+                    <dgm:adjLst/>
+                  </dgm:shape>
+                  <dgm:presOf/>
+                  <dgm:constrLst/>
+                  <dgm:ruleLst/>
+                </dgm:layoutNode>
+                <dgm:layoutNode name="textBox3b" styleLbl="revTx">
+                  <dgm:varLst>
+                    <dgm:bulletEnabled val="1"/>
+                  </dgm:varLst>
+                  <dgm:choose name="Name54">
+                    <dgm:if name="Name55" func="var" arg="dir" op="equ" val="norm">
+                      <dgm:choose name="Name56">
+                        <dgm:if name="Name57" axis="root des" ptType="all node" func="maxDepth" op="gt" val="1">
+                          <dgm:alg type="tx">
+                            <dgm:param type="txAnchorVert" val="t"/>
+                            <dgm:param type="parTxLTRAlign" val="l"/>
+                            <dgm:param type="parTxRTLAlign" val="r"/>
+                          </dgm:alg>
+                        </dgm:if>
+                        <dgm:else name="Name58">
+                          <dgm:alg type="tx">
+                            <dgm:param type="txAnchorVert" val="t"/>
+                            <dgm:param type="parTxLTRAlign" val="l"/>
+                            <dgm:param type="parTxRTLAlign" val="l"/>
+                          </dgm:alg>
+                        </dgm:else>
+                      </dgm:choose>
+                    </dgm:if>
+                    <dgm:else name="Name59">
+                      <dgm:choose name="Name60">
+                        <dgm:if name="Name61" axis="root des" ptType="all node" func="maxDepth" op="gt" val="1">
+                          <dgm:alg type="tx">
+                            <dgm:param type="txAnchorVert" val="b"/>
+                            <dgm:param type="txAnchorVertCh" val="b"/>
+                            <dgm:param type="parTxLTRAlign" val="l"/>
+                            <dgm:param type="parTxRTLAlign" val="r"/>
+                          </dgm:alg>
+                        </dgm:if>
+                        <dgm:else name="Name62">
+                          <dgm:alg type="tx">
+                            <dgm:param type="txAnchorVert" val="b"/>
+                            <dgm:param type="parTxLTRAlign" val="r"/>
+                            <dgm:param type="parTxRTLAlign" val="r"/>
+                          </dgm:alg>
+                        </dgm:else>
+                      </dgm:choose>
+                    </dgm:else>
+                  </dgm:choose>
+                  <dgm:shape xmlns:r="http://schemas.openxmlformats.org/officeDocument/2006/relationships" type="rect" r:blip="">
+                    <dgm:adjLst/>
+                  </dgm:shape>
+                  <dgm:presOf axis="desOrSelf" ptType="node"/>
+                  <dgm:choose name="Name63">
+                    <dgm:if name="Name64" func="var" arg="dir" op="equ" val="norm">
+                      <dgm:constrLst>
+                        <dgm:constr type="rMarg"/>
+                        <dgm:constr type="tMarg"/>
+                        <dgm:constr type="bMarg"/>
+                      </dgm:constrLst>
+                    </dgm:if>
+                    <dgm:else name="Name65">
+                      <dgm:constrLst>
+                        <dgm:constr type="lMarg"/>
+                        <dgm:constr type="tMarg"/>
+                        <dgm:constr type="bMarg"/>
+                      </dgm:constrLst>
+                    </dgm:else>
+                  </dgm:choose>
+                  <dgm:ruleLst>
+                    <dgm:rule type="primFontSz" val="5" fact="NaN" max="NaN"/>
+                  </dgm:ruleLst>
+                </dgm:layoutNode>
+              </dgm:forEach>
+              <dgm:forEach name="Name66" axis="ch" ptType="node" st="3" cnt="1">
+                <dgm:layoutNode name="bullet3c" styleLbl="node1">
+                  <dgm:alg type="sp"/>
+                  <dgm:shape xmlns:r="http://schemas.openxmlformats.org/officeDocument/2006/relationships" type="ellipse" r:blip="">
+                    <dgm:adjLst/>
+                  </dgm:shape>
+                  <dgm:presOf/>
+                  <dgm:constrLst/>
+                  <dgm:ruleLst/>
+                </dgm:layoutNode>
+                <dgm:layoutNode name="textBox3c" styleLbl="revTx">
+                  <dgm:varLst>
+                    <dgm:bulletEnabled val="1"/>
+                  </dgm:varLst>
+                  <dgm:choose name="Name67">
+                    <dgm:if name="Name68" func="var" arg="dir" op="equ" val="norm">
+                      <dgm:choose name="Name69">
+                        <dgm:if name="Name70" axis="root des" ptType="all node" func="maxDepth" op="gt" val="1">
+                          <dgm:alg type="tx">
+                            <dgm:param type="txAnchorVert" val="t"/>
+                            <dgm:param type="parTxLTRAlign" val="l"/>
+                            <dgm:param type="parTxRTLAlign" val="r"/>
+                          </dgm:alg>
+                        </dgm:if>
+                        <dgm:else name="Name71">
+                          <dgm:alg type="tx">
+                            <dgm:param type="txAnchorVert" val="t"/>
+                            <dgm:param type="parTxLTRAlign" val="l"/>
+                            <dgm:param type="parTxRTLAlign" val="l"/>
+                          </dgm:alg>
+                        </dgm:else>
+                      </dgm:choose>
+                    </dgm:if>
+                    <dgm:else name="Name72">
+                      <dgm:choose name="Name73">
+                        <dgm:if name="Name74" axis="root des" ptType="all node" func="maxDepth" op="gt" val="1">
+                          <dgm:alg type="tx">
+                            <dgm:param type="txAnchorVert" val="b"/>
+                            <dgm:param type="txAnchorVertCh" val="b"/>
+                            <dgm:param type="parTxLTRAlign" val="l"/>
+                            <dgm:param type="parTxRTLAlign" val="r"/>
+                          </dgm:alg>
+                        </dgm:if>
+                        <dgm:else name="Name75">
+                          <dgm:alg type="tx">
+                            <dgm:param type="txAnchorVert" val="b"/>
+                            <dgm:param type="parTxLTRAlign" val="r"/>
+                            <dgm:param type="parTxRTLAlign" val="r"/>
+                          </dgm:alg>
+                        </dgm:else>
+                      </dgm:choose>
+                    </dgm:else>
+                  </dgm:choose>
+                  <dgm:shape xmlns:r="http://schemas.openxmlformats.org/officeDocument/2006/relationships" type="rect" r:blip="">
+                    <dgm:adjLst/>
+                  </dgm:shape>
+                  <dgm:presOf axis="desOrSelf" ptType="node"/>
+                  <dgm:choose name="Name76">
+                    <dgm:if name="Name77" func="var" arg="dir" op="equ" val="norm">
+                      <dgm:constrLst>
+                        <dgm:constr type="rMarg"/>
+                        <dgm:constr type="tMarg"/>
+                        <dgm:constr type="bMarg"/>
+                      </dgm:constrLst>
+                    </dgm:if>
+                    <dgm:else name="Name78">
+                      <dgm:constrLst>
+                        <dgm:constr type="lMarg"/>
+                        <dgm:constr type="tMarg"/>
+                        <dgm:constr type="bMarg"/>
+                      </dgm:constrLst>
+                    </dgm:else>
+                  </dgm:choose>
+                  <dgm:ruleLst>
+                    <dgm:rule type="primFontSz" val="5" fact="NaN" max="NaN"/>
+                  </dgm:ruleLst>
+                </dgm:layoutNode>
+              </dgm:forEach>
+            </dgm:layoutNode>
+          </dgm:if>
+          <dgm:if name="Name79" axis="ch" ptType="node" func="cnt" op="equ" val="4">
+            <dgm:layoutNode name="arrowDiagram4">
+              <dgm:alg type="composite">
+                <dgm:param type="vertAlign" val="none"/>
+                <dgm:param type="horzAlign" val="none"/>
+              </dgm:alg>
+              <dgm:shape xmlns:r="http://schemas.openxmlformats.org/officeDocument/2006/relationships" r:blip="">
+                <dgm:adjLst/>
+              </dgm:shape>
+              <dgm:presOf/>
+              <dgm:choose name="Name80">
+                <dgm:if name="Name81" func="var" arg="dir" op="equ" val="norm">
+                  <dgm:constrLst>
+                    <dgm:constr type="ctrX" for="ch" forName="bullet4a" refType="w" fact="0.11"/>
+                    <dgm:constr type="ctrY" for="ch" forName="bullet4a" refType="h" fact="0.762"/>
+                    <dgm:constr type="w" for="ch" forName="bullet4a" refType="w" fact="0.023"/>
+                    <dgm:constr type="h" for="ch" forName="bullet4a" refType="w" refFor="ch" refForName="bullet4a"/>
+                    <dgm:constr type="l" for="ch" forName="textBox4a" refType="ctrX" refFor="ch" refForName="bullet4a"/>
+                    <dgm:constr type="t" for="ch" forName="textBox4a" refType="ctrY" refFor="ch" refForName="bullet4a"/>
+                    <dgm:constr type="w" for="ch" forName="textBox4a" refType="w" fact="0.171"/>
+                    <dgm:constr type="h" for="ch" forName="textBox4a" refType="h" fact="0.238"/>
+                    <dgm:constr type="userA" refType="h" refFor="ch" refForName="bullet4a" fact="0.53"/>
+                    <dgm:constr type="lMarg" for="ch" forName="textBox4a" refType="userA" fact="2.834"/>
+                    <dgm:constr type="ctrX" for="ch" forName="bullet4b" refType="w" fact="0.281"/>
+                    <dgm:constr type="ctrY" for="ch" forName="bullet4b" refType="h" fact="0.543"/>
+                    <dgm:constr type="w" for="ch" forName="bullet4b" refType="w" fact="0.04"/>
+                    <dgm:constr type="h" for="ch" forName="bullet4b" refType="w" refFor="ch" refForName="bullet4b"/>
+                    <dgm:constr type="l" for="ch" forName="textBox4b" refType="ctrX" refFor="ch" refForName="bullet4b"/>
+                    <dgm:constr type="t" for="ch" forName="textBox4b" refType="ctrY" refFor="ch" refForName="bullet4b"/>
+                    <dgm:constr type="w" for="ch" forName="textBox4b" refType="w" fact="0.21"/>
+                    <dgm:constr type="h" for="ch" forName="textBox4b" refType="h" fact="0.457"/>
+                    <dgm:constr type="userB" refType="h" refFor="ch" refForName="bullet4b" fact="0.53"/>
+                    <dgm:constr type="lMarg" for="ch" forName="textBox4b" refType="userB" fact="2.834"/>
+                    <dgm:constr type="ctrX" for="ch" forName="bullet4c" refType="w" fact="0.495"/>
+                    <dgm:constr type="ctrY" for="ch" forName="bullet4c" refType="h" fact="0.382"/>
+                    <dgm:constr type="w" for="ch" forName="bullet4c" refType="w" fact="0.053"/>
+                    <dgm:constr type="h" for="ch" forName="bullet4c" refType="w" refFor="ch" refForName="bullet4c"/>
+                    <dgm:constr type="l" for="ch" forName="textBox4c" refType="ctrX" refFor="ch" refForName="bullet4c"/>
+                    <dgm:constr type="t" for="ch" forName="textBox4c" refType="ctrY" refFor="ch" refForName="bullet4c"/>
+                    <dgm:constr type="w" for="ch" forName="textBox4c" refType="w" fact="0.21"/>
+                    <dgm:constr type="h" for="ch" forName="textBox4c" refType="h" fact="0.618"/>
+                    <dgm:constr type="userC" refType="h" refFor="ch" refForName="bullet4c" fact="0.53"/>
+                    <dgm:constr type="lMarg" for="ch" forName="textBox4c" refType="userC" fact="2.834"/>
+                    <dgm:constr type="ctrX" for="ch" forName="bullet4d" refType="w" fact="0.73"/>
+                    <dgm:constr type="ctrY" for="ch" forName="bullet4d" refType="h" fact="0.283"/>
+                    <dgm:constr type="w" for="ch" forName="bullet4d" refType="w" fact="0.071"/>
+                    <dgm:constr type="h" for="ch" forName="bullet4d" refType="w" refFor="ch" refForName="bullet4d"/>
+                    <dgm:constr type="l" for="ch" forName="textBox4d" refType="ctrX" refFor="ch" refForName="bullet4d"/>
+                    <dgm:constr type="t" for="ch" forName="textBox4d" refType="ctrY" refFor="ch" refForName="bullet4d"/>
+                    <dgm:constr type="w" for="ch" forName="textBox4d" refType="w" fact="0.21"/>
+                    <dgm:constr type="h" for="ch" forName="textBox4d" refType="h" fact="0.717"/>
+                    <dgm:constr type="userD" refType="h" refFor="ch" refForName="bullet4d" fact="0.53"/>
+                    <dgm:constr type="lMarg" for="ch" forName="textBox4d" refType="userD" fact="2.834"/>
+                    <dgm:constr type="primFontSz" for="ch" ptType="node" op="equ" val="65"/>
+                  </dgm:constrLst>
+                </dgm:if>
+                <dgm:else name="Name82">
+                  <dgm:constrLst>
+                    <dgm:constr type="ctrX" for="ch" forName="bullet4a" refType="w" fact="0.11"/>
+                    <dgm:constr type="ctrY" for="ch" forName="bullet4a" refType="h" fact="0.762"/>
+                    <dgm:constr type="w" for="ch" forName="bullet4a" refType="w" fact="0.023"/>
+                    <dgm:constr type="h" for="ch" forName="bullet4a" refType="w" refFor="ch" refForName="bullet4a"/>
+                    <dgm:constr type="r" for="ch" forName="textBox4a" refType="ctrX" refFor="ch" refForName="bullet4a"/>
+                    <dgm:constr type="b" for="ch" forName="textBox4a" refType="ctrY" refFor="ch" refForName="bullet4a"/>
+                    <dgm:constr type="w" for="ch" forName="textBox4a" refType="w" fact="0.11"/>
+                    <dgm:constr type="h" for="ch" forName="textBox4a" refType="h" fact="0.762"/>
+                    <dgm:constr type="userA" refType="h" refFor="ch" refForName="bullet4a" fact="0.53"/>
+                    <dgm:constr type="rMarg" for="ch" forName="textBox4a" refType="userA" fact="2.834"/>
+                    <dgm:constr type="ctrX" for="ch" forName="bullet4b" refType="w" fact="0.281"/>
+                    <dgm:constr type="ctrY" for="ch" forName="bullet4b" refType="h" fact="0.543"/>
+                    <dgm:constr type="w" for="ch" forName="bullet4b" refType="w" fact="0.04"/>
+                    <dgm:constr type="h" for="ch" forName="bullet4b" refType="w" refFor="ch" refForName="bullet4b"/>
+                    <dgm:constr type="r" for="ch" forName="textBox4b" refType="ctrX" refFor="ch" refForName="bullet4b"/>
+                    <dgm:constr type="b" for="ch" forName="textBox4b" refType="ctrY" refFor="ch" refForName="bullet4b"/>
+                    <dgm:constr type="w" for="ch" forName="textBox4b" refType="w" fact="0.171"/>
+                    <dgm:constr type="h" for="ch" forName="textBox4b" refType="h" fact="0.543"/>
+                    <dgm:constr type="userB" refType="h" refFor="ch" refForName="bullet4b" fact="0.53"/>
+                    <dgm:constr type="rMarg" for="ch" forName="textBox4b" refType="userB" fact="2.834"/>
+                    <dgm:constr type="ctrX" for="ch" forName="bullet4c" refType="w" fact="0.495"/>
+                    <dgm:constr type="ctrY" for="ch" forName="bullet4c" refType="h" fact="0.382"/>
+                    <dgm:constr type="w" for="ch" forName="bullet4c" refType="w" fact="0.053"/>
+                    <dgm:constr type="h" for="ch" forName="bullet4c" refType="w" refFor="ch" refForName="bullet4c"/>
+                    <dgm:constr type="r" for="ch" forName="textBox4c" refType="ctrX" refFor="ch" refForName="bullet4c"/>
+                    <dgm:constr type="b" for="ch" forName="textBox4c" refType="ctrY" refFor="ch" refForName="bullet4c"/>
+                    <dgm:constr type="w" for="ch" forName="textBox4c" refType="w" fact="0.21"/>
+                    <dgm:constr type="h" for="ch" forName="textBox4c" refType="h" fact="0.382"/>
+                    <dgm:constr type="userC" refType="h" refFor="ch" refForName="bullet4c" fact="0.53"/>
+                    <dgm:constr type="rMarg" for="ch" forName="textBox4c" refType="userC" fact="2.834"/>
+                    <dgm:constr type="ctrX" for="ch" forName="bullet4d" refType="w" fact="0.73"/>
+                    <dgm:constr type="ctrY" for="ch" forName="bullet4d" refType="h" fact="0.283"/>
+                    <dgm:constr type="w" for="ch" forName="bullet4d" refType="w" fact="0.071"/>
+                    <dgm:constr type="h" for="ch" forName="bullet4d" refType="w" refFor="ch" refForName="bullet4d"/>
+                    <dgm:constr type="r" for="ch" forName="textBox4d" refType="ctrX" refFor="ch" refForName="bullet4d"/>
+                    <dgm:constr type="b" for="ch" forName="textBox4d" refType="ctrY" refFor="ch" refForName="bullet4d"/>
+                    <dgm:constr type="w" for="ch" forName="textBox4d" refType="w" fact="0.21"/>
+                    <dgm:constr type="h" for="ch" forName="textBox4d" refType="h" fact="0.283"/>
+                    <dgm:constr type="userD" refType="h" refFor="ch" refForName="bullet4d" fact="0.53"/>
+                    <dgm:constr type="rMarg" for="ch" forName="textBox4d" refType="userD" fact="2.834"/>
+                    <dgm:constr type="primFontSz" for="ch" ptType="node" op="equ" val="65"/>
+                  </dgm:constrLst>
+                </dgm:else>
+              </dgm:choose>
+              <dgm:ruleLst/>
+              <dgm:forEach name="Name83" axis="ch" ptType="node" cnt="1">
+                <dgm:layoutNode name="bullet4a" styleLbl="node1">
+                  <dgm:alg type="sp"/>
+                  <dgm:shape xmlns:r="http://schemas.openxmlformats.org/officeDocument/2006/relationships" type="ellipse" r:blip="">
+                    <dgm:adjLst/>
+                  </dgm:shape>
+                  <dgm:presOf/>
+                  <dgm:constrLst/>
+                  <dgm:ruleLst/>
+                </dgm:layoutNode>
+                <dgm:layoutNode name="textBox4a" styleLbl="revTx">
+                  <dgm:varLst>
+                    <dgm:bulletEnabled val="1"/>
+                  </dgm:varLst>
+                  <dgm:choose name="Name84">
+                    <dgm:if name="Name85" func="var" arg="dir" op="equ" val="norm">
+                      <dgm:choose name="Name86">
+                        <dgm:if name="Name87" axis="root des" ptType="all node" func="maxDepth" op="gt" val="1">
+                          <dgm:alg type="tx">
+                            <dgm:param type="txAnchorVert" val="t"/>
+                            <dgm:param type="parTxLTRAlign" val="l"/>
+                            <dgm:param type="parTxRTLAlign" val="r"/>
+                          </dgm:alg>
+                        </dgm:if>
+                        <dgm:else name="Name88">
+                          <dgm:alg type="tx">
+                            <dgm:param type="txAnchorVert" val="t"/>
+                            <dgm:param type="parTxLTRAlign" val="l"/>
+                            <dgm:param type="parTxRTLAlign" val="l"/>
+                          </dgm:alg>
+                        </dgm:else>
+                      </dgm:choose>
+                    </dgm:if>
+                    <dgm:else name="Name89">
+                      <dgm:choose name="Name90">
+                        <dgm:if name="Name91" axis="root des" ptType="all node" func="maxDepth" op="gt" val="1">
+                          <dgm:alg type="tx">
+                            <dgm:param type="txAnchorVert" val="b"/>
+                            <dgm:param type="txAnchorVertCh" val="b"/>
+                            <dgm:param type="parTxLTRAlign" val="l"/>
+                            <dgm:param type="parTxRTLAlign" val="r"/>
+                          </dgm:alg>
+                        </dgm:if>
+                        <dgm:else name="Name92">
+                          <dgm:alg type="tx">
+                            <dgm:param type="txAnchorVert" val="b"/>
+                            <dgm:param type="parTxLTRAlign" val="r"/>
+                            <dgm:param type="parTxRTLAlign" val="r"/>
+                          </dgm:alg>
+                        </dgm:else>
+                      </dgm:choose>
+                    </dgm:else>
+                  </dgm:choose>
+                  <dgm:shape xmlns:r="http://schemas.openxmlformats.org/officeDocument/2006/relationships" type="rect" r:blip="">
+                    <dgm:adjLst/>
+                  </dgm:shape>
+                  <dgm:presOf axis="desOrSelf" ptType="node"/>
+                  <dgm:choose name="Name93">
+                    <dgm:if name="Name94" func="var" arg="dir" op="equ" val="norm">
+                      <dgm:constrLst>
+                        <dgm:constr type="rMarg"/>
+                        <dgm:constr type="tMarg"/>
+                        <dgm:constr type="bMarg"/>
+                      </dgm:constrLst>
+                    </dgm:if>
+                    <dgm:else name="Name95">
+                      <dgm:constrLst>
+                        <dgm:constr type="lMarg"/>
+                        <dgm:constr type="tMarg"/>
+                        <dgm:constr type="bMarg"/>
+                      </dgm:constrLst>
+                    </dgm:else>
+                  </dgm:choose>
+                  <dgm:ruleLst>
+                    <dgm:rule type="primFontSz" val="5" fact="NaN" max="NaN"/>
+                  </dgm:ruleLst>
+                </dgm:layoutNode>
+              </dgm:forEach>
+              <dgm:forEach name="Name96" axis="ch" ptType="node" st="2" cnt="1">
+                <dgm:layoutNode name="bullet4b" styleLbl="node1">
+                  <dgm:alg type="sp"/>
+                  <dgm:shape xmlns:r="http://schemas.openxmlformats.org/officeDocument/2006/relationships" type="ellipse" r:blip="">
+                    <dgm:adjLst/>
+                  </dgm:shape>
+                  <dgm:presOf/>
+                  <dgm:constrLst/>
+                  <dgm:ruleLst/>
+                </dgm:layoutNode>
+                <dgm:layoutNode name="textBox4b" styleLbl="revTx">
+                  <dgm:varLst>
+                    <dgm:bulletEnabled val="1"/>
+                  </dgm:varLst>
+                  <dgm:choose name="Name97">
+                    <dgm:if name="Name98" func="var" arg="dir" op="equ" val="norm">
+                      <dgm:choose name="Name99">
+                        <dgm:if name="Name100" axis="root des" ptType="all node" func="maxDepth" op="gt" val="1">
+                          <dgm:alg type="tx">
+                            <dgm:param type="txAnchorVert" val="t"/>
+                            <dgm:param type="parTxLTRAlign" val="l"/>
+                            <dgm:param type="parTxRTLAlign" val="r"/>
+                          </dgm:alg>
+                        </dgm:if>
+                        <dgm:else name="Name101">
+                          <dgm:alg type="tx">
+                            <dgm:param type="txAnchorVert" val="t"/>
+                            <dgm:param type="parTxLTRAlign" val="l"/>
+                            <dgm:param type="parTxRTLAlign" val="l"/>
+                          </dgm:alg>
+                        </dgm:else>
+                      </dgm:choose>
+                    </dgm:if>
+                    <dgm:else name="Name102">
+                      <dgm:choose name="Name103">
+                        <dgm:if name="Name104" axis="root des" ptType="all node" func="maxDepth" op="gt" val="1">
+                          <dgm:alg type="tx">
+                            <dgm:param type="txAnchorVert" val="b"/>
+                            <dgm:param type="txAnchorVertCh" val="b"/>
+                            <dgm:param type="parTxLTRAlign" val="l"/>
+                            <dgm:param type="parTxRTLAlign" val="r"/>
+                          </dgm:alg>
+                        </dgm:if>
+                        <dgm:else name="Name105">
+                          <dgm:alg type="tx">
+                            <dgm:param type="txAnchorVert" val="b"/>
+                            <dgm:param type="parTxLTRAlign" val="r"/>
+                            <dgm:param type="parTxRTLAlign" val="r"/>
+                          </dgm:alg>
+                        </dgm:else>
+                      </dgm:choose>
+                    </dgm:else>
+                  </dgm:choose>
+                  <dgm:shape xmlns:r="http://schemas.openxmlformats.org/officeDocument/2006/relationships" type="rect" r:blip="">
+                    <dgm:adjLst/>
+                  </dgm:shape>
+                  <dgm:presOf axis="desOrSelf" ptType="node"/>
+                  <dgm:choose name="Name106">
+                    <dgm:if name="Name107" func="var" arg="dir" op="equ" val="norm">
+                      <dgm:constrLst>
+                        <dgm:constr type="rMarg"/>
+                        <dgm:constr type="tMarg"/>
+                        <dgm:constr type="bMarg"/>
+                      </dgm:constrLst>
+                    </dgm:if>
+                    <dgm:else name="Name108">
+                      <dgm:constrLst>
+                        <dgm:constr type="lMarg"/>
+                        <dgm:constr type="tMarg"/>
+                        <dgm:constr type="bMarg"/>
+                      </dgm:constrLst>
+                    </dgm:else>
+                  </dgm:choose>
+                  <dgm:ruleLst>
+                    <dgm:rule type="primFontSz" val="5" fact="NaN" max="NaN"/>
+                  </dgm:ruleLst>
+                </dgm:layoutNode>
+              </dgm:forEach>
+              <dgm:forEach name="Name109" axis="ch" ptType="node" st="3" cnt="1">
+                <dgm:layoutNode name="bullet4c" styleLbl="node1">
+                  <dgm:alg type="sp"/>
+                  <dgm:shape xmlns:r="http://schemas.openxmlformats.org/officeDocument/2006/relationships" type="ellipse" r:blip="">
+                    <dgm:adjLst/>
+                  </dgm:shape>
+                  <dgm:presOf/>
+                  <dgm:constrLst/>
+                  <dgm:ruleLst/>
+                </dgm:layoutNode>
+                <dgm:layoutNode name="textBox4c" styleLbl="revTx">
+                  <dgm:varLst>
+                    <dgm:bulletEnabled val="1"/>
+                  </dgm:varLst>
+                  <dgm:choose name="Name110">
+                    <dgm:if name="Name111" func="var" arg="dir" op="equ" val="norm">
+                      <dgm:choose name="Name112">
+                        <dgm:if name="Name113" axis="root des" ptType="all node" func="maxDepth" op="gt" val="1">
+                          <dgm:alg type="tx">
+                            <dgm:param type="txAnchorVert" val="t"/>
+                            <dgm:param type="parTxLTRAlign" val="l"/>
+                            <dgm:param type="parTxRTLAlign" val="r"/>
+                          </dgm:alg>
+                        </dgm:if>
+                        <dgm:else name="Name114">
+                          <dgm:alg type="tx">
+                            <dgm:param type="txAnchorVert" val="t"/>
+                            <dgm:param type="parTxLTRAlign" val="l"/>
+                            <dgm:param type="parTxRTLAlign" val="l"/>
+                          </dgm:alg>
+                        </dgm:else>
+                      </dgm:choose>
+                    </dgm:if>
+                    <dgm:else name="Name115">
+                      <dgm:choose name="Name116">
+                        <dgm:if name="Name117" axis="root des" ptType="all node" func="maxDepth" op="gt" val="1">
+                          <dgm:alg type="tx">
+                            <dgm:param type="txAnchorVert" val="b"/>
+                            <dgm:param type="txAnchorVertCh" val="b"/>
+                            <dgm:param type="parTxLTRAlign" val="l"/>
+                            <dgm:param type="parTxRTLAlign" val="r"/>
+                          </dgm:alg>
+                        </dgm:if>
+                        <dgm:else name="Name118">
+                          <dgm:alg type="tx">
+                            <dgm:param type="txAnchorVert" val="b"/>
+                            <dgm:param type="parTxLTRAlign" val="r"/>
+                            <dgm:param type="parTxRTLAlign" val="r"/>
+                          </dgm:alg>
+                        </dgm:else>
+                      </dgm:choose>
+                    </dgm:else>
+                  </dgm:choose>
+                  <dgm:shape xmlns:r="http://schemas.openxmlformats.org/officeDocument/2006/relationships" type="rect" r:blip="">
+                    <dgm:adjLst/>
+                  </dgm:shape>
+                  <dgm:presOf axis="desOrSelf" ptType="node"/>
+                  <dgm:choose name="Name119">
+                    <dgm:if name="Name120" func="var" arg="dir" op="equ" val="norm">
+                      <dgm:constrLst>
+                        <dgm:constr type="rMarg"/>
+                        <dgm:constr type="tMarg"/>
+                        <dgm:constr type="bMarg"/>
+                      </dgm:constrLst>
+                    </dgm:if>
+                    <dgm:else name="Name121">
+                      <dgm:constrLst>
+                        <dgm:constr type="lMarg"/>
+                        <dgm:constr type="tMarg"/>
+                        <dgm:constr type="bMarg"/>
+                      </dgm:constrLst>
+                    </dgm:else>
+                  </dgm:choose>
+                  <dgm:ruleLst>
+                    <dgm:rule type="primFontSz" val="5" fact="NaN" max="NaN"/>
+                  </dgm:ruleLst>
+                </dgm:layoutNode>
+              </dgm:forEach>
+              <dgm:forEach name="Name122" axis="ch" ptType="node" st="4" cnt="1">
+                <dgm:layoutNode name="bullet4d" styleLbl="node1">
+                  <dgm:alg type="sp"/>
+                  <dgm:shape xmlns:r="http://schemas.openxmlformats.org/officeDocument/2006/relationships" type="ellipse" r:blip="">
+                    <dgm:adjLst/>
+                  </dgm:shape>
+                  <dgm:presOf/>
+                  <dgm:constrLst/>
+                  <dgm:ruleLst/>
+                </dgm:layoutNode>
+                <dgm:layoutNode name="textBox4d" styleLbl="revTx">
+                  <dgm:varLst>
+                    <dgm:bulletEnabled val="1"/>
+                  </dgm:varLst>
+                  <dgm:choose name="Name123">
+                    <dgm:if name="Name124" func="var" arg="dir" op="equ" val="norm">
+                      <dgm:choose name="Name125">
+                        <dgm:if name="Name126" axis="root des" ptType="all node" func="maxDepth" op="gt" val="1">
+                          <dgm:alg type="tx">
+                            <dgm:param type="txAnchorVert" val="t"/>
+                            <dgm:param type="parTxLTRAlign" val="l"/>
+                            <dgm:param type="parTxRTLAlign" val="r"/>
+                          </dgm:alg>
+                        </dgm:if>
+                        <dgm:else name="Name127">
+                          <dgm:alg type="tx">
+                            <dgm:param type="txAnchorVert" val="t"/>
+                            <dgm:param type="parTxLTRAlign" val="l"/>
+                            <dgm:param type="parTxRTLAlign" val="l"/>
+                          </dgm:alg>
+                        </dgm:else>
+                      </dgm:choose>
+                    </dgm:if>
+                    <dgm:else name="Name128">
+                      <dgm:choose name="Name129">
+                        <dgm:if name="Name130" axis="root des" ptType="all node" func="maxDepth" op="gt" val="1">
+                          <dgm:alg type="tx">
+                            <dgm:param type="txAnchorVert" val="b"/>
+                            <dgm:param type="txAnchorVertCh" val="b"/>
+                            <dgm:param type="parTxLTRAlign" val="l"/>
+                            <dgm:param type="parTxRTLAlign" val="r"/>
+                          </dgm:alg>
+                        </dgm:if>
+                        <dgm:else name="Name131">
+                          <dgm:alg type="tx">
+                            <dgm:param type="txAnchorVert" val="b"/>
+                            <dgm:param type="parTxLTRAlign" val="r"/>
+                            <dgm:param type="parTxRTLAlign" val="r"/>
+                          </dgm:alg>
+                        </dgm:else>
+                      </dgm:choose>
+                    </dgm:else>
+                  </dgm:choose>
+                  <dgm:shape xmlns:r="http://schemas.openxmlformats.org/officeDocument/2006/relationships" type="rect" r:blip="">
+                    <dgm:adjLst/>
+                  </dgm:shape>
+                  <dgm:presOf axis="desOrSelf" ptType="node"/>
+                  <dgm:choose name="Name132">
+                    <dgm:if name="Name133" func="var" arg="dir" op="equ" val="norm">
+                      <dgm:constrLst>
+                        <dgm:constr type="rMarg"/>
+                        <dgm:constr type="tMarg"/>
+                        <dgm:constr type="bMarg"/>
+                      </dgm:constrLst>
+                    </dgm:if>
+                    <dgm:else name="Name134">
+                      <dgm:constrLst>
+                        <dgm:constr type="lMarg"/>
+                        <dgm:constr type="tMarg"/>
+                        <dgm:constr type="bMarg"/>
+                      </dgm:constrLst>
+                    </dgm:else>
+                  </dgm:choose>
+                  <dgm:ruleLst>
+                    <dgm:rule type="primFontSz" val="5" fact="NaN" max="NaN"/>
+                  </dgm:ruleLst>
+                </dgm:layoutNode>
+              </dgm:forEach>
+            </dgm:layoutNode>
+          </dgm:if>
+          <dgm:else name="Name135">
+            <dgm:layoutNode name="arrowDiagram5">
+              <dgm:alg type="composite">
+                <dgm:param type="vertAlign" val="none"/>
+                <dgm:param type="horzAlign" val="none"/>
+              </dgm:alg>
+              <dgm:shape xmlns:r="http://schemas.openxmlformats.org/officeDocument/2006/relationships" r:blip="">
+                <dgm:adjLst/>
+              </dgm:shape>
+              <dgm:presOf/>
+              <dgm:choose name="Name136">
+                <dgm:if name="Name137" func="var" arg="dir" op="equ" val="norm">
+                  <dgm:constrLst>
+                    <dgm:constr type="ctrX" for="ch" forName="bullet5a" refType="w" fact="0.11"/>
+                    <dgm:constr type="ctrY" for="ch" forName="bullet5a" refType="h" fact="0.762"/>
+                    <dgm:constr type="w" for="ch" forName="bullet5a" refType="w" fact="0.023"/>
+                    <dgm:constr type="h" for="ch" forName="bullet5a" refType="w" refFor="ch" refForName="bullet5a"/>
+                    <dgm:constr type="l" for="ch" forName="textBox5a" refType="ctrX" refFor="ch" refForName="bullet5a"/>
+                    <dgm:constr type="t" for="ch" forName="textBox5a" refType="ctrY" refFor="ch" refForName="bullet5a"/>
+                    <dgm:constr type="w" for="ch" forName="textBox5a" refType="w" fact="0.131"/>
+                    <dgm:constr type="h" for="ch" forName="textBox5a" refType="h" fact="0.238"/>
+                    <dgm:constr type="userA" refType="h" refFor="ch" refForName="bullet5a" fact="0.53"/>
+                    <dgm:constr type="lMarg" for="ch" forName="textBox5a" refType="userA" fact="2.834"/>
+                    <dgm:constr type="ctrX" for="ch" forName="bullet5b" refType="w" fact="0.241"/>
+                    <dgm:constr type="ctrY" for="ch" forName="bullet5b" refType="h" fact="0.581"/>
+                    <dgm:constr type="w" for="ch" forName="bullet5b" refType="w" fact="0.036"/>
+                    <dgm:constr type="h" for="ch" forName="bullet5b" refType="w" refFor="ch" refForName="bullet5b"/>
+                    <dgm:constr type="l" for="ch" forName="textBox5b" refType="ctrX" refFor="ch" refForName="bullet5b"/>
+                    <dgm:constr type="t" for="ch" forName="textBox5b" refType="ctrY" refFor="ch" refForName="bullet5b"/>
+                    <dgm:constr type="w" for="ch" forName="textBox5b" refType="w" fact="0.166"/>
+                    <dgm:constr type="h" for="ch" forName="textBox5b" refType="h" fact="0.419"/>
+                    <dgm:constr type="userB" refType="h" refFor="ch" refForName="bullet5b" fact="0.53"/>
+                    <dgm:constr type="lMarg" for="ch" forName="textBox5b" refType="userB" fact="2.834"/>
+                    <dgm:constr type="ctrX" for="ch" forName="bullet5c" refType="w" fact="0.407"/>
+                    <dgm:constr type="ctrY" for="ch" forName="bullet5c" refType="h" fact="0.438"/>
+                    <dgm:constr type="w" for="ch" forName="bullet5c" refType="w" fact="0.048"/>
+                    <dgm:constr type="h" for="ch" forName="bullet5c" refType="w" refFor="ch" refForName="bullet5c"/>
+                    <dgm:constr type="l" for="ch" forName="textBox5c" refType="ctrX" refFor="ch" refForName="bullet5c"/>
+                    <dgm:constr type="t" for="ch" forName="textBox5c" refType="ctrY" refFor="ch" refForName="bullet5c"/>
+                    <dgm:constr type="w" for="ch" forName="textBox5c" refType="w" fact="0.193"/>
+                    <dgm:constr type="h" for="ch" forName="textBox5c" refType="h" fact="0.562"/>
+                    <dgm:constr type="userC" refType="h" refFor="ch" refForName="bullet5c" fact="0.53"/>
+                    <dgm:constr type="lMarg" for="ch" forName="textBox5c" refType="userC" fact="2.834"/>
+                    <dgm:constr type="ctrX" for="ch" forName="bullet5d" refType="w" fact="0.6"/>
+                    <dgm:constr type="ctrY" for="ch" forName="bullet5d" refType="h" fact="0.33"/>
+                    <dgm:constr type="w" for="ch" forName="bullet5d" refType="w" fact="0.062"/>
+                    <dgm:constr type="h" for="ch" forName="bullet5d" refType="w" refFor="ch" refForName="bullet5d"/>
+                    <dgm:constr type="l" for="ch" forName="textBox5d" refType="ctrX" refFor="ch" refForName="bullet5d"/>
+                    <dgm:constr type="t" for="ch" forName="textBox5d" refType="ctrY" refFor="ch" refForName="bullet5d"/>
+                    <dgm:constr type="w" for="ch" forName="textBox5d" refType="w" fact="0.2"/>
+                    <dgm:constr type="h" for="ch" forName="textBox5d" refType="h" fact="0.67"/>
+                    <dgm:constr type="userD" refType="h" refFor="ch" refForName="bullet5d" fact="0.53"/>
+                    <dgm:constr type="lMarg" for="ch" forName="textBox5d" refType="userD" fact="2.834"/>
+                    <dgm:constr type="ctrX" for="ch" forName="bullet5e" refType="w" fact="0.8"/>
+                    <dgm:constr type="ctrY" for="ch" forName="bullet5e" refType="h" fact="0.264"/>
+                    <dgm:constr type="w" for="ch" forName="bullet5e" refType="w" fact="0.079"/>
+                    <dgm:constr type="h" for="ch" forName="bullet5e" refType="w" refFor="ch" refForName="bullet5e"/>
+                    <dgm:constr type="l" for="ch" forName="textBox5e" refType="ctrX" refFor="ch" refForName="bullet5e"/>
+                    <dgm:constr type="t" for="ch" forName="textBox5e" refType="ctrY" refFor="ch" refForName="bullet5e"/>
+                    <dgm:constr type="w" for="ch" forName="textBox5e" refType="w" fact="0.2"/>
+                    <dgm:constr type="h" for="ch" forName="textBox5e" refType="h" fact="0.736"/>
+                    <dgm:constr type="userE" refType="h" refFor="ch" refForName="bullet5e" fact="0.53"/>
+                    <dgm:constr type="lMarg" for="ch" forName="textBox5e" refType="userE" fact="2.834"/>
+                    <dgm:constr type="primFontSz" for="ch" ptType="node" op="equ" val="65"/>
+                  </dgm:constrLst>
+                </dgm:if>
+                <dgm:else name="Name138">
+                  <dgm:constrLst>
+                    <dgm:constr type="ctrX" for="ch" forName="bullet5a" refType="w" fact="0.11"/>
+                    <dgm:constr type="ctrY" for="ch" forName="bullet5a" refType="h" fact="0.762"/>
+                    <dgm:constr type="w" for="ch" forName="bullet5a" refType="w" fact="0.023"/>
+                    <dgm:constr type="h" for="ch" forName="bullet5a" refType="w" refFor="ch" refForName="bullet5a"/>
+                    <dgm:constr type="r" for="ch" forName="textBox5a" refType="ctrX" refFor="ch" refForName="bullet5a"/>
+                    <dgm:constr type="b" for="ch" forName="textBox5a" refType="ctrY" refFor="ch" refForName="bullet5a"/>
+                    <dgm:constr type="w" for="ch" forName="textBox5a" refType="w" fact="0.11"/>
+                    <dgm:constr type="h" for="ch" forName="textBox5a" refType="h" fact="0.762"/>
+                    <dgm:constr type="userA" refType="h" refFor="ch" refForName="bullet5a" fact="0.53"/>
+                    <dgm:constr type="rMarg" for="ch" forName="textBox5a" refType="userA" fact="2.834"/>
+                    <dgm:constr type="ctrX" for="ch" forName="bullet5b" refType="w" fact="0.241"/>
+                    <dgm:constr type="ctrY" for="ch" forName="bullet5b" refType="h" fact="0.581"/>
+                    <dgm:constr type="w" for="ch" forName="bullet5b" refType="w" fact="0.036"/>
+                    <dgm:constr type="h" for="ch" forName="bullet5b" refType="w" refFor="ch" refForName="bullet5b"/>
+                    <dgm:constr type="r" for="ch" forName="textBox5b" refType="ctrX" refFor="ch" refForName="bullet5b"/>
+                    <dgm:constr type="b" for="ch" forName="textBox5b" refType="ctrY" refFor="ch" refForName="bullet5b"/>
+                    <dgm:constr type="w" for="ch" forName="textBox5b" refType="w" fact="0.131"/>
+                    <dgm:constr type="h" for="ch" forName="textBox5b" refType="h" fact="0.581"/>
+                    <dgm:constr type="userB" refType="h" refFor="ch" refForName="bullet5b" fact="0.53"/>
+                    <dgm:constr type="rMarg" for="ch" forName="textBox5b" refType="userB" fact="2.834"/>
+                    <dgm:constr type="ctrX" for="ch" forName="bullet5c" refType="w" fact="0.407"/>
+                    <dgm:constr type="ctrY" for="ch" forName="bullet5c" refType="h" fact="0.438"/>
+                    <dgm:constr type="w" for="ch" forName="bullet5c" refType="w" fact="0.048"/>
+                    <dgm:constr type="h" for="ch" forName="bullet5c" refType="w" refFor="ch" refForName="bullet5c"/>
+                    <dgm:constr type="r" for="ch" forName="textBox5c" refType="ctrX" refFor="ch" refForName="bullet5c"/>
+                    <dgm:constr type="b" for="ch" forName="textBox5c" refType="ctrY" refFor="ch" refForName="bullet5c"/>
+                    <dgm:constr type="w" for="ch" forName="textBox5c" refType="w" fact="0.166"/>
+                    <dgm:constr type="h" for="ch" forName="textBox5c" refType="h" fact="0.438"/>
+                    <dgm:constr type="userC" refType="h" refFor="ch" refForName="bullet5c" fact="0.53"/>
+                    <dgm:constr type="rMarg" for="ch" forName="textBox5c" refType="userC" fact="2.834"/>
+                    <dgm:constr type="ctrX" for="ch" forName="bullet5d" refType="w" fact="0.6"/>
+                    <dgm:constr type="ctrY" for="ch" forName="bullet5d" refType="h" fact="0.33"/>
+                    <dgm:constr type="w" for="ch" forName="bullet5d" refType="w" fact="0.062"/>
+                    <dgm:constr type="h" for="ch" forName="bullet5d" refType="w" refFor="ch" refForName="bullet5d"/>
+                    <dgm:constr type="r" for="ch" forName="textBox5d" refType="ctrX" refFor="ch" refForName="bullet5d"/>
+                    <dgm:constr type="b" for="ch" forName="textBox5d" refType="ctrY" refFor="ch" refForName="bullet5d"/>
+                    <dgm:constr type="w" for="ch" forName="textBox5d" refType="w" fact="0.193"/>
+                    <dgm:constr type="h" for="ch" forName="textBox5d" refType="h" fact="0.33"/>
+                    <dgm:constr type="userD" refType="h" refFor="ch" refForName="bullet5d" fact="0.53"/>
+                    <dgm:constr type="rMarg" for="ch" forName="textBox5d" refType="userD" fact="2.834"/>
+                    <dgm:constr type="ctrX" for="ch" forName="bullet5e" refType="w" fact="0.8"/>
+                    <dgm:constr type="ctrY" for="ch" forName="bullet5e" refType="h" fact="0.264"/>
+                    <dgm:constr type="w" for="ch" forName="bullet5e" refType="w" fact="0.079"/>
+                    <dgm:constr type="h" for="ch" forName="bullet5e" refType="w" refFor="ch" refForName="bullet5e"/>
+                    <dgm:constr type="r" for="ch" forName="textBox5e" refType="ctrX" refFor="ch" refForName="bullet5e"/>
+                    <dgm:constr type="b" for="ch" forName="textBox5e" refType="ctrY" refFor="ch" refForName="bullet5e"/>
+                    <dgm:constr type="w" for="ch" forName="textBox5e" refType="w" fact="0.2"/>
+                    <dgm:constr type="h" for="ch" forName="textBox5e" refType="h" fact="0.264"/>
+                    <dgm:constr type="userE" refType="h" refFor="ch" refForName="bullet5e" fact="0.53"/>
+                    <dgm:constr type="rMarg" for="ch" forName="textBox5e" refType="userE" fact="2.834"/>
+                    <dgm:constr type="primFontSz" for="ch" ptType="node" op="equ" val="65"/>
+                  </dgm:constrLst>
+                </dgm:else>
+              </dgm:choose>
+              <dgm:ruleLst/>
+              <dgm:forEach name="Name139" axis="ch" ptType="node" cnt="1">
+                <dgm:layoutNode name="bullet5a" styleLbl="node1">
+                  <dgm:alg type="sp"/>
+                  <dgm:shape xmlns:r="http://schemas.openxmlformats.org/officeDocument/2006/relationships" type="ellipse" r:blip="">
+                    <dgm:adjLst/>
+                  </dgm:shape>
+                  <dgm:presOf/>
+                  <dgm:constrLst/>
+                  <dgm:ruleLst/>
+                </dgm:layoutNode>
+                <dgm:layoutNode name="textBox5a" styleLbl="revTx">
+                  <dgm:varLst>
+                    <dgm:bulletEnabled val="1"/>
+                  </dgm:varLst>
+                  <dgm:choose name="Name140">
+                    <dgm:if name="Name141" func="var" arg="dir" op="equ" val="norm">
+                      <dgm:choose name="Name142">
+                        <dgm:if name="Name143" axis="root des" ptType="all node" func="maxDepth" op="gt" val="1">
+                          <dgm:alg type="tx">
+                            <dgm:param type="txAnchorVert" val="t"/>
+                            <dgm:param type="parTxLTRAlign" val="l"/>
+                            <dgm:param type="parTxRTLAlign" val="r"/>
+                          </dgm:alg>
+                        </dgm:if>
+                        <dgm:else name="Name144">
+                          <dgm:alg type="tx">
+                            <dgm:param type="txAnchorVert" val="t"/>
+                            <dgm:param type="parTxLTRAlign" val="l"/>
+                            <dgm:param type="parTxRTLAlign" val="l"/>
+                          </dgm:alg>
+                        </dgm:else>
+                      </dgm:choose>
+                    </dgm:if>
+                    <dgm:else name="Name145">
+                      <dgm:choose name="Name146">
+                        <dgm:if name="Name147" axis="root des" ptType="all node" func="maxDepth" op="gt" val="1">
+                          <dgm:alg type="tx">
+                            <dgm:param type="txAnchorVert" val="b"/>
+                            <dgm:param type="txAnchorVertCh" val="b"/>
+                            <dgm:param type="parTxLTRAlign" val="l"/>
+                            <dgm:param type="parTxRTLAlign" val="r"/>
+                          </dgm:alg>
+                        </dgm:if>
+                        <dgm:else name="Name148">
+                          <dgm:alg type="tx">
+                            <dgm:param type="txAnchorVert" val="b"/>
+                            <dgm:param type="parTxLTRAlign" val="r"/>
+                            <dgm:param type="parTxRTLAlign" val="r"/>
+                          </dgm:alg>
+                        </dgm:else>
+                      </dgm:choose>
+                    </dgm:else>
+                  </dgm:choose>
+                  <dgm:shape xmlns:r="http://schemas.openxmlformats.org/officeDocument/2006/relationships" type="rect" r:blip="">
+                    <dgm:adjLst/>
+                  </dgm:shape>
+                  <dgm:presOf axis="desOrSelf" ptType="node"/>
+                  <dgm:choose name="Name149">
+                    <dgm:if name="Name150" func="var" arg="dir" op="equ" val="norm">
+                      <dgm:constrLst>
+                        <dgm:constr type="rMarg"/>
+                        <dgm:constr type="tMarg"/>
+                        <dgm:constr type="bMarg"/>
+                      </dgm:constrLst>
+                    </dgm:if>
+                    <dgm:else name="Name151">
+                      <dgm:constrLst>
+                        <dgm:constr type="lMarg"/>
+                        <dgm:constr type="tMarg"/>
+                        <dgm:constr type="bMarg"/>
+                      </dgm:constrLst>
+                    </dgm:else>
+                  </dgm:choose>
+                  <dgm:ruleLst>
+                    <dgm:rule type="primFontSz" val="5" fact="NaN" max="NaN"/>
+                  </dgm:ruleLst>
+                </dgm:layoutNode>
+              </dgm:forEach>
+              <dgm:forEach name="Name152" axis="ch" ptType="node" st="2" cnt="1">
+                <dgm:layoutNode name="bullet5b" styleLbl="node1">
+                  <dgm:alg type="sp"/>
+                  <dgm:shape xmlns:r="http://schemas.openxmlformats.org/officeDocument/2006/relationships" type="ellipse" r:blip="">
+                    <dgm:adjLst/>
+                  </dgm:shape>
+                  <dgm:presOf/>
+                  <dgm:constrLst/>
+                  <dgm:ruleLst/>
+                </dgm:layoutNode>
+                <dgm:layoutNode name="textBox5b" styleLbl="revTx">
+                  <dgm:varLst>
+                    <dgm:bulletEnabled val="1"/>
+                  </dgm:varLst>
+                  <dgm:choose name="Name153">
+                    <dgm:if name="Name154" func="var" arg="dir" op="equ" val="norm">
+                      <dgm:choose name="Name155">
+                        <dgm:if name="Name156" axis="root des" ptType="all node" func="maxDepth" op="gt" val="1">
+                          <dgm:alg type="tx">
+                            <dgm:param type="txAnchorVert" val="t"/>
+                            <dgm:param type="parTxLTRAlign" val="l"/>
+                            <dgm:param type="parTxRTLAlign" val="r"/>
+                          </dgm:alg>
+                        </dgm:if>
+                        <dgm:else name="Name157">
+                          <dgm:alg type="tx">
+                            <dgm:param type="txAnchorVert" val="t"/>
+                            <dgm:param type="parTxLTRAlign" val="l"/>
+                            <dgm:param type="parTxRTLAlign" val="l"/>
+                          </dgm:alg>
+                        </dgm:else>
+                      </dgm:choose>
+                    </dgm:if>
+                    <dgm:else name="Name158">
+                      <dgm:choose name="Name159">
+                        <dgm:if name="Name160" axis="root des" ptType="all node" func="maxDepth" op="gt" val="1">
+                          <dgm:alg type="tx">
+                            <dgm:param type="txAnchorVert" val="b"/>
+                            <dgm:param type="txAnchorVertCh" val="b"/>
+                            <dgm:param type="parTxLTRAlign" val="l"/>
+                            <dgm:param type="parTxRTLAlign" val="r"/>
+                          </dgm:alg>
+                        </dgm:if>
+                        <dgm:else name="Name161">
+                          <dgm:alg type="tx">
+                            <dgm:param type="txAnchorVert" val="b"/>
+                            <dgm:param type="parTxLTRAlign" val="r"/>
+                            <dgm:param type="parTxRTLAlign" val="r"/>
+                          </dgm:alg>
+                        </dgm:else>
+                      </dgm:choose>
+                    </dgm:else>
+                  </dgm:choose>
+                  <dgm:shape xmlns:r="http://schemas.openxmlformats.org/officeDocument/2006/relationships" type="rect" r:blip="">
+                    <dgm:adjLst/>
+                  </dgm:shape>
+                  <dgm:presOf axis="desOrSelf" ptType="node"/>
+                  <dgm:choose name="Name162">
+                    <dgm:if name="Name163" func="var" arg="dir" op="equ" val="norm">
+                      <dgm:constrLst>
+                        <dgm:constr type="rMarg"/>
+                        <dgm:constr type="tMarg"/>
+                        <dgm:constr type="bMarg"/>
+                      </dgm:constrLst>
+                    </dgm:if>
+                    <dgm:else name="Name164">
+                      <dgm:constrLst>
+                        <dgm:constr type="lMarg"/>
+                        <dgm:constr type="tMarg"/>
+                        <dgm:constr type="bMarg"/>
+                      </dgm:constrLst>
+                    </dgm:else>
+                  </dgm:choose>
+                  <dgm:ruleLst>
+                    <dgm:rule type="primFontSz" val="5" fact="NaN" max="NaN"/>
+                  </dgm:ruleLst>
+                </dgm:layoutNode>
+              </dgm:forEach>
+              <dgm:forEach name="Name165" axis="ch" ptType="node" st="3" cnt="1">
+                <dgm:layoutNode name="bullet5c" styleLbl="node1">
+                  <dgm:alg type="sp"/>
+                  <dgm:shape xmlns:r="http://schemas.openxmlformats.org/officeDocument/2006/relationships" type="ellipse" r:blip="">
+                    <dgm:adjLst/>
+                  </dgm:shape>
+                  <dgm:presOf/>
+                  <dgm:constrLst/>
+                  <dgm:ruleLst/>
+                </dgm:layoutNode>
+                <dgm:layoutNode name="textBox5c" styleLbl="revTx">
+                  <dgm:varLst>
+                    <dgm:bulletEnabled val="1"/>
+                  </dgm:varLst>
+                  <dgm:choose name="Name166">
+                    <dgm:if name="Name167" func="var" arg="dir" op="equ" val="norm">
+                      <dgm:choose name="Name168">
+                        <dgm:if name="Name169" axis="root des" ptType="all node" func="maxDepth" op="gt" val="1">
+                          <dgm:alg type="tx">
+                            <dgm:param type="txAnchorVert" val="t"/>
+                            <dgm:param type="parTxLTRAlign" val="l"/>
+                            <dgm:param type="parTxRTLAlign" val="r"/>
+                          </dgm:alg>
+                        </dgm:if>
+                        <dgm:else name="Name170">
+                          <dgm:alg type="tx">
+                            <dgm:param type="txAnchorVert" val="t"/>
+                            <dgm:param type="parTxLTRAlign" val="l"/>
+                            <dgm:param type="parTxRTLAlign" val="l"/>
+                          </dgm:alg>
+                        </dgm:else>
+                      </dgm:choose>
+                    </dgm:if>
+                    <dgm:else name="Name171">
+                      <dgm:choose name="Name172">
+                        <dgm:if name="Name173" axis="root des" ptType="all node" func="maxDepth" op="gt" val="1">
+                          <dgm:alg type="tx">
+                            <dgm:param type="txAnchorVert" val="b"/>
+                            <dgm:param type="txAnchorVertCh" val="b"/>
+                            <dgm:param type="parTxLTRAlign" val="l"/>
+                            <dgm:param type="parTxRTLAlign" val="r"/>
+                          </dgm:alg>
+                        </dgm:if>
+                        <dgm:else name="Name174">
+                          <dgm:alg type="tx">
+                            <dgm:param type="txAnchorVert" val="b"/>
+                            <dgm:param type="parTxLTRAlign" val="r"/>
+                            <dgm:param type="parTxRTLAlign" val="r"/>
+                          </dgm:alg>
+                        </dgm:else>
+                      </dgm:choose>
+                    </dgm:else>
+                  </dgm:choose>
+                  <dgm:shape xmlns:r="http://schemas.openxmlformats.org/officeDocument/2006/relationships" type="rect" r:blip="">
+                    <dgm:adjLst/>
+                  </dgm:shape>
+                  <dgm:presOf axis="desOrSelf" ptType="node"/>
+                  <dgm:choose name="Name175">
+                    <dgm:if name="Name176" func="var" arg="dir" op="equ" val="norm">
+                      <dgm:constrLst>
+                        <dgm:constr type="rMarg"/>
+                        <dgm:constr type="tMarg"/>
+                        <dgm:constr type="bMarg"/>
+                      </dgm:constrLst>
+                    </dgm:if>
+                    <dgm:else name="Name177">
+                      <dgm:constrLst>
+                        <dgm:constr type="lMarg"/>
+                        <dgm:constr type="tMarg"/>
+                        <dgm:constr type="bMarg"/>
+                      </dgm:constrLst>
+                    </dgm:else>
+                  </dgm:choose>
+                  <dgm:ruleLst>
+                    <dgm:rule type="primFontSz" val="5" fact="NaN" max="NaN"/>
+                  </dgm:ruleLst>
+                </dgm:layoutNode>
+              </dgm:forEach>
+              <dgm:forEach name="Name178" axis="ch" ptType="node" st="4" cnt="1">
+                <dgm:layoutNode name="bullet5d" styleLbl="node1">
+                  <dgm:alg type="sp"/>
+                  <dgm:shape xmlns:r="http://schemas.openxmlformats.org/officeDocument/2006/relationships" type="ellipse" r:blip="">
+                    <dgm:adjLst/>
+                  </dgm:shape>
+                  <dgm:presOf/>
+                  <dgm:constrLst/>
+                  <dgm:ruleLst/>
+                </dgm:layoutNode>
+                <dgm:layoutNode name="textBox5d" styleLbl="revTx">
+                  <dgm:varLst>
+                    <dgm:bulletEnabled val="1"/>
+                  </dgm:varLst>
+                  <dgm:choose name="Name179">
+                    <dgm:if name="Name180" func="var" arg="dir" op="equ" val="norm">
+                      <dgm:choose name="Name181">
+                        <dgm:if name="Name182" axis="root des" ptType="all node" func="maxDepth" op="gt" val="1">
+                          <dgm:alg type="tx">
+                            <dgm:param type="txAnchorVert" val="t"/>
+                            <dgm:param type="parTxLTRAlign" val="l"/>
+                            <dgm:param type="parTxRTLAlign" val="r"/>
+                          </dgm:alg>
+                        </dgm:if>
+                        <dgm:else name="Name183">
+                          <dgm:alg type="tx">
+                            <dgm:param type="txAnchorVert" val="t"/>
+                            <dgm:param type="parTxLTRAlign" val="l"/>
+                            <dgm:param type="parTxRTLAlign" val="l"/>
+                          </dgm:alg>
+                        </dgm:else>
+                      </dgm:choose>
+                    </dgm:if>
+                    <dgm:else name="Name184">
+                      <dgm:choose name="Name185">
+                        <dgm:if name="Name186" axis="root des" ptType="all node" func="maxDepth" op="gt" val="1">
+                          <dgm:alg type="tx">
+                            <dgm:param type="txAnchorVert" val="b"/>
+                            <dgm:param type="txAnchorVertCh" val="b"/>
+                            <dgm:param type="parTxLTRAlign" val="l"/>
+                            <dgm:param type="parTxRTLAlign" val="r"/>
+                          </dgm:alg>
+                        </dgm:if>
+                        <dgm:else name="Name187">
+                          <dgm:alg type="tx">
+                            <dgm:param type="txAnchorVert" val="b"/>
+                            <dgm:param type="parTxLTRAlign" val="r"/>
+                            <dgm:param type="parTxRTLAlign" val="r"/>
+                          </dgm:alg>
+                        </dgm:else>
+                      </dgm:choose>
+                    </dgm:else>
+                  </dgm:choose>
+                  <dgm:shape xmlns:r="http://schemas.openxmlformats.org/officeDocument/2006/relationships" type="rect" r:blip="">
+                    <dgm:adjLst/>
+                  </dgm:shape>
+                  <dgm:presOf axis="desOrSelf" ptType="node"/>
+                  <dgm:choose name="Name188">
+                    <dgm:if name="Name189" func="var" arg="dir" op="equ" val="norm">
+                      <dgm:constrLst>
+                        <dgm:constr type="rMarg"/>
+                        <dgm:constr type="tMarg"/>
+                        <dgm:constr type="bMarg"/>
+                      </dgm:constrLst>
+                    </dgm:if>
+                    <dgm:else name="Name190">
+                      <dgm:constrLst>
+                        <dgm:constr type="lMarg"/>
+                        <dgm:constr type="tMarg"/>
+                        <dgm:constr type="bMarg"/>
+                      </dgm:constrLst>
+                    </dgm:else>
+                  </dgm:choose>
+                  <dgm:ruleLst>
+                    <dgm:rule type="primFontSz" val="5" fact="NaN" max="NaN"/>
+                  </dgm:ruleLst>
+                </dgm:layoutNode>
+              </dgm:forEach>
+              <dgm:forEach name="Name191" axis="ch" ptType="node" st="5" cnt="1">
+                <dgm:layoutNode name="bullet5e" styleLbl="node1">
+                  <dgm:alg type="sp"/>
+                  <dgm:shape xmlns:r="http://schemas.openxmlformats.org/officeDocument/2006/relationships" type="ellipse" r:blip="">
+                    <dgm:adjLst/>
+                  </dgm:shape>
+                  <dgm:presOf/>
+                  <dgm:constrLst/>
+                  <dgm:ruleLst/>
+                </dgm:layoutNode>
+                <dgm:layoutNode name="textBox5e" styleLbl="revTx">
+                  <dgm:varLst>
+                    <dgm:bulletEnabled val="1"/>
+                  </dgm:varLst>
+                  <dgm:choose name="Name192">
+                    <dgm:if name="Name193" func="var" arg="dir" op="equ" val="norm">
+                      <dgm:choose name="Name194">
+                        <dgm:if name="Name195" axis="root des" ptType="all node" func="maxDepth" op="gt" val="1">
+                          <dgm:alg type="tx">
+                            <dgm:param type="txAnchorVert" val="t"/>
+                            <dgm:param type="parTxLTRAlign" val="l"/>
+                            <dgm:param type="parTxRTLAlign" val="r"/>
+                          </dgm:alg>
+                        </dgm:if>
+                        <dgm:else name="Name196">
+                          <dgm:alg type="tx">
+                            <dgm:param type="txAnchorVert" val="t"/>
+                            <dgm:param type="parTxLTRAlign" val="l"/>
+                            <dgm:param type="parTxRTLAlign" val="l"/>
+                          </dgm:alg>
+                        </dgm:else>
+                      </dgm:choose>
+                    </dgm:if>
+                    <dgm:else name="Name197">
+                      <dgm:choose name="Name198">
+                        <dgm:if name="Name199" axis="root des" ptType="all node" func="maxDepth" op="gt" val="1">
+                          <dgm:alg type="tx">
+                            <dgm:param type="txAnchorVert" val="b"/>
+                            <dgm:param type="txAnchorVertCh" val="b"/>
+                            <dgm:param type="parTxLTRAlign" val="l"/>
+                            <dgm:param type="parTxRTLAlign" val="r"/>
+                          </dgm:alg>
+                        </dgm:if>
+                        <dgm:else name="Name200">
+                          <dgm:alg type="tx">
+                            <dgm:param type="txAnchorVert" val="b"/>
+                            <dgm:param type="parTxLTRAlign" val="r"/>
+                            <dgm:param type="parTxRTLAlign" val="r"/>
+                          </dgm:alg>
+                        </dgm:else>
+                      </dgm:choose>
+                    </dgm:else>
+                  </dgm:choose>
+                  <dgm:shape xmlns:r="http://schemas.openxmlformats.org/officeDocument/2006/relationships" type="rect" r:blip="">
+                    <dgm:adjLst/>
+                  </dgm:shape>
+                  <dgm:presOf axis="desOrSelf" ptType="node"/>
+                  <dgm:choose name="Name201">
+                    <dgm:if name="Name202" func="var" arg="dir" op="equ" val="norm">
+                      <dgm:constrLst>
+                        <dgm:constr type="rMarg"/>
+                        <dgm:constr type="tMarg"/>
+                        <dgm:constr type="bMarg"/>
+                      </dgm:constrLst>
+                    </dgm:if>
+                    <dgm:else name="Name203">
+                      <dgm:constrLst>
+                        <dgm:constr type="lMarg"/>
+                        <dgm:constr type="tMarg"/>
+                        <dgm:constr type="bMarg"/>
+                      </dgm:constrLst>
+                    </dgm:else>
+                  </dgm:choose>
+                  <dgm:ruleLst>
+                    <dgm:rule type="primFontSz" val="5" fact="NaN" max="NaN"/>
+                  </dgm:ruleLst>
+                </dgm:layoutNode>
+              </dgm:forEach>
+            </dgm:layoutNode>
+          </dgm:else>
+        </dgm:choose>
+      </dgm:if>
+      <dgm:else name="Name204"/>
+    </dgm:choose>
+  </dgm:layoutNode>
+</dgm:layoutDef>
+</file>
+
+<file path=ppt/diagrams/quickStyle1.xml><?xml version="1.0" encoding="utf-8"?>
+<dgm:styleDef xmlns:dgm="http://schemas.openxmlformats.org/drawingml/2006/diagram" xmlns:a="http://schemas.openxmlformats.org/drawingml/2006/main" uniqueId="urn:microsoft.com/office/officeart/2005/8/quickstyle/simple2">
+  <dgm:title val=""/>
+  <dgm:desc val=""/>
+  <dgm:catLst>
+    <dgm:cat type="simple" pri="10200"/>
+  </dgm:catLst>
+  <dgm:scene3d>
+    <a:camera prst="orthographicFront"/>
+    <a:lightRig rig="threePt" dir="t"/>
+  </dgm:scene3d>
+  <dgm:styleLbl name="node0">
+    <dgm:scene3d>
+      <a:camera prst="orthographicFront"/>
+      <a:lightRig rig="threePt" dir="t"/>
+    </dgm:scene3d>
+    <dgm:sp3d/>
+    <dgm:txPr/>
+    <dgm:style>
+      <a:lnRef idx="3">
+        <a:scrgbClr r="0" g="0" b="0"/>
+      </a:lnRef>
+      <a:fillRef idx="1">
+        <a:scrgbClr r="0" g="0" b="0"/>
+      </a:fillRef>
+      <a:effectRef idx="1">
+        <a:scrgbClr r="0" g="0" b="0"/>
+      </a:effectRef>
+      <a:fontRef idx="minor">
+        <a:schemeClr val="lt1"/>
+      </a:fontRef>
+    </dgm:style>
+  </dgm:styleLbl>
+  <dgm:styleLbl name="lnNode1">
+    <dgm:scene3d>
+      <a:camera prst="orthographicFront"/>
+      <a:lightRig rig="threePt" dir="t"/>
+    </dgm:scene3d>
+    <dgm:sp3d/>
+    <dgm:txPr/>
+    <dgm:style>
+      <a:lnRef idx="3">
+        <a:scrgbClr r="0" g="0" b="0"/>
+      </a:lnRef>
+      <a:fillRef idx="1">
+        <a:scrgbClr r="0" g="0" b="0"/>
+      </a:fillRef>
+      <a:effectRef idx="1">
+        <a:scrgbClr r="0" g="0" b="0"/>
+      </a:effectRef>
+      <a:fontRef idx="minor">
+        <a:schemeClr val="lt1"/>
+      </a:fontRef>
+    </dgm:style>
+  </dgm:styleLbl>
+  <dgm:styleLbl name="vennNode1">
+    <dgm:scene3d>
+      <a:camera prst="orthographicFront"/>
+      <a:lightRig rig="threePt" dir="t"/>
+    </dgm:scene3d>
+    <dgm:sp3d/>
+    <dgm:txPr/>
+    <dgm:style>
+      <a:lnRef idx="3">
+        <a:scrgbClr r="0" g="0" b="0"/>
+      </a:lnRef>
+      <a:fillRef idx="1">
+        <a:scrgbClr r="0" g="0" b="0"/>
+      </a:fillRef>
+      <a:effectRef idx="0">
+        <a:scrgbClr r="0" g="0" b="0"/>
+      </a:effectRef>
+      <a:fontRef idx="minor">
+        <a:schemeClr val="tx1"/>
+      </a:fontRef>
+    </dgm:style>
+  </dgm:styleLbl>
+  <dgm:styleLbl name="alignNode1">
+    <dgm:scene3d>
+      <a:camera prst="orthographicFront"/>
+      <a:lightRig rig="threePt" dir="t"/>
+    </dgm:scene3d>
+    <dgm:sp3d/>
+    <dgm:txPr/>
+    <dgm:style>
+      <a:lnRef idx="2">
+        <a:scrgbClr r="0" g="0" b="0"/>
+      </a:lnRef>
+      <a:fillRef idx="1">
+        <a:scrgbClr r="0" g="0" b="0"/>
+      </a:fillRef>
+      <a:effectRef idx="1">
+        <a:scrgbClr r="0" g="0" b="0"/>
+      </a:effectRef>
+      <a:fontRef idx="minor">
+        <a:schemeClr val="lt1"/>
+      </a:fontRef>
+    </dgm:style>
+  </dgm:styleLbl>
+  <dgm:styleLbl name="node1">
+    <dgm:scene3d>
+      <a:camera prst="orthographicFront"/>
+      <a:lightRig rig="threePt" dir="t"/>
+    </dgm:scene3d>
+    <dgm:sp3d/>
+    <dgm:txPr/>
+    <dgm:style>
+      <a:lnRef idx="3">
+        <a:scrgbClr r="0" g="0" b="0"/>
+      </a:lnRef>
+      <a:fillRef idx="1">
+        <a:scrgbClr r="0" g="0" b="0"/>
+      </a:fillRef>
+      <a:effectRef idx="1">
+        <a:scrgbClr r="0" g="0" b="0"/>
+      </a:effectRef>
+      <a:fontRef idx="minor">
+        <a:schemeClr val="lt1"/>
+      </a:fontRef>
+    </dgm:style>
+  </dgm:styleLbl>
+  <dgm:styleLbl name="node2">
+    <dgm:scene3d>
+      <a:camera prst="orthographicFront"/>
+      <a:lightRig rig="threePt" dir="t"/>
+    </dgm:scene3d>
+    <dgm:sp3d/>
+    <dgm:txPr/>
+    <dgm:style>
+      <a:lnRef idx="3">
+        <a:scrgbClr r="0" g="0" b="0"/>
+      </a:lnRef>
+      <a:fillRef idx="1">
+        <a:scrgbClr r="0" g="0" b="0"/>
+      </a:fillRef>
+      <a:effectRef idx="1">
+        <a:scrgbClr r="0" g="0" b="0"/>
+      </a:effectRef>
+      <a:fontRef idx="minor">
+        <a:schemeClr val="lt1"/>
+      </a:fontRef>
+    </dgm:style>
+  </dgm:styleLbl>
+  <dgm:styleLbl name="node3">
+    <dgm:scene3d>
+      <a:camera prst="orthographicFront"/>
+      <a:lightRig rig="threePt" dir="t"/>
+    </dgm:scene3d>
+    <dgm:sp3d/>
+    <dgm:txPr/>
+    <dgm:style>
+      <a:lnRef idx="3">
+        <a:scrgbClr r="0" g="0" b="0"/>
+      </a:lnRef>
+      <a:fillRef idx="1">
+        <a:scrgbClr r="0" g="0" b="0"/>
+      </a:fillRef>
+      <a:effectRef idx="1">
+        <a:scrgbClr r="0" g="0" b="0"/>
+      </a:effectRef>
+      <a:fontRef idx="minor">
+        <a:schemeClr val="lt1"/>
+      </a:fontRef>
+    </dgm:style>
+  </dgm:styleLbl>
+  <dgm:styleLbl name="node4">
+    <dgm:scene3d>
+      <a:camera prst="orthographicFront"/>
+      <a:lightRig rig="threePt" dir="t"/>
+    </dgm:scene3d>
+    <dgm:sp3d/>
+    <dgm:txPr/>
+    <dgm:style>
+      <a:lnRef idx="3">
+        <a:scrgbClr r="0" g="0" b="0"/>
+      </a:lnRef>
+      <a:fillRef idx="1">
+        <a:scrgbClr r="0" g="0" b="0"/>
+      </a:fillRef>
+      <a:effectRef idx="1">
+        <a:scrgbClr r="0" g="0" b="0"/>
+      </a:effectRef>
+      <a:fontRef idx="minor">
+        <a:schemeClr val="lt1"/>
+      </a:fontRef>
+    </dgm:style>
+  </dgm:styleLbl>
+  <dgm:styleLbl name="fgImgPlace1">
+    <dgm:scene3d>
+      <a:camera prst="orthographicFront"/>
+      <a:lightRig rig="threePt" dir="t"/>
+    </dgm:scene3d>
+    <dgm:sp3d/>
+    <dgm:txPr/>
+    <dgm:style>
+      <a:lnRef idx="3">
+        <a:scrgbClr r="0" g="0" b="0"/>
+      </a:lnRef>
+      <a:fillRef idx="1">
+        <a:scrgbClr r="0" g="0" b="0"/>
+      </a:fillRef>
+      <a:effectRef idx="1">
+        <a:scrgbClr r="0" g="0" b="0"/>
+      </a:effectRef>
+      <a:fontRef idx="minor"/>
+    </dgm:style>
+  </dgm:styleLbl>
+  <dgm:styleLbl name="alignImgPlace1">
+    <dgm:scene3d>
+      <a:camera prst="orthographicFront"/>
+      <a:lightRig rig="threePt" dir="t"/>
+    </dgm:scene3d>
+    <dgm:sp3d/>
+    <dgm:txPr/>
+    <dgm:style>
+      <a:lnRef idx="3">
+        <a:scrgbClr r="0" g="0" b="0"/>
+      </a:lnRef>
+      <a:fillRef idx="1">
+        <a:scrgbClr r="0" g="0" b="0"/>
+      </a:fillRef>
+      <a:effectRef idx="1">
+        <a:scrgbClr r="0" g="0" b="0"/>
+      </a:effectRef>
+      <a:fontRef idx="minor"/>
+    </dgm:style>
+  </dgm:styleLbl>
+  <dgm:styleLbl name="bgImgPlace1">
+    <dgm:scene3d>
+      <a:camera prst="orthographicFront"/>
+      <a:lightRig rig="threePt" dir="t"/>
+    </dgm:scene3d>
+    <dgm:sp3d/>
+    <dgm:txPr/>
+    <dgm:style>
+      <a:lnRef idx="3">
+        <a:scrgbClr r="0" g="0" b="0"/>
+      </a:lnRef>
+      <a:fillRef idx="1">
+        <a:scrgbClr r="0" g="0" b="0"/>
+      </a:fillRef>
+      <a:effectRef idx="1">
+        <a:scrgbClr r="0" g="0" b="0"/>
+      </a:effectRef>
+      <a:fontRef idx="minor"/>
+    </dgm:style>
+  </dgm:styleLbl>
+  <dgm:styleLbl name="sibTrans2D1">
+    <dgm:scene3d>
+      <a:camera prst="orthographicFront"/>
+      <a:lightRig rig="threePt" dir="t"/>
+    </dgm:scene3d>
+    <dgm:sp3d/>
+    <dgm:txPr/>
+    <dgm:style>
+      <a:lnRef idx="0">
+        <a:scrgbClr r="0" g="0" b="0"/>
+      </a:lnRef>
+      <a:fillRef idx="1">
+        <a:scrgbClr r="0" g="0" b="0"/>
+      </a:fillRef>
+      <a:effectRef idx="1">
+        <a:scrgbClr r="0" g="0" b="0"/>
+      </a:effectRef>
+      <a:fontRef idx="minor">
+        <a:schemeClr val="lt1"/>
+      </a:fontRef>
+    </dgm:style>
+  </dgm:styleLbl>
+  <dgm:styleLbl name="fgSibTrans2D1">
+    <dgm:scene3d>
+      <a:camera prst="orthographicFront"/>
+      <a:lightRig rig="threePt" dir="t"/>
+    </dgm:scene3d>
+    <dgm:sp3d/>
+    <dgm:txPr/>
+    <dgm:style>
+      <a:lnRef idx="0">
+        <a:scrgbClr r="0" g="0" b="0"/>
+      </a:lnRef>
+      <a:fillRef idx="1">
+        <a:scrgbClr r="0" g="0" b="0"/>
+      </a:fillRef>
+      <a:effectRef idx="1">
+        <a:scrgbClr r="0" g="0" b="0"/>
+      </a:effectRef>
+      <a:fontRef idx="minor">
+        <a:schemeClr val="lt1"/>
+      </a:fontRef>
+    </dgm:style>
+  </dgm:styleLbl>
+  <dgm:styleLbl name="bgSibTrans2D1">
+    <dgm:scene3d>
+      <a:camera prst="orthographicFront"/>
+      <a:lightRig rig="threePt" dir="t"/>
+    </dgm:scene3d>
+    <dgm:sp3d/>
+    <dgm:txPr/>
+    <dgm:style>
+      <a:lnRef idx="0">
+        <a:scrgbClr r="0" g="0" b="0"/>
+      </a:lnRef>
+      <a:fillRef idx="1">
+        <a:scrgbClr r="0" g="0" b="0"/>
+      </a:fillRef>
+      <a:effectRef idx="1">
+        <a:scrgbClr r="0" g="0" b="0"/>
+      </a:effectRef>
+      <a:fontRef idx="minor">
+        <a:schemeClr val="lt1"/>
+      </a:fontRef>
+    </dgm:style>
+  </dgm:styleLbl>
+  <dgm:styleLbl name="sibTrans1D1">
+    <dgm:scene3d>
+      <a:camera prst="orthographicFront"/>
+      <a:lightRig rig="threePt" dir="t"/>
+    </dgm:scene3d>
+    <dgm:sp3d/>
+    <dgm:txPr/>
+    <dgm:style>
+      <a:lnRef idx="1">
+        <a:scrgbClr r="0" g="0" b="0"/>
+      </a:lnRef>
+      <a:fillRef idx="0">
+        <a:scrgbClr r="0" g="0" b="0"/>
+      </a:fillRef>
+      <a:effectRef idx="0">
+        <a:scrgbClr r="0" g="0" b="0"/>
+      </a:effectRef>
+      <a:fontRef idx="minor"/>
+    </dgm:style>
+  </dgm:styleLbl>
+  <dgm:styleLbl name="callout">
+    <dgm:scene3d>
+      <a:camera prst="orthographicFront"/>
+      <a:lightRig rig="threePt" dir="t"/>
+    </dgm:scene3d>
+    <dgm:sp3d/>
+    <dgm:txPr/>
+    <dgm:style>
+      <a:lnRef idx="2">
+        <a:scrgbClr r="0" g="0" b="0"/>
+      </a:lnRef>
+      <a:fillRef idx="1">
+        <a:scrgbClr r="0" g="0" b="0"/>
+      </a:fillRef>
+      <a:effectRef idx="1">
+        <a:scrgbClr r="0" g="0" b="0"/>
+      </a:effectRef>
+      <a:fontRef idx="minor"/>
+    </dgm:style>
+  </dgm:styleLbl>
+  <dgm:styleLbl name="asst0">
+    <dgm:scene3d>
+      <a:camera prst="orthographicFront"/>
+      <a:lightRig rig="threePt" dir="t"/>
+    </dgm:scene3d>
+    <dgm:sp3d/>
+    <dgm:txPr/>
+    <dgm:style>
+      <a:lnRef idx="3">
+        <a:scrgbClr r="0" g="0" b="0"/>
+      </a:lnRef>
+      <a:fillRef idx="1">
+        <a:scrgbClr r="0" g="0" b="0"/>
+      </a:fillRef>
+      <a:effectRef idx="1">
+        <a:scrgbClr r="0" g="0" b="0"/>
+      </a:effectRef>
+      <a:fontRef idx="minor">
+        <a:schemeClr val="lt1"/>
+      </a:fontRef>
+    </dgm:style>
+  </dgm:styleLbl>
+  <dgm:styleLbl name="asst1">
+    <dgm:scene3d>
+      <a:camera prst="orthographicFront"/>
+      <a:lightRig rig="threePt" dir="t"/>
+    </dgm:scene3d>
+    <dgm:sp3d/>
+    <dgm:txPr/>
+    <dgm:style>
+      <a:lnRef idx="3">
+        <a:scrgbClr r="0" g="0" b="0"/>
+      </a:lnRef>
+      <a:fillRef idx="1">
+        <a:scrgbClr r="0" g="0" b="0"/>
+      </a:fillRef>
+      <a:effectRef idx="1">
+        <a:scrgbClr r="0" g="0" b="0"/>
+      </a:effectRef>
+      <a:fontRef idx="minor">
+        <a:schemeClr val="lt1"/>
+      </a:fontRef>
+    </dgm:style>
+  </dgm:styleLbl>
+  <dgm:styleLbl name="asst2">
+    <dgm:scene3d>
+      <a:camera prst="orthographicFront"/>
+      <a:lightRig rig="threePt" dir="t"/>
+    </dgm:scene3d>
+    <dgm:sp3d/>
+    <dgm:txPr/>
+    <dgm:style>
+      <a:lnRef idx="3">
+        <a:scrgbClr r="0" g="0" b="0"/>
+      </a:lnRef>
+      <a:fillRef idx="1">
+        <a:scrgbClr r="0" g="0" b="0"/>
+      </a:fillRef>
+      <a:effectRef idx="1">
+        <a:scrgbClr r="0" g="0" b="0"/>
+      </a:effectRef>
+      <a:fontRef idx="minor">
+        <a:schemeClr val="lt1"/>
+      </a:fontRef>
+    </dgm:style>
+  </dgm:styleLbl>
+  <dgm:styleLbl name="asst3">
+    <dgm:scene3d>
+      <a:camera prst="orthographicFront"/>
+      <a:lightRig rig="threePt" dir="t"/>
+    </dgm:scene3d>
+    <dgm:sp3d/>
+    <dgm:txPr/>
+    <dgm:style>
+      <a:lnRef idx="3">
+        <a:scrgbClr r="0" g="0" b="0"/>
+      </a:lnRef>
+      <a:fillRef idx="1">
+        <a:scrgbClr r="0" g="0" b="0"/>
+      </a:fillRef>
+      <a:effectRef idx="1">
+        <a:scrgbClr r="0" g="0" b="0"/>
+      </a:effectRef>
+      <a:fontRef idx="minor">
+        <a:schemeClr val="lt1"/>
+      </a:fontRef>
+    </dgm:style>
+  </dgm:styleLbl>
+  <dgm:styleLbl name="asst4">
+    <dgm:scene3d>
+      <a:camera prst="orthographicFront"/>
+      <a:lightRig rig="threePt" dir="t"/>
+    </dgm:scene3d>
+    <dgm:sp3d/>
+    <dgm:txPr/>
+    <dgm:style>
+      <a:lnRef idx="3">
+        <a:scrgbClr r="0" g="0" b="0"/>
+      </a:lnRef>
+      <a:fillRef idx="1">
+        <a:scrgbClr r="0" g="0" b="0"/>
+      </a:fillRef>
+      <a:effectRef idx="1">
+        <a:scrgbClr r="0" g="0" b="0"/>
+      </a:effectRef>
+      <a:fontRef idx="minor">
+        <a:schemeClr val="lt1"/>
+      </a:fontRef>
+    </dgm:style>
+  </dgm:styleLbl>
+  <dgm:styleLbl name="parChTrans2D1">
+    <dgm:scene3d>
+      <a:camera prst="orthographicFront"/>
+      <a:lightRig rig="threePt" dir="t"/>
+    </dgm:scene3d>
+    <dgm:sp3d/>
+    <dgm:txPr/>
+    <dgm:style>
+      <a:lnRef idx="3">
+        <a:scrgbClr r="0" g="0" b="0"/>
+      </a:lnRef>
+      <a:fillRef idx="1">
+        <a:scrgbClr r="0" g="0" b="0"/>
+      </a:fillRef>
+      <a:effectRef idx="1">
+        <a:scrgbClr r="0" g="0" b="0"/>
+      </a:effectRef>
+      <a:fontRef idx="minor">
+        <a:schemeClr val="lt1"/>
+      </a:fontRef>
+    </dgm:style>
+  </dgm:styleLbl>
+  <dgm:styleLbl name="parChTrans2D2">
+    <dgm:scene3d>
+      <a:camera prst="orthographicFront"/>
+      <a:lightRig rig="threePt" dir="t"/>
+    </dgm:scene3d>
+    <dgm:sp3d/>
+    <dgm:txPr/>
+    <dgm:style>
+      <a:lnRef idx="3">
+        <a:scrgbClr r="0" g="0" b="0"/>
+      </a:lnRef>
+      <a:fillRef idx="1">
+        <a:scrgbClr r="0" g="0" b="0"/>
+      </a:fillRef>
+      <a:effectRef idx="1">
+        <a:scrgbClr r="0" g="0" b="0"/>
+      </a:effectRef>
+      <a:fontRef idx="minor">
+        <a:schemeClr val="lt1"/>
+      </a:fontRef>
+    </dgm:style>
+  </dgm:styleLbl>
+  <dgm:styleLbl name="parChTrans2D3">
+    <dgm:scene3d>
+      <a:camera prst="orthographicFront"/>
+      <a:lightRig rig="threePt" dir="t"/>
+    </dgm:scene3d>
+    <dgm:sp3d/>
+    <dgm:txPr/>
+    <dgm:style>
+      <a:lnRef idx="3">
+        <a:scrgbClr r="0" g="0" b="0"/>
+      </a:lnRef>
+      <a:fillRef idx="1">
+        <a:scrgbClr r="0" g="0" b="0"/>
+      </a:fillRef>
+      <a:effectRef idx="1">
+        <a:scrgbClr r="0" g="0" b="0"/>
+      </a:effectRef>
+      <a:fontRef idx="minor">
+        <a:schemeClr val="lt1"/>
+      </a:fontRef>
+    </dgm:style>
+  </dgm:styleLbl>
+  <dgm:styleLbl name="parChTrans2D4">
+    <dgm:scene3d>
+      <a:camera prst="orthographicFront"/>
+      <a:lightRig rig="threePt" dir="t"/>
+    </dgm:scene3d>
+    <dgm:sp3d/>
+    <dgm:txPr/>
+    <dgm:style>
+      <a:lnRef idx="3">
+        <a:scrgbClr r="0" g="0" b="0"/>
+      </a:lnRef>
+      <a:fillRef idx="1">
+        <a:scrgbClr r="0" g="0" b="0"/>
+      </a:fillRef>
+      <a:effectRef idx="1">
+        <a:scrgbClr r="0" g="0" b="0"/>
+      </a:effectRef>
+      <a:fontRef idx="minor">
+        <a:schemeClr val="lt1"/>
+      </a:fontRef>
+    </dgm:style>
+  </dgm:styleLbl>
+  <dgm:styleLbl name="parChTrans1D1">
+    <dgm:scene3d>
+      <a:camera prst="orthographicFront"/>
+      <a:lightRig rig="threePt" dir="t"/>
+    </dgm:scene3d>
+    <dgm:sp3d/>
+    <dgm:txPr/>
+    <dgm:style>
+      <a:lnRef idx="2">
+        <a:scrgbClr r="0" g="0" b="0"/>
+      </a:lnRef>
+      <a:fillRef idx="0">
+        <a:scrgbClr r="0" g="0" b="0"/>
+      </a:fillRef>
+      <a:effectRef idx="0">
+        <a:scrgbClr r="0" g="0" b="0"/>
+      </a:effectRef>
+      <a:fontRef idx="minor"/>
+    </dgm:style>
+  </dgm:styleLbl>
+  <dgm:styleLbl name="parChTrans1D2">
+    <dgm:scene3d>
+      <a:camera prst="orthographicFront"/>
+      <a:lightRig rig="threePt" dir="t"/>
+    </dgm:scene3d>
+    <dgm:sp3d/>
+    <dgm:txPr/>
+    <dgm:style>
+      <a:lnRef idx="2">
+        <a:scrgbClr r="0" g="0" b="0"/>
+      </a:lnRef>
+      <a:fillRef idx="0">
+        <a:scrgbClr r="0" g="0" b="0"/>
+      </a:fillRef>
+      <a:effectRef idx="0">
+        <a:scrgbClr r="0" g="0" b="0"/>
+      </a:effectRef>
+      <a:fontRef idx="minor"/>
+    </dgm:style>
+  </dgm:styleLbl>
+  <dgm:styleLbl name="parChTrans1D3">
+    <dgm:scene3d>
+      <a:camera prst="orthographicFront"/>
+      <a:lightRig rig="threePt" dir="t"/>
+    </dgm:scene3d>
+    <dgm:sp3d/>
+    <dgm:txPr/>
+    <dgm:style>
+      <a:lnRef idx="2">
+        <a:scrgbClr r="0" g="0" b="0"/>
+      </a:lnRef>
+      <a:fillRef idx="0">
+        <a:scrgbClr r="0" g="0" b="0"/>
+      </a:fillRef>
+      <a:effectRef idx="0">
+        <a:scrgbClr r="0" g="0" b="0"/>
+      </a:effectRef>
+      <a:fontRef idx="minor"/>
+    </dgm:style>
+  </dgm:styleLbl>
+  <dgm:styleLbl name="parChTrans1D4">
+    <dgm:scene3d>
+      <a:camera prst="orthographicFront"/>
+      <a:lightRig rig="threePt" dir="t"/>
+    </dgm:scene3d>
+    <dgm:sp3d/>
+    <dgm:txPr/>
+    <dgm:style>
+      <a:lnRef idx="2">
+        <a:scrgbClr r="0" g="0" b="0"/>
+      </a:lnRef>
+      <a:fillRef idx="0">
+        <a:scrgbClr r="0" g="0" b="0"/>
+      </a:fillRef>
+      <a:effectRef idx="0">
+        <a:scrgbClr r="0" g="0" b="0"/>
+      </a:effectRef>
+      <a:fontRef idx="minor"/>
+    </dgm:style>
+  </dgm:styleLbl>
+  <dgm:styleLbl name="fgAcc1">
+    <dgm:scene3d>
+      <a:camera prst="orthographicFront"/>
+      <a:lightRig rig="threePt" dir="t"/>
+    </dgm:scene3d>
+    <dgm:sp3d/>
+    <dgm:txPr/>
+    <dgm:style>
+      <a:lnRef idx="2">
+        <a:scrgbClr r="0" g="0" b="0"/>
+      </a:lnRef>
+      <a:fillRef idx="1">
+        <a:scrgbClr r="0" g="0" b="0"/>
+      </a:fillRef>
+      <a:effectRef idx="0">
+        <a:scrgbClr r="0" g="0" b="0"/>
+      </a:effectRef>
+      <a:fontRef idx="minor"/>
+    </dgm:style>
+  </dgm:styleLbl>
+  <dgm:styleLbl name="conFgAcc1">
+    <dgm:scene3d>
+      <a:camera prst="orthographicFront"/>
+      <a:lightRig rig="threePt" dir="t"/>
+    </dgm:scene3d>
+    <dgm:sp3d/>
+    <dgm:txPr/>
+    <dgm:style>
+      <a:lnRef idx="2">
+        <a:scrgbClr r="0" g="0" b="0"/>
+      </a:lnRef>
+      <a:fillRef idx="1">
+        <a:scrgbClr r="0" g="0" b="0"/>
+      </a:fillRef>
+      <a:effectRef idx="0">
+        <a:scrgbClr r="0" g="0" b="0"/>
+      </a:effectRef>
+      <a:fontRef idx="minor"/>
+    </dgm:style>
+  </dgm:styleLbl>
+  <dgm:styleLbl name="alignAcc1">
+    <dgm:scene3d>
+      <a:camera prst="orthographicFront"/>
+      <a:lightRig rig="threePt" dir="t"/>
+    </dgm:scene3d>
+    <dgm:sp3d/>
+    <dgm:txPr/>
+    <dgm:style>
+      <a:lnRef idx="2">
+        <a:scrgbClr r="0" g="0" b="0"/>
+      </a:lnRef>
+      <a:fillRef idx="1">
+        <a:scrgbClr r="0" g="0" b="0"/>
+      </a:fillRef>
+      <a:effectRef idx="0">
+        <a:scrgbClr r="0" g="0" b="0"/>
+      </a:effectRef>
+      <a:fontRef idx="minor"/>
+    </dgm:style>
+  </dgm:styleLbl>
+  <dgm:styleLbl name="trAlignAcc1">
+    <dgm:scene3d>
+      <a:camera prst="orthographicFront"/>
+      <a:lightRig rig="threePt" dir="t"/>
+    </dgm:scene3d>
+    <dgm:sp3d/>
+    <dgm:txPr/>
+    <dgm:style>
+      <a:lnRef idx="1">
+        <a:scrgbClr r="0" g="0" b="0"/>
+      </a:lnRef>
+      <a:fillRef idx="1">
+        <a:scrgbClr r="0" g="0" b="0"/>
+      </a:fillRef>
+      <a:effectRef idx="0">
+        <a:scrgbClr r="0" g="0" b="0"/>
+      </a:effectRef>
+      <a:fontRef idx="minor"/>
+    </dgm:style>
+  </dgm:styleLbl>
+  <dgm:styleLbl name="bgAcc1">
+    <dgm:scene3d>
+      <a:camera prst="orthographicFront"/>
+      <a:lightRig rig="threePt" dir="t"/>
+    </dgm:scene3d>
+    <dgm:sp3d/>
+    <dgm:txPr/>
+    <dgm:style>
+      <a:lnRef idx="2">
+        <a:scrgbClr r="0" g="0" b="0"/>
+      </a:lnRef>
+      <a:fillRef idx="1">
+        <a:scrgbClr r="0" g="0" b="0"/>
+      </a:fillRef>
+      <a:effectRef idx="0">
+        <a:scrgbClr r="0" g="0" b="0"/>
+      </a:effectRef>
+      <a:fontRef idx="minor"/>
+    </dgm:style>
+  </dgm:styleLbl>
+  <dgm:styleLbl name="solidFgAcc1">
+    <dgm:scene3d>
+      <a:camera prst="orthographicFront"/>
+      <a:lightRig rig="threePt" dir="t"/>
+    </dgm:scene3d>
+    <dgm:sp3d/>
+    <dgm:txPr/>
+    <dgm:style>
+      <a:lnRef idx="2">
+        <a:scrgbClr r="0" g="0" b="0"/>
+      </a:lnRef>
+      <a:fillRef idx="1">
+        <a:scrgbClr r="0" g="0" b="0"/>
+      </a:fillRef>
+      <a:effectRef idx="0">
+        <a:scrgbClr r="0" g="0" b="0"/>
+      </a:effectRef>
+      <a:fontRef idx="minor"/>
+    </dgm:style>
+  </dgm:styleLbl>
+  <dgm:styleLbl name="solidAlignAcc1">
+    <dgm:scene3d>
+      <a:camera prst="orthographicFront"/>
+      <a:lightRig rig="threePt" dir="t"/>
+    </dgm:scene3d>
+    <dgm:sp3d/>
+    <dgm:txPr/>
+    <dgm:style>
+      <a:lnRef idx="2">
+        <a:scrgbClr r="0" g="0" b="0"/>
+      </a:lnRef>
+      <a:fillRef idx="1">
+        <a:scrgbClr r="0" g="0" b="0"/>
+      </a:fillRef>
+      <a:effectRef idx="0">
+        <a:scrgbClr r="0" g="0" b="0"/>
+      </a:effectRef>
+      <a:fontRef idx="minor"/>
+    </dgm:style>
+  </dgm:styleLbl>
+  <dgm:styleLbl name="solidBgAcc1">
+    <dgm:scene3d>
+      <a:camera prst="orthographicFront"/>
+      <a:lightRig rig="threePt" dir="t"/>
+    </dgm:scene3d>
+    <dgm:sp3d/>
+    <dgm:txPr/>
+    <dgm:style>
+      <a:lnRef idx="2">
+        <a:scrgbClr r="0" g="0" b="0"/>
+      </a:lnRef>
+      <a:fillRef idx="1">
+        <a:scrgbClr r="0" g="0" b="0"/>
+      </a:fillRef>
+      <a:effectRef idx="0">
+        <a:scrgbClr r="0" g="0" b="0"/>
+      </a:effectRef>
+      <a:fontRef idx="minor"/>
+    </dgm:style>
+  </dgm:styleLbl>
+  <dgm:styleLbl name="fgAccFollowNode1">
+    <dgm:scene3d>
+      <a:camera prst="orthographicFront"/>
+      <a:lightRig rig="threePt" dir="t"/>
+    </dgm:scene3d>
+    <dgm:sp3d/>
+    <dgm:txPr/>
+    <dgm:style>
+      <a:lnRef idx="2">
+        <a:scrgbClr r="0" g="0" b="0"/>
+      </a:lnRef>
+      <a:fillRef idx="1">
+        <a:scrgbClr r="0" g="0" b="0"/>
+      </a:fillRef>
+      <a:effectRef idx="0">
+        <a:scrgbClr r="0" g="0" b="0"/>
+      </a:effectRef>
+      <a:fontRef idx="minor"/>
+    </dgm:style>
+  </dgm:styleLbl>
+  <dgm:styleLbl name="alignAccFollowNode1">
+    <dgm:scene3d>
+      <a:camera prst="orthographicFront"/>
+      <a:lightRig rig="threePt" dir="t"/>
+    </dgm:scene3d>
+    <dgm:sp3d/>
+    <dgm:txPr/>
+    <dgm:style>
+      <a:lnRef idx="2">
+        <a:scrgbClr r="0" g="0" b="0"/>
+      </a:lnRef>
+      <a:fillRef idx="1">
+        <a:scrgbClr r="0" g="0" b="0"/>
+      </a:fillRef>
+      <a:effectRef idx="0">
+        <a:scrgbClr r="0" g="0" b="0"/>
+      </a:effectRef>
+      <a:fontRef idx="minor"/>
+    </dgm:style>
+  </dgm:styleLbl>
+  <dgm:styleLbl name="bgAccFollowNode1">
+    <dgm:scene3d>
+      <a:camera prst="orthographicFront"/>
+      <a:lightRig rig="threePt" dir="t"/>
+    </dgm:scene3d>
+    <dgm:sp3d/>
+    <dgm:txPr/>
+    <dgm:style>
+      <a:lnRef idx="2">
+        <a:scrgbClr r="0" g="0" b="0"/>
+      </a:lnRef>
+      <a:fillRef idx="1">
+        <a:scrgbClr r="0" g="0" b="0"/>
+      </a:fillRef>
+      <a:effectRef idx="0">
+        <a:scrgbClr r="0" g="0" b="0"/>
+      </a:effectRef>
+      <a:fontRef idx="minor"/>
+    </dgm:style>
+  </dgm:styleLbl>
+  <dgm:styleLbl name="fgAcc0">
+    <dgm:scene3d>
+      <a:camera prst="orthographicFront"/>
+      <a:lightRig rig="threePt" dir="t"/>
+    </dgm:scene3d>
+    <dgm:sp3d/>
+    <dgm:txPr/>
+    <dgm:style>
+      <a:lnRef idx="2">
+        <a:scrgbClr r="0" g="0" b="0"/>
+      </a:lnRef>
+      <a:fillRef idx="1">
+        <a:scrgbClr r="0" g="0" b="0"/>
+      </a:fillRef>
+      <a:effectRef idx="0">
+        <a:scrgbClr r="0" g="0" b="0"/>
+      </a:effectRef>
+      <a:fontRef idx="minor"/>
+    </dgm:style>
+  </dgm:styleLbl>
+  <dgm:styleLbl name="fgAcc2">
+    <dgm:scene3d>
+      <a:camera prst="orthographicFront"/>
+      <a:lightRig rig="threePt" dir="t"/>
+    </dgm:scene3d>
+    <dgm:sp3d/>
+    <dgm:txPr/>
+    <dgm:style>
+      <a:lnRef idx="2">
+        <a:scrgbClr r="0" g="0" b="0"/>
+      </a:lnRef>
+      <a:fillRef idx="1">
+        <a:scrgbClr r="0" g="0" b="0"/>
+      </a:fillRef>
+      <a:effectRef idx="0">
+        <a:scrgbClr r="0" g="0" b="0"/>
+      </a:effectRef>
+      <a:fontRef idx="minor"/>
+    </dgm:style>
+  </dgm:styleLbl>
+  <dgm:styleLbl name="fgAcc3">
+    <dgm:scene3d>
+      <a:camera prst="orthographicFront"/>
+      <a:lightRig rig="threePt" dir="t"/>
+    </dgm:scene3d>
+    <dgm:sp3d/>
+    <dgm:txPr/>
+    <dgm:style>
+      <a:lnRef idx="2">
+        <a:scrgbClr r="0" g="0" b="0"/>
+      </a:lnRef>
+      <a:fillRef idx="1">
+        <a:scrgbClr r="0" g="0" b="0"/>
+      </a:fillRef>
+      <a:effectRef idx="0">
+        <a:scrgbClr r="0" g="0" b="0"/>
+      </a:effectRef>
+      <a:fontRef idx="minor"/>
+    </dgm:style>
+  </dgm:styleLbl>
+  <dgm:styleLbl name="fgAcc4">
+    <dgm:scene3d>
+      <a:camera prst="orthographicFront"/>
+      <a:lightRig rig="threePt" dir="t"/>
+    </dgm:scene3d>
+    <dgm:sp3d/>
+    <dgm:txPr/>
+    <dgm:style>
+      <a:lnRef idx="2">
+        <a:scrgbClr r="0" g="0" b="0"/>
+      </a:lnRef>
+      <a:fillRef idx="1">
+        <a:scrgbClr r="0" g="0" b="0"/>
+      </a:fillRef>
+      <a:effectRef idx="0">
+        <a:scrgbClr r="0" g="0" b="0"/>
+      </a:effectRef>
+      <a:fontRef idx="minor"/>
+    </dgm:style>
+  </dgm:styleLbl>
+  <dgm:styleLbl name="bgShp">
+    <dgm:scene3d>
+      <a:camera prst="orthographicFront"/>
+      <a:lightRig rig="threePt" dir="t"/>
+    </dgm:scene3d>
+    <dgm:sp3d/>
+    <dgm:txPr/>
+    <dgm:style>
+      <a:lnRef idx="0">
+        <a:scrgbClr r="0" g="0" b="0"/>
+      </a:lnRef>
+      <a:fillRef idx="1">
+        <a:scrgbClr r="0" g="0" b="0"/>
+      </a:fillRef>
+      <a:effectRef idx="0">
+        <a:scrgbClr r="0" g="0" b="0"/>
+      </a:effectRef>
+      <a:fontRef idx="minor"/>
+    </dgm:style>
+  </dgm:styleLbl>
+  <dgm:styleLbl name="dkBgShp">
+    <dgm:scene3d>
+      <a:camera prst="orthographicFront"/>
+      <a:lightRig rig="threePt" dir="t"/>
+    </dgm:scene3d>
+    <dgm:sp3d/>
+    <dgm:txPr/>
+    <dgm:style>
+      <a:lnRef idx="0">
+        <a:scrgbClr r="0" g="0" b="0"/>
+      </a:lnRef>
+      <a:fillRef idx="1">
+        <a:scrgbClr r="0" g="0" b="0"/>
+      </a:fillRef>
+      <a:effectRef idx="0">
+        <a:scrgbClr r="0" g="0" b="0"/>
+      </a:effectRef>
+      <a:fontRef idx="minor"/>
+    </dgm:style>
+  </dgm:styleLbl>
+  <dgm:styleLbl name="trBgShp">
+    <dgm:scene3d>
+      <a:camera prst="orthographicFront"/>
+      <a:lightRig rig="threePt" dir="t"/>
+    </dgm:scene3d>
+    <dgm:sp3d/>
+    <dgm:txPr/>
+    <dgm:style>
+      <a:lnRef idx="0">
+        <a:scrgbClr r="0" g="0" b="0"/>
+      </a:lnRef>
+      <a:fillRef idx="1">
+        <a:scrgbClr r="0" g="0" b="0"/>
+      </a:fillRef>
+      <a:effectRef idx="0">
+        <a:scrgbClr r="0" g="0" b="0"/>
+      </a:effectRef>
+      <a:fontRef idx="minor"/>
+    </dgm:style>
+  </dgm:styleLbl>
+  <dgm:styleLbl name="fgShp">
+    <dgm:scene3d>
+      <a:camera prst="orthographicFront"/>
+      <a:lightRig rig="threePt" dir="t"/>
+    </dgm:scene3d>
+    <dgm:sp3d/>
+    <dgm:txPr/>
+    <dgm:style>
+      <a:lnRef idx="3">
+        <a:scrgbClr r="0" g="0" b="0"/>
+      </a:lnRef>
+      <a:fillRef idx="1">
+        <a:scrgbClr r="0" g="0" b="0"/>
+      </a:fillRef>
+      <a:effectRef idx="1">
+        <a:scrgbClr r="0" g="0" b="0"/>
+      </a:effectRef>
+      <a:fontRef idx="minor"/>
+    </dgm:style>
+  </dgm:styleLbl>
+  <dgm:styleLbl name="revTx">
+    <dgm:scene3d>
+      <a:camera prst="orthographicFront"/>
+      <a:lightRig rig="threePt" dir="t"/>
+    </dgm:scene3d>
+    <dgm:sp3d/>
+    <dgm:txPr/>
+    <dgm:style>
+      <a:lnRef idx="0">
+        <a:scrgbClr r="0" g="0" b="0"/>
+      </a:lnRef>
+      <a:fillRef idx="0">
+        <a:scrgbClr r="0" g="0" b="0"/>
+      </a:fillRef>
+      <a:effectRef idx="0">
+        <a:scrgbClr r="0" g="0" b="0"/>
+      </a:effectRef>
+      <a:fontRef idx="minor"/>
+    </dgm:style>
+  </dgm:styleLbl>
+</dgm:styleDef>
 </file>
 
 <file path=ppt/notesMasters/notesMaster1.xml><?xml version="1.0" encoding="utf-8"?>
@@ -697,7 +4957,7 @@
           <a:p>
             <a:fld id="{906AB01E-7BD7-442B-8A6B-D31FAFDAE830}" type="slidenum">
               <a:rPr lang="en-US" smtClean="0"/>
-              <a:t>22</a:t>
+              <a:t>23</a:t>
             </a:fld>
             <a:endParaRPr lang="en-US"/>
           </a:p>
@@ -1127,7 +5387,7 @@
           <a:p>
             <a:fld id="{906AB01E-7BD7-442B-8A6B-D31FAFDAE830}" type="slidenum">
               <a:rPr lang="en-US" smtClean="0"/>
-              <a:t>17</a:t>
+              <a:t>18</a:t>
             </a:fld>
             <a:endParaRPr lang="en-US"/>
           </a:p>
@@ -1211,7 +5471,7 @@
           <a:p>
             <a:fld id="{906AB01E-7BD7-442B-8A6B-D31FAFDAE830}" type="slidenum">
               <a:rPr lang="en-US" smtClean="0"/>
-              <a:t>18</a:t>
+              <a:t>19</a:t>
             </a:fld>
             <a:endParaRPr lang="en-US"/>
           </a:p>
@@ -1295,7 +5555,7 @@
           <a:p>
             <a:fld id="{906AB01E-7BD7-442B-8A6B-D31FAFDAE830}" type="slidenum">
               <a:rPr lang="en-US" smtClean="0"/>
-              <a:t>19</a:t>
+              <a:t>20</a:t>
             </a:fld>
             <a:endParaRPr lang="en-US"/>
           </a:p>
@@ -1379,7 +5639,7 @@
           <a:p>
             <a:fld id="{906AB01E-7BD7-442B-8A6B-D31FAFDAE830}" type="slidenum">
               <a:rPr lang="en-US" smtClean="0"/>
-              <a:t>20</a:t>
+              <a:t>21</a:t>
             </a:fld>
             <a:endParaRPr lang="en-US"/>
           </a:p>
@@ -4377,91 +8637,41 @@
           <a:p>
             <a:r>
               <a:rPr lang="en-US" dirty="0" smtClean="0"/>
-              <a:t>What is MVVM?</a:t>
+              <a:t>Lightweight vs full framework</a:t>
             </a:r>
             <a:endParaRPr lang="en-US" dirty="0"/>
           </a:p>
         </p:txBody>
       </p:sp>
-      <p:sp>
-        <p:nvSpPr>
-          <p:cNvPr id="3" name="Content Placeholder 2"/>
-          <p:cNvSpPr>
-            <a:spLocks noGrp="1"/>
-          </p:cNvSpPr>
+      <p:graphicFrame>
+        <p:nvGraphicFramePr>
+          <p:cNvPr id="4" name="Content Placeholder 3"/>
+          <p:cNvGraphicFramePr>
+            <a:graphicFrameLocks noGrp="1"/>
+          </p:cNvGraphicFramePr>
           <p:nvPr>
             <p:ph sz="quarter" idx="10"/>
+            <p:extLst>
+              <p:ext uri="{D42A27DB-BD31-4B8C-83A1-F6EECF244321}">
+                <p14:modId xmlns:p14="http://schemas.microsoft.com/office/powerpoint/2010/main" val="2002358679"/>
+              </p:ext>
+            </p:extLst>
           </p:nvPr>
-        </p:nvSpPr>
-        <p:spPr/>
-        <p:txBody>
-          <a:bodyPr/>
-          <a:lstStyle/>
-          <a:p>
-            <a:r>
-              <a:rPr lang="en-US" dirty="0" smtClean="0"/>
-              <a:t>Model</a:t>
-            </a:r>
-          </a:p>
-          <a:p>
-            <a:pPr lvl="1"/>
-            <a:r>
-              <a:rPr lang="en-US" dirty="0" smtClean="0"/>
-              <a:t>Domain model (or data access layer)</a:t>
-            </a:r>
-          </a:p>
-          <a:p>
-            <a:r>
-              <a:rPr lang="en-US" dirty="0" smtClean="0"/>
-              <a:t>View</a:t>
-            </a:r>
-          </a:p>
-          <a:p>
-            <a:pPr lvl="1"/>
-            <a:r>
-              <a:rPr lang="en-US" dirty="0" smtClean="0"/>
-              <a:t>The display the user will see</a:t>
-            </a:r>
-          </a:p>
-          <a:p>
-            <a:r>
-              <a:rPr lang="en-US" dirty="0" smtClean="0"/>
-              <a:t>View model</a:t>
-            </a:r>
-          </a:p>
-          <a:p>
-            <a:pPr lvl="1"/>
-            <a:r>
-              <a:rPr lang="en-US" dirty="0" smtClean="0"/>
-              <a:t>The data the user will </a:t>
-            </a:r>
-            <a:r>
-              <a:rPr lang="en-US" dirty="0" smtClean="0"/>
-              <a:t>see</a:t>
-            </a:r>
-          </a:p>
-          <a:p>
-            <a:pPr lvl="1"/>
-            <a:r>
-              <a:rPr lang="en-US" dirty="0" smtClean="0"/>
-              <a:t>A “pure-code </a:t>
-            </a:r>
-            <a:r>
-              <a:rPr lang="en-US" dirty="0"/>
-              <a:t>representation of the data and operations on a </a:t>
-            </a:r>
-            <a:r>
-              <a:rPr lang="en-US" dirty="0" smtClean="0"/>
-              <a:t>UI”</a:t>
-            </a:r>
-            <a:endParaRPr lang="en-US" dirty="0"/>
-          </a:p>
-        </p:txBody>
-      </p:sp>
+        </p:nvGraphicFramePr>
+        <p:xfrm>
+          <a:off x="379413" y="1387475"/>
+          <a:ext cx="11525250" cy="5291138"/>
+        </p:xfrm>
+        <a:graphic>
+          <a:graphicData uri="http://schemas.openxmlformats.org/drawingml/2006/diagram">
+            <dgm:relIds xmlns:dgm="http://schemas.openxmlformats.org/drawingml/2006/diagram" xmlns:r="http://schemas.openxmlformats.org/officeDocument/2006/relationships" r:dm="rId2" r:lo="rId3" r:qs="rId4" r:cs="rId5"/>
+          </a:graphicData>
+        </a:graphic>
+      </p:graphicFrame>
     </p:spTree>
     <p:extLst>
       <p:ext uri="{BB962C8B-B14F-4D97-AF65-F5344CB8AC3E}">
-        <p14:creationId xmlns:p14="http://schemas.microsoft.com/office/powerpoint/2010/main" val="663136493"/>
+        <p14:creationId xmlns:p14="http://schemas.microsoft.com/office/powerpoint/2010/main" val="3031524896"/>
       </p:ext>
     </p:extLst>
   </p:cSld>
@@ -4505,6 +8715,130 @@
           <a:p>
             <a:r>
               <a:rPr lang="en-US" dirty="0" smtClean="0"/>
+              <a:t>What is MVVM?</a:t>
+            </a:r>
+            <a:endParaRPr lang="en-US" dirty="0"/>
+          </a:p>
+        </p:txBody>
+      </p:sp>
+      <p:sp>
+        <p:nvSpPr>
+          <p:cNvPr id="3" name="Content Placeholder 2"/>
+          <p:cNvSpPr>
+            <a:spLocks noGrp="1"/>
+          </p:cNvSpPr>
+          <p:nvPr>
+            <p:ph sz="quarter" idx="10"/>
+          </p:nvPr>
+        </p:nvSpPr>
+        <p:spPr/>
+        <p:txBody>
+          <a:bodyPr/>
+          <a:lstStyle/>
+          <a:p>
+            <a:r>
+              <a:rPr lang="en-US" dirty="0" smtClean="0"/>
+              <a:t>Model</a:t>
+            </a:r>
+          </a:p>
+          <a:p>
+            <a:pPr lvl="1"/>
+            <a:r>
+              <a:rPr lang="en-US" dirty="0" smtClean="0"/>
+              <a:t>Domain model (or data access layer)</a:t>
+            </a:r>
+          </a:p>
+          <a:p>
+            <a:r>
+              <a:rPr lang="en-US" dirty="0" smtClean="0"/>
+              <a:t>View</a:t>
+            </a:r>
+          </a:p>
+          <a:p>
+            <a:pPr lvl="1"/>
+            <a:r>
+              <a:rPr lang="en-US" dirty="0" smtClean="0"/>
+              <a:t>The display the user will see</a:t>
+            </a:r>
+          </a:p>
+          <a:p>
+            <a:r>
+              <a:rPr lang="en-US" dirty="0" smtClean="0"/>
+              <a:t>View model</a:t>
+            </a:r>
+          </a:p>
+          <a:p>
+            <a:pPr lvl="1"/>
+            <a:r>
+              <a:rPr lang="en-US" dirty="0" smtClean="0"/>
+              <a:t>The data the user will see</a:t>
+            </a:r>
+          </a:p>
+          <a:p>
+            <a:pPr lvl="1"/>
+            <a:r>
+              <a:rPr lang="en-US" dirty="0" smtClean="0"/>
+              <a:t>A “pure-code </a:t>
+            </a:r>
+            <a:r>
+              <a:rPr lang="en-US" dirty="0"/>
+              <a:t>representation of the data and operations on a </a:t>
+            </a:r>
+            <a:r>
+              <a:rPr lang="en-US" dirty="0" smtClean="0"/>
+              <a:t>UI”</a:t>
+            </a:r>
+            <a:endParaRPr lang="en-US" dirty="0"/>
+          </a:p>
+        </p:txBody>
+      </p:sp>
+    </p:spTree>
+    <p:extLst>
+      <p:ext uri="{BB962C8B-B14F-4D97-AF65-F5344CB8AC3E}">
+        <p14:creationId xmlns:p14="http://schemas.microsoft.com/office/powerpoint/2010/main" val="663136493"/>
+      </p:ext>
+    </p:extLst>
+  </p:cSld>
+  <p:clrMapOvr>
+    <a:masterClrMapping/>
+  </p:clrMapOvr>
+</p:sld>
+</file>
+
+<file path=ppt/slides/slide15.xml><?xml version="1.0" encoding="utf-8"?>
+<p:sld xmlns:a="http://schemas.openxmlformats.org/drawingml/2006/main" xmlns:r="http://schemas.openxmlformats.org/officeDocument/2006/relationships" xmlns:p="http://schemas.openxmlformats.org/presentationml/2006/main">
+  <p:cSld>
+    <p:spTree>
+      <p:nvGrpSpPr>
+        <p:cNvPr id="1" name=""/>
+        <p:cNvGrpSpPr/>
+        <p:nvPr/>
+      </p:nvGrpSpPr>
+      <p:grpSpPr>
+        <a:xfrm>
+          <a:off x="0" y="0"/>
+          <a:ext cx="0" cy="0"/>
+          <a:chOff x="0" y="0"/>
+          <a:chExt cx="0" cy="0"/>
+        </a:xfrm>
+      </p:grpSpPr>
+      <p:sp>
+        <p:nvSpPr>
+          <p:cNvPr id="2" name="Title 1"/>
+          <p:cNvSpPr>
+            <a:spLocks noGrp="1"/>
+          </p:cNvSpPr>
+          <p:nvPr>
+            <p:ph type="title"/>
+          </p:nvPr>
+        </p:nvSpPr>
+        <p:spPr/>
+        <p:txBody>
+          <a:bodyPr/>
+          <a:lstStyle/>
+          <a:p>
+            <a:r>
+              <a:rPr lang="en-US" dirty="0" smtClean="0"/>
               <a:t>MVVM in pictures</a:t>
             </a:r>
             <a:endParaRPr lang="en-US" dirty="0"/>
@@ -5143,7 +9477,7 @@
 </p:sld>
 </file>
 
-<file path=ppt/slides/slide15.xml><?xml version="1.0" encoding="utf-8"?>
+<file path=ppt/slides/slide16.xml><?xml version="1.0" encoding="utf-8"?>
 <p:sld xmlns:a="http://schemas.openxmlformats.org/drawingml/2006/main" xmlns:r="http://schemas.openxmlformats.org/officeDocument/2006/relationships" xmlns:p="http://schemas.openxmlformats.org/presentationml/2006/main">
   <p:cSld>
     <p:spTree>
@@ -6034,7 +10368,7 @@
 </p:sld>
 </file>
 
-<file path=ppt/slides/slide16.xml><?xml version="1.0" encoding="utf-8"?>
+<file path=ppt/slides/slide17.xml><?xml version="1.0" encoding="utf-8"?>
 <p:sld xmlns:a="http://schemas.openxmlformats.org/drawingml/2006/main" xmlns:r="http://schemas.openxmlformats.org/officeDocument/2006/relationships" xmlns:p="http://schemas.openxmlformats.org/presentationml/2006/main">
   <p:cSld>
     <p:spTree>
@@ -6097,66 +10431,6 @@
     <p:extLst>
       <p:ext uri="{BB962C8B-B14F-4D97-AF65-F5344CB8AC3E}">
         <p14:creationId xmlns:p14="http://schemas.microsoft.com/office/powerpoint/2010/main" val="1706519822"/>
-      </p:ext>
-    </p:extLst>
-  </p:cSld>
-  <p:clrMapOvr>
-    <a:masterClrMapping/>
-  </p:clrMapOvr>
-  <p:timing>
-    <p:tnLst>
-      <p:par>
-        <p:cTn id="1" dur="indefinite" restart="never" nodeType="tmRoot"/>
-      </p:par>
-    </p:tnLst>
-  </p:timing>
-</p:sld>
-</file>
-
-<file path=ppt/slides/slide17.xml><?xml version="1.0" encoding="utf-8"?>
-<p:sld xmlns:a="http://schemas.openxmlformats.org/drawingml/2006/main" xmlns:r="http://schemas.openxmlformats.org/officeDocument/2006/relationships" xmlns:p="http://schemas.openxmlformats.org/presentationml/2006/main">
-  <p:cSld>
-    <p:spTree>
-      <p:nvGrpSpPr>
-        <p:cNvPr id="1" name=""/>
-        <p:cNvGrpSpPr/>
-        <p:nvPr/>
-      </p:nvGrpSpPr>
-      <p:grpSpPr>
-        <a:xfrm>
-          <a:off x="0" y="0"/>
-          <a:ext cx="0" cy="0"/>
-          <a:chOff x="0" y="0"/>
-          <a:chExt cx="0" cy="0"/>
-        </a:xfrm>
-      </p:grpSpPr>
-      <p:sp>
-        <p:nvSpPr>
-          <p:cNvPr id="5" name="Title 4"/>
-          <p:cNvSpPr>
-            <a:spLocks noGrp="1"/>
-          </p:cNvSpPr>
-          <p:nvPr>
-            <p:ph type="title"/>
-          </p:nvPr>
-        </p:nvSpPr>
-        <p:spPr/>
-        <p:txBody>
-          <a:bodyPr/>
-          <a:lstStyle/>
-          <a:p>
-            <a:r>
-              <a:rPr lang="en-CA" dirty="0" smtClean="0"/>
-              <a:t>Getting Knockout with NuGet</a:t>
-            </a:r>
-            <a:endParaRPr lang="en-US" dirty="0"/>
-          </a:p>
-        </p:txBody>
-      </p:sp>
-    </p:spTree>
-    <p:extLst>
-      <p:ext uri="{BB962C8B-B14F-4D97-AF65-F5344CB8AC3E}">
-        <p14:creationId xmlns:p14="http://schemas.microsoft.com/office/powerpoint/2010/main" val="461796257"/>
       </p:ext>
     </p:extLst>
   </p:cSld>
@@ -6207,7 +10481,7 @@
           <a:p>
             <a:r>
               <a:rPr lang="en-CA" dirty="0" smtClean="0"/>
-              <a:t>Getting Knockout with Bower</a:t>
+              <a:t>Getting Knockout with NuGet</a:t>
             </a:r>
             <a:endParaRPr lang="en-US" dirty="0"/>
           </a:p>
@@ -6216,7 +10490,7 @@
     </p:spTree>
     <p:extLst>
       <p:ext uri="{BB962C8B-B14F-4D97-AF65-F5344CB8AC3E}">
-        <p14:creationId xmlns:p14="http://schemas.microsoft.com/office/powerpoint/2010/main" val="1189739439"/>
+        <p14:creationId xmlns:p14="http://schemas.microsoft.com/office/powerpoint/2010/main" val="461796257"/>
       </p:ext>
     </p:extLst>
   </p:cSld>
@@ -6267,7 +10541,7 @@
           <a:p>
             <a:r>
               <a:rPr lang="en-CA" dirty="0" smtClean="0"/>
-              <a:t>Using Knockout from CDN</a:t>
+              <a:t>Getting Knockout with Bower</a:t>
             </a:r>
             <a:endParaRPr lang="en-US" dirty="0"/>
           </a:p>
@@ -6276,7 +10550,7 @@
     </p:spTree>
     <p:extLst>
       <p:ext uri="{BB962C8B-B14F-4D97-AF65-F5344CB8AC3E}">
-        <p14:creationId xmlns:p14="http://schemas.microsoft.com/office/powerpoint/2010/main" val="1622678525"/>
+        <p14:creationId xmlns:p14="http://schemas.microsoft.com/office/powerpoint/2010/main" val="1189739439"/>
       </p:ext>
     </p:extLst>
   </p:cSld>
@@ -6515,12 +10789,12 @@
       </p:grpSpPr>
       <p:sp>
         <p:nvSpPr>
-          <p:cNvPr id="2" name="Text Placeholder 1"/>
+          <p:cNvPr id="5" name="Title 4"/>
           <p:cNvSpPr>
             <a:spLocks noGrp="1"/>
           </p:cNvSpPr>
           <p:nvPr>
-            <p:ph type="body" sz="quarter" idx="10"/>
+            <p:ph type="title"/>
           </p:nvPr>
         </p:nvSpPr>
         <p:spPr/>
@@ -6529,28 +10803,9 @@
           <a:lstStyle/>
           <a:p>
             <a:r>
-              <a:rPr lang="en-US" dirty="0" smtClean="0"/>
-              <a:t>Hello, Knockout</a:t>
-            </a:r>
-            <a:endParaRPr lang="en-US" dirty="0"/>
-          </a:p>
-        </p:txBody>
-      </p:sp>
-      <p:sp>
-        <p:nvSpPr>
-          <p:cNvPr id="3" name="Subtitle 2"/>
-          <p:cNvSpPr>
-            <a:spLocks noGrp="1"/>
-          </p:cNvSpPr>
-          <p:nvPr>
-            <p:ph type="subTitle" idx="1"/>
-          </p:nvPr>
-        </p:nvSpPr>
-        <p:spPr/>
-        <p:txBody>
-          <a:bodyPr/>
-          <a:lstStyle/>
-          <a:p>
+              <a:rPr lang="en-CA" dirty="0" smtClean="0"/>
+              <a:t>Using Knockout from CDN</a:t>
+            </a:r>
             <a:endParaRPr lang="en-US" dirty="0"/>
           </a:p>
         </p:txBody>
@@ -6558,7 +10813,7 @@
     </p:spTree>
     <p:extLst>
       <p:ext uri="{BB962C8B-B14F-4D97-AF65-F5344CB8AC3E}">
-        <p14:creationId xmlns:p14="http://schemas.microsoft.com/office/powerpoint/2010/main" val="1806396838"/>
+        <p14:creationId xmlns:p14="http://schemas.microsoft.com/office/powerpoint/2010/main" val="1622678525"/>
       </p:ext>
     </p:extLst>
   </p:cSld>
@@ -6594,12 +10849,12 @@
       </p:grpSpPr>
       <p:sp>
         <p:nvSpPr>
-          <p:cNvPr id="4" name="Title 3"/>
+          <p:cNvPr id="2" name="Text Placeholder 1"/>
           <p:cNvSpPr>
             <a:spLocks noGrp="1"/>
           </p:cNvSpPr>
           <p:nvPr>
-            <p:ph type="title"/>
+            <p:ph type="body" sz="quarter" idx="10"/>
           </p:nvPr>
         </p:nvSpPr>
         <p:spPr/>
@@ -6609,7 +10864,7 @@
           <a:p>
             <a:r>
               <a:rPr lang="en-US" dirty="0" smtClean="0"/>
-              <a:t>Knockout concepts</a:t>
+              <a:t>Hello, Knockout</a:t>
             </a:r>
             <a:endParaRPr lang="en-US" dirty="0"/>
           </a:p>
@@ -6617,12 +10872,12 @@
       </p:sp>
       <p:sp>
         <p:nvSpPr>
-          <p:cNvPr id="5" name="Content Placeholder 4"/>
+          <p:cNvPr id="3" name="Subtitle 2"/>
           <p:cNvSpPr>
             <a:spLocks noGrp="1"/>
           </p:cNvSpPr>
           <p:nvPr>
-            <p:ph sz="quarter" idx="10"/>
+            <p:ph type="subTitle" idx="1"/>
           </p:nvPr>
         </p:nvSpPr>
         <p:spPr/>
@@ -6630,78 +10885,27 @@
           <a:bodyPr/>
           <a:lstStyle/>
           <a:p>
-            <a:r>
-              <a:rPr lang="en-US" dirty="0" smtClean="0"/>
-              <a:t>Observables</a:t>
-            </a:r>
             <a:endParaRPr lang="en-US" dirty="0"/>
-          </a:p>
-          <a:p>
-            <a:pPr lvl="1"/>
-            <a:r>
-              <a:rPr lang="en-US" dirty="0" smtClean="0"/>
-              <a:t>Things we want to keep an eye on</a:t>
-            </a:r>
-          </a:p>
-          <a:p>
-            <a:pPr lvl="1"/>
-            <a:r>
-              <a:rPr lang="en-US" dirty="0" smtClean="0"/>
-              <a:t>Values may change</a:t>
-            </a:r>
-          </a:p>
-          <a:p>
-            <a:pPr lvl="2"/>
-            <a:r>
-              <a:rPr lang="en-US" dirty="0" smtClean="0"/>
-              <a:t>When they do, everyone that’s interested is alerted</a:t>
-            </a:r>
-          </a:p>
-          <a:p>
-            <a:r>
-              <a:rPr lang="en-US" dirty="0" smtClean="0"/>
-              <a:t>Arrays</a:t>
-            </a:r>
-          </a:p>
-          <a:p>
-            <a:pPr lvl="1"/>
-            <a:r>
-              <a:rPr lang="en-US" dirty="0" smtClean="0"/>
-              <a:t>Collections of objects</a:t>
-            </a:r>
-          </a:p>
-          <a:p>
-            <a:pPr lvl="1"/>
-            <a:r>
-              <a:rPr lang="en-US" dirty="0" smtClean="0"/>
-              <a:t>Can also be observable</a:t>
-            </a:r>
-          </a:p>
-          <a:p>
-            <a:r>
-              <a:rPr lang="en-US" dirty="0" smtClean="0"/>
-              <a:t>Computed observables</a:t>
-            </a:r>
-          </a:p>
-          <a:p>
-            <a:pPr lvl="1"/>
-            <a:r>
-              <a:rPr lang="en-US" dirty="0" smtClean="0"/>
-              <a:t>Values that are the result of code execution</a:t>
-            </a:r>
           </a:p>
         </p:txBody>
       </p:sp>
     </p:spTree>
     <p:extLst>
       <p:ext uri="{BB962C8B-B14F-4D97-AF65-F5344CB8AC3E}">
-        <p14:creationId xmlns:p14="http://schemas.microsoft.com/office/powerpoint/2010/main" val="2676919704"/>
+        <p14:creationId xmlns:p14="http://schemas.microsoft.com/office/powerpoint/2010/main" val="1806396838"/>
       </p:ext>
     </p:extLst>
   </p:cSld>
   <p:clrMapOvr>
     <a:masterClrMapping/>
   </p:clrMapOvr>
+  <p:timing>
+    <p:tnLst>
+      <p:par>
+        <p:cTn id="1" dur="indefinite" restart="never" nodeType="tmRoot"/>
+      </p:par>
+    </p:tnLst>
+  </p:timing>
 </p:sld>
 </file>
 
@@ -6739,6 +10943,136 @@
           <a:p>
             <a:r>
               <a:rPr lang="en-US" dirty="0" smtClean="0"/>
+              <a:t>Knockout concepts</a:t>
+            </a:r>
+            <a:endParaRPr lang="en-US" dirty="0"/>
+          </a:p>
+        </p:txBody>
+      </p:sp>
+      <p:sp>
+        <p:nvSpPr>
+          <p:cNvPr id="5" name="Content Placeholder 4"/>
+          <p:cNvSpPr>
+            <a:spLocks noGrp="1"/>
+          </p:cNvSpPr>
+          <p:nvPr>
+            <p:ph sz="quarter" idx="10"/>
+          </p:nvPr>
+        </p:nvSpPr>
+        <p:spPr/>
+        <p:txBody>
+          <a:bodyPr/>
+          <a:lstStyle/>
+          <a:p>
+            <a:r>
+              <a:rPr lang="en-US" dirty="0" smtClean="0"/>
+              <a:t>Observables</a:t>
+            </a:r>
+            <a:endParaRPr lang="en-US" dirty="0"/>
+          </a:p>
+          <a:p>
+            <a:pPr lvl="1"/>
+            <a:r>
+              <a:rPr lang="en-US" dirty="0" smtClean="0"/>
+              <a:t>Things we want to keep an eye on</a:t>
+            </a:r>
+          </a:p>
+          <a:p>
+            <a:pPr lvl="1"/>
+            <a:r>
+              <a:rPr lang="en-US" dirty="0" smtClean="0"/>
+              <a:t>Values may change</a:t>
+            </a:r>
+          </a:p>
+          <a:p>
+            <a:pPr lvl="2"/>
+            <a:r>
+              <a:rPr lang="en-US" dirty="0" smtClean="0"/>
+              <a:t>When they do, everyone that’s interested is alerted</a:t>
+            </a:r>
+          </a:p>
+          <a:p>
+            <a:r>
+              <a:rPr lang="en-US" dirty="0" smtClean="0"/>
+              <a:t>Arrays</a:t>
+            </a:r>
+          </a:p>
+          <a:p>
+            <a:pPr lvl="1"/>
+            <a:r>
+              <a:rPr lang="en-US" dirty="0" smtClean="0"/>
+              <a:t>Collections of objects</a:t>
+            </a:r>
+          </a:p>
+          <a:p>
+            <a:pPr lvl="1"/>
+            <a:r>
+              <a:rPr lang="en-US" dirty="0" smtClean="0"/>
+              <a:t>Can also be observable</a:t>
+            </a:r>
+          </a:p>
+          <a:p>
+            <a:r>
+              <a:rPr lang="en-US" dirty="0" smtClean="0"/>
+              <a:t>Computed observables</a:t>
+            </a:r>
+          </a:p>
+          <a:p>
+            <a:pPr lvl="1"/>
+            <a:r>
+              <a:rPr lang="en-US" dirty="0" smtClean="0"/>
+              <a:t>Values that are the result of code execution</a:t>
+            </a:r>
+          </a:p>
+        </p:txBody>
+      </p:sp>
+    </p:spTree>
+    <p:extLst>
+      <p:ext uri="{BB962C8B-B14F-4D97-AF65-F5344CB8AC3E}">
+        <p14:creationId xmlns:p14="http://schemas.microsoft.com/office/powerpoint/2010/main" val="2676919704"/>
+      </p:ext>
+    </p:extLst>
+  </p:cSld>
+  <p:clrMapOvr>
+    <a:masterClrMapping/>
+  </p:clrMapOvr>
+</p:sld>
+</file>
+
+<file path=ppt/slides/slide23.xml><?xml version="1.0" encoding="utf-8"?>
+<p:sld xmlns:a="http://schemas.openxmlformats.org/drawingml/2006/main" xmlns:r="http://schemas.openxmlformats.org/officeDocument/2006/relationships" xmlns:p="http://schemas.openxmlformats.org/presentationml/2006/main">
+  <p:cSld>
+    <p:spTree>
+      <p:nvGrpSpPr>
+        <p:cNvPr id="1" name=""/>
+        <p:cNvGrpSpPr/>
+        <p:nvPr/>
+      </p:nvGrpSpPr>
+      <p:grpSpPr>
+        <a:xfrm>
+          <a:off x="0" y="0"/>
+          <a:ext cx="0" cy="0"/>
+          <a:chOff x="0" y="0"/>
+          <a:chExt cx="0" cy="0"/>
+        </a:xfrm>
+      </p:grpSpPr>
+      <p:sp>
+        <p:nvSpPr>
+          <p:cNvPr id="4" name="Title 3"/>
+          <p:cNvSpPr>
+            <a:spLocks noGrp="1"/>
+          </p:cNvSpPr>
+          <p:nvPr>
+            <p:ph type="title"/>
+          </p:nvPr>
+        </p:nvSpPr>
+        <p:spPr/>
+        <p:txBody>
+          <a:bodyPr/>
+          <a:lstStyle/>
+          <a:p>
+            <a:r>
+              <a:rPr lang="en-US" dirty="0" smtClean="0"/>
               <a:t>Hello, Knockout</a:t>
             </a:r>
             <a:endParaRPr lang="en-US" dirty="0"/>
@@ -6758,7 +11092,7 @@
 </p:sld>
 </file>
 
-<file path=ppt/slides/slide23.xml><?xml version="1.0" encoding="utf-8"?>
+<file path=ppt/slides/slide24.xml><?xml version="1.0" encoding="utf-8"?>
 <p:sld xmlns:a="http://schemas.openxmlformats.org/drawingml/2006/main" xmlns:r="http://schemas.openxmlformats.org/officeDocument/2006/relationships" xmlns:p="http://schemas.openxmlformats.org/presentationml/2006/main">
   <p:cSld>
     <p:spTree>
@@ -7722,8 +12056,16 @@
               <a:t>Over </a:t>
             </a:r>
             <a:r>
+              <a:rPr lang="en-US" dirty="0"/>
+              <a:t>3</a:t>
+            </a:r>
+            <a:r>
               <a:rPr lang="en-US" dirty="0" smtClean="0"/>
-              <a:t>2M registered users</a:t>
+              <a:t>M </a:t>
+            </a:r>
+            <a:r>
+              <a:rPr lang="en-US" dirty="0" smtClean="0"/>
+              <a:t>registered users</a:t>
             </a:r>
           </a:p>
           <a:p>
@@ -7767,7 +12109,23 @@
             <a:pPr lvl="1"/>
             <a:r>
               <a:rPr lang="en-US" dirty="0" smtClean="0"/>
-              <a:t>Enter this code: [???] (expires 27 Oct 14)</a:t>
+              <a:t>Enter this code: </a:t>
+            </a:r>
+            <a:r>
+              <a:rPr lang="en-US" b="1" dirty="0"/>
+              <a:t>Knockout</a:t>
+            </a:r>
+            <a:r>
+              <a:rPr lang="en-US" dirty="0" smtClean="0"/>
+              <a:t> </a:t>
+            </a:r>
+            <a:r>
+              <a:rPr lang="en-US" dirty="0" smtClean="0"/>
+              <a:t>(expires </a:t>
+            </a:r>
+            <a:r>
+              <a:rPr lang="en-US" dirty="0" smtClean="0"/>
+              <a:t>12 Oct 15)</a:t>
             </a:r>
             <a:endParaRPr lang="en-US" dirty="0"/>
           </a:p>

--- a/Slides/1 - Introducing Knockout.pptx
+++ b/Slides/1 - Introducing Knockout.pptx
@@ -1167,6 +1167,13 @@
         </dgm:presLayoutVars>
       </dgm:prSet>
       <dgm:spPr/>
+      <dgm:t>
+        <a:bodyPr/>
+        <a:lstStyle/>
+        <a:p>
+          <a:endParaRPr lang="en-US"/>
+        </a:p>
+      </dgm:t>
     </dgm:pt>
     <dgm:pt modelId="{E1405A96-1CAE-4382-B6EC-1C1AFBED2F4B}" type="pres">
       <dgm:prSet presAssocID="{79114AEF-0CFD-414D-8EA9-02C9A5CB60B7}" presName="bullet4b" presStyleLbl="node1" presStyleIdx="1" presStyleCnt="4"/>
@@ -1179,6 +1186,13 @@
         </dgm:presLayoutVars>
       </dgm:prSet>
       <dgm:spPr/>
+      <dgm:t>
+        <a:bodyPr/>
+        <a:lstStyle/>
+        <a:p>
+          <a:endParaRPr lang="en-US"/>
+        </a:p>
+      </dgm:t>
     </dgm:pt>
     <dgm:pt modelId="{4D9A6DD5-054F-48AC-A0A3-A61605CE5057}" type="pres">
       <dgm:prSet presAssocID="{A83637F0-5681-4374-8ECE-2D29943F8621}" presName="bullet4c" presStyleLbl="node1" presStyleIdx="2" presStyleCnt="4"/>
@@ -1191,6 +1205,13 @@
         </dgm:presLayoutVars>
       </dgm:prSet>
       <dgm:spPr/>
+      <dgm:t>
+        <a:bodyPr/>
+        <a:lstStyle/>
+        <a:p>
+          <a:endParaRPr lang="en-US"/>
+        </a:p>
+      </dgm:t>
     </dgm:pt>
     <dgm:pt modelId="{F7077EAC-AEE5-4FEE-871D-FA9D7D79F9FA}" type="pres">
       <dgm:prSet presAssocID="{69814B6E-35A6-4E4D-B40F-8BF4AE8EFD69}" presName="bullet4d" presStyleLbl="node1" presStyleIdx="3" presStyleCnt="4"/>
@@ -1203,6 +1224,13 @@
         </dgm:presLayoutVars>
       </dgm:prSet>
       <dgm:spPr/>
+      <dgm:t>
+        <a:bodyPr/>
+        <a:lstStyle/>
+        <a:p>
+          <a:endParaRPr lang="en-US"/>
+        </a:p>
+      </dgm:t>
     </dgm:pt>
   </dgm:ptLst>
   <dgm:cxnLst>
@@ -4516,7 +4544,7 @@
           <a:p>
             <a:fld id="{A9DDBD42-E139-45FA-9C16-1611187CAC3F}" type="datetimeFigureOut">
               <a:rPr lang="en-US" smtClean="0"/>
-              <a:t>9/8/2015</a:t>
+              <a:t>9/9/2015</a:t>
             </a:fld>
             <a:endParaRPr lang="en-US"/>
           </a:p>
@@ -10644,8 +10672,13 @@
             </a:pPr>
             <a:r>
               <a:rPr lang="en-US" dirty="0" smtClean="0"/>
-              <a:t>Focused on ASP.NET and Office 365 development</a:t>
-            </a:r>
+              <a:t>Focused on </a:t>
+            </a:r>
+            <a:r>
+              <a:rPr lang="en-US" dirty="0" smtClean="0"/>
+              <a:t>web and OSS</a:t>
+            </a:r>
+            <a:endParaRPr lang="en-US" dirty="0" smtClean="0"/>
           </a:p>
           <a:p>
             <a:pPr marL="457046" lvl="1" indent="0">
@@ -10697,17 +10730,12 @@
               <a:buNone/>
             </a:pPr>
             <a:r>
+              <a:rPr lang="en-US" smtClean="0"/>
+              <a:t>Marathoner</a:t>
+            </a:r>
+            <a:r>
               <a:rPr lang="en-US" dirty="0" smtClean="0"/>
-              <a:t>Certification advocate</a:t>
-            </a:r>
-          </a:p>
-          <a:p>
-            <a:pPr marL="457046" lvl="1" indent="0">
-              <a:buNone/>
-            </a:pPr>
-            <a:r>
-              <a:rPr lang="en-US" dirty="0" smtClean="0"/>
-              <a:t>Marathoner, husband, father of one four legged child</a:t>
+              <a:t>, husband, father of one four legged child</a:t>
             </a:r>
           </a:p>
         </p:txBody>
@@ -12053,19 +12081,11 @@
             <a:pPr lvl="1"/>
             <a:r>
               <a:rPr lang="en-US" dirty="0"/>
-              <a:t>Over </a:t>
-            </a:r>
-            <a:r>
-              <a:rPr lang="en-US" dirty="0"/>
-              <a:t>3</a:t>
+              <a:t>Over 3</a:t>
             </a:r>
             <a:r>
               <a:rPr lang="en-US" dirty="0" smtClean="0"/>
-              <a:t>M </a:t>
-            </a:r>
-            <a:r>
-              <a:rPr lang="en-US" dirty="0" smtClean="0"/>
-              <a:t>registered users</a:t>
+              <a:t>M registered users</a:t>
             </a:r>
           </a:p>
           <a:p>
@@ -12117,15 +12137,7 @@
             </a:r>
             <a:r>
               <a:rPr lang="en-US" dirty="0" smtClean="0"/>
-              <a:t> </a:t>
-            </a:r>
-            <a:r>
-              <a:rPr lang="en-US" dirty="0" smtClean="0"/>
-              <a:t>(expires </a:t>
-            </a:r>
-            <a:r>
-              <a:rPr lang="en-US" dirty="0" smtClean="0"/>
-              <a:t>12 Oct 15)</a:t>
+              <a:t> (expires 12 Oct 15)</a:t>
             </a:r>
             <a:endParaRPr lang="en-US" dirty="0"/>
           </a:p>
